--- a/docs/03_directives.pptx
+++ b/docs/03_directives.pptx
@@ -5,25 +5,30 @@
     <p:sldMasterId id="2147483648" r:id="rId1"/>
   </p:sldMasterIdLst>
   <p:notesMasterIdLst>
-    <p:notesMasterId r:id="rId18"/>
+    <p:notesMasterId r:id="rId23"/>
   </p:notesMasterIdLst>
   <p:sldIdLst>
     <p:sldId id="256" r:id="rId2"/>
     <p:sldId id="279" r:id="rId3"/>
     <p:sldId id="284" r:id="rId4"/>
     <p:sldId id="287" r:id="rId5"/>
-    <p:sldId id="285" r:id="rId6"/>
-    <p:sldId id="286" r:id="rId7"/>
-    <p:sldId id="288" r:id="rId8"/>
-    <p:sldId id="283" r:id="rId9"/>
-    <p:sldId id="258" r:id="rId10"/>
-    <p:sldId id="282" r:id="rId11"/>
-    <p:sldId id="275" r:id="rId12"/>
-    <p:sldId id="278" r:id="rId13"/>
-    <p:sldId id="276" r:id="rId14"/>
-    <p:sldId id="274" r:id="rId15"/>
-    <p:sldId id="277" r:id="rId16"/>
-    <p:sldId id="281" r:id="rId17"/>
+    <p:sldId id="291" r:id="rId6"/>
+    <p:sldId id="293" r:id="rId7"/>
+    <p:sldId id="292" r:id="rId8"/>
+    <p:sldId id="289" r:id="rId9"/>
+    <p:sldId id="290" r:id="rId10"/>
+    <p:sldId id="285" r:id="rId11"/>
+    <p:sldId id="286" r:id="rId12"/>
+    <p:sldId id="288" r:id="rId13"/>
+    <p:sldId id="283" r:id="rId14"/>
+    <p:sldId id="258" r:id="rId15"/>
+    <p:sldId id="282" r:id="rId16"/>
+    <p:sldId id="275" r:id="rId17"/>
+    <p:sldId id="278" r:id="rId18"/>
+    <p:sldId id="276" r:id="rId19"/>
+    <p:sldId id="274" r:id="rId20"/>
+    <p:sldId id="277" r:id="rId21"/>
+    <p:sldId id="281" r:id="rId22"/>
   </p:sldIdLst>
   <p:sldSz cx="9144000" cy="6858000" type="screen4x3"/>
   <p:notesSz cx="6858000" cy="9144000"/>
@@ -656,7 +661,7 @@
           <a:p>
             <a:fld id="{DA8CAE91-5FC7-41E5-8054-44424FFBB7AB}" type="slidenum">
               <a:rPr lang="ru-RU" smtClean="0"/>
-              <a:t>12</a:t>
+              <a:t>11</a:t>
             </a:fld>
             <a:endParaRPr lang="ru-RU"/>
           </a:p>
@@ -665,7 +670,7 @@
     </p:spTree>
     <p:extLst>
       <p:ext uri="{BB962C8B-B14F-4D97-AF65-F5344CB8AC3E}">
-        <p14:creationId xmlns:p14="http://schemas.microsoft.com/office/powerpoint/2010/main" val="4149209114"/>
+        <p14:creationId xmlns:p14="http://schemas.microsoft.com/office/powerpoint/2010/main" val="1202104737"/>
       </p:ext>
     </p:extLst>
   </p:cSld>
@@ -748,7 +753,7 @@
           <a:p>
             <a:fld id="{DA8CAE91-5FC7-41E5-8054-44424FFBB7AB}" type="slidenum">
               <a:rPr lang="ru-RU" smtClean="0"/>
-              <a:t>13</a:t>
+              <a:t>12</a:t>
             </a:fld>
             <a:endParaRPr lang="ru-RU"/>
           </a:p>
@@ -757,7 +762,7 @@
     </p:spTree>
     <p:extLst>
       <p:ext uri="{BB962C8B-B14F-4D97-AF65-F5344CB8AC3E}">
-        <p14:creationId xmlns:p14="http://schemas.microsoft.com/office/powerpoint/2010/main" val="4149209114"/>
+        <p14:creationId xmlns:p14="http://schemas.microsoft.com/office/powerpoint/2010/main" val="4092314020"/>
       </p:ext>
     </p:extLst>
   </p:cSld>
@@ -840,7 +845,7 @@
           <a:p>
             <a:fld id="{DA8CAE91-5FC7-41E5-8054-44424FFBB7AB}" type="slidenum">
               <a:rPr lang="ru-RU" smtClean="0"/>
-              <a:t>14</a:t>
+              <a:t>13</a:t>
             </a:fld>
             <a:endParaRPr lang="ru-RU"/>
           </a:p>
@@ -849,7 +854,7 @@
     </p:spTree>
     <p:extLst>
       <p:ext uri="{BB962C8B-B14F-4D97-AF65-F5344CB8AC3E}">
-        <p14:creationId xmlns:p14="http://schemas.microsoft.com/office/powerpoint/2010/main" val="2208590362"/>
+        <p14:creationId xmlns:p14="http://schemas.microsoft.com/office/powerpoint/2010/main" val="3254970924"/>
       </p:ext>
     </p:extLst>
   </p:cSld>
@@ -997,7 +1002,11 @@
           <a:p>
             <a:r>
               <a:rPr lang="en-US" dirty="0" smtClean="0"/>
-              <a:t>https://docs.angularjs.org/guide</a:t>
+              <a:t>make</a:t>
+            </a:r>
+            <a:r>
+              <a:rPr lang="en-US" baseline="0" dirty="0" smtClean="0"/>
+              <a:t> picture of ctrl + view</a:t>
             </a:r>
             <a:endParaRPr lang="ru-RU" dirty="0"/>
           </a:p>
@@ -1021,6 +1030,462 @@
             <a:fld id="{DA8CAE91-5FC7-41E5-8054-44424FFBB7AB}" type="slidenum">
               <a:rPr lang="ru-RU" smtClean="0"/>
               <a:t>16</a:t>
+            </a:fld>
+            <a:endParaRPr lang="ru-RU"/>
+          </a:p>
+        </p:txBody>
+      </p:sp>
+    </p:spTree>
+    <p:extLst>
+      <p:ext uri="{BB962C8B-B14F-4D97-AF65-F5344CB8AC3E}">
+        <p14:creationId xmlns:p14="http://schemas.microsoft.com/office/powerpoint/2010/main" val="4149209114"/>
+      </p:ext>
+    </p:extLst>
+  </p:cSld>
+  <p:clrMapOvr>
+    <a:masterClrMapping/>
+  </p:clrMapOvr>
+</p:notes>
+</file>
+
+<file path=ppt/notesSlides/notesSlide15.xml><?xml version="1.0" encoding="utf-8"?>
+<p:notes xmlns:a="http://schemas.openxmlformats.org/drawingml/2006/main" xmlns:r="http://schemas.openxmlformats.org/officeDocument/2006/relationships" xmlns:p="http://schemas.openxmlformats.org/presentationml/2006/main">
+  <p:cSld>
+    <p:spTree>
+      <p:nvGrpSpPr>
+        <p:cNvPr id="1" name=""/>
+        <p:cNvGrpSpPr/>
+        <p:nvPr/>
+      </p:nvGrpSpPr>
+      <p:grpSpPr>
+        <a:xfrm>
+          <a:off x="0" y="0"/>
+          <a:ext cx="0" cy="0"/>
+          <a:chOff x="0" y="0"/>
+          <a:chExt cx="0" cy="0"/>
+        </a:xfrm>
+      </p:grpSpPr>
+      <p:sp>
+        <p:nvSpPr>
+          <p:cNvPr id="2" name="Slide Image Placeholder 1"/>
+          <p:cNvSpPr>
+            <a:spLocks noGrp="1" noRot="1" noChangeAspect="1"/>
+          </p:cNvSpPr>
+          <p:nvPr>
+            <p:ph type="sldImg"/>
+          </p:nvPr>
+        </p:nvSpPr>
+        <p:spPr/>
+      </p:sp>
+      <p:sp>
+        <p:nvSpPr>
+          <p:cNvPr id="3" name="Notes Placeholder 2"/>
+          <p:cNvSpPr>
+            <a:spLocks noGrp="1"/>
+          </p:cNvSpPr>
+          <p:nvPr>
+            <p:ph type="body" idx="1"/>
+          </p:nvPr>
+        </p:nvSpPr>
+        <p:spPr/>
+        <p:txBody>
+          <a:bodyPr/>
+          <a:lstStyle/>
+          <a:p>
+            <a:r>
+              <a:rPr lang="en-US" dirty="0" smtClean="0"/>
+              <a:t>make</a:t>
+            </a:r>
+            <a:r>
+              <a:rPr lang="en-US" baseline="0" dirty="0" smtClean="0"/>
+              <a:t> picture of ctrl + view</a:t>
+            </a:r>
+            <a:endParaRPr lang="ru-RU" dirty="0"/>
+          </a:p>
+        </p:txBody>
+      </p:sp>
+      <p:sp>
+        <p:nvSpPr>
+          <p:cNvPr id="4" name="Slide Number Placeholder 3"/>
+          <p:cNvSpPr>
+            <a:spLocks noGrp="1"/>
+          </p:cNvSpPr>
+          <p:nvPr>
+            <p:ph type="sldNum" sz="quarter" idx="10"/>
+          </p:nvPr>
+        </p:nvSpPr>
+        <p:spPr/>
+        <p:txBody>
+          <a:bodyPr/>
+          <a:lstStyle/>
+          <a:p>
+            <a:fld id="{DA8CAE91-5FC7-41E5-8054-44424FFBB7AB}" type="slidenum">
+              <a:rPr lang="ru-RU" smtClean="0"/>
+              <a:t>17</a:t>
+            </a:fld>
+            <a:endParaRPr lang="ru-RU"/>
+          </a:p>
+        </p:txBody>
+      </p:sp>
+    </p:spTree>
+    <p:extLst>
+      <p:ext uri="{BB962C8B-B14F-4D97-AF65-F5344CB8AC3E}">
+        <p14:creationId xmlns:p14="http://schemas.microsoft.com/office/powerpoint/2010/main" val="4149209114"/>
+      </p:ext>
+    </p:extLst>
+  </p:cSld>
+  <p:clrMapOvr>
+    <a:masterClrMapping/>
+  </p:clrMapOvr>
+</p:notes>
+</file>
+
+<file path=ppt/notesSlides/notesSlide16.xml><?xml version="1.0" encoding="utf-8"?>
+<p:notes xmlns:a="http://schemas.openxmlformats.org/drawingml/2006/main" xmlns:r="http://schemas.openxmlformats.org/officeDocument/2006/relationships" xmlns:p="http://schemas.openxmlformats.org/presentationml/2006/main">
+  <p:cSld>
+    <p:spTree>
+      <p:nvGrpSpPr>
+        <p:cNvPr id="1" name=""/>
+        <p:cNvGrpSpPr/>
+        <p:nvPr/>
+      </p:nvGrpSpPr>
+      <p:grpSpPr>
+        <a:xfrm>
+          <a:off x="0" y="0"/>
+          <a:ext cx="0" cy="0"/>
+          <a:chOff x="0" y="0"/>
+          <a:chExt cx="0" cy="0"/>
+        </a:xfrm>
+      </p:grpSpPr>
+      <p:sp>
+        <p:nvSpPr>
+          <p:cNvPr id="2" name="Slide Image Placeholder 1"/>
+          <p:cNvSpPr>
+            <a:spLocks noGrp="1" noRot="1" noChangeAspect="1"/>
+          </p:cNvSpPr>
+          <p:nvPr>
+            <p:ph type="sldImg"/>
+          </p:nvPr>
+        </p:nvSpPr>
+        <p:spPr/>
+      </p:sp>
+      <p:sp>
+        <p:nvSpPr>
+          <p:cNvPr id="3" name="Notes Placeholder 2"/>
+          <p:cNvSpPr>
+            <a:spLocks noGrp="1"/>
+          </p:cNvSpPr>
+          <p:nvPr>
+            <p:ph type="body" idx="1"/>
+          </p:nvPr>
+        </p:nvSpPr>
+        <p:spPr/>
+        <p:txBody>
+          <a:bodyPr/>
+          <a:lstStyle/>
+          <a:p>
+            <a:r>
+              <a:rPr lang="en-US" dirty="0" smtClean="0"/>
+              <a:t>make</a:t>
+            </a:r>
+            <a:r>
+              <a:rPr lang="en-US" baseline="0" dirty="0" smtClean="0"/>
+              <a:t> picture of ctrl + view</a:t>
+            </a:r>
+            <a:endParaRPr lang="ru-RU" dirty="0"/>
+          </a:p>
+        </p:txBody>
+      </p:sp>
+      <p:sp>
+        <p:nvSpPr>
+          <p:cNvPr id="4" name="Slide Number Placeholder 3"/>
+          <p:cNvSpPr>
+            <a:spLocks noGrp="1"/>
+          </p:cNvSpPr>
+          <p:nvPr>
+            <p:ph type="sldNum" sz="quarter" idx="10"/>
+          </p:nvPr>
+        </p:nvSpPr>
+        <p:spPr/>
+        <p:txBody>
+          <a:bodyPr/>
+          <a:lstStyle/>
+          <a:p>
+            <a:fld id="{DA8CAE91-5FC7-41E5-8054-44424FFBB7AB}" type="slidenum">
+              <a:rPr lang="ru-RU" smtClean="0"/>
+              <a:t>18</a:t>
+            </a:fld>
+            <a:endParaRPr lang="ru-RU"/>
+          </a:p>
+        </p:txBody>
+      </p:sp>
+    </p:spTree>
+    <p:extLst>
+      <p:ext uri="{BB962C8B-B14F-4D97-AF65-F5344CB8AC3E}">
+        <p14:creationId xmlns:p14="http://schemas.microsoft.com/office/powerpoint/2010/main" val="4149209114"/>
+      </p:ext>
+    </p:extLst>
+  </p:cSld>
+  <p:clrMapOvr>
+    <a:masterClrMapping/>
+  </p:clrMapOvr>
+</p:notes>
+</file>
+
+<file path=ppt/notesSlides/notesSlide17.xml><?xml version="1.0" encoding="utf-8"?>
+<p:notes xmlns:a="http://schemas.openxmlformats.org/drawingml/2006/main" xmlns:r="http://schemas.openxmlformats.org/officeDocument/2006/relationships" xmlns:p="http://schemas.openxmlformats.org/presentationml/2006/main">
+  <p:cSld>
+    <p:spTree>
+      <p:nvGrpSpPr>
+        <p:cNvPr id="1" name=""/>
+        <p:cNvGrpSpPr/>
+        <p:nvPr/>
+      </p:nvGrpSpPr>
+      <p:grpSpPr>
+        <a:xfrm>
+          <a:off x="0" y="0"/>
+          <a:ext cx="0" cy="0"/>
+          <a:chOff x="0" y="0"/>
+          <a:chExt cx="0" cy="0"/>
+        </a:xfrm>
+      </p:grpSpPr>
+      <p:sp>
+        <p:nvSpPr>
+          <p:cNvPr id="2" name="Slide Image Placeholder 1"/>
+          <p:cNvSpPr>
+            <a:spLocks noGrp="1" noRot="1" noChangeAspect="1"/>
+          </p:cNvSpPr>
+          <p:nvPr>
+            <p:ph type="sldImg"/>
+          </p:nvPr>
+        </p:nvSpPr>
+        <p:spPr/>
+      </p:sp>
+      <p:sp>
+        <p:nvSpPr>
+          <p:cNvPr id="3" name="Notes Placeholder 2"/>
+          <p:cNvSpPr>
+            <a:spLocks noGrp="1"/>
+          </p:cNvSpPr>
+          <p:nvPr>
+            <p:ph type="body" idx="1"/>
+          </p:nvPr>
+        </p:nvSpPr>
+        <p:spPr/>
+        <p:txBody>
+          <a:bodyPr/>
+          <a:lstStyle/>
+          <a:p>
+            <a:r>
+              <a:rPr lang="en-US" dirty="0" smtClean="0"/>
+              <a:t>make</a:t>
+            </a:r>
+            <a:r>
+              <a:rPr lang="en-US" baseline="0" dirty="0" smtClean="0"/>
+              <a:t> picture of ctrl + view</a:t>
+            </a:r>
+            <a:endParaRPr lang="ru-RU" dirty="0"/>
+          </a:p>
+        </p:txBody>
+      </p:sp>
+      <p:sp>
+        <p:nvSpPr>
+          <p:cNvPr id="4" name="Slide Number Placeholder 3"/>
+          <p:cNvSpPr>
+            <a:spLocks noGrp="1"/>
+          </p:cNvSpPr>
+          <p:nvPr>
+            <p:ph type="sldNum" sz="quarter" idx="10"/>
+          </p:nvPr>
+        </p:nvSpPr>
+        <p:spPr/>
+        <p:txBody>
+          <a:bodyPr/>
+          <a:lstStyle/>
+          <a:p>
+            <a:fld id="{DA8CAE91-5FC7-41E5-8054-44424FFBB7AB}" type="slidenum">
+              <a:rPr lang="ru-RU" smtClean="0"/>
+              <a:t>19</a:t>
+            </a:fld>
+            <a:endParaRPr lang="ru-RU"/>
+          </a:p>
+        </p:txBody>
+      </p:sp>
+    </p:spTree>
+    <p:extLst>
+      <p:ext uri="{BB962C8B-B14F-4D97-AF65-F5344CB8AC3E}">
+        <p14:creationId xmlns:p14="http://schemas.microsoft.com/office/powerpoint/2010/main" val="2208590362"/>
+      </p:ext>
+    </p:extLst>
+  </p:cSld>
+  <p:clrMapOvr>
+    <a:masterClrMapping/>
+  </p:clrMapOvr>
+</p:notes>
+</file>
+
+<file path=ppt/notesSlides/notesSlide18.xml><?xml version="1.0" encoding="utf-8"?>
+<p:notes xmlns:a="http://schemas.openxmlformats.org/drawingml/2006/main" xmlns:r="http://schemas.openxmlformats.org/officeDocument/2006/relationships" xmlns:p="http://schemas.openxmlformats.org/presentationml/2006/main">
+  <p:cSld>
+    <p:spTree>
+      <p:nvGrpSpPr>
+        <p:cNvPr id="1" name=""/>
+        <p:cNvGrpSpPr/>
+        <p:nvPr/>
+      </p:nvGrpSpPr>
+      <p:grpSpPr>
+        <a:xfrm>
+          <a:off x="0" y="0"/>
+          <a:ext cx="0" cy="0"/>
+          <a:chOff x="0" y="0"/>
+          <a:chExt cx="0" cy="0"/>
+        </a:xfrm>
+      </p:grpSpPr>
+      <p:sp>
+        <p:nvSpPr>
+          <p:cNvPr id="2" name="Slide Image Placeholder 1"/>
+          <p:cNvSpPr>
+            <a:spLocks noGrp="1" noRot="1" noChangeAspect="1"/>
+          </p:cNvSpPr>
+          <p:nvPr>
+            <p:ph type="sldImg"/>
+          </p:nvPr>
+        </p:nvSpPr>
+        <p:spPr/>
+      </p:sp>
+      <p:sp>
+        <p:nvSpPr>
+          <p:cNvPr id="3" name="Notes Placeholder 2"/>
+          <p:cNvSpPr>
+            <a:spLocks noGrp="1"/>
+          </p:cNvSpPr>
+          <p:nvPr>
+            <p:ph type="body" idx="1"/>
+          </p:nvPr>
+        </p:nvSpPr>
+        <p:spPr/>
+        <p:txBody>
+          <a:bodyPr/>
+          <a:lstStyle/>
+          <a:p>
+            <a:r>
+              <a:rPr lang="en-US" dirty="0" smtClean="0"/>
+              <a:t>make</a:t>
+            </a:r>
+            <a:r>
+              <a:rPr lang="en-US" baseline="0" dirty="0" smtClean="0"/>
+              <a:t> picture of ctrl + view</a:t>
+            </a:r>
+            <a:endParaRPr lang="ru-RU" dirty="0"/>
+          </a:p>
+        </p:txBody>
+      </p:sp>
+      <p:sp>
+        <p:nvSpPr>
+          <p:cNvPr id="4" name="Slide Number Placeholder 3"/>
+          <p:cNvSpPr>
+            <a:spLocks noGrp="1"/>
+          </p:cNvSpPr>
+          <p:nvPr>
+            <p:ph type="sldNum" sz="quarter" idx="10"/>
+          </p:nvPr>
+        </p:nvSpPr>
+        <p:spPr/>
+        <p:txBody>
+          <a:bodyPr/>
+          <a:lstStyle/>
+          <a:p>
+            <a:fld id="{DA8CAE91-5FC7-41E5-8054-44424FFBB7AB}" type="slidenum">
+              <a:rPr lang="ru-RU" smtClean="0"/>
+              <a:t>20</a:t>
+            </a:fld>
+            <a:endParaRPr lang="ru-RU"/>
+          </a:p>
+        </p:txBody>
+      </p:sp>
+    </p:spTree>
+    <p:extLst>
+      <p:ext uri="{BB962C8B-B14F-4D97-AF65-F5344CB8AC3E}">
+        <p14:creationId xmlns:p14="http://schemas.microsoft.com/office/powerpoint/2010/main" val="4149209114"/>
+      </p:ext>
+    </p:extLst>
+  </p:cSld>
+  <p:clrMapOvr>
+    <a:masterClrMapping/>
+  </p:clrMapOvr>
+</p:notes>
+</file>
+
+<file path=ppt/notesSlides/notesSlide19.xml><?xml version="1.0" encoding="utf-8"?>
+<p:notes xmlns:a="http://schemas.openxmlformats.org/drawingml/2006/main" xmlns:r="http://schemas.openxmlformats.org/officeDocument/2006/relationships" xmlns:p="http://schemas.openxmlformats.org/presentationml/2006/main">
+  <p:cSld>
+    <p:spTree>
+      <p:nvGrpSpPr>
+        <p:cNvPr id="1" name=""/>
+        <p:cNvGrpSpPr/>
+        <p:nvPr/>
+      </p:nvGrpSpPr>
+      <p:grpSpPr>
+        <a:xfrm>
+          <a:off x="0" y="0"/>
+          <a:ext cx="0" cy="0"/>
+          <a:chOff x="0" y="0"/>
+          <a:chExt cx="0" cy="0"/>
+        </a:xfrm>
+      </p:grpSpPr>
+      <p:sp>
+        <p:nvSpPr>
+          <p:cNvPr id="2" name="Slide Image Placeholder 1"/>
+          <p:cNvSpPr>
+            <a:spLocks noGrp="1" noRot="1" noChangeAspect="1"/>
+          </p:cNvSpPr>
+          <p:nvPr>
+            <p:ph type="sldImg"/>
+          </p:nvPr>
+        </p:nvSpPr>
+        <p:spPr/>
+      </p:sp>
+      <p:sp>
+        <p:nvSpPr>
+          <p:cNvPr id="3" name="Notes Placeholder 2"/>
+          <p:cNvSpPr>
+            <a:spLocks noGrp="1"/>
+          </p:cNvSpPr>
+          <p:nvPr>
+            <p:ph type="body" idx="1"/>
+          </p:nvPr>
+        </p:nvSpPr>
+        <p:spPr/>
+        <p:txBody>
+          <a:bodyPr/>
+          <a:lstStyle/>
+          <a:p>
+            <a:r>
+              <a:rPr lang="en-US" dirty="0" smtClean="0"/>
+              <a:t>https://docs.angularjs.org/guide</a:t>
+            </a:r>
+            <a:endParaRPr lang="ru-RU" dirty="0"/>
+          </a:p>
+        </p:txBody>
+      </p:sp>
+      <p:sp>
+        <p:nvSpPr>
+          <p:cNvPr id="4" name="Slide Number Placeholder 3"/>
+          <p:cNvSpPr>
+            <a:spLocks noGrp="1"/>
+          </p:cNvSpPr>
+          <p:nvPr>
+            <p:ph type="sldNum" sz="quarter" idx="10"/>
+          </p:nvPr>
+        </p:nvSpPr>
+        <p:spPr/>
+        <p:txBody>
+          <a:bodyPr/>
+          <a:lstStyle/>
+          <a:p>
+            <a:fld id="{DA8CAE91-5FC7-41E5-8054-44424FFBB7AB}" type="slidenum">
+              <a:rPr lang="ru-RU" smtClean="0"/>
+              <a:t>21</a:t>
             </a:fld>
             <a:endParaRPr lang="ru-RU"/>
           </a:p>
@@ -1305,7 +1770,7 @@
     </p:spTree>
     <p:extLst>
       <p:ext uri="{BB962C8B-B14F-4D97-AF65-F5344CB8AC3E}">
-        <p14:creationId xmlns:p14="http://schemas.microsoft.com/office/powerpoint/2010/main" val="4124164088"/>
+        <p14:creationId xmlns:p14="http://schemas.microsoft.com/office/powerpoint/2010/main" val="3046707267"/>
       </p:ext>
     </p:extLst>
   </p:cSld>
@@ -1397,7 +1862,7 @@
     </p:spTree>
     <p:extLst>
       <p:ext uri="{BB962C8B-B14F-4D97-AF65-F5344CB8AC3E}">
-        <p14:creationId xmlns:p14="http://schemas.microsoft.com/office/powerpoint/2010/main" val="1202104737"/>
+        <p14:creationId xmlns:p14="http://schemas.microsoft.com/office/powerpoint/2010/main" val="623654471"/>
       </p:ext>
     </p:extLst>
   </p:cSld>
@@ -1489,7 +1954,7 @@
     </p:spTree>
     <p:extLst>
       <p:ext uri="{BB962C8B-B14F-4D97-AF65-F5344CB8AC3E}">
-        <p14:creationId xmlns:p14="http://schemas.microsoft.com/office/powerpoint/2010/main" val="4092314020"/>
+        <p14:creationId xmlns:p14="http://schemas.microsoft.com/office/powerpoint/2010/main" val="1399169545"/>
       </p:ext>
     </p:extLst>
   </p:cSld>
@@ -1581,7 +2046,7 @@
     </p:spTree>
     <p:extLst>
       <p:ext uri="{BB962C8B-B14F-4D97-AF65-F5344CB8AC3E}">
-        <p14:creationId xmlns:p14="http://schemas.microsoft.com/office/powerpoint/2010/main" val="3254970924"/>
+        <p14:creationId xmlns:p14="http://schemas.microsoft.com/office/powerpoint/2010/main" val="4285705921"/>
       </p:ext>
     </p:extLst>
   </p:cSld>
@@ -1664,7 +2129,7 @@
           <a:p>
             <a:fld id="{DA8CAE91-5FC7-41E5-8054-44424FFBB7AB}" type="slidenum">
               <a:rPr lang="ru-RU" smtClean="0"/>
-              <a:t>10</a:t>
+              <a:t>9</a:t>
             </a:fld>
             <a:endParaRPr lang="ru-RU"/>
           </a:p>
@@ -1673,7 +2138,7 @@
     </p:spTree>
     <p:extLst>
       <p:ext uri="{BB962C8B-B14F-4D97-AF65-F5344CB8AC3E}">
-        <p14:creationId xmlns:p14="http://schemas.microsoft.com/office/powerpoint/2010/main" val="4149209114"/>
+        <p14:creationId xmlns:p14="http://schemas.microsoft.com/office/powerpoint/2010/main" val="1224237757"/>
       </p:ext>
     </p:extLst>
   </p:cSld>
@@ -1756,7 +2221,7 @@
           <a:p>
             <a:fld id="{DA8CAE91-5FC7-41E5-8054-44424FFBB7AB}" type="slidenum">
               <a:rPr lang="ru-RU" smtClean="0"/>
-              <a:t>11</a:t>
+              <a:t>10</a:t>
             </a:fld>
             <a:endParaRPr lang="ru-RU"/>
           </a:p>
@@ -1765,7 +2230,7 @@
     </p:spTree>
     <p:extLst>
       <p:ext uri="{BB962C8B-B14F-4D97-AF65-F5344CB8AC3E}">
-        <p14:creationId xmlns:p14="http://schemas.microsoft.com/office/powerpoint/2010/main" val="4149209114"/>
+        <p14:creationId xmlns:p14="http://schemas.microsoft.com/office/powerpoint/2010/main" val="4124164088"/>
       </p:ext>
     </p:extLst>
   </p:cSld>
@@ -4876,6 +5341,4119 @@
 </file>
 
 <file path=ppt/slides/slide10.xml><?xml version="1.0" encoding="utf-8"?>
+<p:sld xmlns:a="http://schemas.openxmlformats.org/drawingml/2006/main" xmlns:r="http://schemas.openxmlformats.org/officeDocument/2006/relationships" xmlns:p="http://schemas.openxmlformats.org/presentationml/2006/main">
+  <p:cSld>
+    <p:spTree>
+      <p:nvGrpSpPr>
+        <p:cNvPr id="1" name=""/>
+        <p:cNvGrpSpPr/>
+        <p:nvPr/>
+      </p:nvGrpSpPr>
+      <p:grpSpPr>
+        <a:xfrm>
+          <a:off x="0" y="0"/>
+          <a:ext cx="0" cy="0"/>
+          <a:chOff x="0" y="0"/>
+          <a:chExt cx="0" cy="0"/>
+        </a:xfrm>
+      </p:grpSpPr>
+      <p:sp>
+        <p:nvSpPr>
+          <p:cNvPr id="2" name="Title 1"/>
+          <p:cNvSpPr>
+            <a:spLocks noGrp="1"/>
+          </p:cNvSpPr>
+          <p:nvPr>
+            <p:ph type="title"/>
+          </p:nvPr>
+        </p:nvSpPr>
+        <p:spPr/>
+        <p:txBody>
+          <a:bodyPr>
+            <a:normAutofit/>
+          </a:bodyPr>
+          <a:lstStyle/>
+          <a:p>
+            <a:r>
+              <a:rPr lang="en-US" dirty="0" smtClean="0">
+                <a:latin typeface="Rockwell" panose="02060603020205020403" pitchFamily="18" charset="0"/>
+                <a:cs typeface="Courier New" panose="02070309020205020404" pitchFamily="49" charset="0"/>
+              </a:rPr>
+              <a:t>Clean up please</a:t>
+            </a:r>
+            <a:endParaRPr lang="ru-RU" dirty="0">
+              <a:latin typeface="Courier New" panose="02070309020205020404" pitchFamily="49" charset="0"/>
+              <a:cs typeface="Courier New" panose="02070309020205020404" pitchFamily="49" charset="0"/>
+            </a:endParaRPr>
+          </a:p>
+        </p:txBody>
+      </p:sp>
+      <p:sp>
+        <p:nvSpPr>
+          <p:cNvPr id="5" name="Rectangle 4"/>
+          <p:cNvSpPr>
+            <a:spLocks noChangeArrowheads="1"/>
+          </p:cNvSpPr>
+          <p:nvPr/>
+        </p:nvSpPr>
+        <p:spPr bwMode="auto">
+          <a:xfrm>
+            <a:off x="4944299" y="4759699"/>
+            <a:ext cx="3581400" cy="1741603"/>
+          </a:xfrm>
+          <a:prstGeom prst="rect">
+            <a:avLst/>
+          </a:prstGeom>
+          <a:solidFill>
+            <a:srgbClr val="F5F2F0"/>
+          </a:solidFill>
+          <a:ln>
+            <a:noFill/>
+          </a:ln>
+          <a:effectLst/>
+          <a:extLst>
+            <a:ext uri="{91240B29-F687-4F45-9708-019B960494DF}">
+              <a14:hiddenLine xmlns:a14="http://schemas.microsoft.com/office/drawing/2010/main" w="9525">
+                <a:solidFill>
+                  <a:schemeClr val="tx1"/>
+                </a:solidFill>
+                <a:miter lim="800000"/>
+                <a:headEnd/>
+                <a:tailEnd/>
+              </a14:hiddenLine>
+            </a:ext>
+            <a:ext uri="{AF507438-7753-43E0-B8FC-AC1667EBCBE1}">
+              <a14:hiddenEffects xmlns:a14="http://schemas.microsoft.com/office/drawing/2010/main">
+                <a:effectLst>
+                  <a:outerShdw dist="35921" dir="2700000" algn="ctr" rotWithShape="0">
+                    <a:schemeClr val="bg2"/>
+                  </a:outerShdw>
+                </a:effectLst>
+              </a14:hiddenEffects>
+            </a:ext>
+          </a:extLst>
+        </p:spPr>
+        <p:txBody>
+          <a:bodyPr vert="horz" wrap="square" lIns="108000" tIns="108000" rIns="108000" bIns="108000" numCol="1" anchor="ctr" anchorCtr="0" compatLnSpc="1">
+            <a:prstTxWarp prst="textNoShape">
+              <a:avLst/>
+            </a:prstTxWarp>
+            <a:spAutoFit/>
+          </a:bodyPr>
+          <a:lstStyle/>
+          <a:p>
+            <a:pPr lvl="0" eaLnBrk="0" fontAlgn="base" hangingPunct="0">
+              <a:spcBef>
+                <a:spcPct val="0"/>
+              </a:spcBef>
+              <a:spcAft>
+                <a:spcPct val="0"/>
+              </a:spcAft>
+            </a:pPr>
+            <a:r>
+              <a:rPr lang="en-US" altLang="en-US" sz="1100" b="1" i="1" dirty="0" err="1">
+                <a:solidFill>
+                  <a:srgbClr val="660E7A"/>
+                </a:solidFill>
+                <a:latin typeface="Courier New" panose="02070309020205020404" pitchFamily="49" charset="0"/>
+                <a:cs typeface="Courier New" panose="02070309020205020404" pitchFamily="49" charset="0"/>
+              </a:rPr>
+              <a:t>app</a:t>
+            </a:r>
+            <a:r>
+              <a:rPr lang="en-US" altLang="en-US" sz="1100" dirty="0" err="1">
+                <a:solidFill>
+                  <a:srgbClr val="000000"/>
+                </a:solidFill>
+                <a:latin typeface="Courier New" panose="02070309020205020404" pitchFamily="49" charset="0"/>
+                <a:cs typeface="Courier New" panose="02070309020205020404" pitchFamily="49" charset="0"/>
+              </a:rPr>
+              <a:t>.</a:t>
+            </a:r>
+            <a:r>
+              <a:rPr lang="en-US" altLang="en-US" sz="1100" b="1" dirty="0" err="1">
+                <a:solidFill>
+                  <a:srgbClr val="660E7A"/>
+                </a:solidFill>
+                <a:latin typeface="Courier New" panose="02070309020205020404" pitchFamily="49" charset="0"/>
+                <a:cs typeface="Courier New" panose="02070309020205020404" pitchFamily="49" charset="0"/>
+              </a:rPr>
+              <a:t>service</a:t>
+            </a:r>
+            <a:r>
+              <a:rPr lang="en-US" altLang="en-US" sz="1100" dirty="0">
+                <a:solidFill>
+                  <a:srgbClr val="000000"/>
+                </a:solidFill>
+                <a:latin typeface="Courier New" panose="02070309020205020404" pitchFamily="49" charset="0"/>
+                <a:cs typeface="Courier New" panose="02070309020205020404" pitchFamily="49" charset="0"/>
+              </a:rPr>
+              <a:t>(</a:t>
+            </a:r>
+            <a:r>
+              <a:rPr lang="en-US" altLang="en-US" sz="1100" b="1" dirty="0">
+                <a:solidFill>
+                  <a:srgbClr val="008000"/>
+                </a:solidFill>
+                <a:latin typeface="Courier New" panose="02070309020205020404" pitchFamily="49" charset="0"/>
+                <a:cs typeface="Courier New" panose="02070309020205020404" pitchFamily="49" charset="0"/>
+              </a:rPr>
+              <a:t>'</a:t>
+            </a:r>
+            <a:r>
+              <a:rPr lang="en-US" altLang="en-US" sz="1100" b="1" dirty="0" err="1">
+                <a:solidFill>
+                  <a:srgbClr val="008000"/>
+                </a:solidFill>
+                <a:latin typeface="Courier New" panose="02070309020205020404" pitchFamily="49" charset="0"/>
+                <a:cs typeface="Courier New" panose="02070309020205020404" pitchFamily="49" charset="0"/>
+              </a:rPr>
+              <a:t>myService</a:t>
+            </a:r>
+            <a:r>
+              <a:rPr lang="en-US" altLang="en-US" sz="1100" b="1" dirty="0">
+                <a:solidFill>
+                  <a:srgbClr val="008000"/>
+                </a:solidFill>
+                <a:latin typeface="Courier New" panose="02070309020205020404" pitchFamily="49" charset="0"/>
+                <a:cs typeface="Courier New" panose="02070309020205020404" pitchFamily="49" charset="0"/>
+              </a:rPr>
+              <a:t>'</a:t>
+            </a:r>
+            <a:r>
+              <a:rPr lang="en-US" altLang="en-US" sz="1100" dirty="0">
+                <a:solidFill>
+                  <a:srgbClr val="000000"/>
+                </a:solidFill>
+                <a:latin typeface="Courier New" panose="02070309020205020404" pitchFamily="49" charset="0"/>
+                <a:cs typeface="Courier New" panose="02070309020205020404" pitchFamily="49" charset="0"/>
+              </a:rPr>
+              <a:t>, </a:t>
+            </a:r>
+            <a:r>
+              <a:rPr lang="en-US" altLang="en-US" sz="1100" b="1" dirty="0">
+                <a:solidFill>
+                  <a:srgbClr val="000080"/>
+                </a:solidFill>
+                <a:latin typeface="Courier New" panose="02070309020205020404" pitchFamily="49" charset="0"/>
+                <a:cs typeface="Courier New" panose="02070309020205020404" pitchFamily="49" charset="0"/>
+              </a:rPr>
+              <a:t>function</a:t>
+            </a:r>
+            <a:r>
+              <a:rPr lang="en-US" altLang="en-US" sz="1100" dirty="0">
+                <a:solidFill>
+                  <a:srgbClr val="000000"/>
+                </a:solidFill>
+                <a:latin typeface="Courier New" panose="02070309020205020404" pitchFamily="49" charset="0"/>
+                <a:cs typeface="Courier New" panose="02070309020205020404" pitchFamily="49" charset="0"/>
+              </a:rPr>
+              <a:t>() </a:t>
+            </a:r>
+            <a:r>
+              <a:rPr lang="en-US" altLang="en-US" sz="1100" dirty="0" smtClean="0">
+                <a:solidFill>
+                  <a:srgbClr val="000000"/>
+                </a:solidFill>
+                <a:latin typeface="Courier New" panose="02070309020205020404" pitchFamily="49" charset="0"/>
+                <a:cs typeface="Courier New" panose="02070309020205020404" pitchFamily="49" charset="0"/>
+              </a:rPr>
+              <a:t>{</a:t>
+            </a:r>
+            <a:r>
+              <a:rPr lang="en-US" altLang="en-US" sz="1100" dirty="0">
+                <a:solidFill>
+                  <a:srgbClr val="000000"/>
+                </a:solidFill>
+                <a:latin typeface="Courier New" panose="02070309020205020404" pitchFamily="49" charset="0"/>
+                <a:cs typeface="Courier New" panose="02070309020205020404" pitchFamily="49" charset="0"/>
+              </a:rPr>
+              <a:t/>
+            </a:r>
+            <a:br>
+              <a:rPr lang="en-US" altLang="en-US" sz="1100" dirty="0">
+                <a:solidFill>
+                  <a:srgbClr val="000000"/>
+                </a:solidFill>
+                <a:latin typeface="Courier New" panose="02070309020205020404" pitchFamily="49" charset="0"/>
+                <a:cs typeface="Courier New" panose="02070309020205020404" pitchFamily="49" charset="0"/>
+              </a:rPr>
+            </a:br>
+            <a:r>
+              <a:rPr lang="en-US" altLang="en-US" sz="1100" dirty="0">
+                <a:solidFill>
+                  <a:srgbClr val="000000"/>
+                </a:solidFill>
+                <a:latin typeface="Courier New" panose="02070309020205020404" pitchFamily="49" charset="0"/>
+                <a:cs typeface="Courier New" panose="02070309020205020404" pitchFamily="49" charset="0"/>
+              </a:rPr>
+              <a:t>    </a:t>
+            </a:r>
+            <a:r>
+              <a:rPr lang="en-US" altLang="en-US" sz="1100" i="1" dirty="0">
+                <a:solidFill>
+                  <a:srgbClr val="808080"/>
+                </a:solidFill>
+                <a:latin typeface="Courier New" panose="02070309020205020404" pitchFamily="49" charset="0"/>
+                <a:cs typeface="Courier New" panose="02070309020205020404" pitchFamily="49" charset="0"/>
+              </a:rPr>
+              <a:t>// service is just a constructor function</a:t>
+            </a:r>
+            <a:br>
+              <a:rPr lang="en-US" altLang="en-US" sz="1100" i="1" dirty="0">
+                <a:solidFill>
+                  <a:srgbClr val="808080"/>
+                </a:solidFill>
+                <a:latin typeface="Courier New" panose="02070309020205020404" pitchFamily="49" charset="0"/>
+                <a:cs typeface="Courier New" panose="02070309020205020404" pitchFamily="49" charset="0"/>
+              </a:rPr>
+            </a:br>
+            <a:r>
+              <a:rPr lang="en-US" altLang="en-US" sz="1100" i="1" dirty="0">
+                <a:solidFill>
+                  <a:srgbClr val="808080"/>
+                </a:solidFill>
+                <a:latin typeface="Courier New" panose="02070309020205020404" pitchFamily="49" charset="0"/>
+                <a:cs typeface="Courier New" panose="02070309020205020404" pitchFamily="49" charset="0"/>
+              </a:rPr>
+              <a:t>    // that will be called with 'new'</a:t>
+            </a:r>
+            <a:br>
+              <a:rPr lang="en-US" altLang="en-US" sz="1100" i="1" dirty="0">
+                <a:solidFill>
+                  <a:srgbClr val="808080"/>
+                </a:solidFill>
+                <a:latin typeface="Courier New" panose="02070309020205020404" pitchFamily="49" charset="0"/>
+                <a:cs typeface="Courier New" panose="02070309020205020404" pitchFamily="49" charset="0"/>
+              </a:rPr>
+            </a:br>
+            <a:r>
+              <a:rPr lang="en-US" altLang="en-US" sz="1100" i="1" dirty="0">
+                <a:solidFill>
+                  <a:srgbClr val="808080"/>
+                </a:solidFill>
+                <a:latin typeface="Courier New" panose="02070309020205020404" pitchFamily="49" charset="0"/>
+                <a:cs typeface="Courier New" panose="02070309020205020404" pitchFamily="49" charset="0"/>
+              </a:rPr>
+              <a:t/>
+            </a:r>
+            <a:br>
+              <a:rPr lang="en-US" altLang="en-US" sz="1100" i="1" dirty="0">
+                <a:solidFill>
+                  <a:srgbClr val="808080"/>
+                </a:solidFill>
+                <a:latin typeface="Courier New" panose="02070309020205020404" pitchFamily="49" charset="0"/>
+                <a:cs typeface="Courier New" panose="02070309020205020404" pitchFamily="49" charset="0"/>
+              </a:rPr>
+            </a:br>
+            <a:r>
+              <a:rPr lang="en-US" altLang="en-US" sz="1100" i="1" dirty="0">
+                <a:solidFill>
+                  <a:srgbClr val="808080"/>
+                </a:solidFill>
+                <a:latin typeface="Courier New" panose="02070309020205020404" pitchFamily="49" charset="0"/>
+                <a:cs typeface="Courier New" panose="02070309020205020404" pitchFamily="49" charset="0"/>
+              </a:rPr>
+              <a:t>    </a:t>
+            </a:r>
+            <a:r>
+              <a:rPr lang="en-US" altLang="en-US" sz="1100" b="1" dirty="0" err="1">
+                <a:solidFill>
+                  <a:srgbClr val="000080"/>
+                </a:solidFill>
+                <a:latin typeface="Courier New" panose="02070309020205020404" pitchFamily="49" charset="0"/>
+                <a:cs typeface="Courier New" panose="02070309020205020404" pitchFamily="49" charset="0"/>
+              </a:rPr>
+              <a:t>this</a:t>
+            </a:r>
+            <a:r>
+              <a:rPr lang="en-US" altLang="en-US" sz="1100" dirty="0" err="1">
+                <a:solidFill>
+                  <a:srgbClr val="000000"/>
+                </a:solidFill>
+                <a:latin typeface="Courier New" panose="02070309020205020404" pitchFamily="49" charset="0"/>
+                <a:cs typeface="Courier New" panose="02070309020205020404" pitchFamily="49" charset="0"/>
+              </a:rPr>
+              <a:t>.</a:t>
+            </a:r>
+            <a:r>
+              <a:rPr lang="en-US" altLang="en-US" sz="1100" dirty="0" err="1">
+                <a:solidFill>
+                  <a:srgbClr val="7A7A43"/>
+                </a:solidFill>
+                <a:latin typeface="Courier New" panose="02070309020205020404" pitchFamily="49" charset="0"/>
+                <a:cs typeface="Courier New" panose="02070309020205020404" pitchFamily="49" charset="0"/>
+              </a:rPr>
+              <a:t>sayHello</a:t>
+            </a:r>
+            <a:r>
+              <a:rPr lang="en-US" altLang="en-US" sz="1100" dirty="0">
+                <a:solidFill>
+                  <a:srgbClr val="7A7A43"/>
+                </a:solidFill>
+                <a:latin typeface="Courier New" panose="02070309020205020404" pitchFamily="49" charset="0"/>
+                <a:cs typeface="Courier New" panose="02070309020205020404" pitchFamily="49" charset="0"/>
+              </a:rPr>
+              <a:t> </a:t>
+            </a:r>
+            <a:r>
+              <a:rPr lang="en-US" altLang="en-US" sz="1100" dirty="0">
+                <a:solidFill>
+                  <a:srgbClr val="000000"/>
+                </a:solidFill>
+                <a:latin typeface="Courier New" panose="02070309020205020404" pitchFamily="49" charset="0"/>
+                <a:cs typeface="Courier New" panose="02070309020205020404" pitchFamily="49" charset="0"/>
+              </a:rPr>
+              <a:t>= </a:t>
+            </a:r>
+            <a:r>
+              <a:rPr lang="en-US" altLang="en-US" sz="1100" b="1" dirty="0">
+                <a:solidFill>
+                  <a:srgbClr val="000080"/>
+                </a:solidFill>
+                <a:latin typeface="Courier New" panose="02070309020205020404" pitchFamily="49" charset="0"/>
+                <a:cs typeface="Courier New" panose="02070309020205020404" pitchFamily="49" charset="0"/>
+              </a:rPr>
+              <a:t>function</a:t>
+            </a:r>
+            <a:r>
+              <a:rPr lang="en-US" altLang="en-US" sz="1100" dirty="0">
+                <a:solidFill>
+                  <a:srgbClr val="000000"/>
+                </a:solidFill>
+                <a:latin typeface="Courier New" panose="02070309020205020404" pitchFamily="49" charset="0"/>
+                <a:cs typeface="Courier New" panose="02070309020205020404" pitchFamily="49" charset="0"/>
+              </a:rPr>
+              <a:t>(name) {</a:t>
+            </a:r>
+            <a:br>
+              <a:rPr lang="en-US" altLang="en-US" sz="1100" dirty="0">
+                <a:solidFill>
+                  <a:srgbClr val="000000"/>
+                </a:solidFill>
+                <a:latin typeface="Courier New" panose="02070309020205020404" pitchFamily="49" charset="0"/>
+                <a:cs typeface="Courier New" panose="02070309020205020404" pitchFamily="49" charset="0"/>
+              </a:rPr>
+            </a:br>
+            <a:r>
+              <a:rPr lang="en-US" altLang="en-US" sz="1100" dirty="0">
+                <a:solidFill>
+                  <a:srgbClr val="000000"/>
+                </a:solidFill>
+                <a:latin typeface="Courier New" panose="02070309020205020404" pitchFamily="49" charset="0"/>
+                <a:cs typeface="Courier New" panose="02070309020205020404" pitchFamily="49" charset="0"/>
+              </a:rPr>
+              <a:t>        </a:t>
+            </a:r>
+            <a:r>
+              <a:rPr lang="en-US" altLang="en-US" sz="1100" b="1" dirty="0">
+                <a:solidFill>
+                  <a:srgbClr val="000080"/>
+                </a:solidFill>
+                <a:latin typeface="Courier New" panose="02070309020205020404" pitchFamily="49" charset="0"/>
+                <a:cs typeface="Courier New" panose="02070309020205020404" pitchFamily="49" charset="0"/>
+              </a:rPr>
+              <a:t>return </a:t>
+            </a:r>
+            <a:r>
+              <a:rPr lang="en-US" altLang="en-US" sz="1100" b="1" dirty="0">
+                <a:solidFill>
+                  <a:srgbClr val="008000"/>
+                </a:solidFill>
+                <a:latin typeface="Courier New" panose="02070309020205020404" pitchFamily="49" charset="0"/>
+                <a:cs typeface="Courier New" panose="02070309020205020404" pitchFamily="49" charset="0"/>
+              </a:rPr>
+              <a:t>"Hi " </a:t>
+            </a:r>
+            <a:r>
+              <a:rPr lang="en-US" altLang="en-US" sz="1100" dirty="0">
+                <a:solidFill>
+                  <a:srgbClr val="000000"/>
+                </a:solidFill>
+                <a:latin typeface="Courier New" panose="02070309020205020404" pitchFamily="49" charset="0"/>
+                <a:cs typeface="Courier New" panose="02070309020205020404" pitchFamily="49" charset="0"/>
+              </a:rPr>
+              <a:t>+ name + </a:t>
+            </a:r>
+            <a:r>
+              <a:rPr lang="en-US" altLang="en-US" sz="1100" b="1" dirty="0">
+                <a:solidFill>
+                  <a:srgbClr val="008000"/>
+                </a:solidFill>
+                <a:latin typeface="Courier New" panose="02070309020205020404" pitchFamily="49" charset="0"/>
+                <a:cs typeface="Courier New" panose="02070309020205020404" pitchFamily="49" charset="0"/>
+              </a:rPr>
+              <a:t>"!"</a:t>
+            </a:r>
+            <a:r>
+              <a:rPr lang="en-US" altLang="en-US" sz="1100" dirty="0">
+                <a:solidFill>
+                  <a:srgbClr val="000000"/>
+                </a:solidFill>
+                <a:latin typeface="Courier New" panose="02070309020205020404" pitchFamily="49" charset="0"/>
+                <a:cs typeface="Courier New" panose="02070309020205020404" pitchFamily="49" charset="0"/>
+              </a:rPr>
+              <a:t>;</a:t>
+            </a:r>
+            <a:br>
+              <a:rPr lang="en-US" altLang="en-US" sz="1100" dirty="0">
+                <a:solidFill>
+                  <a:srgbClr val="000000"/>
+                </a:solidFill>
+                <a:latin typeface="Courier New" panose="02070309020205020404" pitchFamily="49" charset="0"/>
+                <a:cs typeface="Courier New" panose="02070309020205020404" pitchFamily="49" charset="0"/>
+              </a:rPr>
+            </a:br>
+            <a:r>
+              <a:rPr lang="en-US" altLang="en-US" sz="1100" dirty="0">
+                <a:solidFill>
+                  <a:srgbClr val="000000"/>
+                </a:solidFill>
+                <a:latin typeface="Courier New" panose="02070309020205020404" pitchFamily="49" charset="0"/>
+                <a:cs typeface="Courier New" panose="02070309020205020404" pitchFamily="49" charset="0"/>
+              </a:rPr>
+              <a:t>    };</a:t>
+            </a:r>
+            <a:br>
+              <a:rPr lang="en-US" altLang="en-US" sz="1100" dirty="0">
+                <a:solidFill>
+                  <a:srgbClr val="000000"/>
+                </a:solidFill>
+                <a:latin typeface="Courier New" panose="02070309020205020404" pitchFamily="49" charset="0"/>
+                <a:cs typeface="Courier New" panose="02070309020205020404" pitchFamily="49" charset="0"/>
+              </a:rPr>
+            </a:br>
+            <a:r>
+              <a:rPr lang="en-US" altLang="en-US" sz="1100" dirty="0">
+                <a:solidFill>
+                  <a:srgbClr val="000000"/>
+                </a:solidFill>
+                <a:latin typeface="Courier New" panose="02070309020205020404" pitchFamily="49" charset="0"/>
+                <a:cs typeface="Courier New" panose="02070309020205020404" pitchFamily="49" charset="0"/>
+              </a:rPr>
+              <a:t>});</a:t>
+            </a:r>
+            <a:endParaRPr lang="en-US" altLang="en-US" sz="2400" dirty="0">
+              <a:latin typeface="Arial" panose="020B0604020202020204" pitchFamily="34" charset="0"/>
+            </a:endParaRPr>
+          </a:p>
+        </p:txBody>
+      </p:sp>
+      <p:sp>
+        <p:nvSpPr>
+          <p:cNvPr id="6" name="Rectangle 12"/>
+          <p:cNvSpPr/>
+          <p:nvPr/>
+        </p:nvSpPr>
+        <p:spPr>
+          <a:xfrm>
+            <a:off x="1717533" y="1825387"/>
+            <a:ext cx="5419240" cy="369332"/>
+          </a:xfrm>
+          <a:prstGeom prst="rect">
+            <a:avLst/>
+          </a:prstGeom>
+        </p:spPr>
+        <p:txBody>
+          <a:bodyPr wrap="none">
+            <a:spAutoFit/>
+          </a:bodyPr>
+          <a:lstStyle/>
+          <a:p>
+            <a:r>
+              <a:rPr lang="en-US" dirty="0" smtClean="0"/>
+              <a:t>$destroy event is triggered when the scope is destroyed</a:t>
+            </a:r>
+            <a:endParaRPr lang="en-US" dirty="0">
+              <a:solidFill>
+                <a:srgbClr val="C00000"/>
+              </a:solidFill>
+            </a:endParaRPr>
+          </a:p>
+        </p:txBody>
+      </p:sp>
+      <p:sp>
+        <p:nvSpPr>
+          <p:cNvPr id="7" name="Rectangle 12"/>
+          <p:cNvSpPr/>
+          <p:nvPr/>
+        </p:nvSpPr>
+        <p:spPr>
+          <a:xfrm>
+            <a:off x="561755" y="3107877"/>
+            <a:ext cx="5739263" cy="369332"/>
+          </a:xfrm>
+          <a:prstGeom prst="rect">
+            <a:avLst/>
+          </a:prstGeom>
+        </p:spPr>
+        <p:txBody>
+          <a:bodyPr wrap="none">
+            <a:spAutoFit/>
+          </a:bodyPr>
+          <a:lstStyle/>
+          <a:p>
+            <a:r>
+              <a:rPr lang="en-US" dirty="0" smtClean="0"/>
+              <a:t>Need to clean up timers, intervals to prevent memory leaks</a:t>
+            </a:r>
+            <a:endParaRPr lang="en-US" dirty="0">
+              <a:solidFill>
+                <a:srgbClr val="C00000"/>
+              </a:solidFill>
+            </a:endParaRPr>
+          </a:p>
+        </p:txBody>
+      </p:sp>
+    </p:spTree>
+    <p:extLst>
+      <p:ext uri="{BB962C8B-B14F-4D97-AF65-F5344CB8AC3E}">
+        <p14:creationId xmlns:p14="http://schemas.microsoft.com/office/powerpoint/2010/main" val="3853698008"/>
+      </p:ext>
+    </p:extLst>
+  </p:cSld>
+  <p:clrMapOvr>
+    <a:masterClrMapping/>
+  </p:clrMapOvr>
+  <mc:AlternateContent xmlns:mc="http://schemas.openxmlformats.org/markup-compatibility/2006" xmlns:p14="http://schemas.microsoft.com/office/powerpoint/2010/main">
+    <mc:Choice Requires="p14">
+      <p:transition spd="slow" p14:dur="2000"/>
+    </mc:Choice>
+    <mc:Fallback xmlns="">
+      <p:transition spd="slow"/>
+    </mc:Fallback>
+  </mc:AlternateContent>
+  <p:timing>
+    <p:tnLst>
+      <p:par>
+        <p:cTn id="1" dur="indefinite" restart="never" nodeType="tmRoot">
+          <p:childTnLst>
+            <p:seq concurrent="1" nextAc="seek">
+              <p:cTn id="2" dur="indefinite" nodeType="mainSeq">
+                <p:childTnLst>
+                  <p:par>
+                    <p:cTn id="3" fill="hold">
+                      <p:stCondLst>
+                        <p:cond delay="indefinite"/>
+                      </p:stCondLst>
+                      <p:childTnLst>
+                        <p:par>
+                          <p:cTn id="4" fill="hold">
+                            <p:stCondLst>
+                              <p:cond delay="0"/>
+                            </p:stCondLst>
+                            <p:childTnLst>
+                              <p:par>
+                                <p:cTn id="5" presetID="1" presetClass="entr" presetSubtype="0" fill="hold" grpId="0" nodeType="clickEffect">
+                                  <p:stCondLst>
+                                    <p:cond delay="0"/>
+                                  </p:stCondLst>
+                                  <p:childTnLst>
+                                    <p:set>
+                                      <p:cBhvr>
+                                        <p:cTn id="6" dur="1" fill="hold">
+                                          <p:stCondLst>
+                                            <p:cond delay="0"/>
+                                          </p:stCondLst>
+                                        </p:cTn>
+                                        <p:tgtEl>
+                                          <p:spTgt spid="5"/>
+                                        </p:tgtEl>
+                                        <p:attrNameLst>
+                                          <p:attrName>style.visibility</p:attrName>
+                                        </p:attrNameLst>
+                                      </p:cBhvr>
+                                      <p:to>
+                                        <p:strVal val="visible"/>
+                                      </p:to>
+                                    </p:set>
+                                  </p:childTnLst>
+                                </p:cTn>
+                              </p:par>
+                            </p:childTnLst>
+                          </p:cTn>
+                        </p:par>
+                      </p:childTnLst>
+                    </p:cTn>
+                  </p:par>
+                </p:childTnLst>
+              </p:cTn>
+              <p:prevCondLst>
+                <p:cond evt="onPrev" delay="0">
+                  <p:tgtEl>
+                    <p:sldTgt/>
+                  </p:tgtEl>
+                </p:cond>
+              </p:prevCondLst>
+              <p:nextCondLst>
+                <p:cond evt="onNext" delay="0">
+                  <p:tgtEl>
+                    <p:sldTgt/>
+                  </p:tgtEl>
+                </p:cond>
+              </p:nextCondLst>
+            </p:seq>
+          </p:childTnLst>
+        </p:cTn>
+      </p:par>
+    </p:tnLst>
+    <p:bldLst>
+      <p:bldP spid="5" grpId="0" animBg="1"/>
+    </p:bldLst>
+  </p:timing>
+</p:sld>
+</file>
+
+<file path=ppt/slides/slide11.xml><?xml version="1.0" encoding="utf-8"?>
+<p:sld xmlns:a="http://schemas.openxmlformats.org/drawingml/2006/main" xmlns:r="http://schemas.openxmlformats.org/officeDocument/2006/relationships" xmlns:p="http://schemas.openxmlformats.org/presentationml/2006/main">
+  <p:cSld>
+    <p:spTree>
+      <p:nvGrpSpPr>
+        <p:cNvPr id="1" name=""/>
+        <p:cNvGrpSpPr/>
+        <p:nvPr/>
+      </p:nvGrpSpPr>
+      <p:grpSpPr>
+        <a:xfrm>
+          <a:off x="0" y="0"/>
+          <a:ext cx="0" cy="0"/>
+          <a:chOff x="0" y="0"/>
+          <a:chExt cx="0" cy="0"/>
+        </a:xfrm>
+      </p:grpSpPr>
+      <p:sp>
+        <p:nvSpPr>
+          <p:cNvPr id="2" name="Title 1"/>
+          <p:cNvSpPr>
+            <a:spLocks noGrp="1"/>
+          </p:cNvSpPr>
+          <p:nvPr>
+            <p:ph type="title"/>
+          </p:nvPr>
+        </p:nvSpPr>
+        <p:spPr/>
+        <p:txBody>
+          <a:bodyPr>
+            <a:normAutofit/>
+          </a:bodyPr>
+          <a:lstStyle/>
+          <a:p>
+            <a:r>
+              <a:rPr lang="en-US" dirty="0" smtClean="0">
+                <a:latin typeface="Rockwell" panose="02060603020205020403" pitchFamily="18" charset="0"/>
+                <a:cs typeface="Courier New" panose="02070309020205020404" pitchFamily="49" charset="0"/>
+              </a:rPr>
+              <a:t>Isolated scope</a:t>
+            </a:r>
+            <a:endParaRPr lang="ru-RU" dirty="0">
+              <a:latin typeface="Courier New" panose="02070309020205020404" pitchFamily="49" charset="0"/>
+              <a:cs typeface="Courier New" panose="02070309020205020404" pitchFamily="49" charset="0"/>
+            </a:endParaRPr>
+          </a:p>
+        </p:txBody>
+      </p:sp>
+      <p:sp>
+        <p:nvSpPr>
+          <p:cNvPr id="5" name="Rectangle 4"/>
+          <p:cNvSpPr>
+            <a:spLocks noChangeArrowheads="1"/>
+          </p:cNvSpPr>
+          <p:nvPr/>
+        </p:nvSpPr>
+        <p:spPr bwMode="auto">
+          <a:xfrm>
+            <a:off x="4944299" y="4759699"/>
+            <a:ext cx="3581400" cy="1741603"/>
+          </a:xfrm>
+          <a:prstGeom prst="rect">
+            <a:avLst/>
+          </a:prstGeom>
+          <a:solidFill>
+            <a:srgbClr val="F5F2F0"/>
+          </a:solidFill>
+          <a:ln>
+            <a:noFill/>
+          </a:ln>
+          <a:effectLst/>
+          <a:extLst>
+            <a:ext uri="{91240B29-F687-4F45-9708-019B960494DF}">
+              <a14:hiddenLine xmlns:a14="http://schemas.microsoft.com/office/drawing/2010/main" w="9525">
+                <a:solidFill>
+                  <a:schemeClr val="tx1"/>
+                </a:solidFill>
+                <a:miter lim="800000"/>
+                <a:headEnd/>
+                <a:tailEnd/>
+              </a14:hiddenLine>
+            </a:ext>
+            <a:ext uri="{AF507438-7753-43E0-B8FC-AC1667EBCBE1}">
+              <a14:hiddenEffects xmlns:a14="http://schemas.microsoft.com/office/drawing/2010/main">
+                <a:effectLst>
+                  <a:outerShdw dist="35921" dir="2700000" algn="ctr" rotWithShape="0">
+                    <a:schemeClr val="bg2"/>
+                  </a:outerShdw>
+                </a:effectLst>
+              </a14:hiddenEffects>
+            </a:ext>
+          </a:extLst>
+        </p:spPr>
+        <p:txBody>
+          <a:bodyPr vert="horz" wrap="square" lIns="108000" tIns="108000" rIns="108000" bIns="108000" numCol="1" anchor="ctr" anchorCtr="0" compatLnSpc="1">
+            <a:prstTxWarp prst="textNoShape">
+              <a:avLst/>
+            </a:prstTxWarp>
+            <a:spAutoFit/>
+          </a:bodyPr>
+          <a:lstStyle/>
+          <a:p>
+            <a:pPr lvl="0" eaLnBrk="0" fontAlgn="base" hangingPunct="0">
+              <a:spcBef>
+                <a:spcPct val="0"/>
+              </a:spcBef>
+              <a:spcAft>
+                <a:spcPct val="0"/>
+              </a:spcAft>
+            </a:pPr>
+            <a:r>
+              <a:rPr lang="en-US" altLang="en-US" sz="1100" b="1" i="1" dirty="0" err="1">
+                <a:solidFill>
+                  <a:srgbClr val="660E7A"/>
+                </a:solidFill>
+                <a:latin typeface="Courier New" panose="02070309020205020404" pitchFamily="49" charset="0"/>
+                <a:cs typeface="Courier New" panose="02070309020205020404" pitchFamily="49" charset="0"/>
+              </a:rPr>
+              <a:t>app</a:t>
+            </a:r>
+            <a:r>
+              <a:rPr lang="en-US" altLang="en-US" sz="1100" dirty="0" err="1">
+                <a:solidFill>
+                  <a:srgbClr val="000000"/>
+                </a:solidFill>
+                <a:latin typeface="Courier New" panose="02070309020205020404" pitchFamily="49" charset="0"/>
+                <a:cs typeface="Courier New" panose="02070309020205020404" pitchFamily="49" charset="0"/>
+              </a:rPr>
+              <a:t>.</a:t>
+            </a:r>
+            <a:r>
+              <a:rPr lang="en-US" altLang="en-US" sz="1100" b="1" dirty="0" err="1">
+                <a:solidFill>
+                  <a:srgbClr val="660E7A"/>
+                </a:solidFill>
+                <a:latin typeface="Courier New" panose="02070309020205020404" pitchFamily="49" charset="0"/>
+                <a:cs typeface="Courier New" panose="02070309020205020404" pitchFamily="49" charset="0"/>
+              </a:rPr>
+              <a:t>service</a:t>
+            </a:r>
+            <a:r>
+              <a:rPr lang="en-US" altLang="en-US" sz="1100" dirty="0">
+                <a:solidFill>
+                  <a:srgbClr val="000000"/>
+                </a:solidFill>
+                <a:latin typeface="Courier New" panose="02070309020205020404" pitchFamily="49" charset="0"/>
+                <a:cs typeface="Courier New" panose="02070309020205020404" pitchFamily="49" charset="0"/>
+              </a:rPr>
+              <a:t>(</a:t>
+            </a:r>
+            <a:r>
+              <a:rPr lang="en-US" altLang="en-US" sz="1100" b="1" dirty="0">
+                <a:solidFill>
+                  <a:srgbClr val="008000"/>
+                </a:solidFill>
+                <a:latin typeface="Courier New" panose="02070309020205020404" pitchFamily="49" charset="0"/>
+                <a:cs typeface="Courier New" panose="02070309020205020404" pitchFamily="49" charset="0"/>
+              </a:rPr>
+              <a:t>'</a:t>
+            </a:r>
+            <a:r>
+              <a:rPr lang="en-US" altLang="en-US" sz="1100" b="1" dirty="0" err="1">
+                <a:solidFill>
+                  <a:srgbClr val="008000"/>
+                </a:solidFill>
+                <a:latin typeface="Courier New" panose="02070309020205020404" pitchFamily="49" charset="0"/>
+                <a:cs typeface="Courier New" panose="02070309020205020404" pitchFamily="49" charset="0"/>
+              </a:rPr>
+              <a:t>myService</a:t>
+            </a:r>
+            <a:r>
+              <a:rPr lang="en-US" altLang="en-US" sz="1100" b="1" dirty="0">
+                <a:solidFill>
+                  <a:srgbClr val="008000"/>
+                </a:solidFill>
+                <a:latin typeface="Courier New" panose="02070309020205020404" pitchFamily="49" charset="0"/>
+                <a:cs typeface="Courier New" panose="02070309020205020404" pitchFamily="49" charset="0"/>
+              </a:rPr>
+              <a:t>'</a:t>
+            </a:r>
+            <a:r>
+              <a:rPr lang="en-US" altLang="en-US" sz="1100" dirty="0">
+                <a:solidFill>
+                  <a:srgbClr val="000000"/>
+                </a:solidFill>
+                <a:latin typeface="Courier New" panose="02070309020205020404" pitchFamily="49" charset="0"/>
+                <a:cs typeface="Courier New" panose="02070309020205020404" pitchFamily="49" charset="0"/>
+              </a:rPr>
+              <a:t>, </a:t>
+            </a:r>
+            <a:r>
+              <a:rPr lang="en-US" altLang="en-US" sz="1100" b="1" dirty="0">
+                <a:solidFill>
+                  <a:srgbClr val="000080"/>
+                </a:solidFill>
+                <a:latin typeface="Courier New" panose="02070309020205020404" pitchFamily="49" charset="0"/>
+                <a:cs typeface="Courier New" panose="02070309020205020404" pitchFamily="49" charset="0"/>
+              </a:rPr>
+              <a:t>function</a:t>
+            </a:r>
+            <a:r>
+              <a:rPr lang="en-US" altLang="en-US" sz="1100" dirty="0">
+                <a:solidFill>
+                  <a:srgbClr val="000000"/>
+                </a:solidFill>
+                <a:latin typeface="Courier New" panose="02070309020205020404" pitchFamily="49" charset="0"/>
+                <a:cs typeface="Courier New" panose="02070309020205020404" pitchFamily="49" charset="0"/>
+              </a:rPr>
+              <a:t>() </a:t>
+            </a:r>
+            <a:r>
+              <a:rPr lang="en-US" altLang="en-US" sz="1100" dirty="0" smtClean="0">
+                <a:solidFill>
+                  <a:srgbClr val="000000"/>
+                </a:solidFill>
+                <a:latin typeface="Courier New" panose="02070309020205020404" pitchFamily="49" charset="0"/>
+                <a:cs typeface="Courier New" panose="02070309020205020404" pitchFamily="49" charset="0"/>
+              </a:rPr>
+              <a:t>{</a:t>
+            </a:r>
+            <a:r>
+              <a:rPr lang="en-US" altLang="en-US" sz="1100" dirty="0">
+                <a:solidFill>
+                  <a:srgbClr val="000000"/>
+                </a:solidFill>
+                <a:latin typeface="Courier New" panose="02070309020205020404" pitchFamily="49" charset="0"/>
+                <a:cs typeface="Courier New" panose="02070309020205020404" pitchFamily="49" charset="0"/>
+              </a:rPr>
+              <a:t/>
+            </a:r>
+            <a:br>
+              <a:rPr lang="en-US" altLang="en-US" sz="1100" dirty="0">
+                <a:solidFill>
+                  <a:srgbClr val="000000"/>
+                </a:solidFill>
+                <a:latin typeface="Courier New" panose="02070309020205020404" pitchFamily="49" charset="0"/>
+                <a:cs typeface="Courier New" panose="02070309020205020404" pitchFamily="49" charset="0"/>
+              </a:rPr>
+            </a:br>
+            <a:r>
+              <a:rPr lang="en-US" altLang="en-US" sz="1100" dirty="0">
+                <a:solidFill>
+                  <a:srgbClr val="000000"/>
+                </a:solidFill>
+                <a:latin typeface="Courier New" panose="02070309020205020404" pitchFamily="49" charset="0"/>
+                <a:cs typeface="Courier New" panose="02070309020205020404" pitchFamily="49" charset="0"/>
+              </a:rPr>
+              <a:t>    </a:t>
+            </a:r>
+            <a:r>
+              <a:rPr lang="en-US" altLang="en-US" sz="1100" i="1" dirty="0">
+                <a:solidFill>
+                  <a:srgbClr val="808080"/>
+                </a:solidFill>
+                <a:latin typeface="Courier New" panose="02070309020205020404" pitchFamily="49" charset="0"/>
+                <a:cs typeface="Courier New" panose="02070309020205020404" pitchFamily="49" charset="0"/>
+              </a:rPr>
+              <a:t>// service is just a constructor function</a:t>
+            </a:r>
+            <a:br>
+              <a:rPr lang="en-US" altLang="en-US" sz="1100" i="1" dirty="0">
+                <a:solidFill>
+                  <a:srgbClr val="808080"/>
+                </a:solidFill>
+                <a:latin typeface="Courier New" panose="02070309020205020404" pitchFamily="49" charset="0"/>
+                <a:cs typeface="Courier New" panose="02070309020205020404" pitchFamily="49" charset="0"/>
+              </a:rPr>
+            </a:br>
+            <a:r>
+              <a:rPr lang="en-US" altLang="en-US" sz="1100" i="1" dirty="0">
+                <a:solidFill>
+                  <a:srgbClr val="808080"/>
+                </a:solidFill>
+                <a:latin typeface="Courier New" panose="02070309020205020404" pitchFamily="49" charset="0"/>
+                <a:cs typeface="Courier New" panose="02070309020205020404" pitchFamily="49" charset="0"/>
+              </a:rPr>
+              <a:t>    // that will be called with 'new'</a:t>
+            </a:r>
+            <a:br>
+              <a:rPr lang="en-US" altLang="en-US" sz="1100" i="1" dirty="0">
+                <a:solidFill>
+                  <a:srgbClr val="808080"/>
+                </a:solidFill>
+                <a:latin typeface="Courier New" panose="02070309020205020404" pitchFamily="49" charset="0"/>
+                <a:cs typeface="Courier New" panose="02070309020205020404" pitchFamily="49" charset="0"/>
+              </a:rPr>
+            </a:br>
+            <a:r>
+              <a:rPr lang="en-US" altLang="en-US" sz="1100" i="1" dirty="0">
+                <a:solidFill>
+                  <a:srgbClr val="808080"/>
+                </a:solidFill>
+                <a:latin typeface="Courier New" panose="02070309020205020404" pitchFamily="49" charset="0"/>
+                <a:cs typeface="Courier New" panose="02070309020205020404" pitchFamily="49" charset="0"/>
+              </a:rPr>
+              <a:t/>
+            </a:r>
+            <a:br>
+              <a:rPr lang="en-US" altLang="en-US" sz="1100" i="1" dirty="0">
+                <a:solidFill>
+                  <a:srgbClr val="808080"/>
+                </a:solidFill>
+                <a:latin typeface="Courier New" panose="02070309020205020404" pitchFamily="49" charset="0"/>
+                <a:cs typeface="Courier New" panose="02070309020205020404" pitchFamily="49" charset="0"/>
+              </a:rPr>
+            </a:br>
+            <a:r>
+              <a:rPr lang="en-US" altLang="en-US" sz="1100" i="1" dirty="0">
+                <a:solidFill>
+                  <a:srgbClr val="808080"/>
+                </a:solidFill>
+                <a:latin typeface="Courier New" panose="02070309020205020404" pitchFamily="49" charset="0"/>
+                <a:cs typeface="Courier New" panose="02070309020205020404" pitchFamily="49" charset="0"/>
+              </a:rPr>
+              <a:t>    </a:t>
+            </a:r>
+            <a:r>
+              <a:rPr lang="en-US" altLang="en-US" sz="1100" b="1" dirty="0" err="1">
+                <a:solidFill>
+                  <a:srgbClr val="000080"/>
+                </a:solidFill>
+                <a:latin typeface="Courier New" panose="02070309020205020404" pitchFamily="49" charset="0"/>
+                <a:cs typeface="Courier New" panose="02070309020205020404" pitchFamily="49" charset="0"/>
+              </a:rPr>
+              <a:t>this</a:t>
+            </a:r>
+            <a:r>
+              <a:rPr lang="en-US" altLang="en-US" sz="1100" dirty="0" err="1">
+                <a:solidFill>
+                  <a:srgbClr val="000000"/>
+                </a:solidFill>
+                <a:latin typeface="Courier New" panose="02070309020205020404" pitchFamily="49" charset="0"/>
+                <a:cs typeface="Courier New" panose="02070309020205020404" pitchFamily="49" charset="0"/>
+              </a:rPr>
+              <a:t>.</a:t>
+            </a:r>
+            <a:r>
+              <a:rPr lang="en-US" altLang="en-US" sz="1100" dirty="0" err="1">
+                <a:solidFill>
+                  <a:srgbClr val="7A7A43"/>
+                </a:solidFill>
+                <a:latin typeface="Courier New" panose="02070309020205020404" pitchFamily="49" charset="0"/>
+                <a:cs typeface="Courier New" panose="02070309020205020404" pitchFamily="49" charset="0"/>
+              </a:rPr>
+              <a:t>sayHello</a:t>
+            </a:r>
+            <a:r>
+              <a:rPr lang="en-US" altLang="en-US" sz="1100" dirty="0">
+                <a:solidFill>
+                  <a:srgbClr val="7A7A43"/>
+                </a:solidFill>
+                <a:latin typeface="Courier New" panose="02070309020205020404" pitchFamily="49" charset="0"/>
+                <a:cs typeface="Courier New" panose="02070309020205020404" pitchFamily="49" charset="0"/>
+              </a:rPr>
+              <a:t> </a:t>
+            </a:r>
+            <a:r>
+              <a:rPr lang="en-US" altLang="en-US" sz="1100" dirty="0">
+                <a:solidFill>
+                  <a:srgbClr val="000000"/>
+                </a:solidFill>
+                <a:latin typeface="Courier New" panose="02070309020205020404" pitchFamily="49" charset="0"/>
+                <a:cs typeface="Courier New" panose="02070309020205020404" pitchFamily="49" charset="0"/>
+              </a:rPr>
+              <a:t>= </a:t>
+            </a:r>
+            <a:r>
+              <a:rPr lang="en-US" altLang="en-US" sz="1100" b="1" dirty="0">
+                <a:solidFill>
+                  <a:srgbClr val="000080"/>
+                </a:solidFill>
+                <a:latin typeface="Courier New" panose="02070309020205020404" pitchFamily="49" charset="0"/>
+                <a:cs typeface="Courier New" panose="02070309020205020404" pitchFamily="49" charset="0"/>
+              </a:rPr>
+              <a:t>function</a:t>
+            </a:r>
+            <a:r>
+              <a:rPr lang="en-US" altLang="en-US" sz="1100" dirty="0">
+                <a:solidFill>
+                  <a:srgbClr val="000000"/>
+                </a:solidFill>
+                <a:latin typeface="Courier New" panose="02070309020205020404" pitchFamily="49" charset="0"/>
+                <a:cs typeface="Courier New" panose="02070309020205020404" pitchFamily="49" charset="0"/>
+              </a:rPr>
+              <a:t>(name) {</a:t>
+            </a:r>
+            <a:br>
+              <a:rPr lang="en-US" altLang="en-US" sz="1100" dirty="0">
+                <a:solidFill>
+                  <a:srgbClr val="000000"/>
+                </a:solidFill>
+                <a:latin typeface="Courier New" panose="02070309020205020404" pitchFamily="49" charset="0"/>
+                <a:cs typeface="Courier New" panose="02070309020205020404" pitchFamily="49" charset="0"/>
+              </a:rPr>
+            </a:br>
+            <a:r>
+              <a:rPr lang="en-US" altLang="en-US" sz="1100" dirty="0">
+                <a:solidFill>
+                  <a:srgbClr val="000000"/>
+                </a:solidFill>
+                <a:latin typeface="Courier New" panose="02070309020205020404" pitchFamily="49" charset="0"/>
+                <a:cs typeface="Courier New" panose="02070309020205020404" pitchFamily="49" charset="0"/>
+              </a:rPr>
+              <a:t>        </a:t>
+            </a:r>
+            <a:r>
+              <a:rPr lang="en-US" altLang="en-US" sz="1100" b="1" dirty="0">
+                <a:solidFill>
+                  <a:srgbClr val="000080"/>
+                </a:solidFill>
+                <a:latin typeface="Courier New" panose="02070309020205020404" pitchFamily="49" charset="0"/>
+                <a:cs typeface="Courier New" panose="02070309020205020404" pitchFamily="49" charset="0"/>
+              </a:rPr>
+              <a:t>return </a:t>
+            </a:r>
+            <a:r>
+              <a:rPr lang="en-US" altLang="en-US" sz="1100" b="1" dirty="0">
+                <a:solidFill>
+                  <a:srgbClr val="008000"/>
+                </a:solidFill>
+                <a:latin typeface="Courier New" panose="02070309020205020404" pitchFamily="49" charset="0"/>
+                <a:cs typeface="Courier New" panose="02070309020205020404" pitchFamily="49" charset="0"/>
+              </a:rPr>
+              <a:t>"Hi " </a:t>
+            </a:r>
+            <a:r>
+              <a:rPr lang="en-US" altLang="en-US" sz="1100" dirty="0">
+                <a:solidFill>
+                  <a:srgbClr val="000000"/>
+                </a:solidFill>
+                <a:latin typeface="Courier New" panose="02070309020205020404" pitchFamily="49" charset="0"/>
+                <a:cs typeface="Courier New" panose="02070309020205020404" pitchFamily="49" charset="0"/>
+              </a:rPr>
+              <a:t>+ name + </a:t>
+            </a:r>
+            <a:r>
+              <a:rPr lang="en-US" altLang="en-US" sz="1100" b="1" dirty="0">
+                <a:solidFill>
+                  <a:srgbClr val="008000"/>
+                </a:solidFill>
+                <a:latin typeface="Courier New" panose="02070309020205020404" pitchFamily="49" charset="0"/>
+                <a:cs typeface="Courier New" panose="02070309020205020404" pitchFamily="49" charset="0"/>
+              </a:rPr>
+              <a:t>"!"</a:t>
+            </a:r>
+            <a:r>
+              <a:rPr lang="en-US" altLang="en-US" sz="1100" dirty="0">
+                <a:solidFill>
+                  <a:srgbClr val="000000"/>
+                </a:solidFill>
+                <a:latin typeface="Courier New" panose="02070309020205020404" pitchFamily="49" charset="0"/>
+                <a:cs typeface="Courier New" panose="02070309020205020404" pitchFamily="49" charset="0"/>
+              </a:rPr>
+              <a:t>;</a:t>
+            </a:r>
+            <a:br>
+              <a:rPr lang="en-US" altLang="en-US" sz="1100" dirty="0">
+                <a:solidFill>
+                  <a:srgbClr val="000000"/>
+                </a:solidFill>
+                <a:latin typeface="Courier New" panose="02070309020205020404" pitchFamily="49" charset="0"/>
+                <a:cs typeface="Courier New" panose="02070309020205020404" pitchFamily="49" charset="0"/>
+              </a:rPr>
+            </a:br>
+            <a:r>
+              <a:rPr lang="en-US" altLang="en-US" sz="1100" dirty="0">
+                <a:solidFill>
+                  <a:srgbClr val="000000"/>
+                </a:solidFill>
+                <a:latin typeface="Courier New" panose="02070309020205020404" pitchFamily="49" charset="0"/>
+                <a:cs typeface="Courier New" panose="02070309020205020404" pitchFamily="49" charset="0"/>
+              </a:rPr>
+              <a:t>    };</a:t>
+            </a:r>
+            <a:br>
+              <a:rPr lang="en-US" altLang="en-US" sz="1100" dirty="0">
+                <a:solidFill>
+                  <a:srgbClr val="000000"/>
+                </a:solidFill>
+                <a:latin typeface="Courier New" panose="02070309020205020404" pitchFamily="49" charset="0"/>
+                <a:cs typeface="Courier New" panose="02070309020205020404" pitchFamily="49" charset="0"/>
+              </a:rPr>
+            </a:br>
+            <a:r>
+              <a:rPr lang="en-US" altLang="en-US" sz="1100" dirty="0">
+                <a:solidFill>
+                  <a:srgbClr val="000000"/>
+                </a:solidFill>
+                <a:latin typeface="Courier New" panose="02070309020205020404" pitchFamily="49" charset="0"/>
+                <a:cs typeface="Courier New" panose="02070309020205020404" pitchFamily="49" charset="0"/>
+              </a:rPr>
+              <a:t>});</a:t>
+            </a:r>
+            <a:endParaRPr lang="en-US" altLang="en-US" sz="2400" dirty="0">
+              <a:latin typeface="Arial" panose="020B0604020202020204" pitchFamily="34" charset="0"/>
+            </a:endParaRPr>
+          </a:p>
+        </p:txBody>
+      </p:sp>
+      <p:sp>
+        <p:nvSpPr>
+          <p:cNvPr id="6" name="Rectangle 12"/>
+          <p:cNvSpPr/>
+          <p:nvPr/>
+        </p:nvSpPr>
+        <p:spPr>
+          <a:xfrm>
+            <a:off x="1143000" y="1504885"/>
+            <a:ext cx="5419240" cy="369332"/>
+          </a:xfrm>
+          <a:prstGeom prst="rect">
+            <a:avLst/>
+          </a:prstGeom>
+        </p:spPr>
+        <p:txBody>
+          <a:bodyPr wrap="none">
+            <a:spAutoFit/>
+          </a:bodyPr>
+          <a:lstStyle/>
+          <a:p>
+            <a:r>
+              <a:rPr lang="en-US" dirty="0" smtClean="0"/>
+              <a:t>$destroy event is triggered when the scope is destroyed</a:t>
+            </a:r>
+            <a:endParaRPr lang="en-US" dirty="0">
+              <a:solidFill>
+                <a:srgbClr val="C00000"/>
+              </a:solidFill>
+            </a:endParaRPr>
+          </a:p>
+        </p:txBody>
+      </p:sp>
+      <p:sp>
+        <p:nvSpPr>
+          <p:cNvPr id="7" name="Rectangle 12"/>
+          <p:cNvSpPr/>
+          <p:nvPr/>
+        </p:nvSpPr>
+        <p:spPr>
+          <a:xfrm>
+            <a:off x="561755" y="3107877"/>
+            <a:ext cx="5739263" cy="369332"/>
+          </a:xfrm>
+          <a:prstGeom prst="rect">
+            <a:avLst/>
+          </a:prstGeom>
+        </p:spPr>
+        <p:txBody>
+          <a:bodyPr wrap="none">
+            <a:spAutoFit/>
+          </a:bodyPr>
+          <a:lstStyle/>
+          <a:p>
+            <a:r>
+              <a:rPr lang="en-US" dirty="0" smtClean="0"/>
+              <a:t>Need to clean up timers, intervals to prevent memory leaks</a:t>
+            </a:r>
+            <a:endParaRPr lang="en-US" dirty="0">
+              <a:solidFill>
+                <a:srgbClr val="C00000"/>
+              </a:solidFill>
+            </a:endParaRPr>
+          </a:p>
+        </p:txBody>
+      </p:sp>
+    </p:spTree>
+    <p:extLst>
+      <p:ext uri="{BB962C8B-B14F-4D97-AF65-F5344CB8AC3E}">
+        <p14:creationId xmlns:p14="http://schemas.microsoft.com/office/powerpoint/2010/main" val="1032163211"/>
+      </p:ext>
+    </p:extLst>
+  </p:cSld>
+  <p:clrMapOvr>
+    <a:masterClrMapping/>
+  </p:clrMapOvr>
+  <mc:AlternateContent xmlns:mc="http://schemas.openxmlformats.org/markup-compatibility/2006" xmlns:p14="http://schemas.microsoft.com/office/powerpoint/2010/main">
+    <mc:Choice Requires="p14">
+      <p:transition spd="slow" p14:dur="2000"/>
+    </mc:Choice>
+    <mc:Fallback xmlns="">
+      <p:transition spd="slow"/>
+    </mc:Fallback>
+  </mc:AlternateContent>
+  <p:timing>
+    <p:tnLst>
+      <p:par>
+        <p:cTn id="1" dur="indefinite" restart="never" nodeType="tmRoot">
+          <p:childTnLst>
+            <p:seq concurrent="1" nextAc="seek">
+              <p:cTn id="2" dur="indefinite" nodeType="mainSeq">
+                <p:childTnLst>
+                  <p:par>
+                    <p:cTn id="3" fill="hold">
+                      <p:stCondLst>
+                        <p:cond delay="indefinite"/>
+                      </p:stCondLst>
+                      <p:childTnLst>
+                        <p:par>
+                          <p:cTn id="4" fill="hold">
+                            <p:stCondLst>
+                              <p:cond delay="0"/>
+                            </p:stCondLst>
+                            <p:childTnLst>
+                              <p:par>
+                                <p:cTn id="5" presetID="1" presetClass="entr" presetSubtype="0" fill="hold" grpId="0" nodeType="clickEffect">
+                                  <p:stCondLst>
+                                    <p:cond delay="0"/>
+                                  </p:stCondLst>
+                                  <p:childTnLst>
+                                    <p:set>
+                                      <p:cBhvr>
+                                        <p:cTn id="6" dur="1" fill="hold">
+                                          <p:stCondLst>
+                                            <p:cond delay="0"/>
+                                          </p:stCondLst>
+                                        </p:cTn>
+                                        <p:tgtEl>
+                                          <p:spTgt spid="5"/>
+                                        </p:tgtEl>
+                                        <p:attrNameLst>
+                                          <p:attrName>style.visibility</p:attrName>
+                                        </p:attrNameLst>
+                                      </p:cBhvr>
+                                      <p:to>
+                                        <p:strVal val="visible"/>
+                                      </p:to>
+                                    </p:set>
+                                  </p:childTnLst>
+                                </p:cTn>
+                              </p:par>
+                            </p:childTnLst>
+                          </p:cTn>
+                        </p:par>
+                      </p:childTnLst>
+                    </p:cTn>
+                  </p:par>
+                </p:childTnLst>
+              </p:cTn>
+              <p:prevCondLst>
+                <p:cond evt="onPrev" delay="0">
+                  <p:tgtEl>
+                    <p:sldTgt/>
+                  </p:tgtEl>
+                </p:cond>
+              </p:prevCondLst>
+              <p:nextCondLst>
+                <p:cond evt="onNext" delay="0">
+                  <p:tgtEl>
+                    <p:sldTgt/>
+                  </p:tgtEl>
+                </p:cond>
+              </p:nextCondLst>
+            </p:seq>
+          </p:childTnLst>
+        </p:cTn>
+      </p:par>
+    </p:tnLst>
+    <p:bldLst>
+      <p:bldP spid="5" grpId="0" animBg="1"/>
+    </p:bldLst>
+  </p:timing>
+</p:sld>
+</file>
+
+<file path=ppt/slides/slide12.xml><?xml version="1.0" encoding="utf-8"?>
+<p:sld xmlns:a="http://schemas.openxmlformats.org/drawingml/2006/main" xmlns:r="http://schemas.openxmlformats.org/officeDocument/2006/relationships" xmlns:p="http://schemas.openxmlformats.org/presentationml/2006/main">
+  <p:cSld>
+    <p:spTree>
+      <p:nvGrpSpPr>
+        <p:cNvPr id="1" name=""/>
+        <p:cNvGrpSpPr/>
+        <p:nvPr/>
+      </p:nvGrpSpPr>
+      <p:grpSpPr>
+        <a:xfrm>
+          <a:off x="0" y="0"/>
+          <a:ext cx="0" cy="0"/>
+          <a:chOff x="0" y="0"/>
+          <a:chExt cx="0" cy="0"/>
+        </a:xfrm>
+      </p:grpSpPr>
+      <p:sp>
+        <p:nvSpPr>
+          <p:cNvPr id="2" name="Title 1"/>
+          <p:cNvSpPr>
+            <a:spLocks noGrp="1"/>
+          </p:cNvSpPr>
+          <p:nvPr>
+            <p:ph type="title"/>
+          </p:nvPr>
+        </p:nvSpPr>
+        <p:spPr/>
+        <p:txBody>
+          <a:bodyPr>
+            <a:normAutofit/>
+          </a:bodyPr>
+          <a:lstStyle/>
+          <a:p>
+            <a:r>
+              <a:rPr lang="en-US" dirty="0" smtClean="0">
+                <a:latin typeface="Rockwell" panose="02060603020205020403" pitchFamily="18" charset="0"/>
+                <a:cs typeface="Courier New" panose="02070309020205020404" pitchFamily="49" charset="0"/>
+              </a:rPr>
+              <a:t>Directives for everyone</a:t>
+            </a:r>
+            <a:endParaRPr lang="ru-RU" dirty="0">
+              <a:latin typeface="Courier New" panose="02070309020205020404" pitchFamily="49" charset="0"/>
+              <a:cs typeface="Courier New" panose="02070309020205020404" pitchFamily="49" charset="0"/>
+            </a:endParaRPr>
+          </a:p>
+        </p:txBody>
+      </p:sp>
+      <p:sp>
+        <p:nvSpPr>
+          <p:cNvPr id="5" name="Rectangle 4"/>
+          <p:cNvSpPr>
+            <a:spLocks noChangeArrowheads="1"/>
+          </p:cNvSpPr>
+          <p:nvPr/>
+        </p:nvSpPr>
+        <p:spPr bwMode="auto">
+          <a:xfrm>
+            <a:off x="4944299" y="4759699"/>
+            <a:ext cx="3581400" cy="1741603"/>
+          </a:xfrm>
+          <a:prstGeom prst="rect">
+            <a:avLst/>
+          </a:prstGeom>
+          <a:solidFill>
+            <a:srgbClr val="F5F2F0"/>
+          </a:solidFill>
+          <a:ln>
+            <a:noFill/>
+          </a:ln>
+          <a:effectLst/>
+          <a:extLst>
+            <a:ext uri="{91240B29-F687-4F45-9708-019B960494DF}">
+              <a14:hiddenLine xmlns:a14="http://schemas.microsoft.com/office/drawing/2010/main" w="9525">
+                <a:solidFill>
+                  <a:schemeClr val="tx1"/>
+                </a:solidFill>
+                <a:miter lim="800000"/>
+                <a:headEnd/>
+                <a:tailEnd/>
+              </a14:hiddenLine>
+            </a:ext>
+            <a:ext uri="{AF507438-7753-43E0-B8FC-AC1667EBCBE1}">
+              <a14:hiddenEffects xmlns:a14="http://schemas.microsoft.com/office/drawing/2010/main">
+                <a:effectLst>
+                  <a:outerShdw dist="35921" dir="2700000" algn="ctr" rotWithShape="0">
+                    <a:schemeClr val="bg2"/>
+                  </a:outerShdw>
+                </a:effectLst>
+              </a14:hiddenEffects>
+            </a:ext>
+          </a:extLst>
+        </p:spPr>
+        <p:txBody>
+          <a:bodyPr vert="horz" wrap="square" lIns="108000" tIns="108000" rIns="108000" bIns="108000" numCol="1" anchor="ctr" anchorCtr="0" compatLnSpc="1">
+            <a:prstTxWarp prst="textNoShape">
+              <a:avLst/>
+            </a:prstTxWarp>
+            <a:spAutoFit/>
+          </a:bodyPr>
+          <a:lstStyle/>
+          <a:p>
+            <a:pPr lvl="0" eaLnBrk="0" fontAlgn="base" hangingPunct="0">
+              <a:spcBef>
+                <a:spcPct val="0"/>
+              </a:spcBef>
+              <a:spcAft>
+                <a:spcPct val="0"/>
+              </a:spcAft>
+            </a:pPr>
+            <a:r>
+              <a:rPr lang="en-US" altLang="en-US" sz="1100" b="1" i="1" dirty="0" err="1">
+                <a:solidFill>
+                  <a:srgbClr val="660E7A"/>
+                </a:solidFill>
+                <a:latin typeface="Courier New" panose="02070309020205020404" pitchFamily="49" charset="0"/>
+                <a:cs typeface="Courier New" panose="02070309020205020404" pitchFamily="49" charset="0"/>
+              </a:rPr>
+              <a:t>app</a:t>
+            </a:r>
+            <a:r>
+              <a:rPr lang="en-US" altLang="en-US" sz="1100" dirty="0" err="1">
+                <a:solidFill>
+                  <a:srgbClr val="000000"/>
+                </a:solidFill>
+                <a:latin typeface="Courier New" panose="02070309020205020404" pitchFamily="49" charset="0"/>
+                <a:cs typeface="Courier New" panose="02070309020205020404" pitchFamily="49" charset="0"/>
+              </a:rPr>
+              <a:t>.</a:t>
+            </a:r>
+            <a:r>
+              <a:rPr lang="en-US" altLang="en-US" sz="1100" b="1" dirty="0" err="1">
+                <a:solidFill>
+                  <a:srgbClr val="660E7A"/>
+                </a:solidFill>
+                <a:latin typeface="Courier New" panose="02070309020205020404" pitchFamily="49" charset="0"/>
+                <a:cs typeface="Courier New" panose="02070309020205020404" pitchFamily="49" charset="0"/>
+              </a:rPr>
+              <a:t>service</a:t>
+            </a:r>
+            <a:r>
+              <a:rPr lang="en-US" altLang="en-US" sz="1100" dirty="0">
+                <a:solidFill>
+                  <a:srgbClr val="000000"/>
+                </a:solidFill>
+                <a:latin typeface="Courier New" panose="02070309020205020404" pitchFamily="49" charset="0"/>
+                <a:cs typeface="Courier New" panose="02070309020205020404" pitchFamily="49" charset="0"/>
+              </a:rPr>
+              <a:t>(</a:t>
+            </a:r>
+            <a:r>
+              <a:rPr lang="en-US" altLang="en-US" sz="1100" b="1" dirty="0">
+                <a:solidFill>
+                  <a:srgbClr val="008000"/>
+                </a:solidFill>
+                <a:latin typeface="Courier New" panose="02070309020205020404" pitchFamily="49" charset="0"/>
+                <a:cs typeface="Courier New" panose="02070309020205020404" pitchFamily="49" charset="0"/>
+              </a:rPr>
+              <a:t>'</a:t>
+            </a:r>
+            <a:r>
+              <a:rPr lang="en-US" altLang="en-US" sz="1100" b="1" dirty="0" err="1">
+                <a:solidFill>
+                  <a:srgbClr val="008000"/>
+                </a:solidFill>
+                <a:latin typeface="Courier New" panose="02070309020205020404" pitchFamily="49" charset="0"/>
+                <a:cs typeface="Courier New" panose="02070309020205020404" pitchFamily="49" charset="0"/>
+              </a:rPr>
+              <a:t>myService</a:t>
+            </a:r>
+            <a:r>
+              <a:rPr lang="en-US" altLang="en-US" sz="1100" b="1" dirty="0">
+                <a:solidFill>
+                  <a:srgbClr val="008000"/>
+                </a:solidFill>
+                <a:latin typeface="Courier New" panose="02070309020205020404" pitchFamily="49" charset="0"/>
+                <a:cs typeface="Courier New" panose="02070309020205020404" pitchFamily="49" charset="0"/>
+              </a:rPr>
+              <a:t>'</a:t>
+            </a:r>
+            <a:r>
+              <a:rPr lang="en-US" altLang="en-US" sz="1100" dirty="0">
+                <a:solidFill>
+                  <a:srgbClr val="000000"/>
+                </a:solidFill>
+                <a:latin typeface="Courier New" panose="02070309020205020404" pitchFamily="49" charset="0"/>
+                <a:cs typeface="Courier New" panose="02070309020205020404" pitchFamily="49" charset="0"/>
+              </a:rPr>
+              <a:t>, </a:t>
+            </a:r>
+            <a:r>
+              <a:rPr lang="en-US" altLang="en-US" sz="1100" b="1" dirty="0">
+                <a:solidFill>
+                  <a:srgbClr val="000080"/>
+                </a:solidFill>
+                <a:latin typeface="Courier New" panose="02070309020205020404" pitchFamily="49" charset="0"/>
+                <a:cs typeface="Courier New" panose="02070309020205020404" pitchFamily="49" charset="0"/>
+              </a:rPr>
+              <a:t>function</a:t>
+            </a:r>
+            <a:r>
+              <a:rPr lang="en-US" altLang="en-US" sz="1100" dirty="0">
+                <a:solidFill>
+                  <a:srgbClr val="000000"/>
+                </a:solidFill>
+                <a:latin typeface="Courier New" panose="02070309020205020404" pitchFamily="49" charset="0"/>
+                <a:cs typeface="Courier New" panose="02070309020205020404" pitchFamily="49" charset="0"/>
+              </a:rPr>
+              <a:t>() </a:t>
+            </a:r>
+            <a:r>
+              <a:rPr lang="en-US" altLang="en-US" sz="1100" dirty="0" smtClean="0">
+                <a:solidFill>
+                  <a:srgbClr val="000000"/>
+                </a:solidFill>
+                <a:latin typeface="Courier New" panose="02070309020205020404" pitchFamily="49" charset="0"/>
+                <a:cs typeface="Courier New" panose="02070309020205020404" pitchFamily="49" charset="0"/>
+              </a:rPr>
+              <a:t>{</a:t>
+            </a:r>
+            <a:r>
+              <a:rPr lang="en-US" altLang="en-US" sz="1100" dirty="0">
+                <a:solidFill>
+                  <a:srgbClr val="000000"/>
+                </a:solidFill>
+                <a:latin typeface="Courier New" panose="02070309020205020404" pitchFamily="49" charset="0"/>
+                <a:cs typeface="Courier New" panose="02070309020205020404" pitchFamily="49" charset="0"/>
+              </a:rPr>
+              <a:t/>
+            </a:r>
+            <a:br>
+              <a:rPr lang="en-US" altLang="en-US" sz="1100" dirty="0">
+                <a:solidFill>
+                  <a:srgbClr val="000000"/>
+                </a:solidFill>
+                <a:latin typeface="Courier New" panose="02070309020205020404" pitchFamily="49" charset="0"/>
+                <a:cs typeface="Courier New" panose="02070309020205020404" pitchFamily="49" charset="0"/>
+              </a:rPr>
+            </a:br>
+            <a:r>
+              <a:rPr lang="en-US" altLang="en-US" sz="1100" dirty="0">
+                <a:solidFill>
+                  <a:srgbClr val="000000"/>
+                </a:solidFill>
+                <a:latin typeface="Courier New" panose="02070309020205020404" pitchFamily="49" charset="0"/>
+                <a:cs typeface="Courier New" panose="02070309020205020404" pitchFamily="49" charset="0"/>
+              </a:rPr>
+              <a:t>    </a:t>
+            </a:r>
+            <a:r>
+              <a:rPr lang="en-US" altLang="en-US" sz="1100" i="1" dirty="0">
+                <a:solidFill>
+                  <a:srgbClr val="808080"/>
+                </a:solidFill>
+                <a:latin typeface="Courier New" panose="02070309020205020404" pitchFamily="49" charset="0"/>
+                <a:cs typeface="Courier New" panose="02070309020205020404" pitchFamily="49" charset="0"/>
+              </a:rPr>
+              <a:t>// service is just a constructor function</a:t>
+            </a:r>
+            <a:br>
+              <a:rPr lang="en-US" altLang="en-US" sz="1100" i="1" dirty="0">
+                <a:solidFill>
+                  <a:srgbClr val="808080"/>
+                </a:solidFill>
+                <a:latin typeface="Courier New" panose="02070309020205020404" pitchFamily="49" charset="0"/>
+                <a:cs typeface="Courier New" panose="02070309020205020404" pitchFamily="49" charset="0"/>
+              </a:rPr>
+            </a:br>
+            <a:r>
+              <a:rPr lang="en-US" altLang="en-US" sz="1100" i="1" dirty="0">
+                <a:solidFill>
+                  <a:srgbClr val="808080"/>
+                </a:solidFill>
+                <a:latin typeface="Courier New" panose="02070309020205020404" pitchFamily="49" charset="0"/>
+                <a:cs typeface="Courier New" panose="02070309020205020404" pitchFamily="49" charset="0"/>
+              </a:rPr>
+              <a:t>    // that will be called with 'new'</a:t>
+            </a:r>
+            <a:br>
+              <a:rPr lang="en-US" altLang="en-US" sz="1100" i="1" dirty="0">
+                <a:solidFill>
+                  <a:srgbClr val="808080"/>
+                </a:solidFill>
+                <a:latin typeface="Courier New" panose="02070309020205020404" pitchFamily="49" charset="0"/>
+                <a:cs typeface="Courier New" panose="02070309020205020404" pitchFamily="49" charset="0"/>
+              </a:rPr>
+            </a:br>
+            <a:r>
+              <a:rPr lang="en-US" altLang="en-US" sz="1100" i="1" dirty="0">
+                <a:solidFill>
+                  <a:srgbClr val="808080"/>
+                </a:solidFill>
+                <a:latin typeface="Courier New" panose="02070309020205020404" pitchFamily="49" charset="0"/>
+                <a:cs typeface="Courier New" panose="02070309020205020404" pitchFamily="49" charset="0"/>
+              </a:rPr>
+              <a:t/>
+            </a:r>
+            <a:br>
+              <a:rPr lang="en-US" altLang="en-US" sz="1100" i="1" dirty="0">
+                <a:solidFill>
+                  <a:srgbClr val="808080"/>
+                </a:solidFill>
+                <a:latin typeface="Courier New" panose="02070309020205020404" pitchFamily="49" charset="0"/>
+                <a:cs typeface="Courier New" panose="02070309020205020404" pitchFamily="49" charset="0"/>
+              </a:rPr>
+            </a:br>
+            <a:r>
+              <a:rPr lang="en-US" altLang="en-US" sz="1100" i="1" dirty="0">
+                <a:solidFill>
+                  <a:srgbClr val="808080"/>
+                </a:solidFill>
+                <a:latin typeface="Courier New" panose="02070309020205020404" pitchFamily="49" charset="0"/>
+                <a:cs typeface="Courier New" panose="02070309020205020404" pitchFamily="49" charset="0"/>
+              </a:rPr>
+              <a:t>    </a:t>
+            </a:r>
+            <a:r>
+              <a:rPr lang="en-US" altLang="en-US" sz="1100" b="1" dirty="0" err="1">
+                <a:solidFill>
+                  <a:srgbClr val="000080"/>
+                </a:solidFill>
+                <a:latin typeface="Courier New" panose="02070309020205020404" pitchFamily="49" charset="0"/>
+                <a:cs typeface="Courier New" panose="02070309020205020404" pitchFamily="49" charset="0"/>
+              </a:rPr>
+              <a:t>this</a:t>
+            </a:r>
+            <a:r>
+              <a:rPr lang="en-US" altLang="en-US" sz="1100" dirty="0" err="1">
+                <a:solidFill>
+                  <a:srgbClr val="000000"/>
+                </a:solidFill>
+                <a:latin typeface="Courier New" panose="02070309020205020404" pitchFamily="49" charset="0"/>
+                <a:cs typeface="Courier New" panose="02070309020205020404" pitchFamily="49" charset="0"/>
+              </a:rPr>
+              <a:t>.</a:t>
+            </a:r>
+            <a:r>
+              <a:rPr lang="en-US" altLang="en-US" sz="1100" dirty="0" err="1">
+                <a:solidFill>
+                  <a:srgbClr val="7A7A43"/>
+                </a:solidFill>
+                <a:latin typeface="Courier New" panose="02070309020205020404" pitchFamily="49" charset="0"/>
+                <a:cs typeface="Courier New" panose="02070309020205020404" pitchFamily="49" charset="0"/>
+              </a:rPr>
+              <a:t>sayHello</a:t>
+            </a:r>
+            <a:r>
+              <a:rPr lang="en-US" altLang="en-US" sz="1100" dirty="0">
+                <a:solidFill>
+                  <a:srgbClr val="7A7A43"/>
+                </a:solidFill>
+                <a:latin typeface="Courier New" panose="02070309020205020404" pitchFamily="49" charset="0"/>
+                <a:cs typeface="Courier New" panose="02070309020205020404" pitchFamily="49" charset="0"/>
+              </a:rPr>
+              <a:t> </a:t>
+            </a:r>
+            <a:r>
+              <a:rPr lang="en-US" altLang="en-US" sz="1100" dirty="0">
+                <a:solidFill>
+                  <a:srgbClr val="000000"/>
+                </a:solidFill>
+                <a:latin typeface="Courier New" panose="02070309020205020404" pitchFamily="49" charset="0"/>
+                <a:cs typeface="Courier New" panose="02070309020205020404" pitchFamily="49" charset="0"/>
+              </a:rPr>
+              <a:t>= </a:t>
+            </a:r>
+            <a:r>
+              <a:rPr lang="en-US" altLang="en-US" sz="1100" b="1" dirty="0">
+                <a:solidFill>
+                  <a:srgbClr val="000080"/>
+                </a:solidFill>
+                <a:latin typeface="Courier New" panose="02070309020205020404" pitchFamily="49" charset="0"/>
+                <a:cs typeface="Courier New" panose="02070309020205020404" pitchFamily="49" charset="0"/>
+              </a:rPr>
+              <a:t>function</a:t>
+            </a:r>
+            <a:r>
+              <a:rPr lang="en-US" altLang="en-US" sz="1100" dirty="0">
+                <a:solidFill>
+                  <a:srgbClr val="000000"/>
+                </a:solidFill>
+                <a:latin typeface="Courier New" panose="02070309020205020404" pitchFamily="49" charset="0"/>
+                <a:cs typeface="Courier New" panose="02070309020205020404" pitchFamily="49" charset="0"/>
+              </a:rPr>
+              <a:t>(name) {</a:t>
+            </a:r>
+            <a:br>
+              <a:rPr lang="en-US" altLang="en-US" sz="1100" dirty="0">
+                <a:solidFill>
+                  <a:srgbClr val="000000"/>
+                </a:solidFill>
+                <a:latin typeface="Courier New" panose="02070309020205020404" pitchFamily="49" charset="0"/>
+                <a:cs typeface="Courier New" panose="02070309020205020404" pitchFamily="49" charset="0"/>
+              </a:rPr>
+            </a:br>
+            <a:r>
+              <a:rPr lang="en-US" altLang="en-US" sz="1100" dirty="0">
+                <a:solidFill>
+                  <a:srgbClr val="000000"/>
+                </a:solidFill>
+                <a:latin typeface="Courier New" panose="02070309020205020404" pitchFamily="49" charset="0"/>
+                <a:cs typeface="Courier New" panose="02070309020205020404" pitchFamily="49" charset="0"/>
+              </a:rPr>
+              <a:t>        </a:t>
+            </a:r>
+            <a:r>
+              <a:rPr lang="en-US" altLang="en-US" sz="1100" b="1" dirty="0">
+                <a:solidFill>
+                  <a:srgbClr val="000080"/>
+                </a:solidFill>
+                <a:latin typeface="Courier New" panose="02070309020205020404" pitchFamily="49" charset="0"/>
+                <a:cs typeface="Courier New" panose="02070309020205020404" pitchFamily="49" charset="0"/>
+              </a:rPr>
+              <a:t>return </a:t>
+            </a:r>
+            <a:r>
+              <a:rPr lang="en-US" altLang="en-US" sz="1100" b="1" dirty="0">
+                <a:solidFill>
+                  <a:srgbClr val="008000"/>
+                </a:solidFill>
+                <a:latin typeface="Courier New" panose="02070309020205020404" pitchFamily="49" charset="0"/>
+                <a:cs typeface="Courier New" panose="02070309020205020404" pitchFamily="49" charset="0"/>
+              </a:rPr>
+              <a:t>"Hi " </a:t>
+            </a:r>
+            <a:r>
+              <a:rPr lang="en-US" altLang="en-US" sz="1100" dirty="0">
+                <a:solidFill>
+                  <a:srgbClr val="000000"/>
+                </a:solidFill>
+                <a:latin typeface="Courier New" panose="02070309020205020404" pitchFamily="49" charset="0"/>
+                <a:cs typeface="Courier New" panose="02070309020205020404" pitchFamily="49" charset="0"/>
+              </a:rPr>
+              <a:t>+ name + </a:t>
+            </a:r>
+            <a:r>
+              <a:rPr lang="en-US" altLang="en-US" sz="1100" b="1" dirty="0">
+                <a:solidFill>
+                  <a:srgbClr val="008000"/>
+                </a:solidFill>
+                <a:latin typeface="Courier New" panose="02070309020205020404" pitchFamily="49" charset="0"/>
+                <a:cs typeface="Courier New" panose="02070309020205020404" pitchFamily="49" charset="0"/>
+              </a:rPr>
+              <a:t>"!"</a:t>
+            </a:r>
+            <a:r>
+              <a:rPr lang="en-US" altLang="en-US" sz="1100" dirty="0">
+                <a:solidFill>
+                  <a:srgbClr val="000000"/>
+                </a:solidFill>
+                <a:latin typeface="Courier New" panose="02070309020205020404" pitchFamily="49" charset="0"/>
+                <a:cs typeface="Courier New" panose="02070309020205020404" pitchFamily="49" charset="0"/>
+              </a:rPr>
+              <a:t>;</a:t>
+            </a:r>
+            <a:br>
+              <a:rPr lang="en-US" altLang="en-US" sz="1100" dirty="0">
+                <a:solidFill>
+                  <a:srgbClr val="000000"/>
+                </a:solidFill>
+                <a:latin typeface="Courier New" panose="02070309020205020404" pitchFamily="49" charset="0"/>
+                <a:cs typeface="Courier New" panose="02070309020205020404" pitchFamily="49" charset="0"/>
+              </a:rPr>
+            </a:br>
+            <a:r>
+              <a:rPr lang="en-US" altLang="en-US" sz="1100" dirty="0">
+                <a:solidFill>
+                  <a:srgbClr val="000000"/>
+                </a:solidFill>
+                <a:latin typeface="Courier New" panose="02070309020205020404" pitchFamily="49" charset="0"/>
+                <a:cs typeface="Courier New" panose="02070309020205020404" pitchFamily="49" charset="0"/>
+              </a:rPr>
+              <a:t>    };</a:t>
+            </a:r>
+            <a:br>
+              <a:rPr lang="en-US" altLang="en-US" sz="1100" dirty="0">
+                <a:solidFill>
+                  <a:srgbClr val="000000"/>
+                </a:solidFill>
+                <a:latin typeface="Courier New" panose="02070309020205020404" pitchFamily="49" charset="0"/>
+                <a:cs typeface="Courier New" panose="02070309020205020404" pitchFamily="49" charset="0"/>
+              </a:rPr>
+            </a:br>
+            <a:r>
+              <a:rPr lang="en-US" altLang="en-US" sz="1100" dirty="0">
+                <a:solidFill>
+                  <a:srgbClr val="000000"/>
+                </a:solidFill>
+                <a:latin typeface="Courier New" panose="02070309020205020404" pitchFamily="49" charset="0"/>
+                <a:cs typeface="Courier New" panose="02070309020205020404" pitchFamily="49" charset="0"/>
+              </a:rPr>
+              <a:t>});</a:t>
+            </a:r>
+            <a:endParaRPr lang="en-US" altLang="en-US" sz="2400" dirty="0">
+              <a:latin typeface="Arial" panose="020B0604020202020204" pitchFamily="34" charset="0"/>
+            </a:endParaRPr>
+          </a:p>
+        </p:txBody>
+      </p:sp>
+      <p:sp>
+        <p:nvSpPr>
+          <p:cNvPr id="6" name="Rectangle 12"/>
+          <p:cNvSpPr/>
+          <p:nvPr/>
+        </p:nvSpPr>
+        <p:spPr>
+          <a:xfrm>
+            <a:off x="561755" y="1594554"/>
+            <a:ext cx="5512278" cy="830997"/>
+          </a:xfrm>
+          <a:prstGeom prst="rect">
+            <a:avLst/>
+          </a:prstGeom>
+        </p:spPr>
+        <p:txBody>
+          <a:bodyPr wrap="none">
+            <a:spAutoFit/>
+          </a:bodyPr>
+          <a:lstStyle/>
+          <a:p>
+            <a:pPr marL="342900" indent="-342900">
+              <a:buFont typeface="Arial" panose="020B0604020202020204" pitchFamily="34" charset="0"/>
+              <a:buChar char="•"/>
+            </a:pPr>
+            <a:r>
+              <a:rPr lang="en-US" sz="2400" dirty="0" smtClean="0"/>
+              <a:t>Templating</a:t>
+            </a:r>
+          </a:p>
+          <a:p>
+            <a:pPr marL="342900" indent="-342900">
+              <a:buFont typeface="Arial" panose="020B0604020202020204" pitchFamily="34" charset="0"/>
+              <a:buChar char="•"/>
+            </a:pPr>
+            <a:r>
+              <a:rPr lang="en-US" sz="2400" dirty="0" smtClean="0"/>
+              <a:t>Adding custom behavior to any element</a:t>
+            </a:r>
+            <a:endParaRPr lang="en-US" sz="2400" dirty="0"/>
+          </a:p>
+        </p:txBody>
+      </p:sp>
+      <p:sp>
+        <p:nvSpPr>
+          <p:cNvPr id="7" name="Rectangle 12"/>
+          <p:cNvSpPr/>
+          <p:nvPr/>
+        </p:nvSpPr>
+        <p:spPr>
+          <a:xfrm>
+            <a:off x="561755" y="3107877"/>
+            <a:ext cx="5739263" cy="369332"/>
+          </a:xfrm>
+          <a:prstGeom prst="rect">
+            <a:avLst/>
+          </a:prstGeom>
+        </p:spPr>
+        <p:txBody>
+          <a:bodyPr wrap="none">
+            <a:spAutoFit/>
+          </a:bodyPr>
+          <a:lstStyle/>
+          <a:p>
+            <a:r>
+              <a:rPr lang="en-US" dirty="0" smtClean="0"/>
+              <a:t>Need to clean up timers, intervals to prevent memory leaks</a:t>
+            </a:r>
+            <a:endParaRPr lang="en-US" dirty="0">
+              <a:solidFill>
+                <a:srgbClr val="C00000"/>
+              </a:solidFill>
+            </a:endParaRPr>
+          </a:p>
+        </p:txBody>
+      </p:sp>
+      <p:sp>
+        <p:nvSpPr>
+          <p:cNvPr id="8" name="Rectangle 12"/>
+          <p:cNvSpPr/>
+          <p:nvPr/>
+        </p:nvSpPr>
+        <p:spPr>
+          <a:xfrm>
+            <a:off x="2895600" y="1504885"/>
+            <a:ext cx="2432076" cy="369332"/>
+          </a:xfrm>
+          <a:prstGeom prst="rect">
+            <a:avLst/>
+          </a:prstGeom>
+        </p:spPr>
+        <p:style>
+          <a:lnRef idx="2">
+            <a:schemeClr val="accent2"/>
+          </a:lnRef>
+          <a:fillRef idx="1">
+            <a:schemeClr val="lt1"/>
+          </a:fillRef>
+          <a:effectRef idx="0">
+            <a:schemeClr val="accent2"/>
+          </a:effectRef>
+          <a:fontRef idx="minor">
+            <a:schemeClr val="dk1"/>
+          </a:fontRef>
+        </p:style>
+        <p:txBody>
+          <a:bodyPr wrap="none">
+            <a:spAutoFit/>
+          </a:bodyPr>
+          <a:lstStyle/>
+          <a:p>
+            <a:r>
+              <a:rPr lang="en-US" dirty="0" smtClean="0"/>
+              <a:t>either simple or angular</a:t>
+            </a:r>
+            <a:endParaRPr lang="en-US" dirty="0">
+              <a:solidFill>
+                <a:srgbClr val="C00000"/>
+              </a:solidFill>
+            </a:endParaRPr>
+          </a:p>
+        </p:txBody>
+      </p:sp>
+    </p:spTree>
+    <p:extLst>
+      <p:ext uri="{BB962C8B-B14F-4D97-AF65-F5344CB8AC3E}">
+        <p14:creationId xmlns:p14="http://schemas.microsoft.com/office/powerpoint/2010/main" val="4185173472"/>
+      </p:ext>
+    </p:extLst>
+  </p:cSld>
+  <p:clrMapOvr>
+    <a:masterClrMapping/>
+  </p:clrMapOvr>
+  <mc:AlternateContent xmlns:mc="http://schemas.openxmlformats.org/markup-compatibility/2006" xmlns:p14="http://schemas.microsoft.com/office/powerpoint/2010/main">
+    <mc:Choice Requires="p14">
+      <p:transition spd="slow" p14:dur="2000"/>
+    </mc:Choice>
+    <mc:Fallback xmlns="">
+      <p:transition spd="slow"/>
+    </mc:Fallback>
+  </mc:AlternateContent>
+  <p:timing>
+    <p:tnLst>
+      <p:par>
+        <p:cTn id="1" dur="indefinite" restart="never" nodeType="tmRoot">
+          <p:childTnLst>
+            <p:seq concurrent="1" nextAc="seek">
+              <p:cTn id="2" dur="indefinite" nodeType="mainSeq">
+                <p:childTnLst>
+                  <p:par>
+                    <p:cTn id="3" fill="hold">
+                      <p:stCondLst>
+                        <p:cond delay="indefinite"/>
+                      </p:stCondLst>
+                      <p:childTnLst>
+                        <p:par>
+                          <p:cTn id="4" fill="hold">
+                            <p:stCondLst>
+                              <p:cond delay="0"/>
+                            </p:stCondLst>
+                            <p:childTnLst>
+                              <p:par>
+                                <p:cTn id="5" presetID="1" presetClass="entr" presetSubtype="0" fill="hold" grpId="0" nodeType="clickEffect">
+                                  <p:stCondLst>
+                                    <p:cond delay="0"/>
+                                  </p:stCondLst>
+                                  <p:childTnLst>
+                                    <p:set>
+                                      <p:cBhvr>
+                                        <p:cTn id="6" dur="1" fill="hold">
+                                          <p:stCondLst>
+                                            <p:cond delay="0"/>
+                                          </p:stCondLst>
+                                        </p:cTn>
+                                        <p:tgtEl>
+                                          <p:spTgt spid="5"/>
+                                        </p:tgtEl>
+                                        <p:attrNameLst>
+                                          <p:attrName>style.visibility</p:attrName>
+                                        </p:attrNameLst>
+                                      </p:cBhvr>
+                                      <p:to>
+                                        <p:strVal val="visible"/>
+                                      </p:to>
+                                    </p:set>
+                                  </p:childTnLst>
+                                </p:cTn>
+                              </p:par>
+                            </p:childTnLst>
+                          </p:cTn>
+                        </p:par>
+                      </p:childTnLst>
+                    </p:cTn>
+                  </p:par>
+                </p:childTnLst>
+              </p:cTn>
+              <p:prevCondLst>
+                <p:cond evt="onPrev" delay="0">
+                  <p:tgtEl>
+                    <p:sldTgt/>
+                  </p:tgtEl>
+                </p:cond>
+              </p:prevCondLst>
+              <p:nextCondLst>
+                <p:cond evt="onNext" delay="0">
+                  <p:tgtEl>
+                    <p:sldTgt/>
+                  </p:tgtEl>
+                </p:cond>
+              </p:nextCondLst>
+            </p:seq>
+          </p:childTnLst>
+        </p:cTn>
+      </p:par>
+    </p:tnLst>
+    <p:bldLst>
+      <p:bldP spid="5" grpId="0" animBg="1"/>
+    </p:bldLst>
+  </p:timing>
+</p:sld>
+</file>
+
+<file path=ppt/slides/slide13.xml><?xml version="1.0" encoding="utf-8"?>
+<p:sld xmlns:a="http://schemas.openxmlformats.org/drawingml/2006/main" xmlns:r="http://schemas.openxmlformats.org/officeDocument/2006/relationships" xmlns:p="http://schemas.openxmlformats.org/presentationml/2006/main">
+  <p:cSld>
+    <p:spTree>
+      <p:nvGrpSpPr>
+        <p:cNvPr id="1" name=""/>
+        <p:cNvGrpSpPr/>
+        <p:nvPr/>
+      </p:nvGrpSpPr>
+      <p:grpSpPr>
+        <a:xfrm>
+          <a:off x="0" y="0"/>
+          <a:ext cx="0" cy="0"/>
+          <a:chOff x="0" y="0"/>
+          <a:chExt cx="0" cy="0"/>
+        </a:xfrm>
+      </p:grpSpPr>
+      <p:sp>
+        <p:nvSpPr>
+          <p:cNvPr id="2" name="Title 1"/>
+          <p:cNvSpPr>
+            <a:spLocks noGrp="1"/>
+          </p:cNvSpPr>
+          <p:nvPr>
+            <p:ph type="title"/>
+          </p:nvPr>
+        </p:nvSpPr>
+        <p:spPr/>
+        <p:txBody>
+          <a:bodyPr>
+            <a:normAutofit/>
+          </a:bodyPr>
+          <a:lstStyle/>
+          <a:p>
+            <a:r>
+              <a:rPr lang="en-US" dirty="0" smtClean="0">
+                <a:latin typeface="Courier New" panose="02070309020205020404" pitchFamily="49" charset="0"/>
+                <a:cs typeface="Courier New" panose="02070309020205020404" pitchFamily="49" charset="0"/>
+              </a:rPr>
+              <a:t>lets do this</a:t>
+            </a:r>
+            <a:endParaRPr lang="ru-RU" dirty="0">
+              <a:latin typeface="Courier New" panose="02070309020205020404" pitchFamily="49" charset="0"/>
+              <a:cs typeface="Courier New" panose="02070309020205020404" pitchFamily="49" charset="0"/>
+            </a:endParaRPr>
+          </a:p>
+        </p:txBody>
+      </p:sp>
+      <p:sp>
+        <p:nvSpPr>
+          <p:cNvPr id="4" name="Rectangle 4"/>
+          <p:cNvSpPr>
+            <a:spLocks noChangeArrowheads="1"/>
+          </p:cNvSpPr>
+          <p:nvPr/>
+        </p:nvSpPr>
+        <p:spPr bwMode="auto">
+          <a:xfrm>
+            <a:off x="4724400" y="2317653"/>
+            <a:ext cx="4038600" cy="1910880"/>
+          </a:xfrm>
+          <a:prstGeom prst="rect">
+            <a:avLst/>
+          </a:prstGeom>
+          <a:solidFill>
+            <a:srgbClr val="F5F2F0"/>
+          </a:solidFill>
+          <a:ln>
+            <a:noFill/>
+          </a:ln>
+          <a:effectLst/>
+          <a:extLst>
+            <a:ext uri="{91240B29-F687-4F45-9708-019B960494DF}">
+              <a14:hiddenLine xmlns:a14="http://schemas.microsoft.com/office/drawing/2010/main" w="9525">
+                <a:solidFill>
+                  <a:schemeClr val="tx1"/>
+                </a:solidFill>
+                <a:miter lim="800000"/>
+                <a:headEnd/>
+                <a:tailEnd/>
+              </a14:hiddenLine>
+            </a:ext>
+            <a:ext uri="{AF507438-7753-43E0-B8FC-AC1667EBCBE1}">
+              <a14:hiddenEffects xmlns:a14="http://schemas.microsoft.com/office/drawing/2010/main">
+                <a:effectLst>
+                  <a:outerShdw dist="35921" dir="2700000" algn="ctr" rotWithShape="0">
+                    <a:schemeClr val="bg2"/>
+                  </a:outerShdw>
+                </a:effectLst>
+              </a14:hiddenEffects>
+            </a:ext>
+          </a:extLst>
+        </p:spPr>
+        <p:txBody>
+          <a:bodyPr vert="horz" wrap="square" lIns="108000" tIns="108000" rIns="108000" bIns="108000" numCol="1" anchor="ctr" anchorCtr="0" compatLnSpc="1">
+            <a:prstTxWarp prst="textNoShape">
+              <a:avLst/>
+            </a:prstTxWarp>
+            <a:spAutoFit/>
+          </a:bodyPr>
+          <a:lstStyle/>
+          <a:p>
+            <a:pPr lvl="0" eaLnBrk="0" fontAlgn="base" hangingPunct="0">
+              <a:spcBef>
+                <a:spcPct val="0"/>
+              </a:spcBef>
+              <a:spcAft>
+                <a:spcPct val="0"/>
+              </a:spcAft>
+            </a:pPr>
+            <a:r>
+              <a:rPr lang="en-US" altLang="en-US" sz="1100" b="1" i="1" dirty="0" err="1">
+                <a:solidFill>
+                  <a:srgbClr val="660E7A"/>
+                </a:solidFill>
+                <a:latin typeface="Courier New" panose="02070309020205020404" pitchFamily="49" charset="0"/>
+                <a:cs typeface="Courier New" panose="02070309020205020404" pitchFamily="49" charset="0"/>
+              </a:rPr>
+              <a:t>app</a:t>
+            </a:r>
+            <a:r>
+              <a:rPr lang="en-US" altLang="en-US" sz="1100" dirty="0" err="1">
+                <a:solidFill>
+                  <a:srgbClr val="000000"/>
+                </a:solidFill>
+                <a:latin typeface="Courier New" panose="02070309020205020404" pitchFamily="49" charset="0"/>
+                <a:cs typeface="Courier New" panose="02070309020205020404" pitchFamily="49" charset="0"/>
+              </a:rPr>
+              <a:t>.</a:t>
+            </a:r>
+            <a:r>
+              <a:rPr lang="en-US" altLang="en-US" sz="1100" b="1" dirty="0" err="1">
+                <a:solidFill>
+                  <a:srgbClr val="660E7A"/>
+                </a:solidFill>
+                <a:latin typeface="Courier New" panose="02070309020205020404" pitchFamily="49" charset="0"/>
+                <a:cs typeface="Courier New" panose="02070309020205020404" pitchFamily="49" charset="0"/>
+              </a:rPr>
+              <a:t>factory</a:t>
+            </a:r>
+            <a:r>
+              <a:rPr lang="en-US" altLang="en-US" sz="1100" dirty="0">
+                <a:solidFill>
+                  <a:srgbClr val="000000"/>
+                </a:solidFill>
+                <a:latin typeface="Courier New" panose="02070309020205020404" pitchFamily="49" charset="0"/>
+                <a:cs typeface="Courier New" panose="02070309020205020404" pitchFamily="49" charset="0"/>
+              </a:rPr>
+              <a:t>(</a:t>
+            </a:r>
+            <a:r>
+              <a:rPr lang="en-US" altLang="en-US" sz="1100" b="1" dirty="0">
+                <a:solidFill>
+                  <a:srgbClr val="008000"/>
+                </a:solidFill>
+                <a:latin typeface="Courier New" panose="02070309020205020404" pitchFamily="49" charset="0"/>
+                <a:cs typeface="Courier New" panose="02070309020205020404" pitchFamily="49" charset="0"/>
+              </a:rPr>
+              <a:t>'</a:t>
+            </a:r>
+            <a:r>
+              <a:rPr lang="en-US" altLang="en-US" sz="1100" b="1" dirty="0" err="1">
+                <a:solidFill>
+                  <a:srgbClr val="008000"/>
+                </a:solidFill>
+                <a:latin typeface="Courier New" panose="02070309020205020404" pitchFamily="49" charset="0"/>
+                <a:cs typeface="Courier New" panose="02070309020205020404" pitchFamily="49" charset="0"/>
+              </a:rPr>
+              <a:t>myFactory</a:t>
+            </a:r>
+            <a:r>
+              <a:rPr lang="en-US" altLang="en-US" sz="1100" b="1" dirty="0">
+                <a:solidFill>
+                  <a:srgbClr val="008000"/>
+                </a:solidFill>
+                <a:latin typeface="Courier New" panose="02070309020205020404" pitchFamily="49" charset="0"/>
+                <a:cs typeface="Courier New" panose="02070309020205020404" pitchFamily="49" charset="0"/>
+              </a:rPr>
+              <a:t>'</a:t>
+            </a:r>
+            <a:r>
+              <a:rPr lang="en-US" altLang="en-US" sz="1100" dirty="0">
+                <a:solidFill>
+                  <a:srgbClr val="000000"/>
+                </a:solidFill>
+                <a:latin typeface="Courier New" panose="02070309020205020404" pitchFamily="49" charset="0"/>
+                <a:cs typeface="Courier New" panose="02070309020205020404" pitchFamily="49" charset="0"/>
+              </a:rPr>
+              <a:t>, </a:t>
+            </a:r>
+            <a:r>
+              <a:rPr lang="en-US" altLang="en-US" sz="1100" b="1" dirty="0">
+                <a:solidFill>
+                  <a:srgbClr val="000080"/>
+                </a:solidFill>
+                <a:latin typeface="Courier New" panose="02070309020205020404" pitchFamily="49" charset="0"/>
+                <a:cs typeface="Courier New" panose="02070309020205020404" pitchFamily="49" charset="0"/>
+              </a:rPr>
+              <a:t>function</a:t>
+            </a:r>
+            <a:r>
+              <a:rPr lang="en-US" altLang="en-US" sz="1100" dirty="0">
+                <a:solidFill>
+                  <a:srgbClr val="000000"/>
+                </a:solidFill>
+                <a:latin typeface="Courier New" panose="02070309020205020404" pitchFamily="49" charset="0"/>
+                <a:cs typeface="Courier New" panose="02070309020205020404" pitchFamily="49" charset="0"/>
+              </a:rPr>
+              <a:t>() </a:t>
+            </a:r>
+            <a:r>
+              <a:rPr lang="en-US" altLang="en-US" sz="1100" dirty="0" smtClean="0">
+                <a:solidFill>
+                  <a:srgbClr val="000000"/>
+                </a:solidFill>
+                <a:latin typeface="Courier New" panose="02070309020205020404" pitchFamily="49" charset="0"/>
+                <a:cs typeface="Courier New" panose="02070309020205020404" pitchFamily="49" charset="0"/>
+              </a:rPr>
+              <a:t>{</a:t>
+            </a:r>
+            <a:r>
+              <a:rPr lang="en-US" altLang="en-US" sz="1100" dirty="0">
+                <a:solidFill>
+                  <a:srgbClr val="000000"/>
+                </a:solidFill>
+                <a:latin typeface="Courier New" panose="02070309020205020404" pitchFamily="49" charset="0"/>
+                <a:cs typeface="Courier New" panose="02070309020205020404" pitchFamily="49" charset="0"/>
+              </a:rPr>
+              <a:t/>
+            </a:r>
+            <a:br>
+              <a:rPr lang="en-US" altLang="en-US" sz="1100" dirty="0">
+                <a:solidFill>
+                  <a:srgbClr val="000000"/>
+                </a:solidFill>
+                <a:latin typeface="Courier New" panose="02070309020205020404" pitchFamily="49" charset="0"/>
+                <a:cs typeface="Courier New" panose="02070309020205020404" pitchFamily="49" charset="0"/>
+              </a:rPr>
+            </a:br>
+            <a:r>
+              <a:rPr lang="en-US" altLang="en-US" sz="1100" dirty="0">
+                <a:solidFill>
+                  <a:srgbClr val="000000"/>
+                </a:solidFill>
+                <a:latin typeface="Courier New" panose="02070309020205020404" pitchFamily="49" charset="0"/>
+                <a:cs typeface="Courier New" panose="02070309020205020404" pitchFamily="49" charset="0"/>
+              </a:rPr>
+              <a:t>    </a:t>
+            </a:r>
+            <a:r>
+              <a:rPr lang="en-US" altLang="en-US" sz="1100" i="1" dirty="0">
+                <a:solidFill>
+                  <a:srgbClr val="808080"/>
+                </a:solidFill>
+                <a:latin typeface="Courier New" panose="02070309020205020404" pitchFamily="49" charset="0"/>
+                <a:cs typeface="Courier New" panose="02070309020205020404" pitchFamily="49" charset="0"/>
+              </a:rPr>
+              <a:t>// factory returns an object</a:t>
+            </a:r>
+            <a:br>
+              <a:rPr lang="en-US" altLang="en-US" sz="1100" i="1" dirty="0">
+                <a:solidFill>
+                  <a:srgbClr val="808080"/>
+                </a:solidFill>
+                <a:latin typeface="Courier New" panose="02070309020205020404" pitchFamily="49" charset="0"/>
+                <a:cs typeface="Courier New" panose="02070309020205020404" pitchFamily="49" charset="0"/>
+              </a:rPr>
+            </a:br>
+            <a:r>
+              <a:rPr lang="en-US" altLang="en-US" sz="1100" i="1" dirty="0">
+                <a:solidFill>
+                  <a:srgbClr val="808080"/>
+                </a:solidFill>
+                <a:latin typeface="Courier New" panose="02070309020205020404" pitchFamily="49" charset="0"/>
+                <a:cs typeface="Courier New" panose="02070309020205020404" pitchFamily="49" charset="0"/>
+              </a:rPr>
+              <a:t>    // you can run some code before</a:t>
+            </a:r>
+            <a:br>
+              <a:rPr lang="en-US" altLang="en-US" sz="1100" i="1" dirty="0">
+                <a:solidFill>
+                  <a:srgbClr val="808080"/>
+                </a:solidFill>
+                <a:latin typeface="Courier New" panose="02070309020205020404" pitchFamily="49" charset="0"/>
+                <a:cs typeface="Courier New" panose="02070309020205020404" pitchFamily="49" charset="0"/>
+              </a:rPr>
+            </a:br>
+            <a:r>
+              <a:rPr lang="en-US" altLang="en-US" sz="1100" i="1" dirty="0">
+                <a:solidFill>
+                  <a:srgbClr val="808080"/>
+                </a:solidFill>
+                <a:latin typeface="Courier New" panose="02070309020205020404" pitchFamily="49" charset="0"/>
+                <a:cs typeface="Courier New" panose="02070309020205020404" pitchFamily="49" charset="0"/>
+              </a:rPr>
+              <a:t/>
+            </a:r>
+            <a:br>
+              <a:rPr lang="en-US" altLang="en-US" sz="1100" i="1" dirty="0">
+                <a:solidFill>
+                  <a:srgbClr val="808080"/>
+                </a:solidFill>
+                <a:latin typeface="Courier New" panose="02070309020205020404" pitchFamily="49" charset="0"/>
+                <a:cs typeface="Courier New" panose="02070309020205020404" pitchFamily="49" charset="0"/>
+              </a:rPr>
+            </a:br>
+            <a:r>
+              <a:rPr lang="en-US" altLang="en-US" sz="1100" i="1" dirty="0">
+                <a:solidFill>
+                  <a:srgbClr val="808080"/>
+                </a:solidFill>
+                <a:latin typeface="Courier New" panose="02070309020205020404" pitchFamily="49" charset="0"/>
+                <a:cs typeface="Courier New" panose="02070309020205020404" pitchFamily="49" charset="0"/>
+              </a:rPr>
+              <a:t>    </a:t>
+            </a:r>
+            <a:r>
+              <a:rPr lang="en-US" altLang="en-US" sz="1100" b="1" dirty="0">
+                <a:solidFill>
+                  <a:srgbClr val="000080"/>
+                </a:solidFill>
+                <a:latin typeface="Courier New" panose="02070309020205020404" pitchFamily="49" charset="0"/>
+                <a:cs typeface="Courier New" panose="02070309020205020404" pitchFamily="49" charset="0"/>
+              </a:rPr>
+              <a:t>return </a:t>
+            </a:r>
+            <a:r>
+              <a:rPr lang="en-US" altLang="en-US" sz="1100" dirty="0">
+                <a:solidFill>
+                  <a:srgbClr val="000000"/>
+                </a:solidFill>
+                <a:latin typeface="Courier New" panose="02070309020205020404" pitchFamily="49" charset="0"/>
+                <a:cs typeface="Courier New" panose="02070309020205020404" pitchFamily="49" charset="0"/>
+              </a:rPr>
+              <a:t>{</a:t>
+            </a:r>
+            <a:br>
+              <a:rPr lang="en-US" altLang="en-US" sz="1100" dirty="0">
+                <a:solidFill>
+                  <a:srgbClr val="000000"/>
+                </a:solidFill>
+                <a:latin typeface="Courier New" panose="02070309020205020404" pitchFamily="49" charset="0"/>
+                <a:cs typeface="Courier New" panose="02070309020205020404" pitchFamily="49" charset="0"/>
+              </a:rPr>
+            </a:br>
+            <a:r>
+              <a:rPr lang="en-US" altLang="en-US" sz="1100" dirty="0">
+                <a:solidFill>
+                  <a:srgbClr val="000000"/>
+                </a:solidFill>
+                <a:latin typeface="Courier New" panose="02070309020205020404" pitchFamily="49" charset="0"/>
+                <a:cs typeface="Courier New" panose="02070309020205020404" pitchFamily="49" charset="0"/>
+              </a:rPr>
+              <a:t>        </a:t>
+            </a:r>
+            <a:r>
+              <a:rPr lang="en-US" altLang="en-US" sz="1100" dirty="0" err="1">
+                <a:solidFill>
+                  <a:srgbClr val="7A7A43"/>
+                </a:solidFill>
+                <a:latin typeface="Courier New" panose="02070309020205020404" pitchFamily="49" charset="0"/>
+                <a:cs typeface="Courier New" panose="02070309020205020404" pitchFamily="49" charset="0"/>
+              </a:rPr>
+              <a:t>sayHello</a:t>
+            </a:r>
+            <a:r>
+              <a:rPr lang="en-US" altLang="en-US" sz="1100" dirty="0">
+                <a:solidFill>
+                  <a:srgbClr val="7A7A43"/>
+                </a:solidFill>
+                <a:latin typeface="Courier New" panose="02070309020205020404" pitchFamily="49" charset="0"/>
+                <a:cs typeface="Courier New" panose="02070309020205020404" pitchFamily="49" charset="0"/>
+              </a:rPr>
+              <a:t> </a:t>
+            </a:r>
+            <a:r>
+              <a:rPr lang="en-US" altLang="en-US" sz="1100" dirty="0">
+                <a:solidFill>
+                  <a:srgbClr val="000000"/>
+                </a:solidFill>
+                <a:latin typeface="Courier New" panose="02070309020205020404" pitchFamily="49" charset="0"/>
+                <a:cs typeface="Courier New" panose="02070309020205020404" pitchFamily="49" charset="0"/>
+              </a:rPr>
+              <a:t>: </a:t>
+            </a:r>
+            <a:r>
+              <a:rPr lang="en-US" altLang="en-US" sz="1100" b="1" dirty="0">
+                <a:solidFill>
+                  <a:srgbClr val="000080"/>
+                </a:solidFill>
+                <a:latin typeface="Courier New" panose="02070309020205020404" pitchFamily="49" charset="0"/>
+                <a:cs typeface="Courier New" panose="02070309020205020404" pitchFamily="49" charset="0"/>
+              </a:rPr>
+              <a:t>function</a:t>
+            </a:r>
+            <a:r>
+              <a:rPr lang="en-US" altLang="en-US" sz="1100" dirty="0">
+                <a:solidFill>
+                  <a:srgbClr val="000000"/>
+                </a:solidFill>
+                <a:latin typeface="Courier New" panose="02070309020205020404" pitchFamily="49" charset="0"/>
+                <a:cs typeface="Courier New" panose="02070309020205020404" pitchFamily="49" charset="0"/>
+              </a:rPr>
+              <a:t>(name) {</a:t>
+            </a:r>
+            <a:br>
+              <a:rPr lang="en-US" altLang="en-US" sz="1100" dirty="0">
+                <a:solidFill>
+                  <a:srgbClr val="000000"/>
+                </a:solidFill>
+                <a:latin typeface="Courier New" panose="02070309020205020404" pitchFamily="49" charset="0"/>
+                <a:cs typeface="Courier New" panose="02070309020205020404" pitchFamily="49" charset="0"/>
+              </a:rPr>
+            </a:br>
+            <a:r>
+              <a:rPr lang="en-US" altLang="en-US" sz="1100" dirty="0">
+                <a:solidFill>
+                  <a:srgbClr val="000000"/>
+                </a:solidFill>
+                <a:latin typeface="Courier New" panose="02070309020205020404" pitchFamily="49" charset="0"/>
+                <a:cs typeface="Courier New" panose="02070309020205020404" pitchFamily="49" charset="0"/>
+              </a:rPr>
+              <a:t>            </a:t>
+            </a:r>
+            <a:r>
+              <a:rPr lang="en-US" altLang="en-US" sz="1100" b="1" dirty="0">
+                <a:solidFill>
+                  <a:srgbClr val="000080"/>
+                </a:solidFill>
+                <a:latin typeface="Courier New" panose="02070309020205020404" pitchFamily="49" charset="0"/>
+                <a:cs typeface="Courier New" panose="02070309020205020404" pitchFamily="49" charset="0"/>
+              </a:rPr>
+              <a:t>return </a:t>
+            </a:r>
+            <a:r>
+              <a:rPr lang="en-US" altLang="en-US" sz="1100" b="1" dirty="0">
+                <a:solidFill>
+                  <a:srgbClr val="008000"/>
+                </a:solidFill>
+                <a:latin typeface="Courier New" panose="02070309020205020404" pitchFamily="49" charset="0"/>
+                <a:cs typeface="Courier New" panose="02070309020205020404" pitchFamily="49" charset="0"/>
+              </a:rPr>
+              <a:t>"Hi " </a:t>
+            </a:r>
+            <a:r>
+              <a:rPr lang="en-US" altLang="en-US" sz="1100" dirty="0">
+                <a:solidFill>
+                  <a:srgbClr val="000000"/>
+                </a:solidFill>
+                <a:latin typeface="Courier New" panose="02070309020205020404" pitchFamily="49" charset="0"/>
+                <a:cs typeface="Courier New" panose="02070309020205020404" pitchFamily="49" charset="0"/>
+              </a:rPr>
+              <a:t>+ name + </a:t>
+            </a:r>
+            <a:r>
+              <a:rPr lang="en-US" altLang="en-US" sz="1100" b="1" dirty="0">
+                <a:solidFill>
+                  <a:srgbClr val="008000"/>
+                </a:solidFill>
+                <a:latin typeface="Courier New" panose="02070309020205020404" pitchFamily="49" charset="0"/>
+                <a:cs typeface="Courier New" panose="02070309020205020404" pitchFamily="49" charset="0"/>
+              </a:rPr>
+              <a:t>"!"</a:t>
+            </a:r>
+            <a:r>
+              <a:rPr lang="en-US" altLang="en-US" sz="1100" dirty="0">
+                <a:solidFill>
+                  <a:srgbClr val="000000"/>
+                </a:solidFill>
+                <a:latin typeface="Courier New" panose="02070309020205020404" pitchFamily="49" charset="0"/>
+                <a:cs typeface="Courier New" panose="02070309020205020404" pitchFamily="49" charset="0"/>
+              </a:rPr>
+              <a:t>;</a:t>
+            </a:r>
+            <a:br>
+              <a:rPr lang="en-US" altLang="en-US" sz="1100" dirty="0">
+                <a:solidFill>
+                  <a:srgbClr val="000000"/>
+                </a:solidFill>
+                <a:latin typeface="Courier New" panose="02070309020205020404" pitchFamily="49" charset="0"/>
+                <a:cs typeface="Courier New" panose="02070309020205020404" pitchFamily="49" charset="0"/>
+              </a:rPr>
+            </a:br>
+            <a:r>
+              <a:rPr lang="en-US" altLang="en-US" sz="1100" dirty="0">
+                <a:solidFill>
+                  <a:srgbClr val="000000"/>
+                </a:solidFill>
+                <a:latin typeface="Courier New" panose="02070309020205020404" pitchFamily="49" charset="0"/>
+                <a:cs typeface="Courier New" panose="02070309020205020404" pitchFamily="49" charset="0"/>
+              </a:rPr>
+              <a:t>        }</a:t>
+            </a:r>
+            <a:br>
+              <a:rPr lang="en-US" altLang="en-US" sz="1100" dirty="0">
+                <a:solidFill>
+                  <a:srgbClr val="000000"/>
+                </a:solidFill>
+                <a:latin typeface="Courier New" panose="02070309020205020404" pitchFamily="49" charset="0"/>
+                <a:cs typeface="Courier New" panose="02070309020205020404" pitchFamily="49" charset="0"/>
+              </a:rPr>
+            </a:br>
+            <a:r>
+              <a:rPr lang="en-US" altLang="en-US" sz="1100" dirty="0">
+                <a:solidFill>
+                  <a:srgbClr val="000000"/>
+                </a:solidFill>
+                <a:latin typeface="Courier New" panose="02070309020205020404" pitchFamily="49" charset="0"/>
+                <a:cs typeface="Courier New" panose="02070309020205020404" pitchFamily="49" charset="0"/>
+              </a:rPr>
+              <a:t>    }</a:t>
+            </a:r>
+            <a:br>
+              <a:rPr lang="en-US" altLang="en-US" sz="1100" dirty="0">
+                <a:solidFill>
+                  <a:srgbClr val="000000"/>
+                </a:solidFill>
+                <a:latin typeface="Courier New" panose="02070309020205020404" pitchFamily="49" charset="0"/>
+                <a:cs typeface="Courier New" panose="02070309020205020404" pitchFamily="49" charset="0"/>
+              </a:rPr>
+            </a:br>
+            <a:r>
+              <a:rPr lang="en-US" altLang="en-US" sz="1100" dirty="0">
+                <a:solidFill>
+                  <a:srgbClr val="000000"/>
+                </a:solidFill>
+                <a:latin typeface="Courier New" panose="02070309020205020404" pitchFamily="49" charset="0"/>
+                <a:cs typeface="Courier New" panose="02070309020205020404" pitchFamily="49" charset="0"/>
+              </a:rPr>
+              <a:t>});</a:t>
+            </a:r>
+            <a:endParaRPr lang="en-US" altLang="en-US" sz="2400" dirty="0">
+              <a:latin typeface="Arial" panose="020B0604020202020204" pitchFamily="34" charset="0"/>
+            </a:endParaRPr>
+          </a:p>
+        </p:txBody>
+      </p:sp>
+      <p:sp>
+        <p:nvSpPr>
+          <p:cNvPr id="5" name="Rectangle 4"/>
+          <p:cNvSpPr>
+            <a:spLocks noChangeArrowheads="1"/>
+          </p:cNvSpPr>
+          <p:nvPr/>
+        </p:nvSpPr>
+        <p:spPr bwMode="auto">
+          <a:xfrm>
+            <a:off x="421934" y="2486930"/>
+            <a:ext cx="3581400" cy="1741603"/>
+          </a:xfrm>
+          <a:prstGeom prst="rect">
+            <a:avLst/>
+          </a:prstGeom>
+          <a:solidFill>
+            <a:srgbClr val="F5F2F0"/>
+          </a:solidFill>
+          <a:ln>
+            <a:noFill/>
+          </a:ln>
+          <a:effectLst/>
+          <a:extLst>
+            <a:ext uri="{91240B29-F687-4F45-9708-019B960494DF}">
+              <a14:hiddenLine xmlns:a14="http://schemas.microsoft.com/office/drawing/2010/main" w="9525">
+                <a:solidFill>
+                  <a:schemeClr val="tx1"/>
+                </a:solidFill>
+                <a:miter lim="800000"/>
+                <a:headEnd/>
+                <a:tailEnd/>
+              </a14:hiddenLine>
+            </a:ext>
+            <a:ext uri="{AF507438-7753-43E0-B8FC-AC1667EBCBE1}">
+              <a14:hiddenEffects xmlns:a14="http://schemas.microsoft.com/office/drawing/2010/main">
+                <a:effectLst>
+                  <a:outerShdw dist="35921" dir="2700000" algn="ctr" rotWithShape="0">
+                    <a:schemeClr val="bg2"/>
+                  </a:outerShdw>
+                </a:effectLst>
+              </a14:hiddenEffects>
+            </a:ext>
+          </a:extLst>
+        </p:spPr>
+        <p:txBody>
+          <a:bodyPr vert="horz" wrap="square" lIns="108000" tIns="108000" rIns="108000" bIns="108000" numCol="1" anchor="ctr" anchorCtr="0" compatLnSpc="1">
+            <a:prstTxWarp prst="textNoShape">
+              <a:avLst/>
+            </a:prstTxWarp>
+            <a:spAutoFit/>
+          </a:bodyPr>
+          <a:lstStyle/>
+          <a:p>
+            <a:pPr lvl="0" eaLnBrk="0" fontAlgn="base" hangingPunct="0">
+              <a:spcBef>
+                <a:spcPct val="0"/>
+              </a:spcBef>
+              <a:spcAft>
+                <a:spcPct val="0"/>
+              </a:spcAft>
+            </a:pPr>
+            <a:r>
+              <a:rPr lang="en-US" altLang="en-US" sz="1100" b="1" i="1" dirty="0" err="1">
+                <a:solidFill>
+                  <a:srgbClr val="660E7A"/>
+                </a:solidFill>
+                <a:latin typeface="Courier New" panose="02070309020205020404" pitchFamily="49" charset="0"/>
+                <a:cs typeface="Courier New" panose="02070309020205020404" pitchFamily="49" charset="0"/>
+              </a:rPr>
+              <a:t>app</a:t>
+            </a:r>
+            <a:r>
+              <a:rPr lang="en-US" altLang="en-US" sz="1100" dirty="0" err="1">
+                <a:solidFill>
+                  <a:srgbClr val="000000"/>
+                </a:solidFill>
+                <a:latin typeface="Courier New" panose="02070309020205020404" pitchFamily="49" charset="0"/>
+                <a:cs typeface="Courier New" panose="02070309020205020404" pitchFamily="49" charset="0"/>
+              </a:rPr>
+              <a:t>.</a:t>
+            </a:r>
+            <a:r>
+              <a:rPr lang="en-US" altLang="en-US" sz="1100" b="1" dirty="0" err="1">
+                <a:solidFill>
+                  <a:srgbClr val="660E7A"/>
+                </a:solidFill>
+                <a:latin typeface="Courier New" panose="02070309020205020404" pitchFamily="49" charset="0"/>
+                <a:cs typeface="Courier New" panose="02070309020205020404" pitchFamily="49" charset="0"/>
+              </a:rPr>
+              <a:t>service</a:t>
+            </a:r>
+            <a:r>
+              <a:rPr lang="en-US" altLang="en-US" sz="1100" dirty="0">
+                <a:solidFill>
+                  <a:srgbClr val="000000"/>
+                </a:solidFill>
+                <a:latin typeface="Courier New" panose="02070309020205020404" pitchFamily="49" charset="0"/>
+                <a:cs typeface="Courier New" panose="02070309020205020404" pitchFamily="49" charset="0"/>
+              </a:rPr>
+              <a:t>(</a:t>
+            </a:r>
+            <a:r>
+              <a:rPr lang="en-US" altLang="en-US" sz="1100" b="1" dirty="0">
+                <a:solidFill>
+                  <a:srgbClr val="008000"/>
+                </a:solidFill>
+                <a:latin typeface="Courier New" panose="02070309020205020404" pitchFamily="49" charset="0"/>
+                <a:cs typeface="Courier New" panose="02070309020205020404" pitchFamily="49" charset="0"/>
+              </a:rPr>
+              <a:t>'</a:t>
+            </a:r>
+            <a:r>
+              <a:rPr lang="en-US" altLang="en-US" sz="1100" b="1" dirty="0" err="1">
+                <a:solidFill>
+                  <a:srgbClr val="008000"/>
+                </a:solidFill>
+                <a:latin typeface="Courier New" panose="02070309020205020404" pitchFamily="49" charset="0"/>
+                <a:cs typeface="Courier New" panose="02070309020205020404" pitchFamily="49" charset="0"/>
+              </a:rPr>
+              <a:t>myService</a:t>
+            </a:r>
+            <a:r>
+              <a:rPr lang="en-US" altLang="en-US" sz="1100" b="1" dirty="0">
+                <a:solidFill>
+                  <a:srgbClr val="008000"/>
+                </a:solidFill>
+                <a:latin typeface="Courier New" panose="02070309020205020404" pitchFamily="49" charset="0"/>
+                <a:cs typeface="Courier New" panose="02070309020205020404" pitchFamily="49" charset="0"/>
+              </a:rPr>
+              <a:t>'</a:t>
+            </a:r>
+            <a:r>
+              <a:rPr lang="en-US" altLang="en-US" sz="1100" dirty="0">
+                <a:solidFill>
+                  <a:srgbClr val="000000"/>
+                </a:solidFill>
+                <a:latin typeface="Courier New" panose="02070309020205020404" pitchFamily="49" charset="0"/>
+                <a:cs typeface="Courier New" panose="02070309020205020404" pitchFamily="49" charset="0"/>
+              </a:rPr>
+              <a:t>, </a:t>
+            </a:r>
+            <a:r>
+              <a:rPr lang="en-US" altLang="en-US" sz="1100" b="1" dirty="0">
+                <a:solidFill>
+                  <a:srgbClr val="000080"/>
+                </a:solidFill>
+                <a:latin typeface="Courier New" panose="02070309020205020404" pitchFamily="49" charset="0"/>
+                <a:cs typeface="Courier New" panose="02070309020205020404" pitchFamily="49" charset="0"/>
+              </a:rPr>
+              <a:t>function</a:t>
+            </a:r>
+            <a:r>
+              <a:rPr lang="en-US" altLang="en-US" sz="1100" dirty="0">
+                <a:solidFill>
+                  <a:srgbClr val="000000"/>
+                </a:solidFill>
+                <a:latin typeface="Courier New" panose="02070309020205020404" pitchFamily="49" charset="0"/>
+                <a:cs typeface="Courier New" panose="02070309020205020404" pitchFamily="49" charset="0"/>
+              </a:rPr>
+              <a:t>() </a:t>
+            </a:r>
+            <a:r>
+              <a:rPr lang="en-US" altLang="en-US" sz="1100" dirty="0" smtClean="0">
+                <a:solidFill>
+                  <a:srgbClr val="000000"/>
+                </a:solidFill>
+                <a:latin typeface="Courier New" panose="02070309020205020404" pitchFamily="49" charset="0"/>
+                <a:cs typeface="Courier New" panose="02070309020205020404" pitchFamily="49" charset="0"/>
+              </a:rPr>
+              <a:t>{</a:t>
+            </a:r>
+            <a:r>
+              <a:rPr lang="en-US" altLang="en-US" sz="1100" dirty="0">
+                <a:solidFill>
+                  <a:srgbClr val="000000"/>
+                </a:solidFill>
+                <a:latin typeface="Courier New" panose="02070309020205020404" pitchFamily="49" charset="0"/>
+                <a:cs typeface="Courier New" panose="02070309020205020404" pitchFamily="49" charset="0"/>
+              </a:rPr>
+              <a:t/>
+            </a:r>
+            <a:br>
+              <a:rPr lang="en-US" altLang="en-US" sz="1100" dirty="0">
+                <a:solidFill>
+                  <a:srgbClr val="000000"/>
+                </a:solidFill>
+                <a:latin typeface="Courier New" panose="02070309020205020404" pitchFamily="49" charset="0"/>
+                <a:cs typeface="Courier New" panose="02070309020205020404" pitchFamily="49" charset="0"/>
+              </a:rPr>
+            </a:br>
+            <a:r>
+              <a:rPr lang="en-US" altLang="en-US" sz="1100" dirty="0">
+                <a:solidFill>
+                  <a:srgbClr val="000000"/>
+                </a:solidFill>
+                <a:latin typeface="Courier New" panose="02070309020205020404" pitchFamily="49" charset="0"/>
+                <a:cs typeface="Courier New" panose="02070309020205020404" pitchFamily="49" charset="0"/>
+              </a:rPr>
+              <a:t>    </a:t>
+            </a:r>
+            <a:r>
+              <a:rPr lang="en-US" altLang="en-US" sz="1100" i="1" dirty="0">
+                <a:solidFill>
+                  <a:srgbClr val="808080"/>
+                </a:solidFill>
+                <a:latin typeface="Courier New" panose="02070309020205020404" pitchFamily="49" charset="0"/>
+                <a:cs typeface="Courier New" panose="02070309020205020404" pitchFamily="49" charset="0"/>
+              </a:rPr>
+              <a:t>// service is just a constructor function</a:t>
+            </a:r>
+            <a:br>
+              <a:rPr lang="en-US" altLang="en-US" sz="1100" i="1" dirty="0">
+                <a:solidFill>
+                  <a:srgbClr val="808080"/>
+                </a:solidFill>
+                <a:latin typeface="Courier New" panose="02070309020205020404" pitchFamily="49" charset="0"/>
+                <a:cs typeface="Courier New" panose="02070309020205020404" pitchFamily="49" charset="0"/>
+              </a:rPr>
+            </a:br>
+            <a:r>
+              <a:rPr lang="en-US" altLang="en-US" sz="1100" i="1" dirty="0">
+                <a:solidFill>
+                  <a:srgbClr val="808080"/>
+                </a:solidFill>
+                <a:latin typeface="Courier New" panose="02070309020205020404" pitchFamily="49" charset="0"/>
+                <a:cs typeface="Courier New" panose="02070309020205020404" pitchFamily="49" charset="0"/>
+              </a:rPr>
+              <a:t>    // that will be called with 'new'</a:t>
+            </a:r>
+            <a:br>
+              <a:rPr lang="en-US" altLang="en-US" sz="1100" i="1" dirty="0">
+                <a:solidFill>
+                  <a:srgbClr val="808080"/>
+                </a:solidFill>
+                <a:latin typeface="Courier New" panose="02070309020205020404" pitchFamily="49" charset="0"/>
+                <a:cs typeface="Courier New" panose="02070309020205020404" pitchFamily="49" charset="0"/>
+              </a:rPr>
+            </a:br>
+            <a:r>
+              <a:rPr lang="en-US" altLang="en-US" sz="1100" i="1" dirty="0">
+                <a:solidFill>
+                  <a:srgbClr val="808080"/>
+                </a:solidFill>
+                <a:latin typeface="Courier New" panose="02070309020205020404" pitchFamily="49" charset="0"/>
+                <a:cs typeface="Courier New" panose="02070309020205020404" pitchFamily="49" charset="0"/>
+              </a:rPr>
+              <a:t/>
+            </a:r>
+            <a:br>
+              <a:rPr lang="en-US" altLang="en-US" sz="1100" i="1" dirty="0">
+                <a:solidFill>
+                  <a:srgbClr val="808080"/>
+                </a:solidFill>
+                <a:latin typeface="Courier New" panose="02070309020205020404" pitchFamily="49" charset="0"/>
+                <a:cs typeface="Courier New" panose="02070309020205020404" pitchFamily="49" charset="0"/>
+              </a:rPr>
+            </a:br>
+            <a:r>
+              <a:rPr lang="en-US" altLang="en-US" sz="1100" i="1" dirty="0">
+                <a:solidFill>
+                  <a:srgbClr val="808080"/>
+                </a:solidFill>
+                <a:latin typeface="Courier New" panose="02070309020205020404" pitchFamily="49" charset="0"/>
+                <a:cs typeface="Courier New" panose="02070309020205020404" pitchFamily="49" charset="0"/>
+              </a:rPr>
+              <a:t>    </a:t>
+            </a:r>
+            <a:r>
+              <a:rPr lang="en-US" altLang="en-US" sz="1100" b="1" dirty="0" err="1">
+                <a:solidFill>
+                  <a:srgbClr val="000080"/>
+                </a:solidFill>
+                <a:latin typeface="Courier New" panose="02070309020205020404" pitchFamily="49" charset="0"/>
+                <a:cs typeface="Courier New" panose="02070309020205020404" pitchFamily="49" charset="0"/>
+              </a:rPr>
+              <a:t>this</a:t>
+            </a:r>
+            <a:r>
+              <a:rPr lang="en-US" altLang="en-US" sz="1100" dirty="0" err="1">
+                <a:solidFill>
+                  <a:srgbClr val="000000"/>
+                </a:solidFill>
+                <a:latin typeface="Courier New" panose="02070309020205020404" pitchFamily="49" charset="0"/>
+                <a:cs typeface="Courier New" panose="02070309020205020404" pitchFamily="49" charset="0"/>
+              </a:rPr>
+              <a:t>.</a:t>
+            </a:r>
+            <a:r>
+              <a:rPr lang="en-US" altLang="en-US" sz="1100" dirty="0" err="1">
+                <a:solidFill>
+                  <a:srgbClr val="7A7A43"/>
+                </a:solidFill>
+                <a:latin typeface="Courier New" panose="02070309020205020404" pitchFamily="49" charset="0"/>
+                <a:cs typeface="Courier New" panose="02070309020205020404" pitchFamily="49" charset="0"/>
+              </a:rPr>
+              <a:t>sayHello</a:t>
+            </a:r>
+            <a:r>
+              <a:rPr lang="en-US" altLang="en-US" sz="1100" dirty="0">
+                <a:solidFill>
+                  <a:srgbClr val="7A7A43"/>
+                </a:solidFill>
+                <a:latin typeface="Courier New" panose="02070309020205020404" pitchFamily="49" charset="0"/>
+                <a:cs typeface="Courier New" panose="02070309020205020404" pitchFamily="49" charset="0"/>
+              </a:rPr>
+              <a:t> </a:t>
+            </a:r>
+            <a:r>
+              <a:rPr lang="en-US" altLang="en-US" sz="1100" dirty="0">
+                <a:solidFill>
+                  <a:srgbClr val="000000"/>
+                </a:solidFill>
+                <a:latin typeface="Courier New" panose="02070309020205020404" pitchFamily="49" charset="0"/>
+                <a:cs typeface="Courier New" panose="02070309020205020404" pitchFamily="49" charset="0"/>
+              </a:rPr>
+              <a:t>= </a:t>
+            </a:r>
+            <a:r>
+              <a:rPr lang="en-US" altLang="en-US" sz="1100" b="1" dirty="0">
+                <a:solidFill>
+                  <a:srgbClr val="000080"/>
+                </a:solidFill>
+                <a:latin typeface="Courier New" panose="02070309020205020404" pitchFamily="49" charset="0"/>
+                <a:cs typeface="Courier New" panose="02070309020205020404" pitchFamily="49" charset="0"/>
+              </a:rPr>
+              <a:t>function</a:t>
+            </a:r>
+            <a:r>
+              <a:rPr lang="en-US" altLang="en-US" sz="1100" dirty="0">
+                <a:solidFill>
+                  <a:srgbClr val="000000"/>
+                </a:solidFill>
+                <a:latin typeface="Courier New" panose="02070309020205020404" pitchFamily="49" charset="0"/>
+                <a:cs typeface="Courier New" panose="02070309020205020404" pitchFamily="49" charset="0"/>
+              </a:rPr>
+              <a:t>(name) {</a:t>
+            </a:r>
+            <a:br>
+              <a:rPr lang="en-US" altLang="en-US" sz="1100" dirty="0">
+                <a:solidFill>
+                  <a:srgbClr val="000000"/>
+                </a:solidFill>
+                <a:latin typeface="Courier New" panose="02070309020205020404" pitchFamily="49" charset="0"/>
+                <a:cs typeface="Courier New" panose="02070309020205020404" pitchFamily="49" charset="0"/>
+              </a:rPr>
+            </a:br>
+            <a:r>
+              <a:rPr lang="en-US" altLang="en-US" sz="1100" dirty="0">
+                <a:solidFill>
+                  <a:srgbClr val="000000"/>
+                </a:solidFill>
+                <a:latin typeface="Courier New" panose="02070309020205020404" pitchFamily="49" charset="0"/>
+                <a:cs typeface="Courier New" panose="02070309020205020404" pitchFamily="49" charset="0"/>
+              </a:rPr>
+              <a:t>        </a:t>
+            </a:r>
+            <a:r>
+              <a:rPr lang="en-US" altLang="en-US" sz="1100" b="1" dirty="0">
+                <a:solidFill>
+                  <a:srgbClr val="000080"/>
+                </a:solidFill>
+                <a:latin typeface="Courier New" panose="02070309020205020404" pitchFamily="49" charset="0"/>
+                <a:cs typeface="Courier New" panose="02070309020205020404" pitchFamily="49" charset="0"/>
+              </a:rPr>
+              <a:t>return </a:t>
+            </a:r>
+            <a:r>
+              <a:rPr lang="en-US" altLang="en-US" sz="1100" b="1" dirty="0">
+                <a:solidFill>
+                  <a:srgbClr val="008000"/>
+                </a:solidFill>
+                <a:latin typeface="Courier New" panose="02070309020205020404" pitchFamily="49" charset="0"/>
+                <a:cs typeface="Courier New" panose="02070309020205020404" pitchFamily="49" charset="0"/>
+              </a:rPr>
+              <a:t>"Hi " </a:t>
+            </a:r>
+            <a:r>
+              <a:rPr lang="en-US" altLang="en-US" sz="1100" dirty="0">
+                <a:solidFill>
+                  <a:srgbClr val="000000"/>
+                </a:solidFill>
+                <a:latin typeface="Courier New" panose="02070309020205020404" pitchFamily="49" charset="0"/>
+                <a:cs typeface="Courier New" panose="02070309020205020404" pitchFamily="49" charset="0"/>
+              </a:rPr>
+              <a:t>+ name + </a:t>
+            </a:r>
+            <a:r>
+              <a:rPr lang="en-US" altLang="en-US" sz="1100" b="1" dirty="0">
+                <a:solidFill>
+                  <a:srgbClr val="008000"/>
+                </a:solidFill>
+                <a:latin typeface="Courier New" panose="02070309020205020404" pitchFamily="49" charset="0"/>
+                <a:cs typeface="Courier New" panose="02070309020205020404" pitchFamily="49" charset="0"/>
+              </a:rPr>
+              <a:t>"!"</a:t>
+            </a:r>
+            <a:r>
+              <a:rPr lang="en-US" altLang="en-US" sz="1100" dirty="0">
+                <a:solidFill>
+                  <a:srgbClr val="000000"/>
+                </a:solidFill>
+                <a:latin typeface="Courier New" panose="02070309020205020404" pitchFamily="49" charset="0"/>
+                <a:cs typeface="Courier New" panose="02070309020205020404" pitchFamily="49" charset="0"/>
+              </a:rPr>
+              <a:t>;</a:t>
+            </a:r>
+            <a:br>
+              <a:rPr lang="en-US" altLang="en-US" sz="1100" dirty="0">
+                <a:solidFill>
+                  <a:srgbClr val="000000"/>
+                </a:solidFill>
+                <a:latin typeface="Courier New" panose="02070309020205020404" pitchFamily="49" charset="0"/>
+                <a:cs typeface="Courier New" panose="02070309020205020404" pitchFamily="49" charset="0"/>
+              </a:rPr>
+            </a:br>
+            <a:r>
+              <a:rPr lang="en-US" altLang="en-US" sz="1100" dirty="0">
+                <a:solidFill>
+                  <a:srgbClr val="000000"/>
+                </a:solidFill>
+                <a:latin typeface="Courier New" panose="02070309020205020404" pitchFamily="49" charset="0"/>
+                <a:cs typeface="Courier New" panose="02070309020205020404" pitchFamily="49" charset="0"/>
+              </a:rPr>
+              <a:t>    };</a:t>
+            </a:r>
+            <a:br>
+              <a:rPr lang="en-US" altLang="en-US" sz="1100" dirty="0">
+                <a:solidFill>
+                  <a:srgbClr val="000000"/>
+                </a:solidFill>
+                <a:latin typeface="Courier New" panose="02070309020205020404" pitchFamily="49" charset="0"/>
+                <a:cs typeface="Courier New" panose="02070309020205020404" pitchFamily="49" charset="0"/>
+              </a:rPr>
+            </a:br>
+            <a:r>
+              <a:rPr lang="en-US" altLang="en-US" sz="1100" dirty="0">
+                <a:solidFill>
+                  <a:srgbClr val="000000"/>
+                </a:solidFill>
+                <a:latin typeface="Courier New" panose="02070309020205020404" pitchFamily="49" charset="0"/>
+                <a:cs typeface="Courier New" panose="02070309020205020404" pitchFamily="49" charset="0"/>
+              </a:rPr>
+              <a:t>});</a:t>
+            </a:r>
+            <a:endParaRPr lang="en-US" altLang="en-US" sz="2400" dirty="0">
+              <a:latin typeface="Arial" panose="020B0604020202020204" pitchFamily="34" charset="0"/>
+            </a:endParaRPr>
+          </a:p>
+        </p:txBody>
+      </p:sp>
+      <p:sp>
+        <p:nvSpPr>
+          <p:cNvPr id="8" name="Rectangle 7"/>
+          <p:cNvSpPr/>
+          <p:nvPr/>
+        </p:nvSpPr>
+        <p:spPr>
+          <a:xfrm>
+            <a:off x="457200" y="1472555"/>
+            <a:ext cx="3371692" cy="461665"/>
+          </a:xfrm>
+          <a:prstGeom prst="rect">
+            <a:avLst/>
+          </a:prstGeom>
+        </p:spPr>
+        <p:txBody>
+          <a:bodyPr wrap="none">
+            <a:spAutoFit/>
+          </a:bodyPr>
+          <a:lstStyle/>
+          <a:p>
+            <a:r>
+              <a:rPr lang="en-US" sz="2400" dirty="0" smtClean="0"/>
+              <a:t>service is a constructor </a:t>
+            </a:r>
+            <a:r>
+              <a:rPr lang="en-US" sz="2400" dirty="0" err="1" smtClean="0"/>
+              <a:t>fn</a:t>
+            </a:r>
+            <a:endParaRPr lang="en-US" sz="2400" dirty="0">
+              <a:solidFill>
+                <a:srgbClr val="C00000"/>
+              </a:solidFill>
+            </a:endParaRPr>
+          </a:p>
+        </p:txBody>
+      </p:sp>
+      <p:sp>
+        <p:nvSpPr>
+          <p:cNvPr id="11" name="Rectangle 10"/>
+          <p:cNvSpPr/>
+          <p:nvPr/>
+        </p:nvSpPr>
+        <p:spPr>
+          <a:xfrm>
+            <a:off x="4964488" y="1472555"/>
+            <a:ext cx="3710824" cy="461665"/>
+          </a:xfrm>
+          <a:prstGeom prst="rect">
+            <a:avLst/>
+          </a:prstGeom>
+        </p:spPr>
+        <p:txBody>
+          <a:bodyPr wrap="none">
+            <a:spAutoFit/>
+          </a:bodyPr>
+          <a:lstStyle/>
+          <a:p>
+            <a:r>
+              <a:rPr lang="en-US" sz="2400" dirty="0" smtClean="0"/>
+              <a:t>factory returns object as API</a:t>
+            </a:r>
+            <a:endParaRPr lang="en-US" sz="2400" dirty="0">
+              <a:solidFill>
+                <a:srgbClr val="C00000"/>
+              </a:solidFill>
+            </a:endParaRPr>
+          </a:p>
+        </p:txBody>
+      </p:sp>
+      <p:pic>
+        <p:nvPicPr>
+          <p:cNvPr id="2050" name="Picture 2" descr="http://www.veteranstoday.com/wp-content/uploads/2015/03/sugar.jpg"/>
+          <p:cNvPicPr>
+            <a:picLocks noChangeAspect="1" noChangeArrowheads="1"/>
+          </p:cNvPicPr>
+          <p:nvPr/>
+        </p:nvPicPr>
+        <p:blipFill>
+          <a:blip r:embed="rId3">
+            <a:extLst>
+              <a:ext uri="{28A0092B-C50C-407E-A947-70E740481C1C}">
+                <a14:useLocalDpi xmlns:a14="http://schemas.microsoft.com/office/drawing/2010/main" val="0"/>
+              </a:ext>
+            </a:extLst>
+          </a:blip>
+          <a:srcRect/>
+          <a:stretch>
+            <a:fillRect/>
+          </a:stretch>
+        </p:blipFill>
+        <p:spPr bwMode="auto">
+          <a:xfrm>
+            <a:off x="2895600" y="4648200"/>
+            <a:ext cx="2971800" cy="1854979"/>
+          </a:xfrm>
+          <a:prstGeom prst="rect">
+            <a:avLst/>
+          </a:prstGeom>
+          <a:noFill/>
+          <a:extLst>
+            <a:ext uri="{909E8E84-426E-40DD-AFC4-6F175D3DCCD1}">
+              <a14:hiddenFill xmlns:a14="http://schemas.microsoft.com/office/drawing/2010/main">
+                <a:solidFill>
+                  <a:srgbClr val="FFFFFF"/>
+                </a:solidFill>
+              </a14:hiddenFill>
+            </a:ext>
+          </a:extLst>
+        </p:spPr>
+      </p:pic>
+      <p:sp>
+        <p:nvSpPr>
+          <p:cNvPr id="3" name="Rectangle 2"/>
+          <p:cNvSpPr/>
+          <p:nvPr/>
+        </p:nvSpPr>
+        <p:spPr>
+          <a:xfrm>
+            <a:off x="874622" y="1934220"/>
+            <a:ext cx="2536848" cy="369332"/>
+          </a:xfrm>
+          <a:prstGeom prst="rect">
+            <a:avLst/>
+          </a:prstGeom>
+        </p:spPr>
+        <p:txBody>
+          <a:bodyPr wrap="none">
+            <a:spAutoFit/>
+          </a:bodyPr>
+          <a:lstStyle/>
+          <a:p>
+            <a:r>
+              <a:rPr lang="en-US" dirty="0"/>
+              <a:t>(also accepts es6 classes)</a:t>
+            </a:r>
+            <a:endParaRPr lang="en-US" dirty="0">
+              <a:solidFill>
+                <a:srgbClr val="C00000"/>
+              </a:solidFill>
+            </a:endParaRPr>
+          </a:p>
+        </p:txBody>
+      </p:sp>
+      <p:cxnSp>
+        <p:nvCxnSpPr>
+          <p:cNvPr id="7" name="Straight Arrow Connector 6"/>
+          <p:cNvCxnSpPr/>
+          <p:nvPr/>
+        </p:nvCxnSpPr>
+        <p:spPr>
+          <a:xfrm>
+            <a:off x="4114800" y="3429000"/>
+            <a:ext cx="457200" cy="0"/>
+          </a:xfrm>
+          <a:prstGeom prst="straightConnector1">
+            <a:avLst/>
+          </a:prstGeom>
+          <a:ln>
+            <a:tailEnd type="arrow"/>
+          </a:ln>
+        </p:spPr>
+        <p:style>
+          <a:lnRef idx="1">
+            <a:schemeClr val="dk1"/>
+          </a:lnRef>
+          <a:fillRef idx="0">
+            <a:schemeClr val="dk1"/>
+          </a:fillRef>
+          <a:effectRef idx="0">
+            <a:schemeClr val="dk1"/>
+          </a:effectRef>
+          <a:fontRef idx="minor">
+            <a:schemeClr val="tx1"/>
+          </a:fontRef>
+        </p:style>
+      </p:cxnSp>
+    </p:spTree>
+    <p:extLst>
+      <p:ext uri="{BB962C8B-B14F-4D97-AF65-F5344CB8AC3E}">
+        <p14:creationId xmlns:p14="http://schemas.microsoft.com/office/powerpoint/2010/main" val="1851657548"/>
+      </p:ext>
+    </p:extLst>
+  </p:cSld>
+  <p:clrMapOvr>
+    <a:masterClrMapping/>
+  </p:clrMapOvr>
+  <mc:AlternateContent xmlns:mc="http://schemas.openxmlformats.org/markup-compatibility/2006" xmlns:p14="http://schemas.microsoft.com/office/powerpoint/2010/main">
+    <mc:Choice Requires="p14">
+      <p:transition spd="slow" p14:dur="2000"/>
+    </mc:Choice>
+    <mc:Fallback xmlns="">
+      <p:transition spd="slow"/>
+    </mc:Fallback>
+  </mc:AlternateContent>
+  <p:timing>
+    <p:tnLst>
+      <p:par>
+        <p:cTn id="1" dur="indefinite" restart="never" nodeType="tmRoot">
+          <p:childTnLst>
+            <p:seq concurrent="1" nextAc="seek">
+              <p:cTn id="2" dur="indefinite" nodeType="mainSeq">
+                <p:childTnLst>
+                  <p:par>
+                    <p:cTn id="3" fill="hold">
+                      <p:stCondLst>
+                        <p:cond delay="indefinite"/>
+                      </p:stCondLst>
+                      <p:childTnLst>
+                        <p:par>
+                          <p:cTn id="4" fill="hold">
+                            <p:stCondLst>
+                              <p:cond delay="0"/>
+                            </p:stCondLst>
+                            <p:childTnLst>
+                              <p:par>
+                                <p:cTn id="5" presetID="1" presetClass="entr" presetSubtype="0" fill="hold" grpId="0" nodeType="clickEffect">
+                                  <p:stCondLst>
+                                    <p:cond delay="0"/>
+                                  </p:stCondLst>
+                                  <p:childTnLst>
+                                    <p:set>
+                                      <p:cBhvr>
+                                        <p:cTn id="6" dur="1" fill="hold">
+                                          <p:stCondLst>
+                                            <p:cond delay="0"/>
+                                          </p:stCondLst>
+                                        </p:cTn>
+                                        <p:tgtEl>
+                                          <p:spTgt spid="5"/>
+                                        </p:tgtEl>
+                                        <p:attrNameLst>
+                                          <p:attrName>style.visibility</p:attrName>
+                                        </p:attrNameLst>
+                                      </p:cBhvr>
+                                      <p:to>
+                                        <p:strVal val="visible"/>
+                                      </p:to>
+                                    </p:set>
+                                  </p:childTnLst>
+                                </p:cTn>
+                              </p:par>
+                              <p:par>
+                                <p:cTn id="7" presetID="1" presetClass="entr" presetSubtype="0" fill="hold" grpId="0" nodeType="withEffect">
+                                  <p:stCondLst>
+                                    <p:cond delay="0"/>
+                                  </p:stCondLst>
+                                  <p:childTnLst>
+                                    <p:set>
+                                      <p:cBhvr>
+                                        <p:cTn id="8" dur="1" fill="hold">
+                                          <p:stCondLst>
+                                            <p:cond delay="0"/>
+                                          </p:stCondLst>
+                                        </p:cTn>
+                                        <p:tgtEl>
+                                          <p:spTgt spid="8"/>
+                                        </p:tgtEl>
+                                        <p:attrNameLst>
+                                          <p:attrName>style.visibility</p:attrName>
+                                        </p:attrNameLst>
+                                      </p:cBhvr>
+                                      <p:to>
+                                        <p:strVal val="visible"/>
+                                      </p:to>
+                                    </p:set>
+                                  </p:childTnLst>
+                                </p:cTn>
+                              </p:par>
+                            </p:childTnLst>
+                          </p:cTn>
+                        </p:par>
+                      </p:childTnLst>
+                    </p:cTn>
+                  </p:par>
+                  <p:par>
+                    <p:cTn id="9" fill="hold">
+                      <p:stCondLst>
+                        <p:cond delay="indefinite"/>
+                      </p:stCondLst>
+                      <p:childTnLst>
+                        <p:par>
+                          <p:cTn id="10" fill="hold">
+                            <p:stCondLst>
+                              <p:cond delay="0"/>
+                            </p:stCondLst>
+                            <p:childTnLst>
+                              <p:par>
+                                <p:cTn id="11" presetID="1" presetClass="entr" presetSubtype="0" fill="hold" grpId="0" nodeType="clickEffect">
+                                  <p:stCondLst>
+                                    <p:cond delay="0"/>
+                                  </p:stCondLst>
+                                  <p:childTnLst>
+                                    <p:set>
+                                      <p:cBhvr>
+                                        <p:cTn id="12" dur="1" fill="hold">
+                                          <p:stCondLst>
+                                            <p:cond delay="0"/>
+                                          </p:stCondLst>
+                                        </p:cTn>
+                                        <p:tgtEl>
+                                          <p:spTgt spid="4"/>
+                                        </p:tgtEl>
+                                        <p:attrNameLst>
+                                          <p:attrName>style.visibility</p:attrName>
+                                        </p:attrNameLst>
+                                      </p:cBhvr>
+                                      <p:to>
+                                        <p:strVal val="visible"/>
+                                      </p:to>
+                                    </p:set>
+                                  </p:childTnLst>
+                                </p:cTn>
+                              </p:par>
+                              <p:par>
+                                <p:cTn id="13" presetID="1" presetClass="entr" presetSubtype="0" fill="hold" grpId="0" nodeType="withEffect">
+                                  <p:stCondLst>
+                                    <p:cond delay="0"/>
+                                  </p:stCondLst>
+                                  <p:childTnLst>
+                                    <p:set>
+                                      <p:cBhvr>
+                                        <p:cTn id="14" dur="1" fill="hold">
+                                          <p:stCondLst>
+                                            <p:cond delay="0"/>
+                                          </p:stCondLst>
+                                        </p:cTn>
+                                        <p:tgtEl>
+                                          <p:spTgt spid="11"/>
+                                        </p:tgtEl>
+                                        <p:attrNameLst>
+                                          <p:attrName>style.visibility</p:attrName>
+                                        </p:attrNameLst>
+                                      </p:cBhvr>
+                                      <p:to>
+                                        <p:strVal val="visible"/>
+                                      </p:to>
+                                    </p:set>
+                                  </p:childTnLst>
+                                </p:cTn>
+                              </p:par>
+                            </p:childTnLst>
+                          </p:cTn>
+                        </p:par>
+                      </p:childTnLst>
+                    </p:cTn>
+                  </p:par>
+                  <p:par>
+                    <p:cTn id="15" fill="hold">
+                      <p:stCondLst>
+                        <p:cond delay="indefinite"/>
+                      </p:stCondLst>
+                      <p:childTnLst>
+                        <p:par>
+                          <p:cTn id="16" fill="hold">
+                            <p:stCondLst>
+                              <p:cond delay="0"/>
+                            </p:stCondLst>
+                            <p:childTnLst>
+                              <p:par>
+                                <p:cTn id="17" presetID="1" presetClass="entr" presetSubtype="0" fill="hold" nodeType="clickEffect">
+                                  <p:stCondLst>
+                                    <p:cond delay="0"/>
+                                  </p:stCondLst>
+                                  <p:childTnLst>
+                                    <p:set>
+                                      <p:cBhvr>
+                                        <p:cTn id="18" dur="1" fill="hold">
+                                          <p:stCondLst>
+                                            <p:cond delay="0"/>
+                                          </p:stCondLst>
+                                        </p:cTn>
+                                        <p:tgtEl>
+                                          <p:spTgt spid="2050"/>
+                                        </p:tgtEl>
+                                        <p:attrNameLst>
+                                          <p:attrName>style.visibility</p:attrName>
+                                        </p:attrNameLst>
+                                      </p:cBhvr>
+                                      <p:to>
+                                        <p:strVal val="visible"/>
+                                      </p:to>
+                                    </p:set>
+                                  </p:childTnLst>
+                                </p:cTn>
+                              </p:par>
+                              <p:par>
+                                <p:cTn id="19" presetID="1" presetClass="entr" presetSubtype="0" fill="hold" nodeType="withEffect">
+                                  <p:stCondLst>
+                                    <p:cond delay="0"/>
+                                  </p:stCondLst>
+                                  <p:childTnLst>
+                                    <p:set>
+                                      <p:cBhvr>
+                                        <p:cTn id="20" dur="1" fill="hold">
+                                          <p:stCondLst>
+                                            <p:cond delay="0"/>
+                                          </p:stCondLst>
+                                        </p:cTn>
+                                        <p:tgtEl>
+                                          <p:spTgt spid="7"/>
+                                        </p:tgtEl>
+                                        <p:attrNameLst>
+                                          <p:attrName>style.visibility</p:attrName>
+                                        </p:attrNameLst>
+                                      </p:cBhvr>
+                                      <p:to>
+                                        <p:strVal val="visible"/>
+                                      </p:to>
+                                    </p:set>
+                                  </p:childTnLst>
+                                </p:cTn>
+                              </p:par>
+                            </p:childTnLst>
+                          </p:cTn>
+                        </p:par>
+                      </p:childTnLst>
+                    </p:cTn>
+                  </p:par>
+                </p:childTnLst>
+              </p:cTn>
+              <p:prevCondLst>
+                <p:cond evt="onPrev" delay="0">
+                  <p:tgtEl>
+                    <p:sldTgt/>
+                  </p:tgtEl>
+                </p:cond>
+              </p:prevCondLst>
+              <p:nextCondLst>
+                <p:cond evt="onNext" delay="0">
+                  <p:tgtEl>
+                    <p:sldTgt/>
+                  </p:tgtEl>
+                </p:cond>
+              </p:nextCondLst>
+            </p:seq>
+          </p:childTnLst>
+        </p:cTn>
+      </p:par>
+    </p:tnLst>
+    <p:bldLst>
+      <p:bldP spid="4" grpId="0" animBg="1"/>
+      <p:bldP spid="5" grpId="0" animBg="1"/>
+      <p:bldP spid="8" grpId="0"/>
+      <p:bldP spid="11" grpId="0"/>
+    </p:bldLst>
+  </p:timing>
+</p:sld>
+</file>
+
+<file path=ppt/slides/slide14.xml><?xml version="1.0" encoding="utf-8"?>
+<p:sld xmlns:a="http://schemas.openxmlformats.org/drawingml/2006/main" xmlns:r="http://schemas.openxmlformats.org/officeDocument/2006/relationships" xmlns:p="http://schemas.openxmlformats.org/presentationml/2006/main">
+  <p:cSld>
+    <p:spTree>
+      <p:nvGrpSpPr>
+        <p:cNvPr id="1" name=""/>
+        <p:cNvGrpSpPr/>
+        <p:nvPr/>
+      </p:nvGrpSpPr>
+      <p:grpSpPr>
+        <a:xfrm>
+          <a:off x="0" y="0"/>
+          <a:ext cx="0" cy="0"/>
+          <a:chOff x="0" y="0"/>
+          <a:chExt cx="0" cy="0"/>
+        </a:xfrm>
+      </p:grpSpPr>
+      <p:sp>
+        <p:nvSpPr>
+          <p:cNvPr id="2" name="Title 1"/>
+          <p:cNvSpPr>
+            <a:spLocks noGrp="1"/>
+          </p:cNvSpPr>
+          <p:nvPr>
+            <p:ph type="title"/>
+          </p:nvPr>
+        </p:nvSpPr>
+        <p:spPr/>
+        <p:txBody>
+          <a:bodyPr/>
+          <a:lstStyle/>
+          <a:p>
+            <a:r>
+              <a:rPr lang="en-US" dirty="0" smtClean="0">
+                <a:latin typeface="Courier New" panose="02070309020205020404" pitchFamily="49" charset="0"/>
+                <a:cs typeface="Courier New" panose="02070309020205020404" pitchFamily="49" charset="0"/>
+              </a:rPr>
+              <a:t>Application lifecycle</a:t>
+            </a:r>
+            <a:endParaRPr lang="ru-RU" dirty="0">
+              <a:latin typeface="Courier New" panose="02070309020205020404" pitchFamily="49" charset="0"/>
+              <a:cs typeface="Courier New" panose="02070309020205020404" pitchFamily="49" charset="0"/>
+            </a:endParaRPr>
+          </a:p>
+        </p:txBody>
+      </p:sp>
+      <p:sp>
+        <p:nvSpPr>
+          <p:cNvPr id="7" name="Rectangle 6"/>
+          <p:cNvSpPr/>
+          <p:nvPr/>
+        </p:nvSpPr>
+        <p:spPr>
+          <a:xfrm>
+            <a:off x="685800" y="1839949"/>
+            <a:ext cx="7772400" cy="461665"/>
+          </a:xfrm>
+          <a:prstGeom prst="rect">
+            <a:avLst/>
+          </a:prstGeom>
+        </p:spPr>
+        <p:style>
+          <a:lnRef idx="2">
+            <a:schemeClr val="dk1"/>
+          </a:lnRef>
+          <a:fillRef idx="1">
+            <a:schemeClr val="lt1"/>
+          </a:fillRef>
+          <a:effectRef idx="0">
+            <a:schemeClr val="dk1"/>
+          </a:effectRef>
+          <a:fontRef idx="minor">
+            <a:schemeClr val="dk1"/>
+          </a:fontRef>
+        </p:style>
+        <p:txBody>
+          <a:bodyPr wrap="square">
+            <a:spAutoFit/>
+          </a:bodyPr>
+          <a:lstStyle/>
+          <a:p>
+            <a:r>
+              <a:rPr lang="en-US" sz="2400" dirty="0" smtClean="0"/>
+              <a:t>Bootstrap</a:t>
+            </a:r>
+            <a:endParaRPr lang="en-US" sz="2400" dirty="0"/>
+          </a:p>
+        </p:txBody>
+      </p:sp>
+      <p:sp>
+        <p:nvSpPr>
+          <p:cNvPr id="8" name="Rectangle 7"/>
+          <p:cNvSpPr/>
+          <p:nvPr/>
+        </p:nvSpPr>
+        <p:spPr>
+          <a:xfrm>
+            <a:off x="685801" y="2937042"/>
+            <a:ext cx="7772399" cy="461665"/>
+          </a:xfrm>
+          <a:prstGeom prst="rect">
+            <a:avLst/>
+          </a:prstGeom>
+          <a:ln>
+            <a:solidFill>
+              <a:schemeClr val="bg1">
+                <a:lumMod val="50000"/>
+              </a:schemeClr>
+            </a:solidFill>
+          </a:ln>
+        </p:spPr>
+        <p:style>
+          <a:lnRef idx="2">
+            <a:schemeClr val="dk1"/>
+          </a:lnRef>
+          <a:fillRef idx="1">
+            <a:schemeClr val="lt1"/>
+          </a:fillRef>
+          <a:effectRef idx="0">
+            <a:schemeClr val="dk1"/>
+          </a:effectRef>
+          <a:fontRef idx="minor">
+            <a:schemeClr val="dk1"/>
+          </a:fontRef>
+        </p:style>
+        <p:txBody>
+          <a:bodyPr wrap="square">
+            <a:spAutoFit/>
+          </a:bodyPr>
+          <a:lstStyle/>
+          <a:p>
+            <a:r>
+              <a:rPr lang="en-US" sz="2400" dirty="0" smtClean="0"/>
+              <a:t>HTML compilation</a:t>
+            </a:r>
+            <a:endParaRPr lang="en-US" sz="2400" dirty="0"/>
+          </a:p>
+        </p:txBody>
+      </p:sp>
+      <p:sp>
+        <p:nvSpPr>
+          <p:cNvPr id="9" name="Rectangle 8"/>
+          <p:cNvSpPr/>
+          <p:nvPr/>
+        </p:nvSpPr>
+        <p:spPr>
+          <a:xfrm>
+            <a:off x="685800" y="4034135"/>
+            <a:ext cx="7772400" cy="461665"/>
+          </a:xfrm>
+          <a:prstGeom prst="rect">
+            <a:avLst/>
+          </a:prstGeom>
+          <a:ln>
+            <a:solidFill>
+              <a:schemeClr val="accent3">
+                <a:lumMod val="75000"/>
+              </a:schemeClr>
+            </a:solidFill>
+          </a:ln>
+        </p:spPr>
+        <p:style>
+          <a:lnRef idx="2">
+            <a:schemeClr val="dk1"/>
+          </a:lnRef>
+          <a:fillRef idx="1">
+            <a:schemeClr val="lt1"/>
+          </a:fillRef>
+          <a:effectRef idx="0">
+            <a:schemeClr val="dk1"/>
+          </a:effectRef>
+          <a:fontRef idx="minor">
+            <a:schemeClr val="dk1"/>
+          </a:fontRef>
+        </p:style>
+        <p:txBody>
+          <a:bodyPr wrap="square">
+            <a:spAutoFit/>
+          </a:bodyPr>
+          <a:lstStyle/>
+          <a:p>
+            <a:r>
+              <a:rPr lang="en-US" sz="2400" dirty="0" smtClean="0"/>
+              <a:t>Runtime</a:t>
+            </a:r>
+            <a:endParaRPr lang="en-US" sz="2400" dirty="0"/>
+          </a:p>
+        </p:txBody>
+      </p:sp>
+      <p:sp>
+        <p:nvSpPr>
+          <p:cNvPr id="10" name="Down Arrow 9"/>
+          <p:cNvSpPr/>
+          <p:nvPr/>
+        </p:nvSpPr>
+        <p:spPr>
+          <a:xfrm>
+            <a:off x="4267200" y="2390728"/>
+            <a:ext cx="457200" cy="457200"/>
+          </a:xfrm>
+          <a:prstGeom prst="downArrow">
+            <a:avLst/>
+          </a:prstGeom>
+        </p:spPr>
+        <p:style>
+          <a:lnRef idx="2">
+            <a:schemeClr val="dk1">
+              <a:shade val="50000"/>
+            </a:schemeClr>
+          </a:lnRef>
+          <a:fillRef idx="1">
+            <a:schemeClr val="dk1"/>
+          </a:fillRef>
+          <a:effectRef idx="0">
+            <a:schemeClr val="dk1"/>
+          </a:effectRef>
+          <a:fontRef idx="minor">
+            <a:schemeClr val="lt1"/>
+          </a:fontRef>
+        </p:style>
+        <p:txBody>
+          <a:bodyPr rtlCol="0" anchor="ctr"/>
+          <a:lstStyle/>
+          <a:p>
+            <a:pPr algn="ctr"/>
+            <a:endParaRPr lang="en-US"/>
+          </a:p>
+        </p:txBody>
+      </p:sp>
+      <p:sp>
+        <p:nvSpPr>
+          <p:cNvPr id="11" name="Down Arrow 10"/>
+          <p:cNvSpPr/>
+          <p:nvPr/>
+        </p:nvSpPr>
+        <p:spPr>
+          <a:xfrm>
+            <a:off x="4267200" y="3483356"/>
+            <a:ext cx="457200" cy="457200"/>
+          </a:xfrm>
+          <a:prstGeom prst="downArrow">
+            <a:avLst/>
+          </a:prstGeom>
+          <a:solidFill>
+            <a:schemeClr val="tx1">
+              <a:lumMod val="75000"/>
+              <a:lumOff val="25000"/>
+            </a:schemeClr>
+          </a:solidFill>
+          <a:ln>
+            <a:solidFill>
+              <a:schemeClr val="tx1">
+                <a:lumMod val="75000"/>
+                <a:lumOff val="25000"/>
+              </a:schemeClr>
+            </a:solidFill>
+          </a:ln>
+        </p:spPr>
+        <p:style>
+          <a:lnRef idx="2">
+            <a:schemeClr val="dk1">
+              <a:shade val="50000"/>
+            </a:schemeClr>
+          </a:lnRef>
+          <a:fillRef idx="1">
+            <a:schemeClr val="dk1"/>
+          </a:fillRef>
+          <a:effectRef idx="0">
+            <a:schemeClr val="dk1"/>
+          </a:effectRef>
+          <a:fontRef idx="minor">
+            <a:schemeClr val="lt1"/>
+          </a:fontRef>
+        </p:style>
+        <p:txBody>
+          <a:bodyPr rtlCol="0" anchor="ctr"/>
+          <a:lstStyle/>
+          <a:p>
+            <a:pPr algn="ctr"/>
+            <a:endParaRPr lang="en-US"/>
+          </a:p>
+        </p:txBody>
+      </p:sp>
+      <p:sp>
+        <p:nvSpPr>
+          <p:cNvPr id="13" name="U-Turn Arrow 12"/>
+          <p:cNvSpPr/>
+          <p:nvPr/>
+        </p:nvSpPr>
+        <p:spPr>
+          <a:xfrm rot="10800000">
+            <a:off x="3657600" y="4589379"/>
+            <a:ext cx="914400" cy="838200"/>
+          </a:xfrm>
+          <a:prstGeom prst="uturnArrow">
+            <a:avLst/>
+          </a:prstGeom>
+          <a:solidFill>
+            <a:schemeClr val="accent3">
+              <a:lumMod val="20000"/>
+              <a:lumOff val="80000"/>
+            </a:schemeClr>
+          </a:solidFill>
+          <a:ln>
+            <a:solidFill>
+              <a:schemeClr val="accent3">
+                <a:lumMod val="60000"/>
+                <a:lumOff val="40000"/>
+              </a:schemeClr>
+            </a:solidFill>
+          </a:ln>
+        </p:spPr>
+        <p:style>
+          <a:lnRef idx="2">
+            <a:schemeClr val="dk1">
+              <a:shade val="50000"/>
+            </a:schemeClr>
+          </a:lnRef>
+          <a:fillRef idx="1">
+            <a:schemeClr val="dk1"/>
+          </a:fillRef>
+          <a:effectRef idx="0">
+            <a:schemeClr val="dk1"/>
+          </a:effectRef>
+          <a:fontRef idx="minor">
+            <a:schemeClr val="lt1"/>
+          </a:fontRef>
+        </p:style>
+        <p:txBody>
+          <a:bodyPr rtlCol="0" anchor="ctr"/>
+          <a:lstStyle/>
+          <a:p>
+            <a:pPr algn="ctr"/>
+            <a:endParaRPr lang="en-US">
+              <a:solidFill>
+                <a:schemeClr val="tx1"/>
+              </a:solidFill>
+            </a:endParaRPr>
+          </a:p>
+        </p:txBody>
+      </p:sp>
+    </p:spTree>
+    <p:extLst>
+      <p:ext uri="{BB962C8B-B14F-4D97-AF65-F5344CB8AC3E}">
+        <p14:creationId xmlns:p14="http://schemas.microsoft.com/office/powerpoint/2010/main" val="1797790202"/>
+      </p:ext>
+    </p:extLst>
+  </p:cSld>
+  <p:clrMapOvr>
+    <a:masterClrMapping/>
+  </p:clrMapOvr>
+  <p:timing>
+    <p:tnLst>
+      <p:par>
+        <p:cTn id="1" dur="indefinite" restart="never" nodeType="tmRoot">
+          <p:childTnLst>
+            <p:seq concurrent="1" nextAc="seek">
+              <p:cTn id="2" dur="indefinite" nodeType="mainSeq">
+                <p:childTnLst>
+                  <p:par>
+                    <p:cTn id="3" fill="hold">
+                      <p:stCondLst>
+                        <p:cond delay="indefinite"/>
+                      </p:stCondLst>
+                      <p:childTnLst>
+                        <p:par>
+                          <p:cTn id="4" fill="hold">
+                            <p:stCondLst>
+                              <p:cond delay="0"/>
+                            </p:stCondLst>
+                            <p:childTnLst>
+                              <p:par>
+                                <p:cTn id="5" presetID="1" presetClass="entr" presetSubtype="0" fill="hold" grpId="0" nodeType="clickEffect">
+                                  <p:stCondLst>
+                                    <p:cond delay="0"/>
+                                  </p:stCondLst>
+                                  <p:childTnLst>
+                                    <p:set>
+                                      <p:cBhvr>
+                                        <p:cTn id="6" dur="1" fill="hold">
+                                          <p:stCondLst>
+                                            <p:cond delay="0"/>
+                                          </p:stCondLst>
+                                        </p:cTn>
+                                        <p:tgtEl>
+                                          <p:spTgt spid="7"/>
+                                        </p:tgtEl>
+                                        <p:attrNameLst>
+                                          <p:attrName>style.visibility</p:attrName>
+                                        </p:attrNameLst>
+                                      </p:cBhvr>
+                                      <p:to>
+                                        <p:strVal val="visible"/>
+                                      </p:to>
+                                    </p:set>
+                                  </p:childTnLst>
+                                </p:cTn>
+                              </p:par>
+                            </p:childTnLst>
+                          </p:cTn>
+                        </p:par>
+                      </p:childTnLst>
+                    </p:cTn>
+                  </p:par>
+                  <p:par>
+                    <p:cTn id="7" fill="hold">
+                      <p:stCondLst>
+                        <p:cond delay="indefinite"/>
+                      </p:stCondLst>
+                      <p:childTnLst>
+                        <p:par>
+                          <p:cTn id="8" fill="hold">
+                            <p:stCondLst>
+                              <p:cond delay="0"/>
+                            </p:stCondLst>
+                            <p:childTnLst>
+                              <p:par>
+                                <p:cTn id="9" presetID="1" presetClass="entr" presetSubtype="0" fill="hold" grpId="0" nodeType="clickEffect">
+                                  <p:stCondLst>
+                                    <p:cond delay="0"/>
+                                  </p:stCondLst>
+                                  <p:childTnLst>
+                                    <p:set>
+                                      <p:cBhvr>
+                                        <p:cTn id="10" dur="1" fill="hold">
+                                          <p:stCondLst>
+                                            <p:cond delay="0"/>
+                                          </p:stCondLst>
+                                        </p:cTn>
+                                        <p:tgtEl>
+                                          <p:spTgt spid="10"/>
+                                        </p:tgtEl>
+                                        <p:attrNameLst>
+                                          <p:attrName>style.visibility</p:attrName>
+                                        </p:attrNameLst>
+                                      </p:cBhvr>
+                                      <p:to>
+                                        <p:strVal val="visible"/>
+                                      </p:to>
+                                    </p:set>
+                                  </p:childTnLst>
+                                </p:cTn>
+                              </p:par>
+                              <p:par>
+                                <p:cTn id="11" presetID="1" presetClass="entr" presetSubtype="0" fill="hold" grpId="0" nodeType="withEffect">
+                                  <p:stCondLst>
+                                    <p:cond delay="0"/>
+                                  </p:stCondLst>
+                                  <p:childTnLst>
+                                    <p:set>
+                                      <p:cBhvr>
+                                        <p:cTn id="12" dur="1" fill="hold">
+                                          <p:stCondLst>
+                                            <p:cond delay="0"/>
+                                          </p:stCondLst>
+                                        </p:cTn>
+                                        <p:tgtEl>
+                                          <p:spTgt spid="8"/>
+                                        </p:tgtEl>
+                                        <p:attrNameLst>
+                                          <p:attrName>style.visibility</p:attrName>
+                                        </p:attrNameLst>
+                                      </p:cBhvr>
+                                      <p:to>
+                                        <p:strVal val="visible"/>
+                                      </p:to>
+                                    </p:set>
+                                  </p:childTnLst>
+                                </p:cTn>
+                              </p:par>
+                            </p:childTnLst>
+                          </p:cTn>
+                        </p:par>
+                      </p:childTnLst>
+                    </p:cTn>
+                  </p:par>
+                  <p:par>
+                    <p:cTn id="13" fill="hold">
+                      <p:stCondLst>
+                        <p:cond delay="indefinite"/>
+                      </p:stCondLst>
+                      <p:childTnLst>
+                        <p:par>
+                          <p:cTn id="14" fill="hold">
+                            <p:stCondLst>
+                              <p:cond delay="0"/>
+                            </p:stCondLst>
+                            <p:childTnLst>
+                              <p:par>
+                                <p:cTn id="15" presetID="1" presetClass="entr" presetSubtype="0" fill="hold" grpId="0" nodeType="clickEffect">
+                                  <p:stCondLst>
+                                    <p:cond delay="0"/>
+                                  </p:stCondLst>
+                                  <p:childTnLst>
+                                    <p:set>
+                                      <p:cBhvr>
+                                        <p:cTn id="16" dur="1" fill="hold">
+                                          <p:stCondLst>
+                                            <p:cond delay="0"/>
+                                          </p:stCondLst>
+                                        </p:cTn>
+                                        <p:tgtEl>
+                                          <p:spTgt spid="11"/>
+                                        </p:tgtEl>
+                                        <p:attrNameLst>
+                                          <p:attrName>style.visibility</p:attrName>
+                                        </p:attrNameLst>
+                                      </p:cBhvr>
+                                      <p:to>
+                                        <p:strVal val="visible"/>
+                                      </p:to>
+                                    </p:set>
+                                  </p:childTnLst>
+                                </p:cTn>
+                              </p:par>
+                              <p:par>
+                                <p:cTn id="17" presetID="1" presetClass="entr" presetSubtype="0" fill="hold" grpId="0" nodeType="withEffect">
+                                  <p:stCondLst>
+                                    <p:cond delay="0"/>
+                                  </p:stCondLst>
+                                  <p:childTnLst>
+                                    <p:set>
+                                      <p:cBhvr>
+                                        <p:cTn id="18" dur="1" fill="hold">
+                                          <p:stCondLst>
+                                            <p:cond delay="0"/>
+                                          </p:stCondLst>
+                                        </p:cTn>
+                                        <p:tgtEl>
+                                          <p:spTgt spid="9"/>
+                                        </p:tgtEl>
+                                        <p:attrNameLst>
+                                          <p:attrName>style.visibility</p:attrName>
+                                        </p:attrNameLst>
+                                      </p:cBhvr>
+                                      <p:to>
+                                        <p:strVal val="visible"/>
+                                      </p:to>
+                                    </p:set>
+                                  </p:childTnLst>
+                                </p:cTn>
+                              </p:par>
+                            </p:childTnLst>
+                          </p:cTn>
+                        </p:par>
+                      </p:childTnLst>
+                    </p:cTn>
+                  </p:par>
+                  <p:par>
+                    <p:cTn id="19" fill="hold">
+                      <p:stCondLst>
+                        <p:cond delay="indefinite"/>
+                      </p:stCondLst>
+                      <p:childTnLst>
+                        <p:par>
+                          <p:cTn id="20" fill="hold">
+                            <p:stCondLst>
+                              <p:cond delay="0"/>
+                            </p:stCondLst>
+                            <p:childTnLst>
+                              <p:par>
+                                <p:cTn id="21" presetID="1" presetClass="entr" presetSubtype="0" fill="hold" grpId="0" nodeType="clickEffect">
+                                  <p:stCondLst>
+                                    <p:cond delay="0"/>
+                                  </p:stCondLst>
+                                  <p:childTnLst>
+                                    <p:set>
+                                      <p:cBhvr>
+                                        <p:cTn id="22" dur="1" fill="hold">
+                                          <p:stCondLst>
+                                            <p:cond delay="0"/>
+                                          </p:stCondLst>
+                                        </p:cTn>
+                                        <p:tgtEl>
+                                          <p:spTgt spid="13"/>
+                                        </p:tgtEl>
+                                        <p:attrNameLst>
+                                          <p:attrName>style.visibility</p:attrName>
+                                        </p:attrNameLst>
+                                      </p:cBhvr>
+                                      <p:to>
+                                        <p:strVal val="visible"/>
+                                      </p:to>
+                                    </p:set>
+                                  </p:childTnLst>
+                                </p:cTn>
+                              </p:par>
+                            </p:childTnLst>
+                          </p:cTn>
+                        </p:par>
+                      </p:childTnLst>
+                    </p:cTn>
+                  </p:par>
+                </p:childTnLst>
+              </p:cTn>
+              <p:prevCondLst>
+                <p:cond evt="onPrev" delay="0">
+                  <p:tgtEl>
+                    <p:sldTgt/>
+                  </p:tgtEl>
+                </p:cond>
+              </p:prevCondLst>
+              <p:nextCondLst>
+                <p:cond evt="onNext" delay="0">
+                  <p:tgtEl>
+                    <p:sldTgt/>
+                  </p:tgtEl>
+                </p:cond>
+              </p:nextCondLst>
+            </p:seq>
+          </p:childTnLst>
+        </p:cTn>
+      </p:par>
+    </p:tnLst>
+    <p:bldLst>
+      <p:bldP spid="7" grpId="0" animBg="1"/>
+      <p:bldP spid="8" grpId="0" animBg="1"/>
+      <p:bldP spid="9" grpId="0" animBg="1"/>
+      <p:bldP spid="10" grpId="0" animBg="1"/>
+      <p:bldP spid="11" grpId="0" animBg="1"/>
+      <p:bldP spid="13" grpId="0" animBg="1"/>
+    </p:bldLst>
+  </p:timing>
+</p:sld>
+</file>
+
+<file path=ppt/slides/slide15.xml><?xml version="1.0" encoding="utf-8"?>
 <p:sld xmlns:a="http://schemas.openxmlformats.org/drawingml/2006/main" xmlns:r="http://schemas.openxmlformats.org/officeDocument/2006/relationships" xmlns:p="http://schemas.openxmlformats.org/presentationml/2006/main">
   <p:cSld>
     <p:spTree>
@@ -5547,7 +10125,7 @@
 </p:sld>
 </file>
 
-<file path=ppt/slides/slide11.xml><?xml version="1.0" encoding="utf-8"?>
+<file path=ppt/slides/slide16.xml><?xml version="1.0" encoding="utf-8"?>
 <p:sld xmlns:a="http://schemas.openxmlformats.org/drawingml/2006/main" xmlns:r="http://schemas.openxmlformats.org/officeDocument/2006/relationships" xmlns:p="http://schemas.openxmlformats.org/presentationml/2006/main">
   <p:cSld>
     <p:spTree>
@@ -5732,7 +10310,7 @@
 </p:sld>
 </file>
 
-<file path=ppt/slides/slide12.xml><?xml version="1.0" encoding="utf-8"?>
+<file path=ppt/slides/slide17.xml><?xml version="1.0" encoding="utf-8"?>
 <p:sld xmlns:a="http://schemas.openxmlformats.org/drawingml/2006/main" xmlns:r="http://schemas.openxmlformats.org/officeDocument/2006/relationships" xmlns:p="http://schemas.openxmlformats.org/presentationml/2006/main">
   <p:cSld>
     <p:spTree>
@@ -6063,7 +10641,7 @@
 </p:sld>
 </file>
 
-<file path=ppt/slides/slide13.xml><?xml version="1.0" encoding="utf-8"?>
+<file path=ppt/slides/slide18.xml><?xml version="1.0" encoding="utf-8"?>
 <p:sld xmlns:a="http://schemas.openxmlformats.org/drawingml/2006/main" xmlns:r="http://schemas.openxmlformats.org/officeDocument/2006/relationships" xmlns:p="http://schemas.openxmlformats.org/presentationml/2006/main">
   <p:cSld>
     <p:spTree>
@@ -7117,7 +11695,7 @@
 </p:sld>
 </file>
 
-<file path=ppt/slides/slide14.xml><?xml version="1.0" encoding="utf-8"?>
+<file path=ppt/slides/slide19.xml><?xml version="1.0" encoding="utf-8"?>
 <p:sld xmlns:a="http://schemas.openxmlformats.org/drawingml/2006/main" xmlns:r="http://schemas.openxmlformats.org/officeDocument/2006/relationships" xmlns:p="http://schemas.openxmlformats.org/presentationml/2006/main">
   <p:cSld>
     <p:spTree>
@@ -7228,306 +11806,6 @@
         <p:cTn id="1" dur="indefinite" restart="never" nodeType="tmRoot"/>
       </p:par>
     </p:tnLst>
-  </p:timing>
-</p:sld>
-</file>
-
-<file path=ppt/slides/slide15.xml><?xml version="1.0" encoding="utf-8"?>
-<p:sld xmlns:a="http://schemas.openxmlformats.org/drawingml/2006/main" xmlns:r="http://schemas.openxmlformats.org/officeDocument/2006/relationships" xmlns:p="http://schemas.openxmlformats.org/presentationml/2006/main">
-  <p:cSld>
-    <p:spTree>
-      <p:nvGrpSpPr>
-        <p:cNvPr id="1" name=""/>
-        <p:cNvGrpSpPr/>
-        <p:nvPr/>
-      </p:nvGrpSpPr>
-      <p:grpSpPr>
-        <a:xfrm>
-          <a:off x="0" y="0"/>
-          <a:ext cx="0" cy="0"/>
-          <a:chOff x="0" y="0"/>
-          <a:chExt cx="0" cy="0"/>
-        </a:xfrm>
-      </p:grpSpPr>
-      <p:sp>
-        <p:nvSpPr>
-          <p:cNvPr id="2" name="Title 1"/>
-          <p:cNvSpPr>
-            <a:spLocks noGrp="1"/>
-          </p:cNvSpPr>
-          <p:nvPr>
-            <p:ph type="title"/>
-          </p:nvPr>
-        </p:nvSpPr>
-        <p:spPr/>
-        <p:txBody>
-          <a:bodyPr>
-            <a:normAutofit/>
-          </a:bodyPr>
-          <a:lstStyle/>
-          <a:p>
-            <a:r>
-              <a:rPr lang="en-US" dirty="0" smtClean="0">
-                <a:latin typeface="Courier New" panose="02070309020205020404" pitchFamily="49" charset="0"/>
-                <a:cs typeface="Courier New" panose="02070309020205020404" pitchFamily="49" charset="0"/>
-              </a:rPr>
-              <a:t>[Dependency injection]</a:t>
-            </a:r>
-            <a:endParaRPr lang="ru-RU" dirty="0">
-              <a:latin typeface="Courier New" panose="02070309020205020404" pitchFamily="49" charset="0"/>
-              <a:cs typeface="Courier New" panose="02070309020205020404" pitchFamily="49" charset="0"/>
-            </a:endParaRPr>
-          </a:p>
-        </p:txBody>
-      </p:sp>
-      <p:pic>
-        <p:nvPicPr>
-          <p:cNvPr id="1030" name="Picture 6" descr="Sơ đồ hoạt động của $injector"/>
-          <p:cNvPicPr>
-            <a:picLocks noChangeAspect="1" noChangeArrowheads="1"/>
-          </p:cNvPicPr>
-          <p:nvPr/>
-        </p:nvPicPr>
-        <p:blipFill>
-          <a:blip r:embed="rId3">
-            <a:extLst>
-              <a:ext uri="{28A0092B-C50C-407E-A947-70E740481C1C}">
-                <a14:useLocalDpi xmlns:a14="http://schemas.microsoft.com/office/drawing/2010/main" val="0"/>
-              </a:ext>
-            </a:extLst>
-          </a:blip>
-          <a:srcRect/>
-          <a:stretch>
-            <a:fillRect/>
-          </a:stretch>
-        </p:blipFill>
-        <p:spPr bwMode="auto">
-          <a:xfrm>
-            <a:off x="957262" y="1600200"/>
-            <a:ext cx="7229475" cy="4552951"/>
-          </a:xfrm>
-          <a:prstGeom prst="rect">
-            <a:avLst/>
-          </a:prstGeom>
-          <a:noFill/>
-          <a:extLst>
-            <a:ext uri="{909E8E84-426E-40DD-AFC4-6F175D3DCCD1}">
-              <a14:hiddenFill xmlns:a14="http://schemas.microsoft.com/office/drawing/2010/main">
-                <a:solidFill>
-                  <a:srgbClr val="FFFFFF"/>
-                </a:solidFill>
-              </a14:hiddenFill>
-            </a:ext>
-          </a:extLst>
-        </p:spPr>
-      </p:pic>
-    </p:spTree>
-    <p:extLst>
-      <p:ext uri="{BB962C8B-B14F-4D97-AF65-F5344CB8AC3E}">
-        <p14:creationId xmlns:p14="http://schemas.microsoft.com/office/powerpoint/2010/main" val="2275019007"/>
-      </p:ext>
-    </p:extLst>
-  </p:cSld>
-  <p:clrMapOvr>
-    <a:masterClrMapping/>
-  </p:clrMapOvr>
-  <mc:AlternateContent xmlns:mc="http://schemas.openxmlformats.org/markup-compatibility/2006" xmlns:p14="http://schemas.microsoft.com/office/powerpoint/2010/main">
-    <mc:Choice Requires="p14">
-      <p:transition spd="slow" p14:dur="2000"/>
-    </mc:Choice>
-    <mc:Fallback xmlns="">
-      <p:transition spd="slow"/>
-    </mc:Fallback>
-  </mc:AlternateContent>
-  <p:timing>
-    <p:tnLst>
-      <p:par>
-        <p:cTn id="1" dur="indefinite" restart="never" nodeType="tmRoot"/>
-      </p:par>
-    </p:tnLst>
-  </p:timing>
-</p:sld>
-</file>
-
-<file path=ppt/slides/slide16.xml><?xml version="1.0" encoding="utf-8"?>
-<p:sld xmlns:a="http://schemas.openxmlformats.org/drawingml/2006/main" xmlns:r="http://schemas.openxmlformats.org/officeDocument/2006/relationships" xmlns:p="http://schemas.openxmlformats.org/presentationml/2006/main">
-  <p:cSld>
-    <p:spTree>
-      <p:nvGrpSpPr>
-        <p:cNvPr id="1" name=""/>
-        <p:cNvGrpSpPr/>
-        <p:nvPr/>
-      </p:nvGrpSpPr>
-      <p:grpSpPr>
-        <a:xfrm>
-          <a:off x="0" y="0"/>
-          <a:ext cx="0" cy="0"/>
-          <a:chOff x="0" y="0"/>
-          <a:chExt cx="0" cy="0"/>
-        </a:xfrm>
-      </p:grpSpPr>
-      <p:sp>
-        <p:nvSpPr>
-          <p:cNvPr id="2" name="Title 1"/>
-          <p:cNvSpPr>
-            <a:spLocks noGrp="1"/>
-          </p:cNvSpPr>
-          <p:nvPr>
-            <p:ph type="title"/>
-          </p:nvPr>
-        </p:nvSpPr>
-        <p:spPr>
-          <a:xfrm>
-            <a:off x="533400" y="1981200"/>
-            <a:ext cx="8229600" cy="1143000"/>
-          </a:xfrm>
-        </p:spPr>
-        <p:txBody>
-          <a:bodyPr>
-            <a:normAutofit/>
-          </a:bodyPr>
-          <a:lstStyle/>
-          <a:p>
-            <a:r>
-              <a:rPr lang="en-US" dirty="0" smtClean="0">
-                <a:latin typeface="Rockwell" panose="02060603020205020403" pitchFamily="18" charset="0"/>
-                <a:cs typeface="Courier New" panose="02070309020205020404" pitchFamily="49" charset="0"/>
-              </a:rPr>
-              <a:t>Homework!</a:t>
-            </a:r>
-            <a:endParaRPr lang="ru-RU" dirty="0">
-              <a:latin typeface="Courier New" panose="02070309020205020404" pitchFamily="49" charset="0"/>
-              <a:cs typeface="Courier New" panose="02070309020205020404" pitchFamily="49" charset="0"/>
-            </a:endParaRPr>
-          </a:p>
-        </p:txBody>
-      </p:sp>
-      <p:sp>
-        <p:nvSpPr>
-          <p:cNvPr id="3" name="Rectangle 2"/>
-          <p:cNvSpPr/>
-          <p:nvPr/>
-        </p:nvSpPr>
-        <p:spPr>
-          <a:xfrm>
-            <a:off x="3048000" y="3200400"/>
-            <a:ext cx="3228128" cy="369332"/>
-          </a:xfrm>
-          <a:prstGeom prst="rect">
-            <a:avLst/>
-          </a:prstGeom>
-        </p:spPr>
-        <p:txBody>
-          <a:bodyPr wrap="none">
-            <a:spAutoFit/>
-          </a:bodyPr>
-          <a:lstStyle/>
-          <a:p>
-            <a:r>
-              <a:rPr lang="en-US" dirty="0">
-                <a:hlinkClick r:id="rId3"/>
-              </a:rPr>
-              <a:t>https://docs.angularjs.org/guide</a:t>
-            </a:r>
-            <a:endParaRPr lang="ru-RU" dirty="0"/>
-          </a:p>
-        </p:txBody>
-      </p:sp>
-    </p:spTree>
-    <p:extLst>
-      <p:ext uri="{BB962C8B-B14F-4D97-AF65-F5344CB8AC3E}">
-        <p14:creationId xmlns:p14="http://schemas.microsoft.com/office/powerpoint/2010/main" val="2954431745"/>
-      </p:ext>
-    </p:extLst>
-  </p:cSld>
-  <p:clrMapOvr>
-    <a:masterClrMapping/>
-  </p:clrMapOvr>
-  <mc:AlternateContent xmlns:mc="http://schemas.openxmlformats.org/markup-compatibility/2006" xmlns:p14="http://schemas.microsoft.com/office/powerpoint/2010/main">
-    <mc:Choice Requires="p14">
-      <p:transition spd="slow" p14:dur="2000"/>
-    </mc:Choice>
-    <mc:Fallback xmlns="">
-      <p:transition spd="slow"/>
-    </mc:Fallback>
-  </mc:AlternateContent>
-  <p:timing>
-    <p:tnLst>
-      <p:par>
-        <p:cTn id="1" dur="indefinite" restart="never" nodeType="tmRoot">
-          <p:childTnLst>
-            <p:seq concurrent="1" nextAc="seek">
-              <p:cTn id="2" dur="indefinite" nodeType="mainSeq">
-                <p:childTnLst>
-                  <p:par>
-                    <p:cTn id="3" fill="hold">
-                      <p:stCondLst>
-                        <p:cond delay="indefinite"/>
-                      </p:stCondLst>
-                      <p:childTnLst>
-                        <p:par>
-                          <p:cTn id="4" fill="hold">
-                            <p:stCondLst>
-                              <p:cond delay="0"/>
-                            </p:stCondLst>
-                            <p:childTnLst>
-                              <p:par>
-                                <p:cTn id="5" presetID="1" presetClass="entr" presetSubtype="0" fill="hold" grpId="0" nodeType="clickEffect">
-                                  <p:stCondLst>
-                                    <p:cond delay="0"/>
-                                  </p:stCondLst>
-                                  <p:childTnLst>
-                                    <p:set>
-                                      <p:cBhvr>
-                                        <p:cTn id="6" dur="1" fill="hold">
-                                          <p:stCondLst>
-                                            <p:cond delay="0"/>
-                                          </p:stCondLst>
-                                        </p:cTn>
-                                        <p:tgtEl>
-                                          <p:spTgt spid="3"/>
-                                        </p:tgtEl>
-                                        <p:attrNameLst>
-                                          <p:attrName>style.visibility</p:attrName>
-                                        </p:attrNameLst>
-                                      </p:cBhvr>
-                                      <p:to>
-                                        <p:strVal val="visible"/>
-                                      </p:to>
-                                    </p:set>
-                                  </p:childTnLst>
-                                </p:cTn>
-                              </p:par>
-                            </p:childTnLst>
-                          </p:cTn>
-                        </p:par>
-                      </p:childTnLst>
-                    </p:cTn>
-                  </p:par>
-                </p:childTnLst>
-              </p:cTn>
-              <p:prevCondLst>
-                <p:cond evt="onPrev" delay="0">
-                  <p:tgtEl>
-                    <p:sldTgt/>
-                  </p:tgtEl>
-                </p:cond>
-              </p:prevCondLst>
-              <p:nextCondLst>
-                <p:cond evt="onNext" delay="0">
-                  <p:tgtEl>
-                    <p:sldTgt/>
-                  </p:tgtEl>
-                </p:cond>
-              </p:nextCondLst>
-            </p:seq>
-          </p:childTnLst>
-        </p:cTn>
-      </p:par>
-    </p:tnLst>
-    <p:bldLst>
-      <p:bldP spid="3" grpId="0"/>
-    </p:bldLst>
   </p:timing>
 </p:sld>
 </file>
@@ -8249,6 +12527,306 @@
 </p:sld>
 </file>
 
+<file path=ppt/slides/slide20.xml><?xml version="1.0" encoding="utf-8"?>
+<p:sld xmlns:a="http://schemas.openxmlformats.org/drawingml/2006/main" xmlns:r="http://schemas.openxmlformats.org/officeDocument/2006/relationships" xmlns:p="http://schemas.openxmlformats.org/presentationml/2006/main">
+  <p:cSld>
+    <p:spTree>
+      <p:nvGrpSpPr>
+        <p:cNvPr id="1" name=""/>
+        <p:cNvGrpSpPr/>
+        <p:nvPr/>
+      </p:nvGrpSpPr>
+      <p:grpSpPr>
+        <a:xfrm>
+          <a:off x="0" y="0"/>
+          <a:ext cx="0" cy="0"/>
+          <a:chOff x="0" y="0"/>
+          <a:chExt cx="0" cy="0"/>
+        </a:xfrm>
+      </p:grpSpPr>
+      <p:sp>
+        <p:nvSpPr>
+          <p:cNvPr id="2" name="Title 1"/>
+          <p:cNvSpPr>
+            <a:spLocks noGrp="1"/>
+          </p:cNvSpPr>
+          <p:nvPr>
+            <p:ph type="title"/>
+          </p:nvPr>
+        </p:nvSpPr>
+        <p:spPr/>
+        <p:txBody>
+          <a:bodyPr>
+            <a:normAutofit/>
+          </a:bodyPr>
+          <a:lstStyle/>
+          <a:p>
+            <a:r>
+              <a:rPr lang="en-US" dirty="0" smtClean="0">
+                <a:latin typeface="Courier New" panose="02070309020205020404" pitchFamily="49" charset="0"/>
+                <a:cs typeface="Courier New" panose="02070309020205020404" pitchFamily="49" charset="0"/>
+              </a:rPr>
+              <a:t>[Dependency injection]</a:t>
+            </a:r>
+            <a:endParaRPr lang="ru-RU" dirty="0">
+              <a:latin typeface="Courier New" panose="02070309020205020404" pitchFamily="49" charset="0"/>
+              <a:cs typeface="Courier New" panose="02070309020205020404" pitchFamily="49" charset="0"/>
+            </a:endParaRPr>
+          </a:p>
+        </p:txBody>
+      </p:sp>
+      <p:pic>
+        <p:nvPicPr>
+          <p:cNvPr id="1030" name="Picture 6" descr="Sơ đồ hoạt động của $injector"/>
+          <p:cNvPicPr>
+            <a:picLocks noChangeAspect="1" noChangeArrowheads="1"/>
+          </p:cNvPicPr>
+          <p:nvPr/>
+        </p:nvPicPr>
+        <p:blipFill>
+          <a:blip r:embed="rId3">
+            <a:extLst>
+              <a:ext uri="{28A0092B-C50C-407E-A947-70E740481C1C}">
+                <a14:useLocalDpi xmlns:a14="http://schemas.microsoft.com/office/drawing/2010/main" val="0"/>
+              </a:ext>
+            </a:extLst>
+          </a:blip>
+          <a:srcRect/>
+          <a:stretch>
+            <a:fillRect/>
+          </a:stretch>
+        </p:blipFill>
+        <p:spPr bwMode="auto">
+          <a:xfrm>
+            <a:off x="957262" y="1600200"/>
+            <a:ext cx="7229475" cy="4552951"/>
+          </a:xfrm>
+          <a:prstGeom prst="rect">
+            <a:avLst/>
+          </a:prstGeom>
+          <a:noFill/>
+          <a:extLst>
+            <a:ext uri="{909E8E84-426E-40DD-AFC4-6F175D3DCCD1}">
+              <a14:hiddenFill xmlns:a14="http://schemas.microsoft.com/office/drawing/2010/main">
+                <a:solidFill>
+                  <a:srgbClr val="FFFFFF"/>
+                </a:solidFill>
+              </a14:hiddenFill>
+            </a:ext>
+          </a:extLst>
+        </p:spPr>
+      </p:pic>
+    </p:spTree>
+    <p:extLst>
+      <p:ext uri="{BB962C8B-B14F-4D97-AF65-F5344CB8AC3E}">
+        <p14:creationId xmlns:p14="http://schemas.microsoft.com/office/powerpoint/2010/main" val="2275019007"/>
+      </p:ext>
+    </p:extLst>
+  </p:cSld>
+  <p:clrMapOvr>
+    <a:masterClrMapping/>
+  </p:clrMapOvr>
+  <mc:AlternateContent xmlns:mc="http://schemas.openxmlformats.org/markup-compatibility/2006" xmlns:p14="http://schemas.microsoft.com/office/powerpoint/2010/main">
+    <mc:Choice Requires="p14">
+      <p:transition spd="slow" p14:dur="2000"/>
+    </mc:Choice>
+    <mc:Fallback xmlns="">
+      <p:transition spd="slow"/>
+    </mc:Fallback>
+  </mc:AlternateContent>
+  <p:timing>
+    <p:tnLst>
+      <p:par>
+        <p:cTn id="1" dur="indefinite" restart="never" nodeType="tmRoot"/>
+      </p:par>
+    </p:tnLst>
+  </p:timing>
+</p:sld>
+</file>
+
+<file path=ppt/slides/slide21.xml><?xml version="1.0" encoding="utf-8"?>
+<p:sld xmlns:a="http://schemas.openxmlformats.org/drawingml/2006/main" xmlns:r="http://schemas.openxmlformats.org/officeDocument/2006/relationships" xmlns:p="http://schemas.openxmlformats.org/presentationml/2006/main">
+  <p:cSld>
+    <p:spTree>
+      <p:nvGrpSpPr>
+        <p:cNvPr id="1" name=""/>
+        <p:cNvGrpSpPr/>
+        <p:nvPr/>
+      </p:nvGrpSpPr>
+      <p:grpSpPr>
+        <a:xfrm>
+          <a:off x="0" y="0"/>
+          <a:ext cx="0" cy="0"/>
+          <a:chOff x="0" y="0"/>
+          <a:chExt cx="0" cy="0"/>
+        </a:xfrm>
+      </p:grpSpPr>
+      <p:sp>
+        <p:nvSpPr>
+          <p:cNvPr id="2" name="Title 1"/>
+          <p:cNvSpPr>
+            <a:spLocks noGrp="1"/>
+          </p:cNvSpPr>
+          <p:nvPr>
+            <p:ph type="title"/>
+          </p:nvPr>
+        </p:nvSpPr>
+        <p:spPr>
+          <a:xfrm>
+            <a:off x="533400" y="1981200"/>
+            <a:ext cx="8229600" cy="1143000"/>
+          </a:xfrm>
+        </p:spPr>
+        <p:txBody>
+          <a:bodyPr>
+            <a:normAutofit/>
+          </a:bodyPr>
+          <a:lstStyle/>
+          <a:p>
+            <a:r>
+              <a:rPr lang="en-US" dirty="0" smtClean="0">
+                <a:latin typeface="Rockwell" panose="02060603020205020403" pitchFamily="18" charset="0"/>
+                <a:cs typeface="Courier New" panose="02070309020205020404" pitchFamily="49" charset="0"/>
+              </a:rPr>
+              <a:t>Homework!</a:t>
+            </a:r>
+            <a:endParaRPr lang="ru-RU" dirty="0">
+              <a:latin typeface="Courier New" panose="02070309020205020404" pitchFamily="49" charset="0"/>
+              <a:cs typeface="Courier New" panose="02070309020205020404" pitchFamily="49" charset="0"/>
+            </a:endParaRPr>
+          </a:p>
+        </p:txBody>
+      </p:sp>
+      <p:sp>
+        <p:nvSpPr>
+          <p:cNvPr id="3" name="Rectangle 2"/>
+          <p:cNvSpPr/>
+          <p:nvPr/>
+        </p:nvSpPr>
+        <p:spPr>
+          <a:xfrm>
+            <a:off x="3048000" y="3200400"/>
+            <a:ext cx="3228128" cy="369332"/>
+          </a:xfrm>
+          <a:prstGeom prst="rect">
+            <a:avLst/>
+          </a:prstGeom>
+        </p:spPr>
+        <p:txBody>
+          <a:bodyPr wrap="none">
+            <a:spAutoFit/>
+          </a:bodyPr>
+          <a:lstStyle/>
+          <a:p>
+            <a:r>
+              <a:rPr lang="en-US" dirty="0">
+                <a:hlinkClick r:id="rId3"/>
+              </a:rPr>
+              <a:t>https://docs.angularjs.org/guide</a:t>
+            </a:r>
+            <a:endParaRPr lang="ru-RU" dirty="0"/>
+          </a:p>
+        </p:txBody>
+      </p:sp>
+    </p:spTree>
+    <p:extLst>
+      <p:ext uri="{BB962C8B-B14F-4D97-AF65-F5344CB8AC3E}">
+        <p14:creationId xmlns:p14="http://schemas.microsoft.com/office/powerpoint/2010/main" val="2954431745"/>
+      </p:ext>
+    </p:extLst>
+  </p:cSld>
+  <p:clrMapOvr>
+    <a:masterClrMapping/>
+  </p:clrMapOvr>
+  <mc:AlternateContent xmlns:mc="http://schemas.openxmlformats.org/markup-compatibility/2006" xmlns:p14="http://schemas.microsoft.com/office/powerpoint/2010/main">
+    <mc:Choice Requires="p14">
+      <p:transition spd="slow" p14:dur="2000"/>
+    </mc:Choice>
+    <mc:Fallback xmlns="">
+      <p:transition spd="slow"/>
+    </mc:Fallback>
+  </mc:AlternateContent>
+  <p:timing>
+    <p:tnLst>
+      <p:par>
+        <p:cTn id="1" dur="indefinite" restart="never" nodeType="tmRoot">
+          <p:childTnLst>
+            <p:seq concurrent="1" nextAc="seek">
+              <p:cTn id="2" dur="indefinite" nodeType="mainSeq">
+                <p:childTnLst>
+                  <p:par>
+                    <p:cTn id="3" fill="hold">
+                      <p:stCondLst>
+                        <p:cond delay="indefinite"/>
+                      </p:stCondLst>
+                      <p:childTnLst>
+                        <p:par>
+                          <p:cTn id="4" fill="hold">
+                            <p:stCondLst>
+                              <p:cond delay="0"/>
+                            </p:stCondLst>
+                            <p:childTnLst>
+                              <p:par>
+                                <p:cTn id="5" presetID="1" presetClass="entr" presetSubtype="0" fill="hold" grpId="0" nodeType="clickEffect">
+                                  <p:stCondLst>
+                                    <p:cond delay="0"/>
+                                  </p:stCondLst>
+                                  <p:childTnLst>
+                                    <p:set>
+                                      <p:cBhvr>
+                                        <p:cTn id="6" dur="1" fill="hold">
+                                          <p:stCondLst>
+                                            <p:cond delay="0"/>
+                                          </p:stCondLst>
+                                        </p:cTn>
+                                        <p:tgtEl>
+                                          <p:spTgt spid="3"/>
+                                        </p:tgtEl>
+                                        <p:attrNameLst>
+                                          <p:attrName>style.visibility</p:attrName>
+                                        </p:attrNameLst>
+                                      </p:cBhvr>
+                                      <p:to>
+                                        <p:strVal val="visible"/>
+                                      </p:to>
+                                    </p:set>
+                                  </p:childTnLst>
+                                </p:cTn>
+                              </p:par>
+                            </p:childTnLst>
+                          </p:cTn>
+                        </p:par>
+                      </p:childTnLst>
+                    </p:cTn>
+                  </p:par>
+                </p:childTnLst>
+              </p:cTn>
+              <p:prevCondLst>
+                <p:cond evt="onPrev" delay="0">
+                  <p:tgtEl>
+                    <p:sldTgt/>
+                  </p:tgtEl>
+                </p:cond>
+              </p:prevCondLst>
+              <p:nextCondLst>
+                <p:cond evt="onNext" delay="0">
+                  <p:tgtEl>
+                    <p:sldTgt/>
+                  </p:tgtEl>
+                </p:cond>
+              </p:nextCondLst>
+            </p:seq>
+          </p:childTnLst>
+        </p:cTn>
+      </p:par>
+    </p:tnLst>
+    <p:bldLst>
+      <p:bldP spid="3" grpId="0"/>
+    </p:bldLst>
+  </p:timing>
+</p:sld>
+</file>
+
 <file path=ppt/slides/slide3.xml><?xml version="1.0" encoding="utf-8"?>
 <p:sld xmlns:a="http://schemas.openxmlformats.org/drawingml/2006/main" xmlns:r="http://schemas.openxmlformats.org/officeDocument/2006/relationships" xmlns:p="http://schemas.openxmlformats.org/presentationml/2006/main">
   <p:cSld>
@@ -9041,6 +13619,730 @@
       </p:sp>
       <p:sp>
         <p:nvSpPr>
+          <p:cNvPr id="13" name="Rectangle 12"/>
+          <p:cNvSpPr/>
+          <p:nvPr/>
+        </p:nvSpPr>
+        <p:spPr>
+          <a:xfrm>
+            <a:off x="838200" y="2770882"/>
+            <a:ext cx="3189912" cy="369332"/>
+          </a:xfrm>
+          <a:prstGeom prst="rect">
+            <a:avLst/>
+          </a:prstGeom>
+        </p:spPr>
+        <p:txBody>
+          <a:bodyPr wrap="none">
+            <a:spAutoFit/>
+          </a:bodyPr>
+          <a:lstStyle/>
+          <a:p>
+            <a:r>
+              <a:rPr lang="en-US" dirty="0"/>
+              <a:t>l</a:t>
+            </a:r>
+            <a:r>
+              <a:rPr lang="en-US" dirty="0" smtClean="0"/>
+              <a:t>ink actually works as “</a:t>
+            </a:r>
+            <a:r>
+              <a:rPr lang="en-US" dirty="0" err="1" smtClean="0"/>
+              <a:t>postLink</a:t>
+            </a:r>
+            <a:r>
+              <a:rPr lang="en-US" dirty="0" smtClean="0"/>
+              <a:t>”</a:t>
+            </a:r>
+            <a:endParaRPr lang="en-US" dirty="0">
+              <a:solidFill>
+                <a:srgbClr val="C00000"/>
+              </a:solidFill>
+            </a:endParaRPr>
+          </a:p>
+        </p:txBody>
+      </p:sp>
+      <p:sp>
+        <p:nvSpPr>
+          <p:cNvPr id="6" name="Rectangle 12"/>
+          <p:cNvSpPr/>
+          <p:nvPr/>
+        </p:nvSpPr>
+        <p:spPr>
+          <a:xfrm>
+            <a:off x="384352" y="2237364"/>
+            <a:ext cx="6868612" cy="461665"/>
+          </a:xfrm>
+          <a:prstGeom prst="rect">
+            <a:avLst/>
+          </a:prstGeom>
+        </p:spPr>
+        <p:txBody>
+          <a:bodyPr wrap="none">
+            <a:spAutoFit/>
+          </a:bodyPr>
+          <a:lstStyle/>
+          <a:p>
+            <a:r>
+              <a:rPr lang="en-US" sz="2400" dirty="0" smtClean="0"/>
+              <a:t>Linking – binding of variables in template with $scope</a:t>
+            </a:r>
+            <a:endParaRPr lang="en-US" sz="2400" dirty="0">
+              <a:solidFill>
+                <a:srgbClr val="C00000"/>
+              </a:solidFill>
+            </a:endParaRPr>
+          </a:p>
+        </p:txBody>
+      </p:sp>
+      <p:sp>
+        <p:nvSpPr>
+          <p:cNvPr id="9" name="Rectangle 12"/>
+          <p:cNvSpPr/>
+          <p:nvPr/>
+        </p:nvSpPr>
+        <p:spPr>
+          <a:xfrm>
+            <a:off x="3505201" y="1155842"/>
+            <a:ext cx="2133597" cy="369332"/>
+          </a:xfrm>
+          <a:prstGeom prst="rect">
+            <a:avLst/>
+          </a:prstGeom>
+        </p:spPr>
+        <p:txBody>
+          <a:bodyPr wrap="none">
+            <a:spAutoFit/>
+          </a:bodyPr>
+          <a:lstStyle/>
+          <a:p>
+            <a:r>
+              <a:rPr lang="en-US" dirty="0" smtClean="0"/>
+              <a:t>(divide and conquer)</a:t>
+            </a:r>
+            <a:endParaRPr lang="en-US" dirty="0">
+              <a:solidFill>
+                <a:srgbClr val="C00000"/>
+              </a:solidFill>
+            </a:endParaRPr>
+          </a:p>
+        </p:txBody>
+      </p:sp>
+      <p:sp>
+        <p:nvSpPr>
+          <p:cNvPr id="10" name="Rectangle 12"/>
+          <p:cNvSpPr/>
+          <p:nvPr/>
+        </p:nvSpPr>
+        <p:spPr>
+          <a:xfrm>
+            <a:off x="384352" y="1733221"/>
+            <a:ext cx="7950574" cy="461665"/>
+          </a:xfrm>
+          <a:prstGeom prst="rect">
+            <a:avLst/>
+          </a:prstGeom>
+        </p:spPr>
+        <p:txBody>
+          <a:bodyPr wrap="none">
+            <a:spAutoFit/>
+          </a:bodyPr>
+          <a:lstStyle/>
+          <a:p>
+            <a:r>
+              <a:rPr lang="en-US" sz="2400" dirty="0" smtClean="0"/>
+              <a:t>Compiling – analyzing of directives in element and it’s children</a:t>
+            </a:r>
+            <a:endParaRPr lang="en-US" sz="2400" dirty="0">
+              <a:solidFill>
+                <a:srgbClr val="C00000"/>
+              </a:solidFill>
+            </a:endParaRPr>
+          </a:p>
+        </p:txBody>
+      </p:sp>
+      <p:pic>
+        <p:nvPicPr>
+          <p:cNvPr id="1026" name="Picture 2" descr="Compilation Steps"/>
+          <p:cNvPicPr>
+            <a:picLocks noChangeAspect="1" noChangeArrowheads="1"/>
+          </p:cNvPicPr>
+          <p:nvPr/>
+        </p:nvPicPr>
+        <p:blipFill>
+          <a:blip r:embed="rId3">
+            <a:extLst>
+              <a:ext uri="{28A0092B-C50C-407E-A947-70E740481C1C}">
+                <a14:useLocalDpi xmlns:a14="http://schemas.microsoft.com/office/drawing/2010/main" val="0"/>
+              </a:ext>
+            </a:extLst>
+          </a:blip>
+          <a:srcRect/>
+          <a:stretch>
+            <a:fillRect/>
+          </a:stretch>
+        </p:blipFill>
+        <p:spPr bwMode="auto">
+          <a:xfrm>
+            <a:off x="2786061" y="3581400"/>
+            <a:ext cx="3571875" cy="1295401"/>
+          </a:xfrm>
+          <a:prstGeom prst="rect">
+            <a:avLst/>
+          </a:prstGeom>
+          <a:noFill/>
+          <a:extLst>
+            <a:ext uri="{909E8E84-426E-40DD-AFC4-6F175D3DCCD1}">
+              <a14:hiddenFill xmlns:a14="http://schemas.microsoft.com/office/drawing/2010/main">
+                <a:solidFill>
+                  <a:srgbClr val="FFFFFF"/>
+                </a:solidFill>
+              </a14:hiddenFill>
+            </a:ext>
+          </a:extLst>
+        </p:spPr>
+      </p:pic>
+    </p:spTree>
+    <p:extLst>
+      <p:ext uri="{BB962C8B-B14F-4D97-AF65-F5344CB8AC3E}">
+        <p14:creationId xmlns:p14="http://schemas.microsoft.com/office/powerpoint/2010/main" val="2665731692"/>
+      </p:ext>
+    </p:extLst>
+  </p:cSld>
+  <p:clrMapOvr>
+    <a:masterClrMapping/>
+  </p:clrMapOvr>
+  <mc:AlternateContent xmlns:mc="http://schemas.openxmlformats.org/markup-compatibility/2006" xmlns:p14="http://schemas.microsoft.com/office/powerpoint/2010/main">
+    <mc:Choice Requires="p14">
+      <p:transition spd="slow" p14:dur="2000"/>
+    </mc:Choice>
+    <mc:Fallback xmlns="">
+      <p:transition spd="slow"/>
+    </mc:Fallback>
+  </mc:AlternateContent>
+  <p:timing>
+    <p:tnLst>
+      <p:par>
+        <p:cTn id="1" dur="indefinite" restart="never" nodeType="tmRoot"/>
+      </p:par>
+    </p:tnLst>
+  </p:timing>
+</p:sld>
+</file>
+
+<file path=ppt/slides/slide5.xml><?xml version="1.0" encoding="utf-8"?>
+<p:sld xmlns:a="http://schemas.openxmlformats.org/drawingml/2006/main" xmlns:r="http://schemas.openxmlformats.org/officeDocument/2006/relationships" xmlns:p="http://schemas.openxmlformats.org/presentationml/2006/main">
+  <p:cSld>
+    <p:spTree>
+      <p:nvGrpSpPr>
+        <p:cNvPr id="1" name=""/>
+        <p:cNvGrpSpPr/>
+        <p:nvPr/>
+      </p:nvGrpSpPr>
+      <p:grpSpPr>
+        <a:xfrm>
+          <a:off x="0" y="0"/>
+          <a:ext cx="0" cy="0"/>
+          <a:chOff x="0" y="0"/>
+          <a:chExt cx="0" cy="0"/>
+        </a:xfrm>
+      </p:grpSpPr>
+      <p:sp>
+        <p:nvSpPr>
+          <p:cNvPr id="13" name="Rectangle 12"/>
+          <p:cNvSpPr/>
+          <p:nvPr/>
+        </p:nvSpPr>
+        <p:spPr>
+          <a:xfrm>
+            <a:off x="381000" y="457200"/>
+            <a:ext cx="4184543" cy="461665"/>
+          </a:xfrm>
+          <a:prstGeom prst="rect">
+            <a:avLst/>
+          </a:prstGeom>
+        </p:spPr>
+        <p:txBody>
+          <a:bodyPr wrap="none">
+            <a:spAutoFit/>
+          </a:bodyPr>
+          <a:lstStyle/>
+          <a:p>
+            <a:r>
+              <a:rPr lang="en-US" sz="2400" dirty="0"/>
+              <a:t>l</a:t>
+            </a:r>
+            <a:r>
+              <a:rPr lang="en-US" sz="2400" dirty="0" smtClean="0"/>
+              <a:t>ink actually works as “</a:t>
+            </a:r>
+            <a:r>
+              <a:rPr lang="en-US" sz="2400" dirty="0" err="1" smtClean="0"/>
+              <a:t>postLink</a:t>
+            </a:r>
+            <a:r>
+              <a:rPr lang="en-US" sz="2400" dirty="0" smtClean="0"/>
+              <a:t>”</a:t>
+            </a:r>
+            <a:endParaRPr lang="en-US" sz="2400" dirty="0">
+              <a:solidFill>
+                <a:srgbClr val="C00000"/>
+              </a:solidFill>
+            </a:endParaRPr>
+          </a:p>
+        </p:txBody>
+      </p:sp>
+      <p:sp>
+        <p:nvSpPr>
+          <p:cNvPr id="9" name="Rectangle 12"/>
+          <p:cNvSpPr/>
+          <p:nvPr/>
+        </p:nvSpPr>
+        <p:spPr>
+          <a:xfrm>
+            <a:off x="3886200" y="5638800"/>
+            <a:ext cx="2133597" cy="369332"/>
+          </a:xfrm>
+          <a:prstGeom prst="rect">
+            <a:avLst/>
+          </a:prstGeom>
+        </p:spPr>
+        <p:txBody>
+          <a:bodyPr wrap="none">
+            <a:spAutoFit/>
+          </a:bodyPr>
+          <a:lstStyle/>
+          <a:p>
+            <a:r>
+              <a:rPr lang="en-US" dirty="0" smtClean="0"/>
+              <a:t>(divide and conquer)</a:t>
+            </a:r>
+            <a:endParaRPr lang="en-US" dirty="0">
+              <a:solidFill>
+                <a:srgbClr val="C00000"/>
+              </a:solidFill>
+            </a:endParaRPr>
+          </a:p>
+        </p:txBody>
+      </p:sp>
+      <p:pic>
+        <p:nvPicPr>
+          <p:cNvPr id="2050" name="Picture 2" descr="Compilation Steps"/>
+          <p:cNvPicPr>
+            <a:picLocks noChangeAspect="1" noChangeArrowheads="1"/>
+          </p:cNvPicPr>
+          <p:nvPr/>
+        </p:nvPicPr>
+        <p:blipFill>
+          <a:blip r:embed="rId3">
+            <a:extLst>
+              <a:ext uri="{28A0092B-C50C-407E-A947-70E740481C1C}">
+                <a14:useLocalDpi xmlns:a14="http://schemas.microsoft.com/office/drawing/2010/main" val="0"/>
+              </a:ext>
+            </a:extLst>
+          </a:blip>
+          <a:srcRect/>
+          <a:stretch>
+            <a:fillRect/>
+          </a:stretch>
+        </p:blipFill>
+        <p:spPr bwMode="auto">
+          <a:xfrm>
+            <a:off x="1219200" y="1066800"/>
+            <a:ext cx="7191375" cy="2762251"/>
+          </a:xfrm>
+          <a:prstGeom prst="rect">
+            <a:avLst/>
+          </a:prstGeom>
+          <a:noFill/>
+          <a:extLst>
+            <a:ext uri="{909E8E84-426E-40DD-AFC4-6F175D3DCCD1}">
+              <a14:hiddenFill xmlns:a14="http://schemas.microsoft.com/office/drawing/2010/main">
+                <a:solidFill>
+                  <a:srgbClr val="FFFFFF"/>
+                </a:solidFill>
+              </a14:hiddenFill>
+            </a:ext>
+          </a:extLst>
+        </p:spPr>
+      </p:pic>
+    </p:spTree>
+    <p:extLst>
+      <p:ext uri="{BB962C8B-B14F-4D97-AF65-F5344CB8AC3E}">
+        <p14:creationId xmlns:p14="http://schemas.microsoft.com/office/powerpoint/2010/main" val="2961303905"/>
+      </p:ext>
+    </p:extLst>
+  </p:cSld>
+  <p:clrMapOvr>
+    <a:masterClrMapping/>
+  </p:clrMapOvr>
+  <mc:AlternateContent xmlns:mc="http://schemas.openxmlformats.org/markup-compatibility/2006">
+    <mc:Choice xmlns:p14="http://schemas.microsoft.com/office/powerpoint/2010/main" Requires="p14">
+      <p:transition spd="slow" p14:dur="2000"/>
+    </mc:Choice>
+    <mc:Fallback>
+      <p:transition spd="slow"/>
+    </mc:Fallback>
+  </mc:AlternateContent>
+  <p:timing>
+    <p:tnLst>
+      <p:par>
+        <p:cTn id="1" dur="indefinite" restart="never" nodeType="tmRoot"/>
+      </p:par>
+    </p:tnLst>
+  </p:timing>
+</p:sld>
+</file>
+
+<file path=ppt/slides/slide6.xml><?xml version="1.0" encoding="utf-8"?>
+<p:sld xmlns:a="http://schemas.openxmlformats.org/drawingml/2006/main" xmlns:r="http://schemas.openxmlformats.org/officeDocument/2006/relationships" xmlns:p="http://schemas.openxmlformats.org/presentationml/2006/main">
+  <p:cSld>
+    <p:spTree>
+      <p:nvGrpSpPr>
+        <p:cNvPr id="1" name=""/>
+        <p:cNvGrpSpPr/>
+        <p:nvPr/>
+      </p:nvGrpSpPr>
+      <p:grpSpPr>
+        <a:xfrm>
+          <a:off x="0" y="0"/>
+          <a:ext cx="0" cy="0"/>
+          <a:chOff x="0" y="0"/>
+          <a:chExt cx="0" cy="0"/>
+        </a:xfrm>
+      </p:grpSpPr>
+      <p:sp>
+        <p:nvSpPr>
+          <p:cNvPr id="13" name="Rectangle 12"/>
+          <p:cNvSpPr/>
+          <p:nvPr/>
+        </p:nvSpPr>
+        <p:spPr>
+          <a:xfrm>
+            <a:off x="381000" y="457200"/>
+            <a:ext cx="2717411" cy="461665"/>
+          </a:xfrm>
+          <a:prstGeom prst="rect">
+            <a:avLst/>
+          </a:prstGeom>
+        </p:spPr>
+        <p:txBody>
+          <a:bodyPr wrap="none">
+            <a:spAutoFit/>
+          </a:bodyPr>
+          <a:lstStyle/>
+          <a:p>
+            <a:r>
+              <a:rPr lang="en-US" sz="2400" dirty="0" smtClean="0"/>
+              <a:t>priority of execution</a:t>
+            </a:r>
+            <a:endParaRPr lang="en-US" sz="2400" dirty="0">
+              <a:solidFill>
+                <a:srgbClr val="C00000"/>
+              </a:solidFill>
+            </a:endParaRPr>
+          </a:p>
+        </p:txBody>
+      </p:sp>
+      <p:sp>
+        <p:nvSpPr>
+          <p:cNvPr id="9" name="Rectangle 12"/>
+          <p:cNvSpPr/>
+          <p:nvPr/>
+        </p:nvSpPr>
+        <p:spPr>
+          <a:xfrm>
+            <a:off x="3886200" y="5638800"/>
+            <a:ext cx="2133597" cy="369332"/>
+          </a:xfrm>
+          <a:prstGeom prst="rect">
+            <a:avLst/>
+          </a:prstGeom>
+        </p:spPr>
+        <p:txBody>
+          <a:bodyPr wrap="none">
+            <a:spAutoFit/>
+          </a:bodyPr>
+          <a:lstStyle/>
+          <a:p>
+            <a:r>
+              <a:rPr lang="en-US" dirty="0" smtClean="0"/>
+              <a:t>(divide and conquer)</a:t>
+            </a:r>
+            <a:endParaRPr lang="en-US" dirty="0">
+              <a:solidFill>
+                <a:srgbClr val="C00000"/>
+              </a:solidFill>
+            </a:endParaRPr>
+          </a:p>
+        </p:txBody>
+      </p:sp>
+      <p:pic>
+        <p:nvPicPr>
+          <p:cNvPr id="2050" name="Picture 2" descr="Compilation Steps"/>
+          <p:cNvPicPr>
+            <a:picLocks noChangeAspect="1" noChangeArrowheads="1"/>
+          </p:cNvPicPr>
+          <p:nvPr/>
+        </p:nvPicPr>
+        <p:blipFill>
+          <a:blip r:embed="rId3">
+            <a:extLst>
+              <a:ext uri="{28A0092B-C50C-407E-A947-70E740481C1C}">
+                <a14:useLocalDpi xmlns:a14="http://schemas.microsoft.com/office/drawing/2010/main" val="0"/>
+              </a:ext>
+            </a:extLst>
+          </a:blip>
+          <a:srcRect/>
+          <a:stretch>
+            <a:fillRect/>
+          </a:stretch>
+        </p:blipFill>
+        <p:spPr bwMode="auto">
+          <a:xfrm>
+            <a:off x="1219200" y="1066800"/>
+            <a:ext cx="7191375" cy="2762251"/>
+          </a:xfrm>
+          <a:prstGeom prst="rect">
+            <a:avLst/>
+          </a:prstGeom>
+          <a:noFill/>
+          <a:extLst>
+            <a:ext uri="{909E8E84-426E-40DD-AFC4-6F175D3DCCD1}">
+              <a14:hiddenFill xmlns:a14="http://schemas.microsoft.com/office/drawing/2010/main">
+                <a:solidFill>
+                  <a:srgbClr val="FFFFFF"/>
+                </a:solidFill>
+              </a14:hiddenFill>
+            </a:ext>
+          </a:extLst>
+        </p:spPr>
+      </p:pic>
+    </p:spTree>
+    <p:extLst>
+      <p:ext uri="{BB962C8B-B14F-4D97-AF65-F5344CB8AC3E}">
+        <p14:creationId xmlns:p14="http://schemas.microsoft.com/office/powerpoint/2010/main" val="1818982424"/>
+      </p:ext>
+    </p:extLst>
+  </p:cSld>
+  <p:clrMapOvr>
+    <a:masterClrMapping/>
+  </p:clrMapOvr>
+  <mc:AlternateContent xmlns:mc="http://schemas.openxmlformats.org/markup-compatibility/2006">
+    <mc:Choice xmlns:p14="http://schemas.microsoft.com/office/powerpoint/2010/main" Requires="p14">
+      <p:transition spd="slow" p14:dur="2000"/>
+    </mc:Choice>
+    <mc:Fallback>
+      <p:transition spd="slow"/>
+    </mc:Fallback>
+  </mc:AlternateContent>
+  <p:timing>
+    <p:tnLst>
+      <p:par>
+        <p:cTn id="1" dur="indefinite" restart="never" nodeType="tmRoot"/>
+      </p:par>
+    </p:tnLst>
+  </p:timing>
+</p:sld>
+</file>
+
+<file path=ppt/slides/slide7.xml><?xml version="1.0" encoding="utf-8"?>
+<p:sld xmlns:a="http://schemas.openxmlformats.org/drawingml/2006/main" xmlns:r="http://schemas.openxmlformats.org/officeDocument/2006/relationships" xmlns:p="http://schemas.openxmlformats.org/presentationml/2006/main">
+  <p:cSld>
+    <p:spTree>
+      <p:nvGrpSpPr>
+        <p:cNvPr id="1" name=""/>
+        <p:cNvGrpSpPr/>
+        <p:nvPr/>
+      </p:nvGrpSpPr>
+      <p:grpSpPr>
+        <a:xfrm>
+          <a:off x="0" y="0"/>
+          <a:ext cx="0" cy="0"/>
+          <a:chOff x="0" y="0"/>
+          <a:chExt cx="0" cy="0"/>
+        </a:xfrm>
+      </p:grpSpPr>
+      <p:sp>
+        <p:nvSpPr>
+          <p:cNvPr id="13" name="Rectangle 12"/>
+          <p:cNvSpPr/>
+          <p:nvPr/>
+        </p:nvSpPr>
+        <p:spPr>
+          <a:xfrm>
+            <a:off x="381001" y="452846"/>
+            <a:ext cx="3657600" cy="2677656"/>
+          </a:xfrm>
+          <a:prstGeom prst="rect">
+            <a:avLst/>
+          </a:prstGeom>
+        </p:spPr>
+        <p:txBody>
+          <a:bodyPr wrap="square">
+            <a:spAutoFit/>
+          </a:bodyPr>
+          <a:lstStyle/>
+          <a:p>
+            <a:pPr marL="457200" indent="-457200">
+              <a:buFont typeface="+mj-lt"/>
+              <a:buAutoNum type="arabicPeriod"/>
+            </a:pPr>
+            <a:r>
+              <a:rPr lang="en-US" sz="2400" dirty="0" smtClean="0"/>
+              <a:t>compile parent and all children</a:t>
+            </a:r>
+          </a:p>
+          <a:p>
+            <a:pPr marL="457200" indent="-457200">
+              <a:buFont typeface="+mj-lt"/>
+              <a:buAutoNum type="arabicPeriod"/>
+            </a:pPr>
+            <a:r>
+              <a:rPr lang="en-US" sz="2400" dirty="0" smtClean="0"/>
+              <a:t>controller </a:t>
+            </a:r>
+            <a:r>
+              <a:rPr lang="en-US" sz="2400" dirty="0" err="1" smtClean="0"/>
+              <a:t>fn</a:t>
+            </a:r>
+            <a:r>
+              <a:rPr lang="en-US" sz="2400" dirty="0" smtClean="0"/>
+              <a:t> + pre-link for parent and down to children</a:t>
+            </a:r>
+          </a:p>
+          <a:p>
+            <a:pPr marL="457200" indent="-457200">
+              <a:buFont typeface="+mj-lt"/>
+              <a:buAutoNum type="arabicPeriod"/>
+            </a:pPr>
+            <a:r>
+              <a:rPr lang="en-US" sz="2400" dirty="0" smtClean="0"/>
+              <a:t>post-link from children up to parent</a:t>
+            </a:r>
+            <a:endParaRPr lang="en-US" sz="2400" dirty="0"/>
+          </a:p>
+        </p:txBody>
+      </p:sp>
+      <p:pic>
+        <p:nvPicPr>
+          <p:cNvPr id="2052" name="Picture 4" descr="https://assets.toptal.io/uploads/blog/image/611/toptal-blog-image-1412667594404.png"/>
+          <p:cNvPicPr>
+            <a:picLocks noChangeAspect="1" noChangeArrowheads="1"/>
+          </p:cNvPicPr>
+          <p:nvPr/>
+        </p:nvPicPr>
+        <p:blipFill>
+          <a:blip r:embed="rId3">
+            <a:extLst>
+              <a:ext uri="{28A0092B-C50C-407E-A947-70E740481C1C}">
+                <a14:useLocalDpi xmlns:a14="http://schemas.microsoft.com/office/drawing/2010/main" val="0"/>
+              </a:ext>
+            </a:extLst>
+          </a:blip>
+          <a:srcRect/>
+          <a:stretch>
+            <a:fillRect/>
+          </a:stretch>
+        </p:blipFill>
+        <p:spPr bwMode="auto">
+          <a:xfrm>
+            <a:off x="4191000" y="452846"/>
+            <a:ext cx="4609750" cy="5948065"/>
+          </a:xfrm>
+          <a:prstGeom prst="rect">
+            <a:avLst/>
+          </a:prstGeom>
+          <a:noFill/>
+          <a:extLst>
+            <a:ext uri="{909E8E84-426E-40DD-AFC4-6F175D3DCCD1}">
+              <a14:hiddenFill xmlns:a14="http://schemas.microsoft.com/office/drawing/2010/main">
+                <a:solidFill>
+                  <a:srgbClr val="FFFFFF"/>
+                </a:solidFill>
+              </a14:hiddenFill>
+            </a:ext>
+          </a:extLst>
+        </p:spPr>
+      </p:pic>
+    </p:spTree>
+    <p:extLst>
+      <p:ext uri="{BB962C8B-B14F-4D97-AF65-F5344CB8AC3E}">
+        <p14:creationId xmlns:p14="http://schemas.microsoft.com/office/powerpoint/2010/main" val="1626224951"/>
+      </p:ext>
+    </p:extLst>
+  </p:cSld>
+  <p:clrMapOvr>
+    <a:masterClrMapping/>
+  </p:clrMapOvr>
+  <mc:AlternateContent xmlns:mc="http://schemas.openxmlformats.org/markup-compatibility/2006">
+    <mc:Choice xmlns:p14="http://schemas.microsoft.com/office/powerpoint/2010/main" Requires="p14">
+      <p:transition spd="slow" p14:dur="2000"/>
+    </mc:Choice>
+    <mc:Fallback>
+      <p:transition spd="slow"/>
+    </mc:Fallback>
+  </mc:AlternateContent>
+  <p:timing>
+    <p:tnLst>
+      <p:par>
+        <p:cTn id="1" dur="indefinite" restart="never" nodeType="tmRoot"/>
+      </p:par>
+    </p:tnLst>
+  </p:timing>
+</p:sld>
+</file>
+
+<file path=ppt/slides/slide8.xml><?xml version="1.0" encoding="utf-8"?>
+<p:sld xmlns:a="http://schemas.openxmlformats.org/drawingml/2006/main" xmlns:r="http://schemas.openxmlformats.org/officeDocument/2006/relationships" xmlns:p="http://schemas.openxmlformats.org/presentationml/2006/main">
+  <p:cSld>
+    <p:spTree>
+      <p:nvGrpSpPr>
+        <p:cNvPr id="1" name=""/>
+        <p:cNvGrpSpPr/>
+        <p:nvPr/>
+      </p:nvGrpSpPr>
+      <p:grpSpPr>
+        <a:xfrm>
+          <a:off x="0" y="0"/>
+          <a:ext cx="0" cy="0"/>
+          <a:chOff x="0" y="0"/>
+          <a:chExt cx="0" cy="0"/>
+        </a:xfrm>
+      </p:grpSpPr>
+      <p:sp>
+        <p:nvSpPr>
+          <p:cNvPr id="2" name="Title 1"/>
+          <p:cNvSpPr>
+            <a:spLocks noGrp="1"/>
+          </p:cNvSpPr>
+          <p:nvPr>
+            <p:ph type="title"/>
+          </p:nvPr>
+        </p:nvSpPr>
+        <p:spPr/>
+        <p:txBody>
+          <a:bodyPr>
+            <a:normAutofit/>
+          </a:bodyPr>
+          <a:lstStyle/>
+          <a:p>
+            <a:r>
+              <a:rPr lang="en-US" dirty="0" smtClean="0">
+                <a:latin typeface="Rockwell" panose="02060603020205020403" pitchFamily="18" charset="0"/>
+                <a:cs typeface="Courier New" panose="02070309020205020404" pitchFamily="49" charset="0"/>
+              </a:rPr>
+              <a:t>Override everything</a:t>
+            </a:r>
+            <a:endParaRPr lang="ru-RU" dirty="0">
+              <a:latin typeface="Courier New" panose="02070309020205020404" pitchFamily="49" charset="0"/>
+              <a:cs typeface="Courier New" panose="02070309020205020404" pitchFamily="49" charset="0"/>
+            </a:endParaRPr>
+          </a:p>
+        </p:txBody>
+      </p:sp>
+      <p:sp>
+        <p:nvSpPr>
           <p:cNvPr id="5" name="Rectangle 4"/>
           <p:cNvSpPr>
             <a:spLocks noChangeArrowheads="1"/>
@@ -9654,8 +14956,8 @@
         </p:nvSpPr>
         <p:spPr>
           <a:xfrm>
-            <a:off x="3505201" y="1155842"/>
-            <a:ext cx="2133597" cy="369332"/>
+            <a:off x="2951107" y="1176683"/>
+            <a:ext cx="3241785" cy="369332"/>
           </a:xfrm>
           <a:prstGeom prst="rect">
             <a:avLst/>
@@ -9669,7 +14971,7 @@
           <a:p>
             <a:r>
               <a:rPr lang="en-US" dirty="0" smtClean="0"/>
-              <a:t>(divide and conquer)</a:t>
+              <a:t>(even usual tags as &lt;p&gt; or &lt;div&gt;)</a:t>
             </a:r>
             <a:endParaRPr lang="en-US" dirty="0">
               <a:solidFill>
@@ -9715,18 +15017,18 @@
     </p:spTree>
     <p:extLst>
       <p:ext uri="{BB962C8B-B14F-4D97-AF65-F5344CB8AC3E}">
-        <p14:creationId xmlns:p14="http://schemas.microsoft.com/office/powerpoint/2010/main" val="2665731692"/>
+        <p14:creationId xmlns:p14="http://schemas.microsoft.com/office/powerpoint/2010/main" val="1654564220"/>
       </p:ext>
     </p:extLst>
   </p:cSld>
   <p:clrMapOvr>
     <a:masterClrMapping/>
   </p:clrMapOvr>
-  <mc:AlternateContent xmlns:mc="http://schemas.openxmlformats.org/markup-compatibility/2006" xmlns:p14="http://schemas.microsoft.com/office/powerpoint/2010/main">
-    <mc:Choice Requires="p14">
+  <mc:AlternateContent xmlns:mc="http://schemas.openxmlformats.org/markup-compatibility/2006">
+    <mc:Choice xmlns:p14="http://schemas.microsoft.com/office/powerpoint/2010/main" Requires="p14">
       <p:transition spd="slow" p14:dur="2000"/>
     </mc:Choice>
-    <mc:Fallback xmlns="">
+    <mc:Fallback>
       <p:transition spd="slow"/>
     </mc:Fallback>
   </mc:AlternateContent>
@@ -9811,7 +15113,7 @@
 </p:sld>
 </file>
 
-<file path=ppt/slides/slide5.xml><?xml version="1.0" encoding="utf-8"?>
+<file path=ppt/slides/slide9.xml><?xml version="1.0" encoding="utf-8"?>
 <p:sld xmlns:a="http://schemas.openxmlformats.org/drawingml/2006/main" xmlns:r="http://schemas.openxmlformats.org/officeDocument/2006/relationships" xmlns:p="http://schemas.openxmlformats.org/presentationml/2006/main">
   <p:cSld>
     <p:spTree>
@@ -9828,37 +15130,6 @@
           <a:chExt cx="0" cy="0"/>
         </a:xfrm>
       </p:grpSpPr>
-      <p:sp>
-        <p:nvSpPr>
-          <p:cNvPr id="2" name="Title 1"/>
-          <p:cNvSpPr>
-            <a:spLocks noGrp="1"/>
-          </p:cNvSpPr>
-          <p:nvPr>
-            <p:ph type="title"/>
-          </p:nvPr>
-        </p:nvSpPr>
-        <p:spPr/>
-        <p:txBody>
-          <a:bodyPr>
-            <a:normAutofit/>
-          </a:bodyPr>
-          <a:lstStyle/>
-          <a:p>
-            <a:r>
-              <a:rPr lang="en-US" dirty="0" smtClean="0">
-                <a:latin typeface="Rockwell" panose="02060603020205020403" pitchFamily="18" charset="0"/>
-                <a:cs typeface="Courier New" panose="02070309020205020404" pitchFamily="49" charset="0"/>
-              </a:rPr>
-              <a:t>Clean up please</a:t>
-            </a:r>
-            <a:endParaRPr lang="ru-RU" dirty="0">
-              <a:latin typeface="Courier New" panose="02070309020205020404" pitchFamily="49" charset="0"/>
-              <a:cs typeface="Courier New" panose="02070309020205020404" pitchFamily="49" charset="0"/>
-            </a:endParaRPr>
-          </a:p>
-        </p:txBody>
-      </p:sp>
       <p:sp>
         <p:nvSpPr>
           <p:cNvPr id="5" name="Rectangle 4"/>
@@ -10312,14 +15583,14 @@
       </p:sp>
       <p:sp>
         <p:nvSpPr>
-          <p:cNvPr id="6" name="Rectangle 12"/>
+          <p:cNvPr id="9" name="Rectangle 12"/>
           <p:cNvSpPr/>
           <p:nvPr/>
         </p:nvSpPr>
         <p:spPr>
           <a:xfrm>
-            <a:off x="1717533" y="1825387"/>
-            <a:ext cx="5419240" cy="369332"/>
+            <a:off x="3962400" y="2057400"/>
+            <a:ext cx="800219" cy="369332"/>
           </a:xfrm>
           <a:prstGeom prst="rect">
             <a:avLst/>
@@ -10333,7 +15604,7 @@
           <a:p>
             <a:r>
               <a:rPr lang="en-US" dirty="0" smtClean="0"/>
-              <a:t>$destroy event is triggered when the scope is destroyed</a:t>
+              <a:t>linking</a:t>
             </a:r>
             <a:endParaRPr lang="en-US" dirty="0">
               <a:solidFill>
@@ -10345,14 +15616,14 @@
       </p:sp>
       <p:sp>
         <p:nvSpPr>
-          <p:cNvPr id="7" name="Rectangle 12"/>
+          <p:cNvPr id="11" name="Rectangle 12"/>
           <p:cNvSpPr/>
           <p:nvPr/>
         </p:nvSpPr>
         <p:spPr>
           <a:xfrm>
-            <a:off x="561755" y="3107877"/>
-            <a:ext cx="5739263" cy="369332"/>
+            <a:off x="401769" y="457200"/>
+            <a:ext cx="3277307" cy="369332"/>
           </a:xfrm>
           <a:prstGeom prst="rect">
             <a:avLst/>
@@ -10366,7 +15637,11 @@
           <a:p>
             <a:r>
               <a:rPr lang="en-US" dirty="0" smtClean="0"/>
-              <a:t>Need to clean up timers, intervals to prevent memory leaks</a:t>
+              <a:t>evaluation order </a:t>
+            </a:r>
+            <a:r>
+              <a:rPr lang="en-US" dirty="0" smtClean="0"/>
+              <a:t>is the following:</a:t>
             </a:r>
             <a:endParaRPr lang="en-US" dirty="0">
               <a:solidFill>
@@ -10376,21 +15651,54 @@
           </a:p>
         </p:txBody>
       </p:sp>
+      <p:sp>
+        <p:nvSpPr>
+          <p:cNvPr id="12" name="Rectangle 12"/>
+          <p:cNvSpPr/>
+          <p:nvPr/>
+        </p:nvSpPr>
+        <p:spPr>
+          <a:xfrm>
+            <a:off x="4944299" y="3962400"/>
+            <a:ext cx="3241785" cy="369332"/>
+          </a:xfrm>
+          <a:prstGeom prst="rect">
+            <a:avLst/>
+          </a:prstGeom>
+        </p:spPr>
+        <p:txBody>
+          <a:bodyPr wrap="none">
+            <a:spAutoFit/>
+          </a:bodyPr>
+          <a:lstStyle/>
+          <a:p>
+            <a:r>
+              <a:rPr lang="en-US" dirty="0" smtClean="0"/>
+              <a:t>(even usual tags as &lt;p&gt; or &lt;div&gt;)</a:t>
+            </a:r>
+            <a:endParaRPr lang="en-US" dirty="0">
+              <a:solidFill>
+                <a:srgbClr val="C00000"/>
+              </a:solidFill>
+            </a:endParaRPr>
+          </a:p>
+        </p:txBody>
+      </p:sp>
     </p:spTree>
     <p:extLst>
       <p:ext uri="{BB962C8B-B14F-4D97-AF65-F5344CB8AC3E}">
-        <p14:creationId xmlns:p14="http://schemas.microsoft.com/office/powerpoint/2010/main" val="3853698008"/>
+        <p14:creationId xmlns:p14="http://schemas.microsoft.com/office/powerpoint/2010/main" val="3038002133"/>
       </p:ext>
     </p:extLst>
   </p:cSld>
   <p:clrMapOvr>
     <a:masterClrMapping/>
   </p:clrMapOvr>
-  <mc:AlternateContent xmlns:mc="http://schemas.openxmlformats.org/markup-compatibility/2006" xmlns:p14="http://schemas.microsoft.com/office/powerpoint/2010/main">
-    <mc:Choice Requires="p14">
+  <mc:AlternateContent xmlns:mc="http://schemas.openxmlformats.org/markup-compatibility/2006">
+    <mc:Choice xmlns:p14="http://schemas.microsoft.com/office/powerpoint/2010/main" Requires="p14">
       <p:transition spd="slow" p14:dur="2000"/>
     </mc:Choice>
-    <mc:Fallback xmlns="">
+    <mc:Fallback>
       <p:transition spd="slow"/>
     </mc:Fallback>
   </mc:AlternateContent>
@@ -10470,3455 +15778,6 @@
     </p:tnLst>
     <p:bldLst>
       <p:bldP spid="5" grpId="0" animBg="1"/>
-    </p:bldLst>
-  </p:timing>
-</p:sld>
-</file>
-
-<file path=ppt/slides/slide6.xml><?xml version="1.0" encoding="utf-8"?>
-<p:sld xmlns:a="http://schemas.openxmlformats.org/drawingml/2006/main" xmlns:r="http://schemas.openxmlformats.org/officeDocument/2006/relationships" xmlns:p="http://schemas.openxmlformats.org/presentationml/2006/main">
-  <p:cSld>
-    <p:spTree>
-      <p:nvGrpSpPr>
-        <p:cNvPr id="1" name=""/>
-        <p:cNvGrpSpPr/>
-        <p:nvPr/>
-      </p:nvGrpSpPr>
-      <p:grpSpPr>
-        <a:xfrm>
-          <a:off x="0" y="0"/>
-          <a:ext cx="0" cy="0"/>
-          <a:chOff x="0" y="0"/>
-          <a:chExt cx="0" cy="0"/>
-        </a:xfrm>
-      </p:grpSpPr>
-      <p:sp>
-        <p:nvSpPr>
-          <p:cNvPr id="2" name="Title 1"/>
-          <p:cNvSpPr>
-            <a:spLocks noGrp="1"/>
-          </p:cNvSpPr>
-          <p:nvPr>
-            <p:ph type="title"/>
-          </p:nvPr>
-        </p:nvSpPr>
-        <p:spPr/>
-        <p:txBody>
-          <a:bodyPr>
-            <a:normAutofit/>
-          </a:bodyPr>
-          <a:lstStyle/>
-          <a:p>
-            <a:r>
-              <a:rPr lang="en-US" dirty="0" smtClean="0">
-                <a:latin typeface="Rockwell" panose="02060603020205020403" pitchFamily="18" charset="0"/>
-                <a:cs typeface="Courier New" panose="02070309020205020404" pitchFamily="49" charset="0"/>
-              </a:rPr>
-              <a:t>Isolated scope</a:t>
-            </a:r>
-            <a:endParaRPr lang="ru-RU" dirty="0">
-              <a:latin typeface="Courier New" panose="02070309020205020404" pitchFamily="49" charset="0"/>
-              <a:cs typeface="Courier New" panose="02070309020205020404" pitchFamily="49" charset="0"/>
-            </a:endParaRPr>
-          </a:p>
-        </p:txBody>
-      </p:sp>
-      <p:sp>
-        <p:nvSpPr>
-          <p:cNvPr id="5" name="Rectangle 4"/>
-          <p:cNvSpPr>
-            <a:spLocks noChangeArrowheads="1"/>
-          </p:cNvSpPr>
-          <p:nvPr/>
-        </p:nvSpPr>
-        <p:spPr bwMode="auto">
-          <a:xfrm>
-            <a:off x="4944299" y="4759699"/>
-            <a:ext cx="3581400" cy="1741603"/>
-          </a:xfrm>
-          <a:prstGeom prst="rect">
-            <a:avLst/>
-          </a:prstGeom>
-          <a:solidFill>
-            <a:srgbClr val="F5F2F0"/>
-          </a:solidFill>
-          <a:ln>
-            <a:noFill/>
-          </a:ln>
-          <a:effectLst/>
-          <a:extLst>
-            <a:ext uri="{91240B29-F687-4F45-9708-019B960494DF}">
-              <a14:hiddenLine xmlns:a14="http://schemas.microsoft.com/office/drawing/2010/main" w="9525">
-                <a:solidFill>
-                  <a:schemeClr val="tx1"/>
-                </a:solidFill>
-                <a:miter lim="800000"/>
-                <a:headEnd/>
-                <a:tailEnd/>
-              </a14:hiddenLine>
-            </a:ext>
-            <a:ext uri="{AF507438-7753-43E0-B8FC-AC1667EBCBE1}">
-              <a14:hiddenEffects xmlns:a14="http://schemas.microsoft.com/office/drawing/2010/main">
-                <a:effectLst>
-                  <a:outerShdw dist="35921" dir="2700000" algn="ctr" rotWithShape="0">
-                    <a:schemeClr val="bg2"/>
-                  </a:outerShdw>
-                </a:effectLst>
-              </a14:hiddenEffects>
-            </a:ext>
-          </a:extLst>
-        </p:spPr>
-        <p:txBody>
-          <a:bodyPr vert="horz" wrap="square" lIns="108000" tIns="108000" rIns="108000" bIns="108000" numCol="1" anchor="ctr" anchorCtr="0" compatLnSpc="1">
-            <a:prstTxWarp prst="textNoShape">
-              <a:avLst/>
-            </a:prstTxWarp>
-            <a:spAutoFit/>
-          </a:bodyPr>
-          <a:lstStyle/>
-          <a:p>
-            <a:pPr lvl="0" eaLnBrk="0" fontAlgn="base" hangingPunct="0">
-              <a:spcBef>
-                <a:spcPct val="0"/>
-              </a:spcBef>
-              <a:spcAft>
-                <a:spcPct val="0"/>
-              </a:spcAft>
-            </a:pPr>
-            <a:r>
-              <a:rPr lang="en-US" altLang="en-US" sz="1100" b="1" i="1" dirty="0" err="1">
-                <a:solidFill>
-                  <a:srgbClr val="660E7A"/>
-                </a:solidFill>
-                <a:latin typeface="Courier New" panose="02070309020205020404" pitchFamily="49" charset="0"/>
-                <a:cs typeface="Courier New" panose="02070309020205020404" pitchFamily="49" charset="0"/>
-              </a:rPr>
-              <a:t>app</a:t>
-            </a:r>
-            <a:r>
-              <a:rPr lang="en-US" altLang="en-US" sz="1100" dirty="0" err="1">
-                <a:solidFill>
-                  <a:srgbClr val="000000"/>
-                </a:solidFill>
-                <a:latin typeface="Courier New" panose="02070309020205020404" pitchFamily="49" charset="0"/>
-                <a:cs typeface="Courier New" panose="02070309020205020404" pitchFamily="49" charset="0"/>
-              </a:rPr>
-              <a:t>.</a:t>
-            </a:r>
-            <a:r>
-              <a:rPr lang="en-US" altLang="en-US" sz="1100" b="1" dirty="0" err="1">
-                <a:solidFill>
-                  <a:srgbClr val="660E7A"/>
-                </a:solidFill>
-                <a:latin typeface="Courier New" panose="02070309020205020404" pitchFamily="49" charset="0"/>
-                <a:cs typeface="Courier New" panose="02070309020205020404" pitchFamily="49" charset="0"/>
-              </a:rPr>
-              <a:t>service</a:t>
-            </a:r>
-            <a:r>
-              <a:rPr lang="en-US" altLang="en-US" sz="1100" dirty="0">
-                <a:solidFill>
-                  <a:srgbClr val="000000"/>
-                </a:solidFill>
-                <a:latin typeface="Courier New" panose="02070309020205020404" pitchFamily="49" charset="0"/>
-                <a:cs typeface="Courier New" panose="02070309020205020404" pitchFamily="49" charset="0"/>
-              </a:rPr>
-              <a:t>(</a:t>
-            </a:r>
-            <a:r>
-              <a:rPr lang="en-US" altLang="en-US" sz="1100" b="1" dirty="0">
-                <a:solidFill>
-                  <a:srgbClr val="008000"/>
-                </a:solidFill>
-                <a:latin typeface="Courier New" panose="02070309020205020404" pitchFamily="49" charset="0"/>
-                <a:cs typeface="Courier New" panose="02070309020205020404" pitchFamily="49" charset="0"/>
-              </a:rPr>
-              <a:t>'</a:t>
-            </a:r>
-            <a:r>
-              <a:rPr lang="en-US" altLang="en-US" sz="1100" b="1" dirty="0" err="1">
-                <a:solidFill>
-                  <a:srgbClr val="008000"/>
-                </a:solidFill>
-                <a:latin typeface="Courier New" panose="02070309020205020404" pitchFamily="49" charset="0"/>
-                <a:cs typeface="Courier New" panose="02070309020205020404" pitchFamily="49" charset="0"/>
-              </a:rPr>
-              <a:t>myService</a:t>
-            </a:r>
-            <a:r>
-              <a:rPr lang="en-US" altLang="en-US" sz="1100" b="1" dirty="0">
-                <a:solidFill>
-                  <a:srgbClr val="008000"/>
-                </a:solidFill>
-                <a:latin typeface="Courier New" panose="02070309020205020404" pitchFamily="49" charset="0"/>
-                <a:cs typeface="Courier New" panose="02070309020205020404" pitchFamily="49" charset="0"/>
-              </a:rPr>
-              <a:t>'</a:t>
-            </a:r>
-            <a:r>
-              <a:rPr lang="en-US" altLang="en-US" sz="1100" dirty="0">
-                <a:solidFill>
-                  <a:srgbClr val="000000"/>
-                </a:solidFill>
-                <a:latin typeface="Courier New" panose="02070309020205020404" pitchFamily="49" charset="0"/>
-                <a:cs typeface="Courier New" panose="02070309020205020404" pitchFamily="49" charset="0"/>
-              </a:rPr>
-              <a:t>, </a:t>
-            </a:r>
-            <a:r>
-              <a:rPr lang="en-US" altLang="en-US" sz="1100" b="1" dirty="0">
-                <a:solidFill>
-                  <a:srgbClr val="000080"/>
-                </a:solidFill>
-                <a:latin typeface="Courier New" panose="02070309020205020404" pitchFamily="49" charset="0"/>
-                <a:cs typeface="Courier New" panose="02070309020205020404" pitchFamily="49" charset="0"/>
-              </a:rPr>
-              <a:t>function</a:t>
-            </a:r>
-            <a:r>
-              <a:rPr lang="en-US" altLang="en-US" sz="1100" dirty="0">
-                <a:solidFill>
-                  <a:srgbClr val="000000"/>
-                </a:solidFill>
-                <a:latin typeface="Courier New" panose="02070309020205020404" pitchFamily="49" charset="0"/>
-                <a:cs typeface="Courier New" panose="02070309020205020404" pitchFamily="49" charset="0"/>
-              </a:rPr>
-              <a:t>() </a:t>
-            </a:r>
-            <a:r>
-              <a:rPr lang="en-US" altLang="en-US" sz="1100" dirty="0" smtClean="0">
-                <a:solidFill>
-                  <a:srgbClr val="000000"/>
-                </a:solidFill>
-                <a:latin typeface="Courier New" panose="02070309020205020404" pitchFamily="49" charset="0"/>
-                <a:cs typeface="Courier New" panose="02070309020205020404" pitchFamily="49" charset="0"/>
-              </a:rPr>
-              <a:t>{</a:t>
-            </a:r>
-            <a:r>
-              <a:rPr lang="en-US" altLang="en-US" sz="1100" dirty="0">
-                <a:solidFill>
-                  <a:srgbClr val="000000"/>
-                </a:solidFill>
-                <a:latin typeface="Courier New" panose="02070309020205020404" pitchFamily="49" charset="0"/>
-                <a:cs typeface="Courier New" panose="02070309020205020404" pitchFamily="49" charset="0"/>
-              </a:rPr>
-              <a:t/>
-            </a:r>
-            <a:br>
-              <a:rPr lang="en-US" altLang="en-US" sz="1100" dirty="0">
-                <a:solidFill>
-                  <a:srgbClr val="000000"/>
-                </a:solidFill>
-                <a:latin typeface="Courier New" panose="02070309020205020404" pitchFamily="49" charset="0"/>
-                <a:cs typeface="Courier New" panose="02070309020205020404" pitchFamily="49" charset="0"/>
-              </a:rPr>
-            </a:br>
-            <a:r>
-              <a:rPr lang="en-US" altLang="en-US" sz="1100" dirty="0">
-                <a:solidFill>
-                  <a:srgbClr val="000000"/>
-                </a:solidFill>
-                <a:latin typeface="Courier New" panose="02070309020205020404" pitchFamily="49" charset="0"/>
-                <a:cs typeface="Courier New" panose="02070309020205020404" pitchFamily="49" charset="0"/>
-              </a:rPr>
-              <a:t>    </a:t>
-            </a:r>
-            <a:r>
-              <a:rPr lang="en-US" altLang="en-US" sz="1100" i="1" dirty="0">
-                <a:solidFill>
-                  <a:srgbClr val="808080"/>
-                </a:solidFill>
-                <a:latin typeface="Courier New" panose="02070309020205020404" pitchFamily="49" charset="0"/>
-                <a:cs typeface="Courier New" panose="02070309020205020404" pitchFamily="49" charset="0"/>
-              </a:rPr>
-              <a:t>// service is just a constructor function</a:t>
-            </a:r>
-            <a:br>
-              <a:rPr lang="en-US" altLang="en-US" sz="1100" i="1" dirty="0">
-                <a:solidFill>
-                  <a:srgbClr val="808080"/>
-                </a:solidFill>
-                <a:latin typeface="Courier New" panose="02070309020205020404" pitchFamily="49" charset="0"/>
-                <a:cs typeface="Courier New" panose="02070309020205020404" pitchFamily="49" charset="0"/>
-              </a:rPr>
-            </a:br>
-            <a:r>
-              <a:rPr lang="en-US" altLang="en-US" sz="1100" i="1" dirty="0">
-                <a:solidFill>
-                  <a:srgbClr val="808080"/>
-                </a:solidFill>
-                <a:latin typeface="Courier New" panose="02070309020205020404" pitchFamily="49" charset="0"/>
-                <a:cs typeface="Courier New" panose="02070309020205020404" pitchFamily="49" charset="0"/>
-              </a:rPr>
-              <a:t>    // that will be called with 'new'</a:t>
-            </a:r>
-            <a:br>
-              <a:rPr lang="en-US" altLang="en-US" sz="1100" i="1" dirty="0">
-                <a:solidFill>
-                  <a:srgbClr val="808080"/>
-                </a:solidFill>
-                <a:latin typeface="Courier New" panose="02070309020205020404" pitchFamily="49" charset="0"/>
-                <a:cs typeface="Courier New" panose="02070309020205020404" pitchFamily="49" charset="0"/>
-              </a:rPr>
-            </a:br>
-            <a:r>
-              <a:rPr lang="en-US" altLang="en-US" sz="1100" i="1" dirty="0">
-                <a:solidFill>
-                  <a:srgbClr val="808080"/>
-                </a:solidFill>
-                <a:latin typeface="Courier New" panose="02070309020205020404" pitchFamily="49" charset="0"/>
-                <a:cs typeface="Courier New" panose="02070309020205020404" pitchFamily="49" charset="0"/>
-              </a:rPr>
-              <a:t/>
-            </a:r>
-            <a:br>
-              <a:rPr lang="en-US" altLang="en-US" sz="1100" i="1" dirty="0">
-                <a:solidFill>
-                  <a:srgbClr val="808080"/>
-                </a:solidFill>
-                <a:latin typeface="Courier New" panose="02070309020205020404" pitchFamily="49" charset="0"/>
-                <a:cs typeface="Courier New" panose="02070309020205020404" pitchFamily="49" charset="0"/>
-              </a:rPr>
-            </a:br>
-            <a:r>
-              <a:rPr lang="en-US" altLang="en-US" sz="1100" i="1" dirty="0">
-                <a:solidFill>
-                  <a:srgbClr val="808080"/>
-                </a:solidFill>
-                <a:latin typeface="Courier New" panose="02070309020205020404" pitchFamily="49" charset="0"/>
-                <a:cs typeface="Courier New" panose="02070309020205020404" pitchFamily="49" charset="0"/>
-              </a:rPr>
-              <a:t>    </a:t>
-            </a:r>
-            <a:r>
-              <a:rPr lang="en-US" altLang="en-US" sz="1100" b="1" dirty="0" err="1">
-                <a:solidFill>
-                  <a:srgbClr val="000080"/>
-                </a:solidFill>
-                <a:latin typeface="Courier New" panose="02070309020205020404" pitchFamily="49" charset="0"/>
-                <a:cs typeface="Courier New" panose="02070309020205020404" pitchFamily="49" charset="0"/>
-              </a:rPr>
-              <a:t>this</a:t>
-            </a:r>
-            <a:r>
-              <a:rPr lang="en-US" altLang="en-US" sz="1100" dirty="0" err="1">
-                <a:solidFill>
-                  <a:srgbClr val="000000"/>
-                </a:solidFill>
-                <a:latin typeface="Courier New" panose="02070309020205020404" pitchFamily="49" charset="0"/>
-                <a:cs typeface="Courier New" panose="02070309020205020404" pitchFamily="49" charset="0"/>
-              </a:rPr>
-              <a:t>.</a:t>
-            </a:r>
-            <a:r>
-              <a:rPr lang="en-US" altLang="en-US" sz="1100" dirty="0" err="1">
-                <a:solidFill>
-                  <a:srgbClr val="7A7A43"/>
-                </a:solidFill>
-                <a:latin typeface="Courier New" panose="02070309020205020404" pitchFamily="49" charset="0"/>
-                <a:cs typeface="Courier New" panose="02070309020205020404" pitchFamily="49" charset="0"/>
-              </a:rPr>
-              <a:t>sayHello</a:t>
-            </a:r>
-            <a:r>
-              <a:rPr lang="en-US" altLang="en-US" sz="1100" dirty="0">
-                <a:solidFill>
-                  <a:srgbClr val="7A7A43"/>
-                </a:solidFill>
-                <a:latin typeface="Courier New" panose="02070309020205020404" pitchFamily="49" charset="0"/>
-                <a:cs typeface="Courier New" panose="02070309020205020404" pitchFamily="49" charset="0"/>
-              </a:rPr>
-              <a:t> </a:t>
-            </a:r>
-            <a:r>
-              <a:rPr lang="en-US" altLang="en-US" sz="1100" dirty="0">
-                <a:solidFill>
-                  <a:srgbClr val="000000"/>
-                </a:solidFill>
-                <a:latin typeface="Courier New" panose="02070309020205020404" pitchFamily="49" charset="0"/>
-                <a:cs typeface="Courier New" panose="02070309020205020404" pitchFamily="49" charset="0"/>
-              </a:rPr>
-              <a:t>= </a:t>
-            </a:r>
-            <a:r>
-              <a:rPr lang="en-US" altLang="en-US" sz="1100" b="1" dirty="0">
-                <a:solidFill>
-                  <a:srgbClr val="000080"/>
-                </a:solidFill>
-                <a:latin typeface="Courier New" panose="02070309020205020404" pitchFamily="49" charset="0"/>
-                <a:cs typeface="Courier New" panose="02070309020205020404" pitchFamily="49" charset="0"/>
-              </a:rPr>
-              <a:t>function</a:t>
-            </a:r>
-            <a:r>
-              <a:rPr lang="en-US" altLang="en-US" sz="1100" dirty="0">
-                <a:solidFill>
-                  <a:srgbClr val="000000"/>
-                </a:solidFill>
-                <a:latin typeface="Courier New" panose="02070309020205020404" pitchFamily="49" charset="0"/>
-                <a:cs typeface="Courier New" panose="02070309020205020404" pitchFamily="49" charset="0"/>
-              </a:rPr>
-              <a:t>(name) {</a:t>
-            </a:r>
-            <a:br>
-              <a:rPr lang="en-US" altLang="en-US" sz="1100" dirty="0">
-                <a:solidFill>
-                  <a:srgbClr val="000000"/>
-                </a:solidFill>
-                <a:latin typeface="Courier New" panose="02070309020205020404" pitchFamily="49" charset="0"/>
-                <a:cs typeface="Courier New" panose="02070309020205020404" pitchFamily="49" charset="0"/>
-              </a:rPr>
-            </a:br>
-            <a:r>
-              <a:rPr lang="en-US" altLang="en-US" sz="1100" dirty="0">
-                <a:solidFill>
-                  <a:srgbClr val="000000"/>
-                </a:solidFill>
-                <a:latin typeface="Courier New" panose="02070309020205020404" pitchFamily="49" charset="0"/>
-                <a:cs typeface="Courier New" panose="02070309020205020404" pitchFamily="49" charset="0"/>
-              </a:rPr>
-              <a:t>        </a:t>
-            </a:r>
-            <a:r>
-              <a:rPr lang="en-US" altLang="en-US" sz="1100" b="1" dirty="0">
-                <a:solidFill>
-                  <a:srgbClr val="000080"/>
-                </a:solidFill>
-                <a:latin typeface="Courier New" panose="02070309020205020404" pitchFamily="49" charset="0"/>
-                <a:cs typeface="Courier New" panose="02070309020205020404" pitchFamily="49" charset="0"/>
-              </a:rPr>
-              <a:t>return </a:t>
-            </a:r>
-            <a:r>
-              <a:rPr lang="en-US" altLang="en-US" sz="1100" b="1" dirty="0">
-                <a:solidFill>
-                  <a:srgbClr val="008000"/>
-                </a:solidFill>
-                <a:latin typeface="Courier New" panose="02070309020205020404" pitchFamily="49" charset="0"/>
-                <a:cs typeface="Courier New" panose="02070309020205020404" pitchFamily="49" charset="0"/>
-              </a:rPr>
-              <a:t>"Hi " </a:t>
-            </a:r>
-            <a:r>
-              <a:rPr lang="en-US" altLang="en-US" sz="1100" dirty="0">
-                <a:solidFill>
-                  <a:srgbClr val="000000"/>
-                </a:solidFill>
-                <a:latin typeface="Courier New" panose="02070309020205020404" pitchFamily="49" charset="0"/>
-                <a:cs typeface="Courier New" panose="02070309020205020404" pitchFamily="49" charset="0"/>
-              </a:rPr>
-              <a:t>+ name + </a:t>
-            </a:r>
-            <a:r>
-              <a:rPr lang="en-US" altLang="en-US" sz="1100" b="1" dirty="0">
-                <a:solidFill>
-                  <a:srgbClr val="008000"/>
-                </a:solidFill>
-                <a:latin typeface="Courier New" panose="02070309020205020404" pitchFamily="49" charset="0"/>
-                <a:cs typeface="Courier New" panose="02070309020205020404" pitchFamily="49" charset="0"/>
-              </a:rPr>
-              <a:t>"!"</a:t>
-            </a:r>
-            <a:r>
-              <a:rPr lang="en-US" altLang="en-US" sz="1100" dirty="0">
-                <a:solidFill>
-                  <a:srgbClr val="000000"/>
-                </a:solidFill>
-                <a:latin typeface="Courier New" panose="02070309020205020404" pitchFamily="49" charset="0"/>
-                <a:cs typeface="Courier New" panose="02070309020205020404" pitchFamily="49" charset="0"/>
-              </a:rPr>
-              <a:t>;</a:t>
-            </a:r>
-            <a:br>
-              <a:rPr lang="en-US" altLang="en-US" sz="1100" dirty="0">
-                <a:solidFill>
-                  <a:srgbClr val="000000"/>
-                </a:solidFill>
-                <a:latin typeface="Courier New" panose="02070309020205020404" pitchFamily="49" charset="0"/>
-                <a:cs typeface="Courier New" panose="02070309020205020404" pitchFamily="49" charset="0"/>
-              </a:rPr>
-            </a:br>
-            <a:r>
-              <a:rPr lang="en-US" altLang="en-US" sz="1100" dirty="0">
-                <a:solidFill>
-                  <a:srgbClr val="000000"/>
-                </a:solidFill>
-                <a:latin typeface="Courier New" panose="02070309020205020404" pitchFamily="49" charset="0"/>
-                <a:cs typeface="Courier New" panose="02070309020205020404" pitchFamily="49" charset="0"/>
-              </a:rPr>
-              <a:t>    };</a:t>
-            </a:r>
-            <a:br>
-              <a:rPr lang="en-US" altLang="en-US" sz="1100" dirty="0">
-                <a:solidFill>
-                  <a:srgbClr val="000000"/>
-                </a:solidFill>
-                <a:latin typeface="Courier New" panose="02070309020205020404" pitchFamily="49" charset="0"/>
-                <a:cs typeface="Courier New" panose="02070309020205020404" pitchFamily="49" charset="0"/>
-              </a:rPr>
-            </a:br>
-            <a:r>
-              <a:rPr lang="en-US" altLang="en-US" sz="1100" dirty="0">
-                <a:solidFill>
-                  <a:srgbClr val="000000"/>
-                </a:solidFill>
-                <a:latin typeface="Courier New" panose="02070309020205020404" pitchFamily="49" charset="0"/>
-                <a:cs typeface="Courier New" panose="02070309020205020404" pitchFamily="49" charset="0"/>
-              </a:rPr>
-              <a:t>});</a:t>
-            </a:r>
-            <a:endParaRPr lang="en-US" altLang="en-US" sz="2400" dirty="0">
-              <a:latin typeface="Arial" panose="020B0604020202020204" pitchFamily="34" charset="0"/>
-            </a:endParaRPr>
-          </a:p>
-        </p:txBody>
-      </p:sp>
-      <p:sp>
-        <p:nvSpPr>
-          <p:cNvPr id="6" name="Rectangle 12"/>
-          <p:cNvSpPr/>
-          <p:nvPr/>
-        </p:nvSpPr>
-        <p:spPr>
-          <a:xfrm>
-            <a:off x="1143000" y="1504885"/>
-            <a:ext cx="5419240" cy="369332"/>
-          </a:xfrm>
-          <a:prstGeom prst="rect">
-            <a:avLst/>
-          </a:prstGeom>
-        </p:spPr>
-        <p:txBody>
-          <a:bodyPr wrap="none">
-            <a:spAutoFit/>
-          </a:bodyPr>
-          <a:lstStyle/>
-          <a:p>
-            <a:r>
-              <a:rPr lang="en-US" dirty="0" smtClean="0"/>
-              <a:t>$destroy event is triggered when the scope is destroyed</a:t>
-            </a:r>
-            <a:endParaRPr lang="en-US" dirty="0">
-              <a:solidFill>
-                <a:srgbClr val="C00000"/>
-              </a:solidFill>
-            </a:endParaRPr>
-          </a:p>
-        </p:txBody>
-      </p:sp>
-      <p:sp>
-        <p:nvSpPr>
-          <p:cNvPr id="7" name="Rectangle 12"/>
-          <p:cNvSpPr/>
-          <p:nvPr/>
-        </p:nvSpPr>
-        <p:spPr>
-          <a:xfrm>
-            <a:off x="561755" y="3107877"/>
-            <a:ext cx="5739263" cy="369332"/>
-          </a:xfrm>
-          <a:prstGeom prst="rect">
-            <a:avLst/>
-          </a:prstGeom>
-        </p:spPr>
-        <p:txBody>
-          <a:bodyPr wrap="none">
-            <a:spAutoFit/>
-          </a:bodyPr>
-          <a:lstStyle/>
-          <a:p>
-            <a:r>
-              <a:rPr lang="en-US" dirty="0" smtClean="0"/>
-              <a:t>Need to clean up timers, intervals to prevent memory leaks</a:t>
-            </a:r>
-            <a:endParaRPr lang="en-US" dirty="0">
-              <a:solidFill>
-                <a:srgbClr val="C00000"/>
-              </a:solidFill>
-            </a:endParaRPr>
-          </a:p>
-        </p:txBody>
-      </p:sp>
-    </p:spTree>
-    <p:extLst>
-      <p:ext uri="{BB962C8B-B14F-4D97-AF65-F5344CB8AC3E}">
-        <p14:creationId xmlns:p14="http://schemas.microsoft.com/office/powerpoint/2010/main" val="1032163211"/>
-      </p:ext>
-    </p:extLst>
-  </p:cSld>
-  <p:clrMapOvr>
-    <a:masterClrMapping/>
-  </p:clrMapOvr>
-  <mc:AlternateContent xmlns:mc="http://schemas.openxmlformats.org/markup-compatibility/2006" xmlns:p14="http://schemas.microsoft.com/office/powerpoint/2010/main">
-    <mc:Choice Requires="p14">
-      <p:transition spd="slow" p14:dur="2000"/>
-    </mc:Choice>
-    <mc:Fallback xmlns="">
-      <p:transition spd="slow"/>
-    </mc:Fallback>
-  </mc:AlternateContent>
-  <p:timing>
-    <p:tnLst>
-      <p:par>
-        <p:cTn id="1" dur="indefinite" restart="never" nodeType="tmRoot">
-          <p:childTnLst>
-            <p:seq concurrent="1" nextAc="seek">
-              <p:cTn id="2" dur="indefinite" nodeType="mainSeq">
-                <p:childTnLst>
-                  <p:par>
-                    <p:cTn id="3" fill="hold">
-                      <p:stCondLst>
-                        <p:cond delay="indefinite"/>
-                      </p:stCondLst>
-                      <p:childTnLst>
-                        <p:par>
-                          <p:cTn id="4" fill="hold">
-                            <p:stCondLst>
-                              <p:cond delay="0"/>
-                            </p:stCondLst>
-                            <p:childTnLst>
-                              <p:par>
-                                <p:cTn id="5" presetID="1" presetClass="entr" presetSubtype="0" fill="hold" grpId="0" nodeType="clickEffect">
-                                  <p:stCondLst>
-                                    <p:cond delay="0"/>
-                                  </p:stCondLst>
-                                  <p:childTnLst>
-                                    <p:set>
-                                      <p:cBhvr>
-                                        <p:cTn id="6" dur="1" fill="hold">
-                                          <p:stCondLst>
-                                            <p:cond delay="0"/>
-                                          </p:stCondLst>
-                                        </p:cTn>
-                                        <p:tgtEl>
-                                          <p:spTgt spid="5"/>
-                                        </p:tgtEl>
-                                        <p:attrNameLst>
-                                          <p:attrName>style.visibility</p:attrName>
-                                        </p:attrNameLst>
-                                      </p:cBhvr>
-                                      <p:to>
-                                        <p:strVal val="visible"/>
-                                      </p:to>
-                                    </p:set>
-                                  </p:childTnLst>
-                                </p:cTn>
-                              </p:par>
-                            </p:childTnLst>
-                          </p:cTn>
-                        </p:par>
-                      </p:childTnLst>
-                    </p:cTn>
-                  </p:par>
-                </p:childTnLst>
-              </p:cTn>
-              <p:prevCondLst>
-                <p:cond evt="onPrev" delay="0">
-                  <p:tgtEl>
-                    <p:sldTgt/>
-                  </p:tgtEl>
-                </p:cond>
-              </p:prevCondLst>
-              <p:nextCondLst>
-                <p:cond evt="onNext" delay="0">
-                  <p:tgtEl>
-                    <p:sldTgt/>
-                  </p:tgtEl>
-                </p:cond>
-              </p:nextCondLst>
-            </p:seq>
-          </p:childTnLst>
-        </p:cTn>
-      </p:par>
-    </p:tnLst>
-    <p:bldLst>
-      <p:bldP spid="5" grpId="0" animBg="1"/>
-    </p:bldLst>
-  </p:timing>
-</p:sld>
-</file>
-
-<file path=ppt/slides/slide7.xml><?xml version="1.0" encoding="utf-8"?>
-<p:sld xmlns:a="http://schemas.openxmlformats.org/drawingml/2006/main" xmlns:r="http://schemas.openxmlformats.org/officeDocument/2006/relationships" xmlns:p="http://schemas.openxmlformats.org/presentationml/2006/main">
-  <p:cSld>
-    <p:spTree>
-      <p:nvGrpSpPr>
-        <p:cNvPr id="1" name=""/>
-        <p:cNvGrpSpPr/>
-        <p:nvPr/>
-      </p:nvGrpSpPr>
-      <p:grpSpPr>
-        <a:xfrm>
-          <a:off x="0" y="0"/>
-          <a:ext cx="0" cy="0"/>
-          <a:chOff x="0" y="0"/>
-          <a:chExt cx="0" cy="0"/>
-        </a:xfrm>
-      </p:grpSpPr>
-      <p:sp>
-        <p:nvSpPr>
-          <p:cNvPr id="2" name="Title 1"/>
-          <p:cNvSpPr>
-            <a:spLocks noGrp="1"/>
-          </p:cNvSpPr>
-          <p:nvPr>
-            <p:ph type="title"/>
-          </p:nvPr>
-        </p:nvSpPr>
-        <p:spPr/>
-        <p:txBody>
-          <a:bodyPr>
-            <a:normAutofit/>
-          </a:bodyPr>
-          <a:lstStyle/>
-          <a:p>
-            <a:r>
-              <a:rPr lang="en-US" dirty="0" smtClean="0">
-                <a:latin typeface="Rockwell" panose="02060603020205020403" pitchFamily="18" charset="0"/>
-                <a:cs typeface="Courier New" panose="02070309020205020404" pitchFamily="49" charset="0"/>
-              </a:rPr>
-              <a:t>Directives for everyone</a:t>
-            </a:r>
-            <a:endParaRPr lang="ru-RU" dirty="0">
-              <a:latin typeface="Courier New" panose="02070309020205020404" pitchFamily="49" charset="0"/>
-              <a:cs typeface="Courier New" panose="02070309020205020404" pitchFamily="49" charset="0"/>
-            </a:endParaRPr>
-          </a:p>
-        </p:txBody>
-      </p:sp>
-      <p:sp>
-        <p:nvSpPr>
-          <p:cNvPr id="5" name="Rectangle 4"/>
-          <p:cNvSpPr>
-            <a:spLocks noChangeArrowheads="1"/>
-          </p:cNvSpPr>
-          <p:nvPr/>
-        </p:nvSpPr>
-        <p:spPr bwMode="auto">
-          <a:xfrm>
-            <a:off x="4944299" y="4759699"/>
-            <a:ext cx="3581400" cy="1741603"/>
-          </a:xfrm>
-          <a:prstGeom prst="rect">
-            <a:avLst/>
-          </a:prstGeom>
-          <a:solidFill>
-            <a:srgbClr val="F5F2F0"/>
-          </a:solidFill>
-          <a:ln>
-            <a:noFill/>
-          </a:ln>
-          <a:effectLst/>
-          <a:extLst>
-            <a:ext uri="{91240B29-F687-4F45-9708-019B960494DF}">
-              <a14:hiddenLine xmlns:a14="http://schemas.microsoft.com/office/drawing/2010/main" w="9525">
-                <a:solidFill>
-                  <a:schemeClr val="tx1"/>
-                </a:solidFill>
-                <a:miter lim="800000"/>
-                <a:headEnd/>
-                <a:tailEnd/>
-              </a14:hiddenLine>
-            </a:ext>
-            <a:ext uri="{AF507438-7753-43E0-B8FC-AC1667EBCBE1}">
-              <a14:hiddenEffects xmlns:a14="http://schemas.microsoft.com/office/drawing/2010/main">
-                <a:effectLst>
-                  <a:outerShdw dist="35921" dir="2700000" algn="ctr" rotWithShape="0">
-                    <a:schemeClr val="bg2"/>
-                  </a:outerShdw>
-                </a:effectLst>
-              </a14:hiddenEffects>
-            </a:ext>
-          </a:extLst>
-        </p:spPr>
-        <p:txBody>
-          <a:bodyPr vert="horz" wrap="square" lIns="108000" tIns="108000" rIns="108000" bIns="108000" numCol="1" anchor="ctr" anchorCtr="0" compatLnSpc="1">
-            <a:prstTxWarp prst="textNoShape">
-              <a:avLst/>
-            </a:prstTxWarp>
-            <a:spAutoFit/>
-          </a:bodyPr>
-          <a:lstStyle/>
-          <a:p>
-            <a:pPr lvl="0" eaLnBrk="0" fontAlgn="base" hangingPunct="0">
-              <a:spcBef>
-                <a:spcPct val="0"/>
-              </a:spcBef>
-              <a:spcAft>
-                <a:spcPct val="0"/>
-              </a:spcAft>
-            </a:pPr>
-            <a:r>
-              <a:rPr lang="en-US" altLang="en-US" sz="1100" b="1" i="1" dirty="0" err="1">
-                <a:solidFill>
-                  <a:srgbClr val="660E7A"/>
-                </a:solidFill>
-                <a:latin typeface="Courier New" panose="02070309020205020404" pitchFamily="49" charset="0"/>
-                <a:cs typeface="Courier New" panose="02070309020205020404" pitchFamily="49" charset="0"/>
-              </a:rPr>
-              <a:t>app</a:t>
-            </a:r>
-            <a:r>
-              <a:rPr lang="en-US" altLang="en-US" sz="1100" dirty="0" err="1">
-                <a:solidFill>
-                  <a:srgbClr val="000000"/>
-                </a:solidFill>
-                <a:latin typeface="Courier New" panose="02070309020205020404" pitchFamily="49" charset="0"/>
-                <a:cs typeface="Courier New" panose="02070309020205020404" pitchFamily="49" charset="0"/>
-              </a:rPr>
-              <a:t>.</a:t>
-            </a:r>
-            <a:r>
-              <a:rPr lang="en-US" altLang="en-US" sz="1100" b="1" dirty="0" err="1">
-                <a:solidFill>
-                  <a:srgbClr val="660E7A"/>
-                </a:solidFill>
-                <a:latin typeface="Courier New" panose="02070309020205020404" pitchFamily="49" charset="0"/>
-                <a:cs typeface="Courier New" panose="02070309020205020404" pitchFamily="49" charset="0"/>
-              </a:rPr>
-              <a:t>service</a:t>
-            </a:r>
-            <a:r>
-              <a:rPr lang="en-US" altLang="en-US" sz="1100" dirty="0">
-                <a:solidFill>
-                  <a:srgbClr val="000000"/>
-                </a:solidFill>
-                <a:latin typeface="Courier New" panose="02070309020205020404" pitchFamily="49" charset="0"/>
-                <a:cs typeface="Courier New" panose="02070309020205020404" pitchFamily="49" charset="0"/>
-              </a:rPr>
-              <a:t>(</a:t>
-            </a:r>
-            <a:r>
-              <a:rPr lang="en-US" altLang="en-US" sz="1100" b="1" dirty="0">
-                <a:solidFill>
-                  <a:srgbClr val="008000"/>
-                </a:solidFill>
-                <a:latin typeface="Courier New" panose="02070309020205020404" pitchFamily="49" charset="0"/>
-                <a:cs typeface="Courier New" panose="02070309020205020404" pitchFamily="49" charset="0"/>
-              </a:rPr>
-              <a:t>'</a:t>
-            </a:r>
-            <a:r>
-              <a:rPr lang="en-US" altLang="en-US" sz="1100" b="1" dirty="0" err="1">
-                <a:solidFill>
-                  <a:srgbClr val="008000"/>
-                </a:solidFill>
-                <a:latin typeface="Courier New" panose="02070309020205020404" pitchFamily="49" charset="0"/>
-                <a:cs typeface="Courier New" panose="02070309020205020404" pitchFamily="49" charset="0"/>
-              </a:rPr>
-              <a:t>myService</a:t>
-            </a:r>
-            <a:r>
-              <a:rPr lang="en-US" altLang="en-US" sz="1100" b="1" dirty="0">
-                <a:solidFill>
-                  <a:srgbClr val="008000"/>
-                </a:solidFill>
-                <a:latin typeface="Courier New" panose="02070309020205020404" pitchFamily="49" charset="0"/>
-                <a:cs typeface="Courier New" panose="02070309020205020404" pitchFamily="49" charset="0"/>
-              </a:rPr>
-              <a:t>'</a:t>
-            </a:r>
-            <a:r>
-              <a:rPr lang="en-US" altLang="en-US" sz="1100" dirty="0">
-                <a:solidFill>
-                  <a:srgbClr val="000000"/>
-                </a:solidFill>
-                <a:latin typeface="Courier New" panose="02070309020205020404" pitchFamily="49" charset="0"/>
-                <a:cs typeface="Courier New" panose="02070309020205020404" pitchFamily="49" charset="0"/>
-              </a:rPr>
-              <a:t>, </a:t>
-            </a:r>
-            <a:r>
-              <a:rPr lang="en-US" altLang="en-US" sz="1100" b="1" dirty="0">
-                <a:solidFill>
-                  <a:srgbClr val="000080"/>
-                </a:solidFill>
-                <a:latin typeface="Courier New" panose="02070309020205020404" pitchFamily="49" charset="0"/>
-                <a:cs typeface="Courier New" panose="02070309020205020404" pitchFamily="49" charset="0"/>
-              </a:rPr>
-              <a:t>function</a:t>
-            </a:r>
-            <a:r>
-              <a:rPr lang="en-US" altLang="en-US" sz="1100" dirty="0">
-                <a:solidFill>
-                  <a:srgbClr val="000000"/>
-                </a:solidFill>
-                <a:latin typeface="Courier New" panose="02070309020205020404" pitchFamily="49" charset="0"/>
-                <a:cs typeface="Courier New" panose="02070309020205020404" pitchFamily="49" charset="0"/>
-              </a:rPr>
-              <a:t>() </a:t>
-            </a:r>
-            <a:r>
-              <a:rPr lang="en-US" altLang="en-US" sz="1100" dirty="0" smtClean="0">
-                <a:solidFill>
-                  <a:srgbClr val="000000"/>
-                </a:solidFill>
-                <a:latin typeface="Courier New" panose="02070309020205020404" pitchFamily="49" charset="0"/>
-                <a:cs typeface="Courier New" panose="02070309020205020404" pitchFamily="49" charset="0"/>
-              </a:rPr>
-              <a:t>{</a:t>
-            </a:r>
-            <a:r>
-              <a:rPr lang="en-US" altLang="en-US" sz="1100" dirty="0">
-                <a:solidFill>
-                  <a:srgbClr val="000000"/>
-                </a:solidFill>
-                <a:latin typeface="Courier New" panose="02070309020205020404" pitchFamily="49" charset="0"/>
-                <a:cs typeface="Courier New" panose="02070309020205020404" pitchFamily="49" charset="0"/>
-              </a:rPr>
-              <a:t/>
-            </a:r>
-            <a:br>
-              <a:rPr lang="en-US" altLang="en-US" sz="1100" dirty="0">
-                <a:solidFill>
-                  <a:srgbClr val="000000"/>
-                </a:solidFill>
-                <a:latin typeface="Courier New" panose="02070309020205020404" pitchFamily="49" charset="0"/>
-                <a:cs typeface="Courier New" panose="02070309020205020404" pitchFamily="49" charset="0"/>
-              </a:rPr>
-            </a:br>
-            <a:r>
-              <a:rPr lang="en-US" altLang="en-US" sz="1100" dirty="0">
-                <a:solidFill>
-                  <a:srgbClr val="000000"/>
-                </a:solidFill>
-                <a:latin typeface="Courier New" panose="02070309020205020404" pitchFamily="49" charset="0"/>
-                <a:cs typeface="Courier New" panose="02070309020205020404" pitchFamily="49" charset="0"/>
-              </a:rPr>
-              <a:t>    </a:t>
-            </a:r>
-            <a:r>
-              <a:rPr lang="en-US" altLang="en-US" sz="1100" i="1" dirty="0">
-                <a:solidFill>
-                  <a:srgbClr val="808080"/>
-                </a:solidFill>
-                <a:latin typeface="Courier New" panose="02070309020205020404" pitchFamily="49" charset="0"/>
-                <a:cs typeface="Courier New" panose="02070309020205020404" pitchFamily="49" charset="0"/>
-              </a:rPr>
-              <a:t>// service is just a constructor function</a:t>
-            </a:r>
-            <a:br>
-              <a:rPr lang="en-US" altLang="en-US" sz="1100" i="1" dirty="0">
-                <a:solidFill>
-                  <a:srgbClr val="808080"/>
-                </a:solidFill>
-                <a:latin typeface="Courier New" panose="02070309020205020404" pitchFamily="49" charset="0"/>
-                <a:cs typeface="Courier New" panose="02070309020205020404" pitchFamily="49" charset="0"/>
-              </a:rPr>
-            </a:br>
-            <a:r>
-              <a:rPr lang="en-US" altLang="en-US" sz="1100" i="1" dirty="0">
-                <a:solidFill>
-                  <a:srgbClr val="808080"/>
-                </a:solidFill>
-                <a:latin typeface="Courier New" panose="02070309020205020404" pitchFamily="49" charset="0"/>
-                <a:cs typeface="Courier New" panose="02070309020205020404" pitchFamily="49" charset="0"/>
-              </a:rPr>
-              <a:t>    // that will be called with 'new'</a:t>
-            </a:r>
-            <a:br>
-              <a:rPr lang="en-US" altLang="en-US" sz="1100" i="1" dirty="0">
-                <a:solidFill>
-                  <a:srgbClr val="808080"/>
-                </a:solidFill>
-                <a:latin typeface="Courier New" panose="02070309020205020404" pitchFamily="49" charset="0"/>
-                <a:cs typeface="Courier New" panose="02070309020205020404" pitchFamily="49" charset="0"/>
-              </a:rPr>
-            </a:br>
-            <a:r>
-              <a:rPr lang="en-US" altLang="en-US" sz="1100" i="1" dirty="0">
-                <a:solidFill>
-                  <a:srgbClr val="808080"/>
-                </a:solidFill>
-                <a:latin typeface="Courier New" panose="02070309020205020404" pitchFamily="49" charset="0"/>
-                <a:cs typeface="Courier New" panose="02070309020205020404" pitchFamily="49" charset="0"/>
-              </a:rPr>
-              <a:t/>
-            </a:r>
-            <a:br>
-              <a:rPr lang="en-US" altLang="en-US" sz="1100" i="1" dirty="0">
-                <a:solidFill>
-                  <a:srgbClr val="808080"/>
-                </a:solidFill>
-                <a:latin typeface="Courier New" panose="02070309020205020404" pitchFamily="49" charset="0"/>
-                <a:cs typeface="Courier New" panose="02070309020205020404" pitchFamily="49" charset="0"/>
-              </a:rPr>
-            </a:br>
-            <a:r>
-              <a:rPr lang="en-US" altLang="en-US" sz="1100" i="1" dirty="0">
-                <a:solidFill>
-                  <a:srgbClr val="808080"/>
-                </a:solidFill>
-                <a:latin typeface="Courier New" panose="02070309020205020404" pitchFamily="49" charset="0"/>
-                <a:cs typeface="Courier New" panose="02070309020205020404" pitchFamily="49" charset="0"/>
-              </a:rPr>
-              <a:t>    </a:t>
-            </a:r>
-            <a:r>
-              <a:rPr lang="en-US" altLang="en-US" sz="1100" b="1" dirty="0" err="1">
-                <a:solidFill>
-                  <a:srgbClr val="000080"/>
-                </a:solidFill>
-                <a:latin typeface="Courier New" panose="02070309020205020404" pitchFamily="49" charset="0"/>
-                <a:cs typeface="Courier New" panose="02070309020205020404" pitchFamily="49" charset="0"/>
-              </a:rPr>
-              <a:t>this</a:t>
-            </a:r>
-            <a:r>
-              <a:rPr lang="en-US" altLang="en-US" sz="1100" dirty="0" err="1">
-                <a:solidFill>
-                  <a:srgbClr val="000000"/>
-                </a:solidFill>
-                <a:latin typeface="Courier New" panose="02070309020205020404" pitchFamily="49" charset="0"/>
-                <a:cs typeface="Courier New" panose="02070309020205020404" pitchFamily="49" charset="0"/>
-              </a:rPr>
-              <a:t>.</a:t>
-            </a:r>
-            <a:r>
-              <a:rPr lang="en-US" altLang="en-US" sz="1100" dirty="0" err="1">
-                <a:solidFill>
-                  <a:srgbClr val="7A7A43"/>
-                </a:solidFill>
-                <a:latin typeface="Courier New" panose="02070309020205020404" pitchFamily="49" charset="0"/>
-                <a:cs typeface="Courier New" panose="02070309020205020404" pitchFamily="49" charset="0"/>
-              </a:rPr>
-              <a:t>sayHello</a:t>
-            </a:r>
-            <a:r>
-              <a:rPr lang="en-US" altLang="en-US" sz="1100" dirty="0">
-                <a:solidFill>
-                  <a:srgbClr val="7A7A43"/>
-                </a:solidFill>
-                <a:latin typeface="Courier New" panose="02070309020205020404" pitchFamily="49" charset="0"/>
-                <a:cs typeface="Courier New" panose="02070309020205020404" pitchFamily="49" charset="0"/>
-              </a:rPr>
-              <a:t> </a:t>
-            </a:r>
-            <a:r>
-              <a:rPr lang="en-US" altLang="en-US" sz="1100" dirty="0">
-                <a:solidFill>
-                  <a:srgbClr val="000000"/>
-                </a:solidFill>
-                <a:latin typeface="Courier New" panose="02070309020205020404" pitchFamily="49" charset="0"/>
-                <a:cs typeface="Courier New" panose="02070309020205020404" pitchFamily="49" charset="0"/>
-              </a:rPr>
-              <a:t>= </a:t>
-            </a:r>
-            <a:r>
-              <a:rPr lang="en-US" altLang="en-US" sz="1100" b="1" dirty="0">
-                <a:solidFill>
-                  <a:srgbClr val="000080"/>
-                </a:solidFill>
-                <a:latin typeface="Courier New" panose="02070309020205020404" pitchFamily="49" charset="0"/>
-                <a:cs typeface="Courier New" panose="02070309020205020404" pitchFamily="49" charset="0"/>
-              </a:rPr>
-              <a:t>function</a:t>
-            </a:r>
-            <a:r>
-              <a:rPr lang="en-US" altLang="en-US" sz="1100" dirty="0">
-                <a:solidFill>
-                  <a:srgbClr val="000000"/>
-                </a:solidFill>
-                <a:latin typeface="Courier New" panose="02070309020205020404" pitchFamily="49" charset="0"/>
-                <a:cs typeface="Courier New" panose="02070309020205020404" pitchFamily="49" charset="0"/>
-              </a:rPr>
-              <a:t>(name) {</a:t>
-            </a:r>
-            <a:br>
-              <a:rPr lang="en-US" altLang="en-US" sz="1100" dirty="0">
-                <a:solidFill>
-                  <a:srgbClr val="000000"/>
-                </a:solidFill>
-                <a:latin typeface="Courier New" panose="02070309020205020404" pitchFamily="49" charset="0"/>
-                <a:cs typeface="Courier New" panose="02070309020205020404" pitchFamily="49" charset="0"/>
-              </a:rPr>
-            </a:br>
-            <a:r>
-              <a:rPr lang="en-US" altLang="en-US" sz="1100" dirty="0">
-                <a:solidFill>
-                  <a:srgbClr val="000000"/>
-                </a:solidFill>
-                <a:latin typeface="Courier New" panose="02070309020205020404" pitchFamily="49" charset="0"/>
-                <a:cs typeface="Courier New" panose="02070309020205020404" pitchFamily="49" charset="0"/>
-              </a:rPr>
-              <a:t>        </a:t>
-            </a:r>
-            <a:r>
-              <a:rPr lang="en-US" altLang="en-US" sz="1100" b="1" dirty="0">
-                <a:solidFill>
-                  <a:srgbClr val="000080"/>
-                </a:solidFill>
-                <a:latin typeface="Courier New" panose="02070309020205020404" pitchFamily="49" charset="0"/>
-                <a:cs typeface="Courier New" panose="02070309020205020404" pitchFamily="49" charset="0"/>
-              </a:rPr>
-              <a:t>return </a:t>
-            </a:r>
-            <a:r>
-              <a:rPr lang="en-US" altLang="en-US" sz="1100" b="1" dirty="0">
-                <a:solidFill>
-                  <a:srgbClr val="008000"/>
-                </a:solidFill>
-                <a:latin typeface="Courier New" panose="02070309020205020404" pitchFamily="49" charset="0"/>
-                <a:cs typeface="Courier New" panose="02070309020205020404" pitchFamily="49" charset="0"/>
-              </a:rPr>
-              <a:t>"Hi " </a:t>
-            </a:r>
-            <a:r>
-              <a:rPr lang="en-US" altLang="en-US" sz="1100" dirty="0">
-                <a:solidFill>
-                  <a:srgbClr val="000000"/>
-                </a:solidFill>
-                <a:latin typeface="Courier New" panose="02070309020205020404" pitchFamily="49" charset="0"/>
-                <a:cs typeface="Courier New" panose="02070309020205020404" pitchFamily="49" charset="0"/>
-              </a:rPr>
-              <a:t>+ name + </a:t>
-            </a:r>
-            <a:r>
-              <a:rPr lang="en-US" altLang="en-US" sz="1100" b="1" dirty="0">
-                <a:solidFill>
-                  <a:srgbClr val="008000"/>
-                </a:solidFill>
-                <a:latin typeface="Courier New" panose="02070309020205020404" pitchFamily="49" charset="0"/>
-                <a:cs typeface="Courier New" panose="02070309020205020404" pitchFamily="49" charset="0"/>
-              </a:rPr>
-              <a:t>"!"</a:t>
-            </a:r>
-            <a:r>
-              <a:rPr lang="en-US" altLang="en-US" sz="1100" dirty="0">
-                <a:solidFill>
-                  <a:srgbClr val="000000"/>
-                </a:solidFill>
-                <a:latin typeface="Courier New" panose="02070309020205020404" pitchFamily="49" charset="0"/>
-                <a:cs typeface="Courier New" panose="02070309020205020404" pitchFamily="49" charset="0"/>
-              </a:rPr>
-              <a:t>;</a:t>
-            </a:r>
-            <a:br>
-              <a:rPr lang="en-US" altLang="en-US" sz="1100" dirty="0">
-                <a:solidFill>
-                  <a:srgbClr val="000000"/>
-                </a:solidFill>
-                <a:latin typeface="Courier New" panose="02070309020205020404" pitchFamily="49" charset="0"/>
-                <a:cs typeface="Courier New" panose="02070309020205020404" pitchFamily="49" charset="0"/>
-              </a:rPr>
-            </a:br>
-            <a:r>
-              <a:rPr lang="en-US" altLang="en-US" sz="1100" dirty="0">
-                <a:solidFill>
-                  <a:srgbClr val="000000"/>
-                </a:solidFill>
-                <a:latin typeface="Courier New" panose="02070309020205020404" pitchFamily="49" charset="0"/>
-                <a:cs typeface="Courier New" panose="02070309020205020404" pitchFamily="49" charset="0"/>
-              </a:rPr>
-              <a:t>    };</a:t>
-            </a:r>
-            <a:br>
-              <a:rPr lang="en-US" altLang="en-US" sz="1100" dirty="0">
-                <a:solidFill>
-                  <a:srgbClr val="000000"/>
-                </a:solidFill>
-                <a:latin typeface="Courier New" panose="02070309020205020404" pitchFamily="49" charset="0"/>
-                <a:cs typeface="Courier New" panose="02070309020205020404" pitchFamily="49" charset="0"/>
-              </a:rPr>
-            </a:br>
-            <a:r>
-              <a:rPr lang="en-US" altLang="en-US" sz="1100" dirty="0">
-                <a:solidFill>
-                  <a:srgbClr val="000000"/>
-                </a:solidFill>
-                <a:latin typeface="Courier New" panose="02070309020205020404" pitchFamily="49" charset="0"/>
-                <a:cs typeface="Courier New" panose="02070309020205020404" pitchFamily="49" charset="0"/>
-              </a:rPr>
-              <a:t>});</a:t>
-            </a:r>
-            <a:endParaRPr lang="en-US" altLang="en-US" sz="2400" dirty="0">
-              <a:latin typeface="Arial" panose="020B0604020202020204" pitchFamily="34" charset="0"/>
-            </a:endParaRPr>
-          </a:p>
-        </p:txBody>
-      </p:sp>
-      <p:sp>
-        <p:nvSpPr>
-          <p:cNvPr id="6" name="Rectangle 12"/>
-          <p:cNvSpPr/>
-          <p:nvPr/>
-        </p:nvSpPr>
-        <p:spPr>
-          <a:xfrm>
-            <a:off x="561755" y="1594554"/>
-            <a:ext cx="5512278" cy="830997"/>
-          </a:xfrm>
-          <a:prstGeom prst="rect">
-            <a:avLst/>
-          </a:prstGeom>
-        </p:spPr>
-        <p:txBody>
-          <a:bodyPr wrap="none">
-            <a:spAutoFit/>
-          </a:bodyPr>
-          <a:lstStyle/>
-          <a:p>
-            <a:pPr marL="342900" indent="-342900">
-              <a:buFont typeface="Arial" panose="020B0604020202020204" pitchFamily="34" charset="0"/>
-              <a:buChar char="•"/>
-            </a:pPr>
-            <a:r>
-              <a:rPr lang="en-US" sz="2400" dirty="0" smtClean="0"/>
-              <a:t>Templating</a:t>
-            </a:r>
-          </a:p>
-          <a:p>
-            <a:pPr marL="342900" indent="-342900">
-              <a:buFont typeface="Arial" panose="020B0604020202020204" pitchFamily="34" charset="0"/>
-              <a:buChar char="•"/>
-            </a:pPr>
-            <a:r>
-              <a:rPr lang="en-US" sz="2400" dirty="0" smtClean="0"/>
-              <a:t>Adding custom behavior to any element</a:t>
-            </a:r>
-            <a:endParaRPr lang="en-US" sz="2400" dirty="0"/>
-          </a:p>
-        </p:txBody>
-      </p:sp>
-      <p:sp>
-        <p:nvSpPr>
-          <p:cNvPr id="7" name="Rectangle 12"/>
-          <p:cNvSpPr/>
-          <p:nvPr/>
-        </p:nvSpPr>
-        <p:spPr>
-          <a:xfrm>
-            <a:off x="561755" y="3107877"/>
-            <a:ext cx="5739263" cy="369332"/>
-          </a:xfrm>
-          <a:prstGeom prst="rect">
-            <a:avLst/>
-          </a:prstGeom>
-        </p:spPr>
-        <p:txBody>
-          <a:bodyPr wrap="none">
-            <a:spAutoFit/>
-          </a:bodyPr>
-          <a:lstStyle/>
-          <a:p>
-            <a:r>
-              <a:rPr lang="en-US" dirty="0" smtClean="0"/>
-              <a:t>Need to clean up timers, intervals to prevent memory leaks</a:t>
-            </a:r>
-            <a:endParaRPr lang="en-US" dirty="0">
-              <a:solidFill>
-                <a:srgbClr val="C00000"/>
-              </a:solidFill>
-            </a:endParaRPr>
-          </a:p>
-        </p:txBody>
-      </p:sp>
-      <p:sp>
-        <p:nvSpPr>
-          <p:cNvPr id="8" name="Rectangle 12"/>
-          <p:cNvSpPr/>
-          <p:nvPr/>
-        </p:nvSpPr>
-        <p:spPr>
-          <a:xfrm>
-            <a:off x="2895600" y="1504885"/>
-            <a:ext cx="2432076" cy="369332"/>
-          </a:xfrm>
-          <a:prstGeom prst="rect">
-            <a:avLst/>
-          </a:prstGeom>
-        </p:spPr>
-        <p:style>
-          <a:lnRef idx="2">
-            <a:schemeClr val="accent2"/>
-          </a:lnRef>
-          <a:fillRef idx="1">
-            <a:schemeClr val="lt1"/>
-          </a:fillRef>
-          <a:effectRef idx="0">
-            <a:schemeClr val="accent2"/>
-          </a:effectRef>
-          <a:fontRef idx="minor">
-            <a:schemeClr val="dk1"/>
-          </a:fontRef>
-        </p:style>
-        <p:txBody>
-          <a:bodyPr wrap="none">
-            <a:spAutoFit/>
-          </a:bodyPr>
-          <a:lstStyle/>
-          <a:p>
-            <a:r>
-              <a:rPr lang="en-US" dirty="0" smtClean="0"/>
-              <a:t>either simple or angular</a:t>
-            </a:r>
-            <a:endParaRPr lang="en-US" dirty="0">
-              <a:solidFill>
-                <a:srgbClr val="C00000"/>
-              </a:solidFill>
-            </a:endParaRPr>
-          </a:p>
-        </p:txBody>
-      </p:sp>
-    </p:spTree>
-    <p:extLst>
-      <p:ext uri="{BB962C8B-B14F-4D97-AF65-F5344CB8AC3E}">
-        <p14:creationId xmlns:p14="http://schemas.microsoft.com/office/powerpoint/2010/main" val="4185173472"/>
-      </p:ext>
-    </p:extLst>
-  </p:cSld>
-  <p:clrMapOvr>
-    <a:masterClrMapping/>
-  </p:clrMapOvr>
-  <mc:AlternateContent xmlns:mc="http://schemas.openxmlformats.org/markup-compatibility/2006" xmlns:p14="http://schemas.microsoft.com/office/powerpoint/2010/main">
-    <mc:Choice Requires="p14">
-      <p:transition spd="slow" p14:dur="2000"/>
-    </mc:Choice>
-    <mc:Fallback xmlns="">
-      <p:transition spd="slow"/>
-    </mc:Fallback>
-  </mc:AlternateContent>
-  <p:timing>
-    <p:tnLst>
-      <p:par>
-        <p:cTn id="1" dur="indefinite" restart="never" nodeType="tmRoot">
-          <p:childTnLst>
-            <p:seq concurrent="1" nextAc="seek">
-              <p:cTn id="2" dur="indefinite" nodeType="mainSeq">
-                <p:childTnLst>
-                  <p:par>
-                    <p:cTn id="3" fill="hold">
-                      <p:stCondLst>
-                        <p:cond delay="indefinite"/>
-                      </p:stCondLst>
-                      <p:childTnLst>
-                        <p:par>
-                          <p:cTn id="4" fill="hold">
-                            <p:stCondLst>
-                              <p:cond delay="0"/>
-                            </p:stCondLst>
-                            <p:childTnLst>
-                              <p:par>
-                                <p:cTn id="5" presetID="1" presetClass="entr" presetSubtype="0" fill="hold" grpId="0" nodeType="clickEffect">
-                                  <p:stCondLst>
-                                    <p:cond delay="0"/>
-                                  </p:stCondLst>
-                                  <p:childTnLst>
-                                    <p:set>
-                                      <p:cBhvr>
-                                        <p:cTn id="6" dur="1" fill="hold">
-                                          <p:stCondLst>
-                                            <p:cond delay="0"/>
-                                          </p:stCondLst>
-                                        </p:cTn>
-                                        <p:tgtEl>
-                                          <p:spTgt spid="5"/>
-                                        </p:tgtEl>
-                                        <p:attrNameLst>
-                                          <p:attrName>style.visibility</p:attrName>
-                                        </p:attrNameLst>
-                                      </p:cBhvr>
-                                      <p:to>
-                                        <p:strVal val="visible"/>
-                                      </p:to>
-                                    </p:set>
-                                  </p:childTnLst>
-                                </p:cTn>
-                              </p:par>
-                            </p:childTnLst>
-                          </p:cTn>
-                        </p:par>
-                      </p:childTnLst>
-                    </p:cTn>
-                  </p:par>
-                </p:childTnLst>
-              </p:cTn>
-              <p:prevCondLst>
-                <p:cond evt="onPrev" delay="0">
-                  <p:tgtEl>
-                    <p:sldTgt/>
-                  </p:tgtEl>
-                </p:cond>
-              </p:prevCondLst>
-              <p:nextCondLst>
-                <p:cond evt="onNext" delay="0">
-                  <p:tgtEl>
-                    <p:sldTgt/>
-                  </p:tgtEl>
-                </p:cond>
-              </p:nextCondLst>
-            </p:seq>
-          </p:childTnLst>
-        </p:cTn>
-      </p:par>
-    </p:tnLst>
-    <p:bldLst>
-      <p:bldP spid="5" grpId="0" animBg="1"/>
-    </p:bldLst>
-  </p:timing>
-</p:sld>
-</file>
-
-<file path=ppt/slides/slide8.xml><?xml version="1.0" encoding="utf-8"?>
-<p:sld xmlns:a="http://schemas.openxmlformats.org/drawingml/2006/main" xmlns:r="http://schemas.openxmlformats.org/officeDocument/2006/relationships" xmlns:p="http://schemas.openxmlformats.org/presentationml/2006/main">
-  <p:cSld>
-    <p:spTree>
-      <p:nvGrpSpPr>
-        <p:cNvPr id="1" name=""/>
-        <p:cNvGrpSpPr/>
-        <p:nvPr/>
-      </p:nvGrpSpPr>
-      <p:grpSpPr>
-        <a:xfrm>
-          <a:off x="0" y="0"/>
-          <a:ext cx="0" cy="0"/>
-          <a:chOff x="0" y="0"/>
-          <a:chExt cx="0" cy="0"/>
-        </a:xfrm>
-      </p:grpSpPr>
-      <p:sp>
-        <p:nvSpPr>
-          <p:cNvPr id="2" name="Title 1"/>
-          <p:cNvSpPr>
-            <a:spLocks noGrp="1"/>
-          </p:cNvSpPr>
-          <p:nvPr>
-            <p:ph type="title"/>
-          </p:nvPr>
-        </p:nvSpPr>
-        <p:spPr/>
-        <p:txBody>
-          <a:bodyPr>
-            <a:normAutofit/>
-          </a:bodyPr>
-          <a:lstStyle/>
-          <a:p>
-            <a:r>
-              <a:rPr lang="en-US" dirty="0" smtClean="0">
-                <a:latin typeface="Courier New" panose="02070309020205020404" pitchFamily="49" charset="0"/>
-                <a:cs typeface="Courier New" panose="02070309020205020404" pitchFamily="49" charset="0"/>
-              </a:rPr>
-              <a:t>lets do this</a:t>
-            </a:r>
-            <a:endParaRPr lang="ru-RU" dirty="0">
-              <a:latin typeface="Courier New" panose="02070309020205020404" pitchFamily="49" charset="0"/>
-              <a:cs typeface="Courier New" panose="02070309020205020404" pitchFamily="49" charset="0"/>
-            </a:endParaRPr>
-          </a:p>
-        </p:txBody>
-      </p:sp>
-      <p:sp>
-        <p:nvSpPr>
-          <p:cNvPr id="4" name="Rectangle 4"/>
-          <p:cNvSpPr>
-            <a:spLocks noChangeArrowheads="1"/>
-          </p:cNvSpPr>
-          <p:nvPr/>
-        </p:nvSpPr>
-        <p:spPr bwMode="auto">
-          <a:xfrm>
-            <a:off x="4724400" y="2317653"/>
-            <a:ext cx="4038600" cy="1910880"/>
-          </a:xfrm>
-          <a:prstGeom prst="rect">
-            <a:avLst/>
-          </a:prstGeom>
-          <a:solidFill>
-            <a:srgbClr val="F5F2F0"/>
-          </a:solidFill>
-          <a:ln>
-            <a:noFill/>
-          </a:ln>
-          <a:effectLst/>
-          <a:extLst>
-            <a:ext uri="{91240B29-F687-4F45-9708-019B960494DF}">
-              <a14:hiddenLine xmlns:a14="http://schemas.microsoft.com/office/drawing/2010/main" w="9525">
-                <a:solidFill>
-                  <a:schemeClr val="tx1"/>
-                </a:solidFill>
-                <a:miter lim="800000"/>
-                <a:headEnd/>
-                <a:tailEnd/>
-              </a14:hiddenLine>
-            </a:ext>
-            <a:ext uri="{AF507438-7753-43E0-B8FC-AC1667EBCBE1}">
-              <a14:hiddenEffects xmlns:a14="http://schemas.microsoft.com/office/drawing/2010/main">
-                <a:effectLst>
-                  <a:outerShdw dist="35921" dir="2700000" algn="ctr" rotWithShape="0">
-                    <a:schemeClr val="bg2"/>
-                  </a:outerShdw>
-                </a:effectLst>
-              </a14:hiddenEffects>
-            </a:ext>
-          </a:extLst>
-        </p:spPr>
-        <p:txBody>
-          <a:bodyPr vert="horz" wrap="square" lIns="108000" tIns="108000" rIns="108000" bIns="108000" numCol="1" anchor="ctr" anchorCtr="0" compatLnSpc="1">
-            <a:prstTxWarp prst="textNoShape">
-              <a:avLst/>
-            </a:prstTxWarp>
-            <a:spAutoFit/>
-          </a:bodyPr>
-          <a:lstStyle/>
-          <a:p>
-            <a:pPr lvl="0" eaLnBrk="0" fontAlgn="base" hangingPunct="0">
-              <a:spcBef>
-                <a:spcPct val="0"/>
-              </a:spcBef>
-              <a:spcAft>
-                <a:spcPct val="0"/>
-              </a:spcAft>
-            </a:pPr>
-            <a:r>
-              <a:rPr lang="en-US" altLang="en-US" sz="1100" b="1" i="1" dirty="0" err="1">
-                <a:solidFill>
-                  <a:srgbClr val="660E7A"/>
-                </a:solidFill>
-                <a:latin typeface="Courier New" panose="02070309020205020404" pitchFamily="49" charset="0"/>
-                <a:cs typeface="Courier New" panose="02070309020205020404" pitchFamily="49" charset="0"/>
-              </a:rPr>
-              <a:t>app</a:t>
-            </a:r>
-            <a:r>
-              <a:rPr lang="en-US" altLang="en-US" sz="1100" dirty="0" err="1">
-                <a:solidFill>
-                  <a:srgbClr val="000000"/>
-                </a:solidFill>
-                <a:latin typeface="Courier New" panose="02070309020205020404" pitchFamily="49" charset="0"/>
-                <a:cs typeface="Courier New" panose="02070309020205020404" pitchFamily="49" charset="0"/>
-              </a:rPr>
-              <a:t>.</a:t>
-            </a:r>
-            <a:r>
-              <a:rPr lang="en-US" altLang="en-US" sz="1100" b="1" dirty="0" err="1">
-                <a:solidFill>
-                  <a:srgbClr val="660E7A"/>
-                </a:solidFill>
-                <a:latin typeface="Courier New" panose="02070309020205020404" pitchFamily="49" charset="0"/>
-                <a:cs typeface="Courier New" panose="02070309020205020404" pitchFamily="49" charset="0"/>
-              </a:rPr>
-              <a:t>factory</a:t>
-            </a:r>
-            <a:r>
-              <a:rPr lang="en-US" altLang="en-US" sz="1100" dirty="0">
-                <a:solidFill>
-                  <a:srgbClr val="000000"/>
-                </a:solidFill>
-                <a:latin typeface="Courier New" panose="02070309020205020404" pitchFamily="49" charset="0"/>
-                <a:cs typeface="Courier New" panose="02070309020205020404" pitchFamily="49" charset="0"/>
-              </a:rPr>
-              <a:t>(</a:t>
-            </a:r>
-            <a:r>
-              <a:rPr lang="en-US" altLang="en-US" sz="1100" b="1" dirty="0">
-                <a:solidFill>
-                  <a:srgbClr val="008000"/>
-                </a:solidFill>
-                <a:latin typeface="Courier New" panose="02070309020205020404" pitchFamily="49" charset="0"/>
-                <a:cs typeface="Courier New" panose="02070309020205020404" pitchFamily="49" charset="0"/>
-              </a:rPr>
-              <a:t>'</a:t>
-            </a:r>
-            <a:r>
-              <a:rPr lang="en-US" altLang="en-US" sz="1100" b="1" dirty="0" err="1">
-                <a:solidFill>
-                  <a:srgbClr val="008000"/>
-                </a:solidFill>
-                <a:latin typeface="Courier New" panose="02070309020205020404" pitchFamily="49" charset="0"/>
-                <a:cs typeface="Courier New" panose="02070309020205020404" pitchFamily="49" charset="0"/>
-              </a:rPr>
-              <a:t>myFactory</a:t>
-            </a:r>
-            <a:r>
-              <a:rPr lang="en-US" altLang="en-US" sz="1100" b="1" dirty="0">
-                <a:solidFill>
-                  <a:srgbClr val="008000"/>
-                </a:solidFill>
-                <a:latin typeface="Courier New" panose="02070309020205020404" pitchFamily="49" charset="0"/>
-                <a:cs typeface="Courier New" panose="02070309020205020404" pitchFamily="49" charset="0"/>
-              </a:rPr>
-              <a:t>'</a:t>
-            </a:r>
-            <a:r>
-              <a:rPr lang="en-US" altLang="en-US" sz="1100" dirty="0">
-                <a:solidFill>
-                  <a:srgbClr val="000000"/>
-                </a:solidFill>
-                <a:latin typeface="Courier New" panose="02070309020205020404" pitchFamily="49" charset="0"/>
-                <a:cs typeface="Courier New" panose="02070309020205020404" pitchFamily="49" charset="0"/>
-              </a:rPr>
-              <a:t>, </a:t>
-            </a:r>
-            <a:r>
-              <a:rPr lang="en-US" altLang="en-US" sz="1100" b="1" dirty="0">
-                <a:solidFill>
-                  <a:srgbClr val="000080"/>
-                </a:solidFill>
-                <a:latin typeface="Courier New" panose="02070309020205020404" pitchFamily="49" charset="0"/>
-                <a:cs typeface="Courier New" panose="02070309020205020404" pitchFamily="49" charset="0"/>
-              </a:rPr>
-              <a:t>function</a:t>
-            </a:r>
-            <a:r>
-              <a:rPr lang="en-US" altLang="en-US" sz="1100" dirty="0">
-                <a:solidFill>
-                  <a:srgbClr val="000000"/>
-                </a:solidFill>
-                <a:latin typeface="Courier New" panose="02070309020205020404" pitchFamily="49" charset="0"/>
-                <a:cs typeface="Courier New" panose="02070309020205020404" pitchFamily="49" charset="0"/>
-              </a:rPr>
-              <a:t>() </a:t>
-            </a:r>
-            <a:r>
-              <a:rPr lang="en-US" altLang="en-US" sz="1100" dirty="0" smtClean="0">
-                <a:solidFill>
-                  <a:srgbClr val="000000"/>
-                </a:solidFill>
-                <a:latin typeface="Courier New" panose="02070309020205020404" pitchFamily="49" charset="0"/>
-                <a:cs typeface="Courier New" panose="02070309020205020404" pitchFamily="49" charset="0"/>
-              </a:rPr>
-              <a:t>{</a:t>
-            </a:r>
-            <a:r>
-              <a:rPr lang="en-US" altLang="en-US" sz="1100" dirty="0">
-                <a:solidFill>
-                  <a:srgbClr val="000000"/>
-                </a:solidFill>
-                <a:latin typeface="Courier New" panose="02070309020205020404" pitchFamily="49" charset="0"/>
-                <a:cs typeface="Courier New" panose="02070309020205020404" pitchFamily="49" charset="0"/>
-              </a:rPr>
-              <a:t/>
-            </a:r>
-            <a:br>
-              <a:rPr lang="en-US" altLang="en-US" sz="1100" dirty="0">
-                <a:solidFill>
-                  <a:srgbClr val="000000"/>
-                </a:solidFill>
-                <a:latin typeface="Courier New" panose="02070309020205020404" pitchFamily="49" charset="0"/>
-                <a:cs typeface="Courier New" panose="02070309020205020404" pitchFamily="49" charset="0"/>
-              </a:rPr>
-            </a:br>
-            <a:r>
-              <a:rPr lang="en-US" altLang="en-US" sz="1100" dirty="0">
-                <a:solidFill>
-                  <a:srgbClr val="000000"/>
-                </a:solidFill>
-                <a:latin typeface="Courier New" panose="02070309020205020404" pitchFamily="49" charset="0"/>
-                <a:cs typeface="Courier New" panose="02070309020205020404" pitchFamily="49" charset="0"/>
-              </a:rPr>
-              <a:t>    </a:t>
-            </a:r>
-            <a:r>
-              <a:rPr lang="en-US" altLang="en-US" sz="1100" i="1" dirty="0">
-                <a:solidFill>
-                  <a:srgbClr val="808080"/>
-                </a:solidFill>
-                <a:latin typeface="Courier New" panose="02070309020205020404" pitchFamily="49" charset="0"/>
-                <a:cs typeface="Courier New" panose="02070309020205020404" pitchFamily="49" charset="0"/>
-              </a:rPr>
-              <a:t>// factory returns an object</a:t>
-            </a:r>
-            <a:br>
-              <a:rPr lang="en-US" altLang="en-US" sz="1100" i="1" dirty="0">
-                <a:solidFill>
-                  <a:srgbClr val="808080"/>
-                </a:solidFill>
-                <a:latin typeface="Courier New" panose="02070309020205020404" pitchFamily="49" charset="0"/>
-                <a:cs typeface="Courier New" panose="02070309020205020404" pitchFamily="49" charset="0"/>
-              </a:rPr>
-            </a:br>
-            <a:r>
-              <a:rPr lang="en-US" altLang="en-US" sz="1100" i="1" dirty="0">
-                <a:solidFill>
-                  <a:srgbClr val="808080"/>
-                </a:solidFill>
-                <a:latin typeface="Courier New" panose="02070309020205020404" pitchFamily="49" charset="0"/>
-                <a:cs typeface="Courier New" panose="02070309020205020404" pitchFamily="49" charset="0"/>
-              </a:rPr>
-              <a:t>    // you can run some code before</a:t>
-            </a:r>
-            <a:br>
-              <a:rPr lang="en-US" altLang="en-US" sz="1100" i="1" dirty="0">
-                <a:solidFill>
-                  <a:srgbClr val="808080"/>
-                </a:solidFill>
-                <a:latin typeface="Courier New" panose="02070309020205020404" pitchFamily="49" charset="0"/>
-                <a:cs typeface="Courier New" panose="02070309020205020404" pitchFamily="49" charset="0"/>
-              </a:rPr>
-            </a:br>
-            <a:r>
-              <a:rPr lang="en-US" altLang="en-US" sz="1100" i="1" dirty="0">
-                <a:solidFill>
-                  <a:srgbClr val="808080"/>
-                </a:solidFill>
-                <a:latin typeface="Courier New" panose="02070309020205020404" pitchFamily="49" charset="0"/>
-                <a:cs typeface="Courier New" panose="02070309020205020404" pitchFamily="49" charset="0"/>
-              </a:rPr>
-              <a:t/>
-            </a:r>
-            <a:br>
-              <a:rPr lang="en-US" altLang="en-US" sz="1100" i="1" dirty="0">
-                <a:solidFill>
-                  <a:srgbClr val="808080"/>
-                </a:solidFill>
-                <a:latin typeface="Courier New" panose="02070309020205020404" pitchFamily="49" charset="0"/>
-                <a:cs typeface="Courier New" panose="02070309020205020404" pitchFamily="49" charset="0"/>
-              </a:rPr>
-            </a:br>
-            <a:r>
-              <a:rPr lang="en-US" altLang="en-US" sz="1100" i="1" dirty="0">
-                <a:solidFill>
-                  <a:srgbClr val="808080"/>
-                </a:solidFill>
-                <a:latin typeface="Courier New" panose="02070309020205020404" pitchFamily="49" charset="0"/>
-                <a:cs typeface="Courier New" panose="02070309020205020404" pitchFamily="49" charset="0"/>
-              </a:rPr>
-              <a:t>    </a:t>
-            </a:r>
-            <a:r>
-              <a:rPr lang="en-US" altLang="en-US" sz="1100" b="1" dirty="0">
-                <a:solidFill>
-                  <a:srgbClr val="000080"/>
-                </a:solidFill>
-                <a:latin typeface="Courier New" panose="02070309020205020404" pitchFamily="49" charset="0"/>
-                <a:cs typeface="Courier New" panose="02070309020205020404" pitchFamily="49" charset="0"/>
-              </a:rPr>
-              <a:t>return </a:t>
-            </a:r>
-            <a:r>
-              <a:rPr lang="en-US" altLang="en-US" sz="1100" dirty="0">
-                <a:solidFill>
-                  <a:srgbClr val="000000"/>
-                </a:solidFill>
-                <a:latin typeface="Courier New" panose="02070309020205020404" pitchFamily="49" charset="0"/>
-                <a:cs typeface="Courier New" panose="02070309020205020404" pitchFamily="49" charset="0"/>
-              </a:rPr>
-              <a:t>{</a:t>
-            </a:r>
-            <a:br>
-              <a:rPr lang="en-US" altLang="en-US" sz="1100" dirty="0">
-                <a:solidFill>
-                  <a:srgbClr val="000000"/>
-                </a:solidFill>
-                <a:latin typeface="Courier New" panose="02070309020205020404" pitchFamily="49" charset="0"/>
-                <a:cs typeface="Courier New" panose="02070309020205020404" pitchFamily="49" charset="0"/>
-              </a:rPr>
-            </a:br>
-            <a:r>
-              <a:rPr lang="en-US" altLang="en-US" sz="1100" dirty="0">
-                <a:solidFill>
-                  <a:srgbClr val="000000"/>
-                </a:solidFill>
-                <a:latin typeface="Courier New" panose="02070309020205020404" pitchFamily="49" charset="0"/>
-                <a:cs typeface="Courier New" panose="02070309020205020404" pitchFamily="49" charset="0"/>
-              </a:rPr>
-              <a:t>        </a:t>
-            </a:r>
-            <a:r>
-              <a:rPr lang="en-US" altLang="en-US" sz="1100" dirty="0" err="1">
-                <a:solidFill>
-                  <a:srgbClr val="7A7A43"/>
-                </a:solidFill>
-                <a:latin typeface="Courier New" panose="02070309020205020404" pitchFamily="49" charset="0"/>
-                <a:cs typeface="Courier New" panose="02070309020205020404" pitchFamily="49" charset="0"/>
-              </a:rPr>
-              <a:t>sayHello</a:t>
-            </a:r>
-            <a:r>
-              <a:rPr lang="en-US" altLang="en-US" sz="1100" dirty="0">
-                <a:solidFill>
-                  <a:srgbClr val="7A7A43"/>
-                </a:solidFill>
-                <a:latin typeface="Courier New" panose="02070309020205020404" pitchFamily="49" charset="0"/>
-                <a:cs typeface="Courier New" panose="02070309020205020404" pitchFamily="49" charset="0"/>
-              </a:rPr>
-              <a:t> </a:t>
-            </a:r>
-            <a:r>
-              <a:rPr lang="en-US" altLang="en-US" sz="1100" dirty="0">
-                <a:solidFill>
-                  <a:srgbClr val="000000"/>
-                </a:solidFill>
-                <a:latin typeface="Courier New" panose="02070309020205020404" pitchFamily="49" charset="0"/>
-                <a:cs typeface="Courier New" panose="02070309020205020404" pitchFamily="49" charset="0"/>
-              </a:rPr>
-              <a:t>: </a:t>
-            </a:r>
-            <a:r>
-              <a:rPr lang="en-US" altLang="en-US" sz="1100" b="1" dirty="0">
-                <a:solidFill>
-                  <a:srgbClr val="000080"/>
-                </a:solidFill>
-                <a:latin typeface="Courier New" panose="02070309020205020404" pitchFamily="49" charset="0"/>
-                <a:cs typeface="Courier New" panose="02070309020205020404" pitchFamily="49" charset="0"/>
-              </a:rPr>
-              <a:t>function</a:t>
-            </a:r>
-            <a:r>
-              <a:rPr lang="en-US" altLang="en-US" sz="1100" dirty="0">
-                <a:solidFill>
-                  <a:srgbClr val="000000"/>
-                </a:solidFill>
-                <a:latin typeface="Courier New" panose="02070309020205020404" pitchFamily="49" charset="0"/>
-                <a:cs typeface="Courier New" panose="02070309020205020404" pitchFamily="49" charset="0"/>
-              </a:rPr>
-              <a:t>(name) {</a:t>
-            </a:r>
-            <a:br>
-              <a:rPr lang="en-US" altLang="en-US" sz="1100" dirty="0">
-                <a:solidFill>
-                  <a:srgbClr val="000000"/>
-                </a:solidFill>
-                <a:latin typeface="Courier New" panose="02070309020205020404" pitchFamily="49" charset="0"/>
-                <a:cs typeface="Courier New" panose="02070309020205020404" pitchFamily="49" charset="0"/>
-              </a:rPr>
-            </a:br>
-            <a:r>
-              <a:rPr lang="en-US" altLang="en-US" sz="1100" dirty="0">
-                <a:solidFill>
-                  <a:srgbClr val="000000"/>
-                </a:solidFill>
-                <a:latin typeface="Courier New" panose="02070309020205020404" pitchFamily="49" charset="0"/>
-                <a:cs typeface="Courier New" panose="02070309020205020404" pitchFamily="49" charset="0"/>
-              </a:rPr>
-              <a:t>            </a:t>
-            </a:r>
-            <a:r>
-              <a:rPr lang="en-US" altLang="en-US" sz="1100" b="1" dirty="0">
-                <a:solidFill>
-                  <a:srgbClr val="000080"/>
-                </a:solidFill>
-                <a:latin typeface="Courier New" panose="02070309020205020404" pitchFamily="49" charset="0"/>
-                <a:cs typeface="Courier New" panose="02070309020205020404" pitchFamily="49" charset="0"/>
-              </a:rPr>
-              <a:t>return </a:t>
-            </a:r>
-            <a:r>
-              <a:rPr lang="en-US" altLang="en-US" sz="1100" b="1" dirty="0">
-                <a:solidFill>
-                  <a:srgbClr val="008000"/>
-                </a:solidFill>
-                <a:latin typeface="Courier New" panose="02070309020205020404" pitchFamily="49" charset="0"/>
-                <a:cs typeface="Courier New" panose="02070309020205020404" pitchFamily="49" charset="0"/>
-              </a:rPr>
-              <a:t>"Hi " </a:t>
-            </a:r>
-            <a:r>
-              <a:rPr lang="en-US" altLang="en-US" sz="1100" dirty="0">
-                <a:solidFill>
-                  <a:srgbClr val="000000"/>
-                </a:solidFill>
-                <a:latin typeface="Courier New" panose="02070309020205020404" pitchFamily="49" charset="0"/>
-                <a:cs typeface="Courier New" panose="02070309020205020404" pitchFamily="49" charset="0"/>
-              </a:rPr>
-              <a:t>+ name + </a:t>
-            </a:r>
-            <a:r>
-              <a:rPr lang="en-US" altLang="en-US" sz="1100" b="1" dirty="0">
-                <a:solidFill>
-                  <a:srgbClr val="008000"/>
-                </a:solidFill>
-                <a:latin typeface="Courier New" panose="02070309020205020404" pitchFamily="49" charset="0"/>
-                <a:cs typeface="Courier New" panose="02070309020205020404" pitchFamily="49" charset="0"/>
-              </a:rPr>
-              <a:t>"!"</a:t>
-            </a:r>
-            <a:r>
-              <a:rPr lang="en-US" altLang="en-US" sz="1100" dirty="0">
-                <a:solidFill>
-                  <a:srgbClr val="000000"/>
-                </a:solidFill>
-                <a:latin typeface="Courier New" panose="02070309020205020404" pitchFamily="49" charset="0"/>
-                <a:cs typeface="Courier New" panose="02070309020205020404" pitchFamily="49" charset="0"/>
-              </a:rPr>
-              <a:t>;</a:t>
-            </a:r>
-            <a:br>
-              <a:rPr lang="en-US" altLang="en-US" sz="1100" dirty="0">
-                <a:solidFill>
-                  <a:srgbClr val="000000"/>
-                </a:solidFill>
-                <a:latin typeface="Courier New" panose="02070309020205020404" pitchFamily="49" charset="0"/>
-                <a:cs typeface="Courier New" panose="02070309020205020404" pitchFamily="49" charset="0"/>
-              </a:rPr>
-            </a:br>
-            <a:r>
-              <a:rPr lang="en-US" altLang="en-US" sz="1100" dirty="0">
-                <a:solidFill>
-                  <a:srgbClr val="000000"/>
-                </a:solidFill>
-                <a:latin typeface="Courier New" panose="02070309020205020404" pitchFamily="49" charset="0"/>
-                <a:cs typeface="Courier New" panose="02070309020205020404" pitchFamily="49" charset="0"/>
-              </a:rPr>
-              <a:t>        }</a:t>
-            </a:r>
-            <a:br>
-              <a:rPr lang="en-US" altLang="en-US" sz="1100" dirty="0">
-                <a:solidFill>
-                  <a:srgbClr val="000000"/>
-                </a:solidFill>
-                <a:latin typeface="Courier New" panose="02070309020205020404" pitchFamily="49" charset="0"/>
-                <a:cs typeface="Courier New" panose="02070309020205020404" pitchFamily="49" charset="0"/>
-              </a:rPr>
-            </a:br>
-            <a:r>
-              <a:rPr lang="en-US" altLang="en-US" sz="1100" dirty="0">
-                <a:solidFill>
-                  <a:srgbClr val="000000"/>
-                </a:solidFill>
-                <a:latin typeface="Courier New" panose="02070309020205020404" pitchFamily="49" charset="0"/>
-                <a:cs typeface="Courier New" panose="02070309020205020404" pitchFamily="49" charset="0"/>
-              </a:rPr>
-              <a:t>    }</a:t>
-            </a:r>
-            <a:br>
-              <a:rPr lang="en-US" altLang="en-US" sz="1100" dirty="0">
-                <a:solidFill>
-                  <a:srgbClr val="000000"/>
-                </a:solidFill>
-                <a:latin typeface="Courier New" panose="02070309020205020404" pitchFamily="49" charset="0"/>
-                <a:cs typeface="Courier New" panose="02070309020205020404" pitchFamily="49" charset="0"/>
-              </a:rPr>
-            </a:br>
-            <a:r>
-              <a:rPr lang="en-US" altLang="en-US" sz="1100" dirty="0">
-                <a:solidFill>
-                  <a:srgbClr val="000000"/>
-                </a:solidFill>
-                <a:latin typeface="Courier New" panose="02070309020205020404" pitchFamily="49" charset="0"/>
-                <a:cs typeface="Courier New" panose="02070309020205020404" pitchFamily="49" charset="0"/>
-              </a:rPr>
-              <a:t>});</a:t>
-            </a:r>
-            <a:endParaRPr lang="en-US" altLang="en-US" sz="2400" dirty="0">
-              <a:latin typeface="Arial" panose="020B0604020202020204" pitchFamily="34" charset="0"/>
-            </a:endParaRPr>
-          </a:p>
-        </p:txBody>
-      </p:sp>
-      <p:sp>
-        <p:nvSpPr>
-          <p:cNvPr id="5" name="Rectangle 4"/>
-          <p:cNvSpPr>
-            <a:spLocks noChangeArrowheads="1"/>
-          </p:cNvSpPr>
-          <p:nvPr/>
-        </p:nvSpPr>
-        <p:spPr bwMode="auto">
-          <a:xfrm>
-            <a:off x="421934" y="2486930"/>
-            <a:ext cx="3581400" cy="1741603"/>
-          </a:xfrm>
-          <a:prstGeom prst="rect">
-            <a:avLst/>
-          </a:prstGeom>
-          <a:solidFill>
-            <a:srgbClr val="F5F2F0"/>
-          </a:solidFill>
-          <a:ln>
-            <a:noFill/>
-          </a:ln>
-          <a:effectLst/>
-          <a:extLst>
-            <a:ext uri="{91240B29-F687-4F45-9708-019B960494DF}">
-              <a14:hiddenLine xmlns:a14="http://schemas.microsoft.com/office/drawing/2010/main" w="9525">
-                <a:solidFill>
-                  <a:schemeClr val="tx1"/>
-                </a:solidFill>
-                <a:miter lim="800000"/>
-                <a:headEnd/>
-                <a:tailEnd/>
-              </a14:hiddenLine>
-            </a:ext>
-            <a:ext uri="{AF507438-7753-43E0-B8FC-AC1667EBCBE1}">
-              <a14:hiddenEffects xmlns:a14="http://schemas.microsoft.com/office/drawing/2010/main">
-                <a:effectLst>
-                  <a:outerShdw dist="35921" dir="2700000" algn="ctr" rotWithShape="0">
-                    <a:schemeClr val="bg2"/>
-                  </a:outerShdw>
-                </a:effectLst>
-              </a14:hiddenEffects>
-            </a:ext>
-          </a:extLst>
-        </p:spPr>
-        <p:txBody>
-          <a:bodyPr vert="horz" wrap="square" lIns="108000" tIns="108000" rIns="108000" bIns="108000" numCol="1" anchor="ctr" anchorCtr="0" compatLnSpc="1">
-            <a:prstTxWarp prst="textNoShape">
-              <a:avLst/>
-            </a:prstTxWarp>
-            <a:spAutoFit/>
-          </a:bodyPr>
-          <a:lstStyle/>
-          <a:p>
-            <a:pPr lvl="0" eaLnBrk="0" fontAlgn="base" hangingPunct="0">
-              <a:spcBef>
-                <a:spcPct val="0"/>
-              </a:spcBef>
-              <a:spcAft>
-                <a:spcPct val="0"/>
-              </a:spcAft>
-            </a:pPr>
-            <a:r>
-              <a:rPr lang="en-US" altLang="en-US" sz="1100" b="1" i="1" dirty="0" err="1">
-                <a:solidFill>
-                  <a:srgbClr val="660E7A"/>
-                </a:solidFill>
-                <a:latin typeface="Courier New" panose="02070309020205020404" pitchFamily="49" charset="0"/>
-                <a:cs typeface="Courier New" panose="02070309020205020404" pitchFamily="49" charset="0"/>
-              </a:rPr>
-              <a:t>app</a:t>
-            </a:r>
-            <a:r>
-              <a:rPr lang="en-US" altLang="en-US" sz="1100" dirty="0" err="1">
-                <a:solidFill>
-                  <a:srgbClr val="000000"/>
-                </a:solidFill>
-                <a:latin typeface="Courier New" panose="02070309020205020404" pitchFamily="49" charset="0"/>
-                <a:cs typeface="Courier New" panose="02070309020205020404" pitchFamily="49" charset="0"/>
-              </a:rPr>
-              <a:t>.</a:t>
-            </a:r>
-            <a:r>
-              <a:rPr lang="en-US" altLang="en-US" sz="1100" b="1" dirty="0" err="1">
-                <a:solidFill>
-                  <a:srgbClr val="660E7A"/>
-                </a:solidFill>
-                <a:latin typeface="Courier New" panose="02070309020205020404" pitchFamily="49" charset="0"/>
-                <a:cs typeface="Courier New" panose="02070309020205020404" pitchFamily="49" charset="0"/>
-              </a:rPr>
-              <a:t>service</a:t>
-            </a:r>
-            <a:r>
-              <a:rPr lang="en-US" altLang="en-US" sz="1100" dirty="0">
-                <a:solidFill>
-                  <a:srgbClr val="000000"/>
-                </a:solidFill>
-                <a:latin typeface="Courier New" panose="02070309020205020404" pitchFamily="49" charset="0"/>
-                <a:cs typeface="Courier New" panose="02070309020205020404" pitchFamily="49" charset="0"/>
-              </a:rPr>
-              <a:t>(</a:t>
-            </a:r>
-            <a:r>
-              <a:rPr lang="en-US" altLang="en-US" sz="1100" b="1" dirty="0">
-                <a:solidFill>
-                  <a:srgbClr val="008000"/>
-                </a:solidFill>
-                <a:latin typeface="Courier New" panose="02070309020205020404" pitchFamily="49" charset="0"/>
-                <a:cs typeface="Courier New" panose="02070309020205020404" pitchFamily="49" charset="0"/>
-              </a:rPr>
-              <a:t>'</a:t>
-            </a:r>
-            <a:r>
-              <a:rPr lang="en-US" altLang="en-US" sz="1100" b="1" dirty="0" err="1">
-                <a:solidFill>
-                  <a:srgbClr val="008000"/>
-                </a:solidFill>
-                <a:latin typeface="Courier New" panose="02070309020205020404" pitchFamily="49" charset="0"/>
-                <a:cs typeface="Courier New" panose="02070309020205020404" pitchFamily="49" charset="0"/>
-              </a:rPr>
-              <a:t>myService</a:t>
-            </a:r>
-            <a:r>
-              <a:rPr lang="en-US" altLang="en-US" sz="1100" b="1" dirty="0">
-                <a:solidFill>
-                  <a:srgbClr val="008000"/>
-                </a:solidFill>
-                <a:latin typeface="Courier New" panose="02070309020205020404" pitchFamily="49" charset="0"/>
-                <a:cs typeface="Courier New" panose="02070309020205020404" pitchFamily="49" charset="0"/>
-              </a:rPr>
-              <a:t>'</a:t>
-            </a:r>
-            <a:r>
-              <a:rPr lang="en-US" altLang="en-US" sz="1100" dirty="0">
-                <a:solidFill>
-                  <a:srgbClr val="000000"/>
-                </a:solidFill>
-                <a:latin typeface="Courier New" panose="02070309020205020404" pitchFamily="49" charset="0"/>
-                <a:cs typeface="Courier New" panose="02070309020205020404" pitchFamily="49" charset="0"/>
-              </a:rPr>
-              <a:t>, </a:t>
-            </a:r>
-            <a:r>
-              <a:rPr lang="en-US" altLang="en-US" sz="1100" b="1" dirty="0">
-                <a:solidFill>
-                  <a:srgbClr val="000080"/>
-                </a:solidFill>
-                <a:latin typeface="Courier New" panose="02070309020205020404" pitchFamily="49" charset="0"/>
-                <a:cs typeface="Courier New" panose="02070309020205020404" pitchFamily="49" charset="0"/>
-              </a:rPr>
-              <a:t>function</a:t>
-            </a:r>
-            <a:r>
-              <a:rPr lang="en-US" altLang="en-US" sz="1100" dirty="0">
-                <a:solidFill>
-                  <a:srgbClr val="000000"/>
-                </a:solidFill>
-                <a:latin typeface="Courier New" panose="02070309020205020404" pitchFamily="49" charset="0"/>
-                <a:cs typeface="Courier New" panose="02070309020205020404" pitchFamily="49" charset="0"/>
-              </a:rPr>
-              <a:t>() </a:t>
-            </a:r>
-            <a:r>
-              <a:rPr lang="en-US" altLang="en-US" sz="1100" dirty="0" smtClean="0">
-                <a:solidFill>
-                  <a:srgbClr val="000000"/>
-                </a:solidFill>
-                <a:latin typeface="Courier New" panose="02070309020205020404" pitchFamily="49" charset="0"/>
-                <a:cs typeface="Courier New" panose="02070309020205020404" pitchFamily="49" charset="0"/>
-              </a:rPr>
-              <a:t>{</a:t>
-            </a:r>
-            <a:r>
-              <a:rPr lang="en-US" altLang="en-US" sz="1100" dirty="0">
-                <a:solidFill>
-                  <a:srgbClr val="000000"/>
-                </a:solidFill>
-                <a:latin typeface="Courier New" panose="02070309020205020404" pitchFamily="49" charset="0"/>
-                <a:cs typeface="Courier New" panose="02070309020205020404" pitchFamily="49" charset="0"/>
-              </a:rPr>
-              <a:t/>
-            </a:r>
-            <a:br>
-              <a:rPr lang="en-US" altLang="en-US" sz="1100" dirty="0">
-                <a:solidFill>
-                  <a:srgbClr val="000000"/>
-                </a:solidFill>
-                <a:latin typeface="Courier New" panose="02070309020205020404" pitchFamily="49" charset="0"/>
-                <a:cs typeface="Courier New" panose="02070309020205020404" pitchFamily="49" charset="0"/>
-              </a:rPr>
-            </a:br>
-            <a:r>
-              <a:rPr lang="en-US" altLang="en-US" sz="1100" dirty="0">
-                <a:solidFill>
-                  <a:srgbClr val="000000"/>
-                </a:solidFill>
-                <a:latin typeface="Courier New" panose="02070309020205020404" pitchFamily="49" charset="0"/>
-                <a:cs typeface="Courier New" panose="02070309020205020404" pitchFamily="49" charset="0"/>
-              </a:rPr>
-              <a:t>    </a:t>
-            </a:r>
-            <a:r>
-              <a:rPr lang="en-US" altLang="en-US" sz="1100" i="1" dirty="0">
-                <a:solidFill>
-                  <a:srgbClr val="808080"/>
-                </a:solidFill>
-                <a:latin typeface="Courier New" panose="02070309020205020404" pitchFamily="49" charset="0"/>
-                <a:cs typeface="Courier New" panose="02070309020205020404" pitchFamily="49" charset="0"/>
-              </a:rPr>
-              <a:t>// service is just a constructor function</a:t>
-            </a:r>
-            <a:br>
-              <a:rPr lang="en-US" altLang="en-US" sz="1100" i="1" dirty="0">
-                <a:solidFill>
-                  <a:srgbClr val="808080"/>
-                </a:solidFill>
-                <a:latin typeface="Courier New" panose="02070309020205020404" pitchFamily="49" charset="0"/>
-                <a:cs typeface="Courier New" panose="02070309020205020404" pitchFamily="49" charset="0"/>
-              </a:rPr>
-            </a:br>
-            <a:r>
-              <a:rPr lang="en-US" altLang="en-US" sz="1100" i="1" dirty="0">
-                <a:solidFill>
-                  <a:srgbClr val="808080"/>
-                </a:solidFill>
-                <a:latin typeface="Courier New" panose="02070309020205020404" pitchFamily="49" charset="0"/>
-                <a:cs typeface="Courier New" panose="02070309020205020404" pitchFamily="49" charset="0"/>
-              </a:rPr>
-              <a:t>    // that will be called with 'new'</a:t>
-            </a:r>
-            <a:br>
-              <a:rPr lang="en-US" altLang="en-US" sz="1100" i="1" dirty="0">
-                <a:solidFill>
-                  <a:srgbClr val="808080"/>
-                </a:solidFill>
-                <a:latin typeface="Courier New" panose="02070309020205020404" pitchFamily="49" charset="0"/>
-                <a:cs typeface="Courier New" panose="02070309020205020404" pitchFamily="49" charset="0"/>
-              </a:rPr>
-            </a:br>
-            <a:r>
-              <a:rPr lang="en-US" altLang="en-US" sz="1100" i="1" dirty="0">
-                <a:solidFill>
-                  <a:srgbClr val="808080"/>
-                </a:solidFill>
-                <a:latin typeface="Courier New" panose="02070309020205020404" pitchFamily="49" charset="0"/>
-                <a:cs typeface="Courier New" panose="02070309020205020404" pitchFamily="49" charset="0"/>
-              </a:rPr>
-              <a:t/>
-            </a:r>
-            <a:br>
-              <a:rPr lang="en-US" altLang="en-US" sz="1100" i="1" dirty="0">
-                <a:solidFill>
-                  <a:srgbClr val="808080"/>
-                </a:solidFill>
-                <a:latin typeface="Courier New" panose="02070309020205020404" pitchFamily="49" charset="0"/>
-                <a:cs typeface="Courier New" panose="02070309020205020404" pitchFamily="49" charset="0"/>
-              </a:rPr>
-            </a:br>
-            <a:r>
-              <a:rPr lang="en-US" altLang="en-US" sz="1100" i="1" dirty="0">
-                <a:solidFill>
-                  <a:srgbClr val="808080"/>
-                </a:solidFill>
-                <a:latin typeface="Courier New" panose="02070309020205020404" pitchFamily="49" charset="0"/>
-                <a:cs typeface="Courier New" panose="02070309020205020404" pitchFamily="49" charset="0"/>
-              </a:rPr>
-              <a:t>    </a:t>
-            </a:r>
-            <a:r>
-              <a:rPr lang="en-US" altLang="en-US" sz="1100" b="1" dirty="0" err="1">
-                <a:solidFill>
-                  <a:srgbClr val="000080"/>
-                </a:solidFill>
-                <a:latin typeface="Courier New" panose="02070309020205020404" pitchFamily="49" charset="0"/>
-                <a:cs typeface="Courier New" panose="02070309020205020404" pitchFamily="49" charset="0"/>
-              </a:rPr>
-              <a:t>this</a:t>
-            </a:r>
-            <a:r>
-              <a:rPr lang="en-US" altLang="en-US" sz="1100" dirty="0" err="1">
-                <a:solidFill>
-                  <a:srgbClr val="000000"/>
-                </a:solidFill>
-                <a:latin typeface="Courier New" panose="02070309020205020404" pitchFamily="49" charset="0"/>
-                <a:cs typeface="Courier New" panose="02070309020205020404" pitchFamily="49" charset="0"/>
-              </a:rPr>
-              <a:t>.</a:t>
-            </a:r>
-            <a:r>
-              <a:rPr lang="en-US" altLang="en-US" sz="1100" dirty="0" err="1">
-                <a:solidFill>
-                  <a:srgbClr val="7A7A43"/>
-                </a:solidFill>
-                <a:latin typeface="Courier New" panose="02070309020205020404" pitchFamily="49" charset="0"/>
-                <a:cs typeface="Courier New" panose="02070309020205020404" pitchFamily="49" charset="0"/>
-              </a:rPr>
-              <a:t>sayHello</a:t>
-            </a:r>
-            <a:r>
-              <a:rPr lang="en-US" altLang="en-US" sz="1100" dirty="0">
-                <a:solidFill>
-                  <a:srgbClr val="7A7A43"/>
-                </a:solidFill>
-                <a:latin typeface="Courier New" panose="02070309020205020404" pitchFamily="49" charset="0"/>
-                <a:cs typeface="Courier New" panose="02070309020205020404" pitchFamily="49" charset="0"/>
-              </a:rPr>
-              <a:t> </a:t>
-            </a:r>
-            <a:r>
-              <a:rPr lang="en-US" altLang="en-US" sz="1100" dirty="0">
-                <a:solidFill>
-                  <a:srgbClr val="000000"/>
-                </a:solidFill>
-                <a:latin typeface="Courier New" panose="02070309020205020404" pitchFamily="49" charset="0"/>
-                <a:cs typeface="Courier New" panose="02070309020205020404" pitchFamily="49" charset="0"/>
-              </a:rPr>
-              <a:t>= </a:t>
-            </a:r>
-            <a:r>
-              <a:rPr lang="en-US" altLang="en-US" sz="1100" b="1" dirty="0">
-                <a:solidFill>
-                  <a:srgbClr val="000080"/>
-                </a:solidFill>
-                <a:latin typeface="Courier New" panose="02070309020205020404" pitchFamily="49" charset="0"/>
-                <a:cs typeface="Courier New" panose="02070309020205020404" pitchFamily="49" charset="0"/>
-              </a:rPr>
-              <a:t>function</a:t>
-            </a:r>
-            <a:r>
-              <a:rPr lang="en-US" altLang="en-US" sz="1100" dirty="0">
-                <a:solidFill>
-                  <a:srgbClr val="000000"/>
-                </a:solidFill>
-                <a:latin typeface="Courier New" panose="02070309020205020404" pitchFamily="49" charset="0"/>
-                <a:cs typeface="Courier New" panose="02070309020205020404" pitchFamily="49" charset="0"/>
-              </a:rPr>
-              <a:t>(name) {</a:t>
-            </a:r>
-            <a:br>
-              <a:rPr lang="en-US" altLang="en-US" sz="1100" dirty="0">
-                <a:solidFill>
-                  <a:srgbClr val="000000"/>
-                </a:solidFill>
-                <a:latin typeface="Courier New" panose="02070309020205020404" pitchFamily="49" charset="0"/>
-                <a:cs typeface="Courier New" panose="02070309020205020404" pitchFamily="49" charset="0"/>
-              </a:rPr>
-            </a:br>
-            <a:r>
-              <a:rPr lang="en-US" altLang="en-US" sz="1100" dirty="0">
-                <a:solidFill>
-                  <a:srgbClr val="000000"/>
-                </a:solidFill>
-                <a:latin typeface="Courier New" panose="02070309020205020404" pitchFamily="49" charset="0"/>
-                <a:cs typeface="Courier New" panose="02070309020205020404" pitchFamily="49" charset="0"/>
-              </a:rPr>
-              <a:t>        </a:t>
-            </a:r>
-            <a:r>
-              <a:rPr lang="en-US" altLang="en-US" sz="1100" b="1" dirty="0">
-                <a:solidFill>
-                  <a:srgbClr val="000080"/>
-                </a:solidFill>
-                <a:latin typeface="Courier New" panose="02070309020205020404" pitchFamily="49" charset="0"/>
-                <a:cs typeface="Courier New" panose="02070309020205020404" pitchFamily="49" charset="0"/>
-              </a:rPr>
-              <a:t>return </a:t>
-            </a:r>
-            <a:r>
-              <a:rPr lang="en-US" altLang="en-US" sz="1100" b="1" dirty="0">
-                <a:solidFill>
-                  <a:srgbClr val="008000"/>
-                </a:solidFill>
-                <a:latin typeface="Courier New" panose="02070309020205020404" pitchFamily="49" charset="0"/>
-                <a:cs typeface="Courier New" panose="02070309020205020404" pitchFamily="49" charset="0"/>
-              </a:rPr>
-              <a:t>"Hi " </a:t>
-            </a:r>
-            <a:r>
-              <a:rPr lang="en-US" altLang="en-US" sz="1100" dirty="0">
-                <a:solidFill>
-                  <a:srgbClr val="000000"/>
-                </a:solidFill>
-                <a:latin typeface="Courier New" panose="02070309020205020404" pitchFamily="49" charset="0"/>
-                <a:cs typeface="Courier New" panose="02070309020205020404" pitchFamily="49" charset="0"/>
-              </a:rPr>
-              <a:t>+ name + </a:t>
-            </a:r>
-            <a:r>
-              <a:rPr lang="en-US" altLang="en-US" sz="1100" b="1" dirty="0">
-                <a:solidFill>
-                  <a:srgbClr val="008000"/>
-                </a:solidFill>
-                <a:latin typeface="Courier New" panose="02070309020205020404" pitchFamily="49" charset="0"/>
-                <a:cs typeface="Courier New" panose="02070309020205020404" pitchFamily="49" charset="0"/>
-              </a:rPr>
-              <a:t>"!"</a:t>
-            </a:r>
-            <a:r>
-              <a:rPr lang="en-US" altLang="en-US" sz="1100" dirty="0">
-                <a:solidFill>
-                  <a:srgbClr val="000000"/>
-                </a:solidFill>
-                <a:latin typeface="Courier New" panose="02070309020205020404" pitchFamily="49" charset="0"/>
-                <a:cs typeface="Courier New" panose="02070309020205020404" pitchFamily="49" charset="0"/>
-              </a:rPr>
-              <a:t>;</a:t>
-            </a:r>
-            <a:br>
-              <a:rPr lang="en-US" altLang="en-US" sz="1100" dirty="0">
-                <a:solidFill>
-                  <a:srgbClr val="000000"/>
-                </a:solidFill>
-                <a:latin typeface="Courier New" panose="02070309020205020404" pitchFamily="49" charset="0"/>
-                <a:cs typeface="Courier New" panose="02070309020205020404" pitchFamily="49" charset="0"/>
-              </a:rPr>
-            </a:br>
-            <a:r>
-              <a:rPr lang="en-US" altLang="en-US" sz="1100" dirty="0">
-                <a:solidFill>
-                  <a:srgbClr val="000000"/>
-                </a:solidFill>
-                <a:latin typeface="Courier New" panose="02070309020205020404" pitchFamily="49" charset="0"/>
-                <a:cs typeface="Courier New" panose="02070309020205020404" pitchFamily="49" charset="0"/>
-              </a:rPr>
-              <a:t>    };</a:t>
-            </a:r>
-            <a:br>
-              <a:rPr lang="en-US" altLang="en-US" sz="1100" dirty="0">
-                <a:solidFill>
-                  <a:srgbClr val="000000"/>
-                </a:solidFill>
-                <a:latin typeface="Courier New" panose="02070309020205020404" pitchFamily="49" charset="0"/>
-                <a:cs typeface="Courier New" panose="02070309020205020404" pitchFamily="49" charset="0"/>
-              </a:rPr>
-            </a:br>
-            <a:r>
-              <a:rPr lang="en-US" altLang="en-US" sz="1100" dirty="0">
-                <a:solidFill>
-                  <a:srgbClr val="000000"/>
-                </a:solidFill>
-                <a:latin typeface="Courier New" panose="02070309020205020404" pitchFamily="49" charset="0"/>
-                <a:cs typeface="Courier New" panose="02070309020205020404" pitchFamily="49" charset="0"/>
-              </a:rPr>
-              <a:t>});</a:t>
-            </a:r>
-            <a:endParaRPr lang="en-US" altLang="en-US" sz="2400" dirty="0">
-              <a:latin typeface="Arial" panose="020B0604020202020204" pitchFamily="34" charset="0"/>
-            </a:endParaRPr>
-          </a:p>
-        </p:txBody>
-      </p:sp>
-      <p:sp>
-        <p:nvSpPr>
-          <p:cNvPr id="8" name="Rectangle 7"/>
-          <p:cNvSpPr/>
-          <p:nvPr/>
-        </p:nvSpPr>
-        <p:spPr>
-          <a:xfrm>
-            <a:off x="457200" y="1472555"/>
-            <a:ext cx="3371692" cy="461665"/>
-          </a:xfrm>
-          <a:prstGeom prst="rect">
-            <a:avLst/>
-          </a:prstGeom>
-        </p:spPr>
-        <p:txBody>
-          <a:bodyPr wrap="none">
-            <a:spAutoFit/>
-          </a:bodyPr>
-          <a:lstStyle/>
-          <a:p>
-            <a:r>
-              <a:rPr lang="en-US" sz="2400" dirty="0" smtClean="0"/>
-              <a:t>service is a constructor </a:t>
-            </a:r>
-            <a:r>
-              <a:rPr lang="en-US" sz="2400" dirty="0" err="1" smtClean="0"/>
-              <a:t>fn</a:t>
-            </a:r>
-            <a:endParaRPr lang="en-US" sz="2400" dirty="0">
-              <a:solidFill>
-                <a:srgbClr val="C00000"/>
-              </a:solidFill>
-            </a:endParaRPr>
-          </a:p>
-        </p:txBody>
-      </p:sp>
-      <p:sp>
-        <p:nvSpPr>
-          <p:cNvPr id="11" name="Rectangle 10"/>
-          <p:cNvSpPr/>
-          <p:nvPr/>
-        </p:nvSpPr>
-        <p:spPr>
-          <a:xfrm>
-            <a:off x="4964488" y="1472555"/>
-            <a:ext cx="3710824" cy="461665"/>
-          </a:xfrm>
-          <a:prstGeom prst="rect">
-            <a:avLst/>
-          </a:prstGeom>
-        </p:spPr>
-        <p:txBody>
-          <a:bodyPr wrap="none">
-            <a:spAutoFit/>
-          </a:bodyPr>
-          <a:lstStyle/>
-          <a:p>
-            <a:r>
-              <a:rPr lang="en-US" sz="2400" dirty="0" smtClean="0"/>
-              <a:t>factory returns object as API</a:t>
-            </a:r>
-            <a:endParaRPr lang="en-US" sz="2400" dirty="0">
-              <a:solidFill>
-                <a:srgbClr val="C00000"/>
-              </a:solidFill>
-            </a:endParaRPr>
-          </a:p>
-        </p:txBody>
-      </p:sp>
-      <p:pic>
-        <p:nvPicPr>
-          <p:cNvPr id="2050" name="Picture 2" descr="http://www.veteranstoday.com/wp-content/uploads/2015/03/sugar.jpg"/>
-          <p:cNvPicPr>
-            <a:picLocks noChangeAspect="1" noChangeArrowheads="1"/>
-          </p:cNvPicPr>
-          <p:nvPr/>
-        </p:nvPicPr>
-        <p:blipFill>
-          <a:blip r:embed="rId3">
-            <a:extLst>
-              <a:ext uri="{28A0092B-C50C-407E-A947-70E740481C1C}">
-                <a14:useLocalDpi xmlns:a14="http://schemas.microsoft.com/office/drawing/2010/main" val="0"/>
-              </a:ext>
-            </a:extLst>
-          </a:blip>
-          <a:srcRect/>
-          <a:stretch>
-            <a:fillRect/>
-          </a:stretch>
-        </p:blipFill>
-        <p:spPr bwMode="auto">
-          <a:xfrm>
-            <a:off x="2895600" y="4648200"/>
-            <a:ext cx="2971800" cy="1854979"/>
-          </a:xfrm>
-          <a:prstGeom prst="rect">
-            <a:avLst/>
-          </a:prstGeom>
-          <a:noFill/>
-          <a:extLst>
-            <a:ext uri="{909E8E84-426E-40DD-AFC4-6F175D3DCCD1}">
-              <a14:hiddenFill xmlns:a14="http://schemas.microsoft.com/office/drawing/2010/main">
-                <a:solidFill>
-                  <a:srgbClr val="FFFFFF"/>
-                </a:solidFill>
-              </a14:hiddenFill>
-            </a:ext>
-          </a:extLst>
-        </p:spPr>
-      </p:pic>
-      <p:sp>
-        <p:nvSpPr>
-          <p:cNvPr id="3" name="Rectangle 2"/>
-          <p:cNvSpPr/>
-          <p:nvPr/>
-        </p:nvSpPr>
-        <p:spPr>
-          <a:xfrm>
-            <a:off x="874622" y="1934220"/>
-            <a:ext cx="2536848" cy="369332"/>
-          </a:xfrm>
-          <a:prstGeom prst="rect">
-            <a:avLst/>
-          </a:prstGeom>
-        </p:spPr>
-        <p:txBody>
-          <a:bodyPr wrap="none">
-            <a:spAutoFit/>
-          </a:bodyPr>
-          <a:lstStyle/>
-          <a:p>
-            <a:r>
-              <a:rPr lang="en-US" dirty="0"/>
-              <a:t>(also accepts es6 classes)</a:t>
-            </a:r>
-            <a:endParaRPr lang="en-US" dirty="0">
-              <a:solidFill>
-                <a:srgbClr val="C00000"/>
-              </a:solidFill>
-            </a:endParaRPr>
-          </a:p>
-        </p:txBody>
-      </p:sp>
-      <p:cxnSp>
-        <p:nvCxnSpPr>
-          <p:cNvPr id="7" name="Straight Arrow Connector 6"/>
-          <p:cNvCxnSpPr/>
-          <p:nvPr/>
-        </p:nvCxnSpPr>
-        <p:spPr>
-          <a:xfrm>
-            <a:off x="4114800" y="3429000"/>
-            <a:ext cx="457200" cy="0"/>
-          </a:xfrm>
-          <a:prstGeom prst="straightConnector1">
-            <a:avLst/>
-          </a:prstGeom>
-          <a:ln>
-            <a:tailEnd type="arrow"/>
-          </a:ln>
-        </p:spPr>
-        <p:style>
-          <a:lnRef idx="1">
-            <a:schemeClr val="dk1"/>
-          </a:lnRef>
-          <a:fillRef idx="0">
-            <a:schemeClr val="dk1"/>
-          </a:fillRef>
-          <a:effectRef idx="0">
-            <a:schemeClr val="dk1"/>
-          </a:effectRef>
-          <a:fontRef idx="minor">
-            <a:schemeClr val="tx1"/>
-          </a:fontRef>
-        </p:style>
-      </p:cxnSp>
-    </p:spTree>
-    <p:extLst>
-      <p:ext uri="{BB962C8B-B14F-4D97-AF65-F5344CB8AC3E}">
-        <p14:creationId xmlns:p14="http://schemas.microsoft.com/office/powerpoint/2010/main" val="1851657548"/>
-      </p:ext>
-    </p:extLst>
-  </p:cSld>
-  <p:clrMapOvr>
-    <a:masterClrMapping/>
-  </p:clrMapOvr>
-  <mc:AlternateContent xmlns:mc="http://schemas.openxmlformats.org/markup-compatibility/2006" xmlns:p14="http://schemas.microsoft.com/office/powerpoint/2010/main">
-    <mc:Choice Requires="p14">
-      <p:transition spd="slow" p14:dur="2000"/>
-    </mc:Choice>
-    <mc:Fallback xmlns="">
-      <p:transition spd="slow"/>
-    </mc:Fallback>
-  </mc:AlternateContent>
-  <p:timing>
-    <p:tnLst>
-      <p:par>
-        <p:cTn id="1" dur="indefinite" restart="never" nodeType="tmRoot">
-          <p:childTnLst>
-            <p:seq concurrent="1" nextAc="seek">
-              <p:cTn id="2" dur="indefinite" nodeType="mainSeq">
-                <p:childTnLst>
-                  <p:par>
-                    <p:cTn id="3" fill="hold">
-                      <p:stCondLst>
-                        <p:cond delay="indefinite"/>
-                      </p:stCondLst>
-                      <p:childTnLst>
-                        <p:par>
-                          <p:cTn id="4" fill="hold">
-                            <p:stCondLst>
-                              <p:cond delay="0"/>
-                            </p:stCondLst>
-                            <p:childTnLst>
-                              <p:par>
-                                <p:cTn id="5" presetID="1" presetClass="entr" presetSubtype="0" fill="hold" grpId="0" nodeType="clickEffect">
-                                  <p:stCondLst>
-                                    <p:cond delay="0"/>
-                                  </p:stCondLst>
-                                  <p:childTnLst>
-                                    <p:set>
-                                      <p:cBhvr>
-                                        <p:cTn id="6" dur="1" fill="hold">
-                                          <p:stCondLst>
-                                            <p:cond delay="0"/>
-                                          </p:stCondLst>
-                                        </p:cTn>
-                                        <p:tgtEl>
-                                          <p:spTgt spid="5"/>
-                                        </p:tgtEl>
-                                        <p:attrNameLst>
-                                          <p:attrName>style.visibility</p:attrName>
-                                        </p:attrNameLst>
-                                      </p:cBhvr>
-                                      <p:to>
-                                        <p:strVal val="visible"/>
-                                      </p:to>
-                                    </p:set>
-                                  </p:childTnLst>
-                                </p:cTn>
-                              </p:par>
-                              <p:par>
-                                <p:cTn id="7" presetID="1" presetClass="entr" presetSubtype="0" fill="hold" grpId="0" nodeType="withEffect">
-                                  <p:stCondLst>
-                                    <p:cond delay="0"/>
-                                  </p:stCondLst>
-                                  <p:childTnLst>
-                                    <p:set>
-                                      <p:cBhvr>
-                                        <p:cTn id="8" dur="1" fill="hold">
-                                          <p:stCondLst>
-                                            <p:cond delay="0"/>
-                                          </p:stCondLst>
-                                        </p:cTn>
-                                        <p:tgtEl>
-                                          <p:spTgt spid="8"/>
-                                        </p:tgtEl>
-                                        <p:attrNameLst>
-                                          <p:attrName>style.visibility</p:attrName>
-                                        </p:attrNameLst>
-                                      </p:cBhvr>
-                                      <p:to>
-                                        <p:strVal val="visible"/>
-                                      </p:to>
-                                    </p:set>
-                                  </p:childTnLst>
-                                </p:cTn>
-                              </p:par>
-                            </p:childTnLst>
-                          </p:cTn>
-                        </p:par>
-                      </p:childTnLst>
-                    </p:cTn>
-                  </p:par>
-                  <p:par>
-                    <p:cTn id="9" fill="hold">
-                      <p:stCondLst>
-                        <p:cond delay="indefinite"/>
-                      </p:stCondLst>
-                      <p:childTnLst>
-                        <p:par>
-                          <p:cTn id="10" fill="hold">
-                            <p:stCondLst>
-                              <p:cond delay="0"/>
-                            </p:stCondLst>
-                            <p:childTnLst>
-                              <p:par>
-                                <p:cTn id="11" presetID="1" presetClass="entr" presetSubtype="0" fill="hold" grpId="0" nodeType="clickEffect">
-                                  <p:stCondLst>
-                                    <p:cond delay="0"/>
-                                  </p:stCondLst>
-                                  <p:childTnLst>
-                                    <p:set>
-                                      <p:cBhvr>
-                                        <p:cTn id="12" dur="1" fill="hold">
-                                          <p:stCondLst>
-                                            <p:cond delay="0"/>
-                                          </p:stCondLst>
-                                        </p:cTn>
-                                        <p:tgtEl>
-                                          <p:spTgt spid="4"/>
-                                        </p:tgtEl>
-                                        <p:attrNameLst>
-                                          <p:attrName>style.visibility</p:attrName>
-                                        </p:attrNameLst>
-                                      </p:cBhvr>
-                                      <p:to>
-                                        <p:strVal val="visible"/>
-                                      </p:to>
-                                    </p:set>
-                                  </p:childTnLst>
-                                </p:cTn>
-                              </p:par>
-                              <p:par>
-                                <p:cTn id="13" presetID="1" presetClass="entr" presetSubtype="0" fill="hold" grpId="0" nodeType="withEffect">
-                                  <p:stCondLst>
-                                    <p:cond delay="0"/>
-                                  </p:stCondLst>
-                                  <p:childTnLst>
-                                    <p:set>
-                                      <p:cBhvr>
-                                        <p:cTn id="14" dur="1" fill="hold">
-                                          <p:stCondLst>
-                                            <p:cond delay="0"/>
-                                          </p:stCondLst>
-                                        </p:cTn>
-                                        <p:tgtEl>
-                                          <p:spTgt spid="11"/>
-                                        </p:tgtEl>
-                                        <p:attrNameLst>
-                                          <p:attrName>style.visibility</p:attrName>
-                                        </p:attrNameLst>
-                                      </p:cBhvr>
-                                      <p:to>
-                                        <p:strVal val="visible"/>
-                                      </p:to>
-                                    </p:set>
-                                  </p:childTnLst>
-                                </p:cTn>
-                              </p:par>
-                            </p:childTnLst>
-                          </p:cTn>
-                        </p:par>
-                      </p:childTnLst>
-                    </p:cTn>
-                  </p:par>
-                  <p:par>
-                    <p:cTn id="15" fill="hold">
-                      <p:stCondLst>
-                        <p:cond delay="indefinite"/>
-                      </p:stCondLst>
-                      <p:childTnLst>
-                        <p:par>
-                          <p:cTn id="16" fill="hold">
-                            <p:stCondLst>
-                              <p:cond delay="0"/>
-                            </p:stCondLst>
-                            <p:childTnLst>
-                              <p:par>
-                                <p:cTn id="17" presetID="1" presetClass="entr" presetSubtype="0" fill="hold" nodeType="clickEffect">
-                                  <p:stCondLst>
-                                    <p:cond delay="0"/>
-                                  </p:stCondLst>
-                                  <p:childTnLst>
-                                    <p:set>
-                                      <p:cBhvr>
-                                        <p:cTn id="18" dur="1" fill="hold">
-                                          <p:stCondLst>
-                                            <p:cond delay="0"/>
-                                          </p:stCondLst>
-                                        </p:cTn>
-                                        <p:tgtEl>
-                                          <p:spTgt spid="2050"/>
-                                        </p:tgtEl>
-                                        <p:attrNameLst>
-                                          <p:attrName>style.visibility</p:attrName>
-                                        </p:attrNameLst>
-                                      </p:cBhvr>
-                                      <p:to>
-                                        <p:strVal val="visible"/>
-                                      </p:to>
-                                    </p:set>
-                                  </p:childTnLst>
-                                </p:cTn>
-                              </p:par>
-                              <p:par>
-                                <p:cTn id="19" presetID="1" presetClass="entr" presetSubtype="0" fill="hold" nodeType="withEffect">
-                                  <p:stCondLst>
-                                    <p:cond delay="0"/>
-                                  </p:stCondLst>
-                                  <p:childTnLst>
-                                    <p:set>
-                                      <p:cBhvr>
-                                        <p:cTn id="20" dur="1" fill="hold">
-                                          <p:stCondLst>
-                                            <p:cond delay="0"/>
-                                          </p:stCondLst>
-                                        </p:cTn>
-                                        <p:tgtEl>
-                                          <p:spTgt spid="7"/>
-                                        </p:tgtEl>
-                                        <p:attrNameLst>
-                                          <p:attrName>style.visibility</p:attrName>
-                                        </p:attrNameLst>
-                                      </p:cBhvr>
-                                      <p:to>
-                                        <p:strVal val="visible"/>
-                                      </p:to>
-                                    </p:set>
-                                  </p:childTnLst>
-                                </p:cTn>
-                              </p:par>
-                            </p:childTnLst>
-                          </p:cTn>
-                        </p:par>
-                      </p:childTnLst>
-                    </p:cTn>
-                  </p:par>
-                </p:childTnLst>
-              </p:cTn>
-              <p:prevCondLst>
-                <p:cond evt="onPrev" delay="0">
-                  <p:tgtEl>
-                    <p:sldTgt/>
-                  </p:tgtEl>
-                </p:cond>
-              </p:prevCondLst>
-              <p:nextCondLst>
-                <p:cond evt="onNext" delay="0">
-                  <p:tgtEl>
-                    <p:sldTgt/>
-                  </p:tgtEl>
-                </p:cond>
-              </p:nextCondLst>
-            </p:seq>
-          </p:childTnLst>
-        </p:cTn>
-      </p:par>
-    </p:tnLst>
-    <p:bldLst>
-      <p:bldP spid="4" grpId="0" animBg="1"/>
-      <p:bldP spid="5" grpId="0" animBg="1"/>
-      <p:bldP spid="8" grpId="0"/>
-      <p:bldP spid="11" grpId="0"/>
-    </p:bldLst>
-  </p:timing>
-</p:sld>
-</file>
-
-<file path=ppt/slides/slide9.xml><?xml version="1.0" encoding="utf-8"?>
-<p:sld xmlns:a="http://schemas.openxmlformats.org/drawingml/2006/main" xmlns:r="http://schemas.openxmlformats.org/officeDocument/2006/relationships" xmlns:p="http://schemas.openxmlformats.org/presentationml/2006/main">
-  <p:cSld>
-    <p:spTree>
-      <p:nvGrpSpPr>
-        <p:cNvPr id="1" name=""/>
-        <p:cNvGrpSpPr/>
-        <p:nvPr/>
-      </p:nvGrpSpPr>
-      <p:grpSpPr>
-        <a:xfrm>
-          <a:off x="0" y="0"/>
-          <a:ext cx="0" cy="0"/>
-          <a:chOff x="0" y="0"/>
-          <a:chExt cx="0" cy="0"/>
-        </a:xfrm>
-      </p:grpSpPr>
-      <p:sp>
-        <p:nvSpPr>
-          <p:cNvPr id="2" name="Title 1"/>
-          <p:cNvSpPr>
-            <a:spLocks noGrp="1"/>
-          </p:cNvSpPr>
-          <p:nvPr>
-            <p:ph type="title"/>
-          </p:nvPr>
-        </p:nvSpPr>
-        <p:spPr/>
-        <p:txBody>
-          <a:bodyPr/>
-          <a:lstStyle/>
-          <a:p>
-            <a:r>
-              <a:rPr lang="en-US" dirty="0" smtClean="0">
-                <a:latin typeface="Courier New" panose="02070309020205020404" pitchFamily="49" charset="0"/>
-                <a:cs typeface="Courier New" panose="02070309020205020404" pitchFamily="49" charset="0"/>
-              </a:rPr>
-              <a:t>Application lifecycle</a:t>
-            </a:r>
-            <a:endParaRPr lang="ru-RU" dirty="0">
-              <a:latin typeface="Courier New" panose="02070309020205020404" pitchFamily="49" charset="0"/>
-              <a:cs typeface="Courier New" panose="02070309020205020404" pitchFamily="49" charset="0"/>
-            </a:endParaRPr>
-          </a:p>
-        </p:txBody>
-      </p:sp>
-      <p:sp>
-        <p:nvSpPr>
-          <p:cNvPr id="7" name="Rectangle 6"/>
-          <p:cNvSpPr/>
-          <p:nvPr/>
-        </p:nvSpPr>
-        <p:spPr>
-          <a:xfrm>
-            <a:off x="685800" y="1839949"/>
-            <a:ext cx="7772400" cy="461665"/>
-          </a:xfrm>
-          <a:prstGeom prst="rect">
-            <a:avLst/>
-          </a:prstGeom>
-        </p:spPr>
-        <p:style>
-          <a:lnRef idx="2">
-            <a:schemeClr val="dk1"/>
-          </a:lnRef>
-          <a:fillRef idx="1">
-            <a:schemeClr val="lt1"/>
-          </a:fillRef>
-          <a:effectRef idx="0">
-            <a:schemeClr val="dk1"/>
-          </a:effectRef>
-          <a:fontRef idx="minor">
-            <a:schemeClr val="dk1"/>
-          </a:fontRef>
-        </p:style>
-        <p:txBody>
-          <a:bodyPr wrap="square">
-            <a:spAutoFit/>
-          </a:bodyPr>
-          <a:lstStyle/>
-          <a:p>
-            <a:r>
-              <a:rPr lang="en-US" sz="2400" dirty="0" smtClean="0"/>
-              <a:t>Bootstrap</a:t>
-            </a:r>
-            <a:endParaRPr lang="en-US" sz="2400" dirty="0"/>
-          </a:p>
-        </p:txBody>
-      </p:sp>
-      <p:sp>
-        <p:nvSpPr>
-          <p:cNvPr id="8" name="Rectangle 7"/>
-          <p:cNvSpPr/>
-          <p:nvPr/>
-        </p:nvSpPr>
-        <p:spPr>
-          <a:xfrm>
-            <a:off x="685801" y="2937042"/>
-            <a:ext cx="7772399" cy="461665"/>
-          </a:xfrm>
-          <a:prstGeom prst="rect">
-            <a:avLst/>
-          </a:prstGeom>
-          <a:ln>
-            <a:solidFill>
-              <a:schemeClr val="bg1">
-                <a:lumMod val="50000"/>
-              </a:schemeClr>
-            </a:solidFill>
-          </a:ln>
-        </p:spPr>
-        <p:style>
-          <a:lnRef idx="2">
-            <a:schemeClr val="dk1"/>
-          </a:lnRef>
-          <a:fillRef idx="1">
-            <a:schemeClr val="lt1"/>
-          </a:fillRef>
-          <a:effectRef idx="0">
-            <a:schemeClr val="dk1"/>
-          </a:effectRef>
-          <a:fontRef idx="minor">
-            <a:schemeClr val="dk1"/>
-          </a:fontRef>
-        </p:style>
-        <p:txBody>
-          <a:bodyPr wrap="square">
-            <a:spAutoFit/>
-          </a:bodyPr>
-          <a:lstStyle/>
-          <a:p>
-            <a:r>
-              <a:rPr lang="en-US" sz="2400" dirty="0" smtClean="0"/>
-              <a:t>HTML compilation</a:t>
-            </a:r>
-            <a:endParaRPr lang="en-US" sz="2400" dirty="0"/>
-          </a:p>
-        </p:txBody>
-      </p:sp>
-      <p:sp>
-        <p:nvSpPr>
-          <p:cNvPr id="9" name="Rectangle 8"/>
-          <p:cNvSpPr/>
-          <p:nvPr/>
-        </p:nvSpPr>
-        <p:spPr>
-          <a:xfrm>
-            <a:off x="685800" y="4034135"/>
-            <a:ext cx="7772400" cy="461665"/>
-          </a:xfrm>
-          <a:prstGeom prst="rect">
-            <a:avLst/>
-          </a:prstGeom>
-          <a:ln>
-            <a:solidFill>
-              <a:schemeClr val="accent3">
-                <a:lumMod val="75000"/>
-              </a:schemeClr>
-            </a:solidFill>
-          </a:ln>
-        </p:spPr>
-        <p:style>
-          <a:lnRef idx="2">
-            <a:schemeClr val="dk1"/>
-          </a:lnRef>
-          <a:fillRef idx="1">
-            <a:schemeClr val="lt1"/>
-          </a:fillRef>
-          <a:effectRef idx="0">
-            <a:schemeClr val="dk1"/>
-          </a:effectRef>
-          <a:fontRef idx="minor">
-            <a:schemeClr val="dk1"/>
-          </a:fontRef>
-        </p:style>
-        <p:txBody>
-          <a:bodyPr wrap="square">
-            <a:spAutoFit/>
-          </a:bodyPr>
-          <a:lstStyle/>
-          <a:p>
-            <a:r>
-              <a:rPr lang="en-US" sz="2400" dirty="0" smtClean="0"/>
-              <a:t>Runtime</a:t>
-            </a:r>
-            <a:endParaRPr lang="en-US" sz="2400" dirty="0"/>
-          </a:p>
-        </p:txBody>
-      </p:sp>
-      <p:sp>
-        <p:nvSpPr>
-          <p:cNvPr id="10" name="Down Arrow 9"/>
-          <p:cNvSpPr/>
-          <p:nvPr/>
-        </p:nvSpPr>
-        <p:spPr>
-          <a:xfrm>
-            <a:off x="4267200" y="2390728"/>
-            <a:ext cx="457200" cy="457200"/>
-          </a:xfrm>
-          <a:prstGeom prst="downArrow">
-            <a:avLst/>
-          </a:prstGeom>
-        </p:spPr>
-        <p:style>
-          <a:lnRef idx="2">
-            <a:schemeClr val="dk1">
-              <a:shade val="50000"/>
-            </a:schemeClr>
-          </a:lnRef>
-          <a:fillRef idx="1">
-            <a:schemeClr val="dk1"/>
-          </a:fillRef>
-          <a:effectRef idx="0">
-            <a:schemeClr val="dk1"/>
-          </a:effectRef>
-          <a:fontRef idx="minor">
-            <a:schemeClr val="lt1"/>
-          </a:fontRef>
-        </p:style>
-        <p:txBody>
-          <a:bodyPr rtlCol="0" anchor="ctr"/>
-          <a:lstStyle/>
-          <a:p>
-            <a:pPr algn="ctr"/>
-            <a:endParaRPr lang="en-US"/>
-          </a:p>
-        </p:txBody>
-      </p:sp>
-      <p:sp>
-        <p:nvSpPr>
-          <p:cNvPr id="11" name="Down Arrow 10"/>
-          <p:cNvSpPr/>
-          <p:nvPr/>
-        </p:nvSpPr>
-        <p:spPr>
-          <a:xfrm>
-            <a:off x="4267200" y="3483356"/>
-            <a:ext cx="457200" cy="457200"/>
-          </a:xfrm>
-          <a:prstGeom prst="downArrow">
-            <a:avLst/>
-          </a:prstGeom>
-          <a:solidFill>
-            <a:schemeClr val="tx1">
-              <a:lumMod val="75000"/>
-              <a:lumOff val="25000"/>
-            </a:schemeClr>
-          </a:solidFill>
-          <a:ln>
-            <a:solidFill>
-              <a:schemeClr val="tx1">
-                <a:lumMod val="75000"/>
-                <a:lumOff val="25000"/>
-              </a:schemeClr>
-            </a:solidFill>
-          </a:ln>
-        </p:spPr>
-        <p:style>
-          <a:lnRef idx="2">
-            <a:schemeClr val="dk1">
-              <a:shade val="50000"/>
-            </a:schemeClr>
-          </a:lnRef>
-          <a:fillRef idx="1">
-            <a:schemeClr val="dk1"/>
-          </a:fillRef>
-          <a:effectRef idx="0">
-            <a:schemeClr val="dk1"/>
-          </a:effectRef>
-          <a:fontRef idx="minor">
-            <a:schemeClr val="lt1"/>
-          </a:fontRef>
-        </p:style>
-        <p:txBody>
-          <a:bodyPr rtlCol="0" anchor="ctr"/>
-          <a:lstStyle/>
-          <a:p>
-            <a:pPr algn="ctr"/>
-            <a:endParaRPr lang="en-US"/>
-          </a:p>
-        </p:txBody>
-      </p:sp>
-      <p:sp>
-        <p:nvSpPr>
-          <p:cNvPr id="13" name="U-Turn Arrow 12"/>
-          <p:cNvSpPr/>
-          <p:nvPr/>
-        </p:nvSpPr>
-        <p:spPr>
-          <a:xfrm rot="10800000">
-            <a:off x="3657600" y="4589379"/>
-            <a:ext cx="914400" cy="838200"/>
-          </a:xfrm>
-          <a:prstGeom prst="uturnArrow">
-            <a:avLst/>
-          </a:prstGeom>
-          <a:solidFill>
-            <a:schemeClr val="accent3">
-              <a:lumMod val="20000"/>
-              <a:lumOff val="80000"/>
-            </a:schemeClr>
-          </a:solidFill>
-          <a:ln>
-            <a:solidFill>
-              <a:schemeClr val="accent3">
-                <a:lumMod val="60000"/>
-                <a:lumOff val="40000"/>
-              </a:schemeClr>
-            </a:solidFill>
-          </a:ln>
-        </p:spPr>
-        <p:style>
-          <a:lnRef idx="2">
-            <a:schemeClr val="dk1">
-              <a:shade val="50000"/>
-            </a:schemeClr>
-          </a:lnRef>
-          <a:fillRef idx="1">
-            <a:schemeClr val="dk1"/>
-          </a:fillRef>
-          <a:effectRef idx="0">
-            <a:schemeClr val="dk1"/>
-          </a:effectRef>
-          <a:fontRef idx="minor">
-            <a:schemeClr val="lt1"/>
-          </a:fontRef>
-        </p:style>
-        <p:txBody>
-          <a:bodyPr rtlCol="0" anchor="ctr"/>
-          <a:lstStyle/>
-          <a:p>
-            <a:pPr algn="ctr"/>
-            <a:endParaRPr lang="en-US">
-              <a:solidFill>
-                <a:schemeClr val="tx1"/>
-              </a:solidFill>
-            </a:endParaRPr>
-          </a:p>
-        </p:txBody>
-      </p:sp>
-    </p:spTree>
-    <p:extLst>
-      <p:ext uri="{BB962C8B-B14F-4D97-AF65-F5344CB8AC3E}">
-        <p14:creationId xmlns:p14="http://schemas.microsoft.com/office/powerpoint/2010/main" val="1797790202"/>
-      </p:ext>
-    </p:extLst>
-  </p:cSld>
-  <p:clrMapOvr>
-    <a:masterClrMapping/>
-  </p:clrMapOvr>
-  <p:timing>
-    <p:tnLst>
-      <p:par>
-        <p:cTn id="1" dur="indefinite" restart="never" nodeType="tmRoot">
-          <p:childTnLst>
-            <p:seq concurrent="1" nextAc="seek">
-              <p:cTn id="2" dur="indefinite" nodeType="mainSeq">
-                <p:childTnLst>
-                  <p:par>
-                    <p:cTn id="3" fill="hold">
-                      <p:stCondLst>
-                        <p:cond delay="indefinite"/>
-                      </p:stCondLst>
-                      <p:childTnLst>
-                        <p:par>
-                          <p:cTn id="4" fill="hold">
-                            <p:stCondLst>
-                              <p:cond delay="0"/>
-                            </p:stCondLst>
-                            <p:childTnLst>
-                              <p:par>
-                                <p:cTn id="5" presetID="1" presetClass="entr" presetSubtype="0" fill="hold" grpId="0" nodeType="clickEffect">
-                                  <p:stCondLst>
-                                    <p:cond delay="0"/>
-                                  </p:stCondLst>
-                                  <p:childTnLst>
-                                    <p:set>
-                                      <p:cBhvr>
-                                        <p:cTn id="6" dur="1" fill="hold">
-                                          <p:stCondLst>
-                                            <p:cond delay="0"/>
-                                          </p:stCondLst>
-                                        </p:cTn>
-                                        <p:tgtEl>
-                                          <p:spTgt spid="7"/>
-                                        </p:tgtEl>
-                                        <p:attrNameLst>
-                                          <p:attrName>style.visibility</p:attrName>
-                                        </p:attrNameLst>
-                                      </p:cBhvr>
-                                      <p:to>
-                                        <p:strVal val="visible"/>
-                                      </p:to>
-                                    </p:set>
-                                  </p:childTnLst>
-                                </p:cTn>
-                              </p:par>
-                            </p:childTnLst>
-                          </p:cTn>
-                        </p:par>
-                      </p:childTnLst>
-                    </p:cTn>
-                  </p:par>
-                  <p:par>
-                    <p:cTn id="7" fill="hold">
-                      <p:stCondLst>
-                        <p:cond delay="indefinite"/>
-                      </p:stCondLst>
-                      <p:childTnLst>
-                        <p:par>
-                          <p:cTn id="8" fill="hold">
-                            <p:stCondLst>
-                              <p:cond delay="0"/>
-                            </p:stCondLst>
-                            <p:childTnLst>
-                              <p:par>
-                                <p:cTn id="9" presetID="1" presetClass="entr" presetSubtype="0" fill="hold" grpId="0" nodeType="clickEffect">
-                                  <p:stCondLst>
-                                    <p:cond delay="0"/>
-                                  </p:stCondLst>
-                                  <p:childTnLst>
-                                    <p:set>
-                                      <p:cBhvr>
-                                        <p:cTn id="10" dur="1" fill="hold">
-                                          <p:stCondLst>
-                                            <p:cond delay="0"/>
-                                          </p:stCondLst>
-                                        </p:cTn>
-                                        <p:tgtEl>
-                                          <p:spTgt spid="10"/>
-                                        </p:tgtEl>
-                                        <p:attrNameLst>
-                                          <p:attrName>style.visibility</p:attrName>
-                                        </p:attrNameLst>
-                                      </p:cBhvr>
-                                      <p:to>
-                                        <p:strVal val="visible"/>
-                                      </p:to>
-                                    </p:set>
-                                  </p:childTnLst>
-                                </p:cTn>
-                              </p:par>
-                              <p:par>
-                                <p:cTn id="11" presetID="1" presetClass="entr" presetSubtype="0" fill="hold" grpId="0" nodeType="withEffect">
-                                  <p:stCondLst>
-                                    <p:cond delay="0"/>
-                                  </p:stCondLst>
-                                  <p:childTnLst>
-                                    <p:set>
-                                      <p:cBhvr>
-                                        <p:cTn id="12" dur="1" fill="hold">
-                                          <p:stCondLst>
-                                            <p:cond delay="0"/>
-                                          </p:stCondLst>
-                                        </p:cTn>
-                                        <p:tgtEl>
-                                          <p:spTgt spid="8"/>
-                                        </p:tgtEl>
-                                        <p:attrNameLst>
-                                          <p:attrName>style.visibility</p:attrName>
-                                        </p:attrNameLst>
-                                      </p:cBhvr>
-                                      <p:to>
-                                        <p:strVal val="visible"/>
-                                      </p:to>
-                                    </p:set>
-                                  </p:childTnLst>
-                                </p:cTn>
-                              </p:par>
-                            </p:childTnLst>
-                          </p:cTn>
-                        </p:par>
-                      </p:childTnLst>
-                    </p:cTn>
-                  </p:par>
-                  <p:par>
-                    <p:cTn id="13" fill="hold">
-                      <p:stCondLst>
-                        <p:cond delay="indefinite"/>
-                      </p:stCondLst>
-                      <p:childTnLst>
-                        <p:par>
-                          <p:cTn id="14" fill="hold">
-                            <p:stCondLst>
-                              <p:cond delay="0"/>
-                            </p:stCondLst>
-                            <p:childTnLst>
-                              <p:par>
-                                <p:cTn id="15" presetID="1" presetClass="entr" presetSubtype="0" fill="hold" grpId="0" nodeType="clickEffect">
-                                  <p:stCondLst>
-                                    <p:cond delay="0"/>
-                                  </p:stCondLst>
-                                  <p:childTnLst>
-                                    <p:set>
-                                      <p:cBhvr>
-                                        <p:cTn id="16" dur="1" fill="hold">
-                                          <p:stCondLst>
-                                            <p:cond delay="0"/>
-                                          </p:stCondLst>
-                                        </p:cTn>
-                                        <p:tgtEl>
-                                          <p:spTgt spid="11"/>
-                                        </p:tgtEl>
-                                        <p:attrNameLst>
-                                          <p:attrName>style.visibility</p:attrName>
-                                        </p:attrNameLst>
-                                      </p:cBhvr>
-                                      <p:to>
-                                        <p:strVal val="visible"/>
-                                      </p:to>
-                                    </p:set>
-                                  </p:childTnLst>
-                                </p:cTn>
-                              </p:par>
-                              <p:par>
-                                <p:cTn id="17" presetID="1" presetClass="entr" presetSubtype="0" fill="hold" grpId="0" nodeType="withEffect">
-                                  <p:stCondLst>
-                                    <p:cond delay="0"/>
-                                  </p:stCondLst>
-                                  <p:childTnLst>
-                                    <p:set>
-                                      <p:cBhvr>
-                                        <p:cTn id="18" dur="1" fill="hold">
-                                          <p:stCondLst>
-                                            <p:cond delay="0"/>
-                                          </p:stCondLst>
-                                        </p:cTn>
-                                        <p:tgtEl>
-                                          <p:spTgt spid="9"/>
-                                        </p:tgtEl>
-                                        <p:attrNameLst>
-                                          <p:attrName>style.visibility</p:attrName>
-                                        </p:attrNameLst>
-                                      </p:cBhvr>
-                                      <p:to>
-                                        <p:strVal val="visible"/>
-                                      </p:to>
-                                    </p:set>
-                                  </p:childTnLst>
-                                </p:cTn>
-                              </p:par>
-                            </p:childTnLst>
-                          </p:cTn>
-                        </p:par>
-                      </p:childTnLst>
-                    </p:cTn>
-                  </p:par>
-                  <p:par>
-                    <p:cTn id="19" fill="hold">
-                      <p:stCondLst>
-                        <p:cond delay="indefinite"/>
-                      </p:stCondLst>
-                      <p:childTnLst>
-                        <p:par>
-                          <p:cTn id="20" fill="hold">
-                            <p:stCondLst>
-                              <p:cond delay="0"/>
-                            </p:stCondLst>
-                            <p:childTnLst>
-                              <p:par>
-                                <p:cTn id="21" presetID="1" presetClass="entr" presetSubtype="0" fill="hold" grpId="0" nodeType="clickEffect">
-                                  <p:stCondLst>
-                                    <p:cond delay="0"/>
-                                  </p:stCondLst>
-                                  <p:childTnLst>
-                                    <p:set>
-                                      <p:cBhvr>
-                                        <p:cTn id="22" dur="1" fill="hold">
-                                          <p:stCondLst>
-                                            <p:cond delay="0"/>
-                                          </p:stCondLst>
-                                        </p:cTn>
-                                        <p:tgtEl>
-                                          <p:spTgt spid="13"/>
-                                        </p:tgtEl>
-                                        <p:attrNameLst>
-                                          <p:attrName>style.visibility</p:attrName>
-                                        </p:attrNameLst>
-                                      </p:cBhvr>
-                                      <p:to>
-                                        <p:strVal val="visible"/>
-                                      </p:to>
-                                    </p:set>
-                                  </p:childTnLst>
-                                </p:cTn>
-                              </p:par>
-                            </p:childTnLst>
-                          </p:cTn>
-                        </p:par>
-                      </p:childTnLst>
-                    </p:cTn>
-                  </p:par>
-                </p:childTnLst>
-              </p:cTn>
-              <p:prevCondLst>
-                <p:cond evt="onPrev" delay="0">
-                  <p:tgtEl>
-                    <p:sldTgt/>
-                  </p:tgtEl>
-                </p:cond>
-              </p:prevCondLst>
-              <p:nextCondLst>
-                <p:cond evt="onNext" delay="0">
-                  <p:tgtEl>
-                    <p:sldTgt/>
-                  </p:tgtEl>
-                </p:cond>
-              </p:nextCondLst>
-            </p:seq>
-          </p:childTnLst>
-        </p:cTn>
-      </p:par>
-    </p:tnLst>
-    <p:bldLst>
-      <p:bldP spid="7" grpId="0" animBg="1"/>
-      <p:bldP spid="8" grpId="0" animBg="1"/>
-      <p:bldP spid="9" grpId="0" animBg="1"/>
-      <p:bldP spid="10" grpId="0" animBg="1"/>
-      <p:bldP spid="11" grpId="0" animBg="1"/>
-      <p:bldP spid="13" grpId="0" animBg="1"/>
     </p:bldLst>
   </p:timing>
 </p:sld>

--- a/docs/03_directives.pptx
+++ b/docs/03_directives.pptx
@@ -627,11 +627,7 @@
           <a:p>
             <a:r>
               <a:rPr lang="en-US" dirty="0" smtClean="0"/>
-              <a:t>show </a:t>
-            </a:r>
-            <a:r>
-              <a:rPr lang="en-US" dirty="0" smtClean="0"/>
-              <a:t>lifecycle.html, link is</a:t>
+              <a:t>show lifecycle.html, link is</a:t>
             </a:r>
             <a:r>
               <a:rPr lang="en-US" baseline="0" dirty="0" smtClean="0"/>
@@ -1190,11 +1186,23 @@
           <a:p>
             <a:r>
               <a:rPr lang="en-US" dirty="0" smtClean="0"/>
-              <a:t>directive should match a selector, flow.js </a:t>
+              <a:t>directive should match a selector, flow.js – create custom directive, </a:t>
             </a:r>
             <a:r>
               <a:rPr lang="en-US" dirty="0" smtClean="0"/>
-              <a:t>– create custom directive, show template,</a:t>
+              <a:t>directive is a</a:t>
+            </a:r>
+            <a:r>
+              <a:rPr lang="en-US" baseline="0" dirty="0" smtClean="0"/>
+              <a:t> $injector function, returns factory, </a:t>
+            </a:r>
+            <a:r>
+              <a:rPr lang="en-US" dirty="0" smtClean="0"/>
+              <a:t>show </a:t>
+            </a:r>
+            <a:r>
+              <a:rPr lang="en-US" dirty="0" smtClean="0"/>
+              <a:t>template,</a:t>
             </a:r>
             <a:r>
               <a:rPr lang="en-US" baseline="0" dirty="0" smtClean="0"/>
@@ -1405,8 +1413,27 @@
             </a:r>
             <a:r>
               <a:rPr lang="en-US" baseline="0" dirty="0" smtClean="0"/>
-              <a:t>show that it has the same scope as parent, then isolate scope: scope false (default), scope true - prototype</a:t>
-            </a:r>
+              <a:t>show that it has the same scope as parent, then isolate scope: scope false (default), scope true </a:t>
+            </a:r>
+            <a:r>
+              <a:rPr lang="en-US" baseline="0" dirty="0" smtClean="0"/>
+              <a:t>– prototype</a:t>
+            </a:r>
+          </a:p>
+          <a:p>
+            <a:r>
+              <a:rPr lang="en-US" baseline="0" dirty="0" smtClean="0"/>
+              <a:t>function&amp; - example with admin page, save </a:t>
+            </a:r>
+            <a:r>
+              <a:rPr lang="en-US" baseline="0" dirty="0" err="1" smtClean="0"/>
+              <a:t>btn</a:t>
+            </a:r>
+            <a:r>
+              <a:rPr lang="en-US" baseline="0" dirty="0" smtClean="0"/>
+              <a:t> and many parts</a:t>
+            </a:r>
+            <a:endParaRPr lang="en-US" baseline="0" dirty="0" smtClean="0"/>
           </a:p>
         </p:txBody>
       </p:sp>
@@ -1759,11 +1786,7 @@
             </a:r>
             <a:r>
               <a:rPr lang="en-US" baseline="0" dirty="0" smtClean="0"/>
-              <a:t>, observe for ‘max’ and {{max</a:t>
-            </a:r>
-            <a:r>
-              <a:rPr lang="en-US" baseline="0" dirty="0" smtClean="0"/>
-              <a:t>}}</a:t>
+              <a:t>, observe for ‘max’ and {{max}}</a:t>
             </a:r>
           </a:p>
           <a:p>
@@ -5722,1233 +5745,321 @@
                       </p:childTnLst>
                     </p:cTn>
                   </p:par>
-                </p:childTnLst>
-              </p:cTn>
-              <p:prevCondLst>
-                <p:cond evt="onPrev" delay="0">
-                  <p:tgtEl>
-                    <p:sldTgt/>
-                  </p:tgtEl>
-                </p:cond>
-              </p:prevCondLst>
-              <p:nextCondLst>
-                <p:cond evt="onNext" delay="0">
-                  <p:tgtEl>
-                    <p:sldTgt/>
-                  </p:tgtEl>
-                </p:cond>
-              </p:nextCondLst>
-            </p:seq>
-          </p:childTnLst>
-        </p:cTn>
-      </p:par>
-    </p:tnLst>
-    <p:bldLst>
-      <p:bldP spid="16" grpId="0" animBg="1"/>
-    </p:bldLst>
-  </p:timing>
-</p:sld>
-</file>
-
-<file path=ppt/slides/slide11.xml><?xml version="1.0" encoding="utf-8"?>
-<p:sld xmlns:a="http://schemas.openxmlformats.org/drawingml/2006/main" xmlns:r="http://schemas.openxmlformats.org/officeDocument/2006/relationships" xmlns:p="http://schemas.openxmlformats.org/presentationml/2006/main">
-  <p:cSld>
-    <p:spTree>
-      <p:nvGrpSpPr>
-        <p:cNvPr id="1" name=""/>
-        <p:cNvGrpSpPr/>
-        <p:nvPr/>
-      </p:nvGrpSpPr>
-      <p:grpSpPr>
-        <a:xfrm>
-          <a:off x="0" y="0"/>
-          <a:ext cx="0" cy="0"/>
-          <a:chOff x="0" y="0"/>
-          <a:chExt cx="0" cy="0"/>
-        </a:xfrm>
-      </p:grpSpPr>
-      <p:sp>
-        <p:nvSpPr>
-          <p:cNvPr id="13" name="Rectangle 12"/>
-          <p:cNvSpPr/>
-          <p:nvPr/>
-        </p:nvSpPr>
-        <p:spPr>
-          <a:xfrm>
-            <a:off x="381001" y="452846"/>
-            <a:ext cx="3657600" cy="2677656"/>
-          </a:xfrm>
-          <a:prstGeom prst="rect">
-            <a:avLst/>
-          </a:prstGeom>
-        </p:spPr>
-        <p:txBody>
-          <a:bodyPr wrap="square">
-            <a:spAutoFit/>
-          </a:bodyPr>
-          <a:lstStyle/>
-          <a:p>
-            <a:pPr marL="457200" indent="-457200">
-              <a:buFont typeface="+mj-lt"/>
-              <a:buAutoNum type="arabicPeriod"/>
-            </a:pPr>
-            <a:r>
-              <a:rPr lang="en-US" sz="2400" dirty="0" smtClean="0"/>
-              <a:t>compile parent and all children</a:t>
-            </a:r>
-          </a:p>
-          <a:p>
-            <a:pPr marL="457200" indent="-457200">
-              <a:buFont typeface="+mj-lt"/>
-              <a:buAutoNum type="arabicPeriod"/>
-            </a:pPr>
-            <a:r>
-              <a:rPr lang="en-US" sz="2400" dirty="0" smtClean="0"/>
-              <a:t>controller </a:t>
-            </a:r>
-            <a:r>
-              <a:rPr lang="en-US" sz="2400" dirty="0" err="1" smtClean="0"/>
-              <a:t>fn</a:t>
-            </a:r>
-            <a:r>
-              <a:rPr lang="en-US" sz="2400" dirty="0" smtClean="0"/>
-              <a:t> + pre-link for parent and down to children</a:t>
-            </a:r>
-          </a:p>
-          <a:p>
-            <a:pPr marL="457200" indent="-457200">
-              <a:buFont typeface="+mj-lt"/>
-              <a:buAutoNum type="arabicPeriod"/>
-            </a:pPr>
-            <a:r>
-              <a:rPr lang="en-US" sz="2400" dirty="0" smtClean="0"/>
-              <a:t>post-link from children up to parent</a:t>
-            </a:r>
-            <a:endParaRPr lang="en-US" sz="2400" dirty="0"/>
-          </a:p>
-        </p:txBody>
-      </p:sp>
-      <p:pic>
-        <p:nvPicPr>
-          <p:cNvPr id="2052" name="Picture 4" descr="https://assets.toptal.io/uploads/blog/image/611/toptal-blog-image-1412667594404.png"/>
-          <p:cNvPicPr>
-            <a:picLocks noChangeAspect="1" noChangeArrowheads="1"/>
-          </p:cNvPicPr>
-          <p:nvPr/>
-        </p:nvPicPr>
-        <p:blipFill>
-          <a:blip r:embed="rId3">
-            <a:extLst>
-              <a:ext uri="{28A0092B-C50C-407E-A947-70E740481C1C}">
-                <a14:useLocalDpi xmlns:a14="http://schemas.microsoft.com/office/drawing/2010/main" val="0"/>
-              </a:ext>
-            </a:extLst>
-          </a:blip>
-          <a:srcRect/>
-          <a:stretch>
-            <a:fillRect/>
-          </a:stretch>
-        </p:blipFill>
-        <p:spPr bwMode="auto">
-          <a:xfrm>
-            <a:off x="4191000" y="452846"/>
-            <a:ext cx="4609750" cy="5948065"/>
-          </a:xfrm>
-          <a:prstGeom prst="rect">
-            <a:avLst/>
-          </a:prstGeom>
-          <a:noFill/>
-          <a:extLst>
-            <a:ext uri="{909E8E84-426E-40DD-AFC4-6F175D3DCCD1}">
-              <a14:hiddenFill xmlns:a14="http://schemas.microsoft.com/office/drawing/2010/main">
-                <a:solidFill>
-                  <a:srgbClr val="FFFFFF"/>
-                </a:solidFill>
-              </a14:hiddenFill>
-            </a:ext>
-          </a:extLst>
-        </p:spPr>
-      </p:pic>
-      <p:sp>
-        <p:nvSpPr>
-          <p:cNvPr id="4" name="Rectangle 12"/>
-          <p:cNvSpPr/>
-          <p:nvPr/>
-        </p:nvSpPr>
-        <p:spPr>
-          <a:xfrm>
-            <a:off x="556733" y="3810000"/>
-            <a:ext cx="3306135" cy="1200329"/>
-          </a:xfrm>
-          <a:prstGeom prst="rect">
-            <a:avLst/>
-          </a:prstGeom>
-        </p:spPr>
-        <p:style>
-          <a:lnRef idx="2">
-            <a:schemeClr val="accent1"/>
-          </a:lnRef>
-          <a:fillRef idx="1">
-            <a:schemeClr val="lt1"/>
-          </a:fillRef>
-          <a:effectRef idx="0">
-            <a:schemeClr val="accent1"/>
-          </a:effectRef>
-          <a:fontRef idx="minor">
-            <a:schemeClr val="dk1"/>
-          </a:fontRef>
-        </p:style>
-        <p:txBody>
-          <a:bodyPr wrap="square">
-            <a:spAutoFit/>
-          </a:bodyPr>
-          <a:lstStyle/>
-          <a:p>
-            <a:r>
-              <a:rPr lang="en-US" sz="2400" dirty="0" smtClean="0"/>
-              <a:t>after all post link the digest cycle will run and resolve the expressions</a:t>
-            </a:r>
-            <a:endParaRPr lang="en-US" sz="2400" dirty="0">
-              <a:solidFill>
-                <a:srgbClr val="C00000"/>
-              </a:solidFill>
-            </a:endParaRPr>
-          </a:p>
-        </p:txBody>
-      </p:sp>
-      <p:sp>
-        <p:nvSpPr>
-          <p:cNvPr id="5" name="Rectangle 4"/>
-          <p:cNvSpPr/>
-          <p:nvPr/>
-        </p:nvSpPr>
-        <p:spPr>
-          <a:xfrm>
-            <a:off x="985716" y="5154447"/>
-            <a:ext cx="2444261" cy="523220"/>
-          </a:xfrm>
-          <a:prstGeom prst="rect">
-            <a:avLst/>
-          </a:prstGeom>
-        </p:spPr>
-        <p:txBody>
-          <a:bodyPr wrap="square">
-            <a:spAutoFit/>
-          </a:bodyPr>
-          <a:lstStyle/>
-          <a:p>
-            <a:r>
-              <a:rPr lang="en-US" sz="2800" b="1" dirty="0" smtClean="0"/>
-              <a:t>{{ expression }}</a:t>
-            </a:r>
-            <a:endParaRPr lang="ru-RU" sz="2800" b="1" dirty="0"/>
-          </a:p>
-        </p:txBody>
-      </p:sp>
-      <p:cxnSp>
-        <p:nvCxnSpPr>
-          <p:cNvPr id="3" name="Straight Arrow Connector 2"/>
-          <p:cNvCxnSpPr/>
-          <p:nvPr/>
-        </p:nvCxnSpPr>
-        <p:spPr>
-          <a:xfrm>
-            <a:off x="2209801" y="5677667"/>
-            <a:ext cx="0" cy="342133"/>
-          </a:xfrm>
-          <a:prstGeom prst="straightConnector1">
-            <a:avLst/>
-          </a:prstGeom>
-          <a:ln>
-            <a:tailEnd type="arrow"/>
-          </a:ln>
-        </p:spPr>
-        <p:style>
-          <a:lnRef idx="2">
-            <a:schemeClr val="dk1"/>
-          </a:lnRef>
-          <a:fillRef idx="0">
-            <a:schemeClr val="dk1"/>
-          </a:fillRef>
-          <a:effectRef idx="1">
-            <a:schemeClr val="dk1"/>
-          </a:effectRef>
-          <a:fontRef idx="minor">
-            <a:schemeClr val="tx1"/>
-          </a:fontRef>
-        </p:style>
-      </p:cxnSp>
-      <p:sp>
-        <p:nvSpPr>
-          <p:cNvPr id="8" name="Rectangle 7"/>
-          <p:cNvSpPr/>
-          <p:nvPr/>
-        </p:nvSpPr>
-        <p:spPr>
-          <a:xfrm>
-            <a:off x="1828801" y="6019800"/>
-            <a:ext cx="811334" cy="523220"/>
-          </a:xfrm>
-          <a:prstGeom prst="rect">
-            <a:avLst/>
-          </a:prstGeom>
-        </p:spPr>
-        <p:txBody>
-          <a:bodyPr wrap="square">
-            <a:spAutoFit/>
-          </a:bodyPr>
-          <a:lstStyle/>
-          <a:p>
-            <a:r>
-              <a:rPr lang="en-US" sz="2800" b="1" dirty="0" smtClean="0"/>
-              <a:t>yay!</a:t>
-            </a:r>
-            <a:endParaRPr lang="ru-RU" sz="2800" b="1" dirty="0"/>
-          </a:p>
-        </p:txBody>
-      </p:sp>
-    </p:spTree>
-    <p:extLst>
-      <p:ext uri="{BB962C8B-B14F-4D97-AF65-F5344CB8AC3E}">
-        <p14:creationId xmlns:p14="http://schemas.microsoft.com/office/powerpoint/2010/main" val="1626224951"/>
-      </p:ext>
-    </p:extLst>
-  </p:cSld>
-  <p:clrMapOvr>
-    <a:masterClrMapping/>
-  </p:clrMapOvr>
-  <mc:AlternateContent xmlns:mc="http://schemas.openxmlformats.org/markup-compatibility/2006" xmlns:p14="http://schemas.microsoft.com/office/powerpoint/2010/main">
-    <mc:Choice Requires="p14">
-      <p:transition spd="slow" p14:dur="2000"/>
-    </mc:Choice>
-    <mc:Fallback xmlns="">
-      <p:transition spd="slow"/>
-    </mc:Fallback>
-  </mc:AlternateContent>
-  <p:timing>
-    <p:tnLst>
-      <p:par>
-        <p:cTn id="1" dur="indefinite" restart="never" nodeType="tmRoot"/>
-      </p:par>
-    </p:tnLst>
-  </p:timing>
-</p:sld>
-</file>
-
-<file path=ppt/slides/slide12.xml><?xml version="1.0" encoding="utf-8"?>
-<p:sld xmlns:a="http://schemas.openxmlformats.org/drawingml/2006/main" xmlns:r="http://schemas.openxmlformats.org/officeDocument/2006/relationships" xmlns:p="http://schemas.openxmlformats.org/presentationml/2006/main">
-  <p:cSld>
-    <p:spTree>
-      <p:nvGrpSpPr>
-        <p:cNvPr id="1" name=""/>
-        <p:cNvGrpSpPr/>
-        <p:nvPr/>
-      </p:nvGrpSpPr>
-      <p:grpSpPr>
-        <a:xfrm>
-          <a:off x="0" y="0"/>
-          <a:ext cx="0" cy="0"/>
-          <a:chOff x="0" y="0"/>
-          <a:chExt cx="0" cy="0"/>
-        </a:xfrm>
-      </p:grpSpPr>
-      <p:sp>
-        <p:nvSpPr>
-          <p:cNvPr id="11" name="Title 1"/>
-          <p:cNvSpPr>
-            <a:spLocks noGrp="1"/>
-          </p:cNvSpPr>
-          <p:nvPr>
-            <p:ph type="title"/>
-          </p:nvPr>
-        </p:nvSpPr>
-        <p:spPr>
-          <a:xfrm>
-            <a:off x="457200" y="274638"/>
-            <a:ext cx="8229600" cy="1143000"/>
-          </a:xfrm>
-        </p:spPr>
-        <p:txBody>
-          <a:bodyPr>
-            <a:normAutofit/>
-          </a:bodyPr>
-          <a:lstStyle/>
-          <a:p>
-            <a:r>
-              <a:rPr lang="en-US" dirty="0" smtClean="0">
-                <a:latin typeface="Rockwell" panose="02060603020205020403" pitchFamily="18" charset="0"/>
-                <a:cs typeface="Courier New" panose="02070309020205020404" pitchFamily="49" charset="0"/>
-              </a:rPr>
-              <a:t>Compile</a:t>
-            </a:r>
-            <a:endParaRPr lang="ru-RU" dirty="0">
-              <a:latin typeface="Courier New" panose="02070309020205020404" pitchFamily="49" charset="0"/>
-              <a:cs typeface="Courier New" panose="02070309020205020404" pitchFamily="49" charset="0"/>
-            </a:endParaRPr>
-          </a:p>
-        </p:txBody>
-      </p:sp>
-      <p:sp>
-        <p:nvSpPr>
-          <p:cNvPr id="4" name="Rectangle 3"/>
-          <p:cNvSpPr/>
-          <p:nvPr/>
-        </p:nvSpPr>
-        <p:spPr>
-          <a:xfrm>
-            <a:off x="810206" y="1143000"/>
-            <a:ext cx="7523599" cy="369332"/>
-          </a:xfrm>
-          <a:prstGeom prst="rect">
-            <a:avLst/>
-          </a:prstGeom>
-        </p:spPr>
-        <p:txBody>
-          <a:bodyPr wrap="none">
-            <a:spAutoFit/>
-          </a:bodyPr>
-          <a:lstStyle/>
-          <a:p>
-            <a:pPr algn="ctr"/>
-            <a:r>
-              <a:rPr lang="en-US" dirty="0" smtClean="0"/>
-              <a:t>the process of analyzing all directives in template and attaching them to HTML</a:t>
-            </a:r>
-            <a:endParaRPr lang="ru-RU" dirty="0"/>
-          </a:p>
-        </p:txBody>
-      </p:sp>
-      <p:sp>
-        <p:nvSpPr>
-          <p:cNvPr id="5" name="Rectangle 4"/>
-          <p:cNvSpPr/>
-          <p:nvPr/>
-        </p:nvSpPr>
-        <p:spPr>
-          <a:xfrm>
-            <a:off x="467409" y="1676400"/>
-            <a:ext cx="8143191" cy="369332"/>
-          </a:xfrm>
-          <a:prstGeom prst="rect">
-            <a:avLst/>
-          </a:prstGeom>
-        </p:spPr>
-        <p:txBody>
-          <a:bodyPr wrap="none">
-            <a:spAutoFit/>
-          </a:bodyPr>
-          <a:lstStyle/>
-          <a:p>
-            <a:r>
-              <a:rPr lang="en-US" dirty="0" smtClean="0"/>
-              <a:t>it’s possible to add directives / expressions dynamicall</a:t>
-            </a:r>
-            <a:r>
-              <a:rPr lang="en-US" dirty="0" smtClean="0"/>
-              <a:t>y during the compilation phase</a:t>
-            </a:r>
-            <a:endParaRPr lang="ru-RU" dirty="0"/>
-          </a:p>
-        </p:txBody>
-      </p:sp>
-      <p:sp>
-        <p:nvSpPr>
-          <p:cNvPr id="6" name="Rectangle 5"/>
-          <p:cNvSpPr>
-            <a:spLocks noChangeArrowheads="1"/>
-          </p:cNvSpPr>
-          <p:nvPr/>
-        </p:nvSpPr>
-        <p:spPr bwMode="auto">
-          <a:xfrm>
-            <a:off x="2209800" y="2380694"/>
-            <a:ext cx="5257800" cy="2418712"/>
-          </a:xfrm>
-          <a:prstGeom prst="rect">
-            <a:avLst/>
-          </a:prstGeom>
-          <a:solidFill>
-            <a:srgbClr val="F5F2F0"/>
-          </a:solidFill>
-          <a:ln>
-            <a:noFill/>
-          </a:ln>
-          <a:effectLst/>
-          <a:extLst>
-            <a:ext uri="{91240B29-F687-4F45-9708-019B960494DF}">
-              <a14:hiddenLine xmlns:a14="http://schemas.microsoft.com/office/drawing/2010/main" w="9525">
-                <a:solidFill>
-                  <a:schemeClr val="tx1"/>
-                </a:solidFill>
-                <a:miter lim="800000"/>
-                <a:headEnd/>
-                <a:tailEnd/>
-              </a14:hiddenLine>
-            </a:ext>
-            <a:ext uri="{AF507438-7753-43E0-B8FC-AC1667EBCBE1}">
-              <a14:hiddenEffects xmlns:a14="http://schemas.microsoft.com/office/drawing/2010/main">
-                <a:effectLst>
-                  <a:outerShdw dist="35921" dir="2700000" algn="ctr" rotWithShape="0">
-                    <a:schemeClr val="bg2"/>
-                  </a:outerShdw>
-                </a:effectLst>
-              </a14:hiddenEffects>
-            </a:ext>
-          </a:extLst>
-        </p:spPr>
-        <p:txBody>
-          <a:bodyPr vert="horz" wrap="square" lIns="108000" tIns="108000" rIns="108000" bIns="108000" numCol="1" anchor="ctr" anchorCtr="0" compatLnSpc="1">
-            <a:prstTxWarp prst="textNoShape">
-              <a:avLst/>
-            </a:prstTxWarp>
-            <a:spAutoFit/>
-          </a:bodyPr>
-          <a:lstStyle/>
-          <a:p>
-            <a:pPr lvl="0" eaLnBrk="0" fontAlgn="base" hangingPunct="0">
-              <a:spcBef>
-                <a:spcPct val="0"/>
-              </a:spcBef>
-              <a:spcAft>
-                <a:spcPct val="0"/>
-              </a:spcAft>
-            </a:pPr>
-            <a:r>
-              <a:rPr lang="en-US" altLang="en-US" sz="1100" b="1" i="1" dirty="0" err="1">
-                <a:solidFill>
-                  <a:srgbClr val="660E7A"/>
-                </a:solidFill>
-                <a:latin typeface="Courier New" panose="02070309020205020404" pitchFamily="49" charset="0"/>
-                <a:cs typeface="Courier New" panose="02070309020205020404" pitchFamily="49" charset="0"/>
-              </a:rPr>
-              <a:t>App</a:t>
-            </a:r>
-            <a:r>
-              <a:rPr lang="en-US" altLang="en-US" sz="1100" dirty="0" err="1">
-                <a:solidFill>
-                  <a:srgbClr val="000000"/>
-                </a:solidFill>
-                <a:latin typeface="Courier New" panose="02070309020205020404" pitchFamily="49" charset="0"/>
-                <a:cs typeface="Courier New" panose="02070309020205020404" pitchFamily="49" charset="0"/>
-              </a:rPr>
-              <a:t>.</a:t>
-            </a:r>
-            <a:r>
-              <a:rPr lang="en-US" altLang="en-US" sz="1100" b="1" dirty="0" err="1">
-                <a:solidFill>
-                  <a:srgbClr val="660E7A"/>
-                </a:solidFill>
-                <a:latin typeface="Courier New" panose="02070309020205020404" pitchFamily="49" charset="0"/>
-                <a:cs typeface="Courier New" panose="02070309020205020404" pitchFamily="49" charset="0"/>
-              </a:rPr>
-              <a:t>directive</a:t>
-            </a:r>
-            <a:r>
-              <a:rPr lang="en-US" altLang="en-US" sz="1100" dirty="0">
-                <a:solidFill>
-                  <a:srgbClr val="000000"/>
-                </a:solidFill>
-                <a:latin typeface="Courier New" panose="02070309020205020404" pitchFamily="49" charset="0"/>
-                <a:cs typeface="Courier New" panose="02070309020205020404" pitchFamily="49" charset="0"/>
-              </a:rPr>
-              <a:t>(</a:t>
-            </a:r>
-            <a:r>
-              <a:rPr lang="en-US" altLang="en-US" sz="1100" b="1" dirty="0">
-                <a:solidFill>
-                  <a:srgbClr val="008000"/>
-                </a:solidFill>
-                <a:latin typeface="Courier New" panose="02070309020205020404" pitchFamily="49" charset="0"/>
-                <a:cs typeface="Courier New" panose="02070309020205020404" pitchFamily="49" charset="0"/>
-              </a:rPr>
-              <a:t>'</a:t>
-            </a:r>
-            <a:r>
-              <a:rPr lang="en-US" altLang="en-US" sz="1100" b="1" dirty="0" err="1">
-                <a:solidFill>
-                  <a:srgbClr val="008000"/>
-                </a:solidFill>
-                <a:latin typeface="Courier New" panose="02070309020205020404" pitchFamily="49" charset="0"/>
-                <a:cs typeface="Courier New" panose="02070309020205020404" pitchFamily="49" charset="0"/>
-              </a:rPr>
-              <a:t>compileTest</a:t>
-            </a:r>
-            <a:r>
-              <a:rPr lang="en-US" altLang="en-US" sz="1100" b="1" dirty="0">
-                <a:solidFill>
-                  <a:srgbClr val="008000"/>
-                </a:solidFill>
-                <a:latin typeface="Courier New" panose="02070309020205020404" pitchFamily="49" charset="0"/>
-                <a:cs typeface="Courier New" panose="02070309020205020404" pitchFamily="49" charset="0"/>
-              </a:rPr>
-              <a:t>'</a:t>
-            </a:r>
-            <a:r>
-              <a:rPr lang="en-US" altLang="en-US" sz="1100" dirty="0">
-                <a:solidFill>
-                  <a:srgbClr val="000000"/>
-                </a:solidFill>
-                <a:latin typeface="Courier New" panose="02070309020205020404" pitchFamily="49" charset="0"/>
-                <a:cs typeface="Courier New" panose="02070309020205020404" pitchFamily="49" charset="0"/>
-              </a:rPr>
-              <a:t>, </a:t>
-            </a:r>
-            <a:r>
-              <a:rPr lang="en-US" altLang="en-US" sz="1100" b="1" dirty="0">
-                <a:solidFill>
-                  <a:srgbClr val="000080"/>
-                </a:solidFill>
-                <a:latin typeface="Courier New" panose="02070309020205020404" pitchFamily="49" charset="0"/>
-                <a:cs typeface="Courier New" panose="02070309020205020404" pitchFamily="49" charset="0"/>
-              </a:rPr>
-              <a:t>function</a:t>
-            </a:r>
-            <a:r>
-              <a:rPr lang="en-US" altLang="en-US" sz="1100" dirty="0">
-                <a:solidFill>
-                  <a:srgbClr val="000000"/>
-                </a:solidFill>
-                <a:latin typeface="Courier New" panose="02070309020205020404" pitchFamily="49" charset="0"/>
-                <a:cs typeface="Courier New" panose="02070309020205020404" pitchFamily="49" charset="0"/>
-              </a:rPr>
-              <a:t>() {</a:t>
-            </a:r>
-            <a:br>
-              <a:rPr lang="en-US" altLang="en-US" sz="1100" dirty="0">
-                <a:solidFill>
-                  <a:srgbClr val="000000"/>
-                </a:solidFill>
-                <a:latin typeface="Courier New" panose="02070309020205020404" pitchFamily="49" charset="0"/>
-                <a:cs typeface="Courier New" panose="02070309020205020404" pitchFamily="49" charset="0"/>
-              </a:rPr>
-            </a:br>
-            <a:r>
-              <a:rPr lang="en-US" altLang="en-US" sz="1100" dirty="0">
-                <a:solidFill>
-                  <a:srgbClr val="000000"/>
-                </a:solidFill>
-                <a:latin typeface="Courier New" panose="02070309020205020404" pitchFamily="49" charset="0"/>
-                <a:cs typeface="Courier New" panose="02070309020205020404" pitchFamily="49" charset="0"/>
-              </a:rPr>
-              <a:t>    </a:t>
-            </a:r>
-            <a:r>
-              <a:rPr lang="en-US" altLang="en-US" sz="1100" b="1" dirty="0">
-                <a:solidFill>
-                  <a:srgbClr val="000080"/>
-                </a:solidFill>
-                <a:latin typeface="Courier New" panose="02070309020205020404" pitchFamily="49" charset="0"/>
-                <a:cs typeface="Courier New" panose="02070309020205020404" pitchFamily="49" charset="0"/>
-              </a:rPr>
-              <a:t>return </a:t>
-            </a:r>
-            <a:r>
-              <a:rPr lang="en-US" altLang="en-US" sz="1100" dirty="0">
-                <a:solidFill>
-                  <a:srgbClr val="000000"/>
-                </a:solidFill>
-                <a:latin typeface="Courier New" panose="02070309020205020404" pitchFamily="49" charset="0"/>
-                <a:cs typeface="Courier New" panose="02070309020205020404" pitchFamily="49" charset="0"/>
-              </a:rPr>
-              <a:t>{</a:t>
-            </a:r>
-            <a:br>
-              <a:rPr lang="en-US" altLang="en-US" sz="1100" dirty="0">
-                <a:solidFill>
-                  <a:srgbClr val="000000"/>
-                </a:solidFill>
-                <a:latin typeface="Courier New" panose="02070309020205020404" pitchFamily="49" charset="0"/>
-                <a:cs typeface="Courier New" panose="02070309020205020404" pitchFamily="49" charset="0"/>
-              </a:rPr>
-            </a:br>
-            <a:r>
-              <a:rPr lang="en-US" altLang="en-US" sz="1100" dirty="0">
-                <a:solidFill>
-                  <a:srgbClr val="000000"/>
-                </a:solidFill>
-                <a:latin typeface="Courier New" panose="02070309020205020404" pitchFamily="49" charset="0"/>
-                <a:cs typeface="Courier New" panose="02070309020205020404" pitchFamily="49" charset="0"/>
-              </a:rPr>
-              <a:t>        </a:t>
-            </a:r>
-            <a:r>
-              <a:rPr lang="en-US" altLang="en-US" sz="1100" b="1" dirty="0">
-                <a:solidFill>
-                  <a:srgbClr val="660E7A"/>
-                </a:solidFill>
-                <a:latin typeface="Courier New" panose="02070309020205020404" pitchFamily="49" charset="0"/>
-                <a:cs typeface="Courier New" panose="02070309020205020404" pitchFamily="49" charset="0"/>
-              </a:rPr>
-              <a:t>scope</a:t>
-            </a:r>
-            <a:r>
-              <a:rPr lang="en-US" altLang="en-US" sz="1100" dirty="0">
-                <a:solidFill>
-                  <a:srgbClr val="000000"/>
-                </a:solidFill>
-                <a:latin typeface="Courier New" panose="02070309020205020404" pitchFamily="49" charset="0"/>
-                <a:cs typeface="Courier New" panose="02070309020205020404" pitchFamily="49" charset="0"/>
-              </a:rPr>
-              <a:t>: {},</a:t>
-            </a:r>
-            <a:br>
-              <a:rPr lang="en-US" altLang="en-US" sz="1100" dirty="0">
-                <a:solidFill>
-                  <a:srgbClr val="000000"/>
-                </a:solidFill>
-                <a:latin typeface="Courier New" panose="02070309020205020404" pitchFamily="49" charset="0"/>
-                <a:cs typeface="Courier New" panose="02070309020205020404" pitchFamily="49" charset="0"/>
-              </a:rPr>
-            </a:br>
-            <a:r>
-              <a:rPr lang="en-US" altLang="en-US" sz="1100" dirty="0">
-                <a:solidFill>
-                  <a:srgbClr val="000000"/>
-                </a:solidFill>
-                <a:latin typeface="Courier New" panose="02070309020205020404" pitchFamily="49" charset="0"/>
-                <a:cs typeface="Courier New" panose="02070309020205020404" pitchFamily="49" charset="0"/>
-              </a:rPr>
-              <a:t>        compile: </a:t>
-            </a:r>
-            <a:r>
-              <a:rPr lang="en-US" altLang="en-US" sz="1100" b="1" dirty="0">
-                <a:solidFill>
-                  <a:srgbClr val="000080"/>
-                </a:solidFill>
-                <a:latin typeface="Courier New" panose="02070309020205020404" pitchFamily="49" charset="0"/>
-                <a:cs typeface="Courier New" panose="02070309020205020404" pitchFamily="49" charset="0"/>
-              </a:rPr>
-              <a:t>function</a:t>
-            </a:r>
-            <a:r>
-              <a:rPr lang="en-US" altLang="en-US" sz="1100" dirty="0">
-                <a:solidFill>
-                  <a:srgbClr val="000000"/>
-                </a:solidFill>
-                <a:latin typeface="Courier New" panose="02070309020205020404" pitchFamily="49" charset="0"/>
-                <a:cs typeface="Courier New" panose="02070309020205020404" pitchFamily="49" charset="0"/>
-              </a:rPr>
-              <a:t>(el, </a:t>
-            </a:r>
-            <a:r>
-              <a:rPr lang="en-US" altLang="en-US" sz="1100" dirty="0" err="1">
-                <a:solidFill>
-                  <a:srgbClr val="000000"/>
-                </a:solidFill>
-                <a:latin typeface="Courier New" panose="02070309020205020404" pitchFamily="49" charset="0"/>
-                <a:cs typeface="Courier New" panose="02070309020205020404" pitchFamily="49" charset="0"/>
-              </a:rPr>
-              <a:t>attrs</a:t>
-            </a:r>
-            <a:r>
-              <a:rPr lang="en-US" altLang="en-US" sz="1100" dirty="0">
-                <a:solidFill>
-                  <a:srgbClr val="000000"/>
-                </a:solidFill>
-                <a:latin typeface="Courier New" panose="02070309020205020404" pitchFamily="49" charset="0"/>
-                <a:cs typeface="Courier New" panose="02070309020205020404" pitchFamily="49" charset="0"/>
-              </a:rPr>
-              <a:t>) {</a:t>
-            </a:r>
-            <a:br>
-              <a:rPr lang="en-US" altLang="en-US" sz="1100" dirty="0">
-                <a:solidFill>
-                  <a:srgbClr val="000000"/>
-                </a:solidFill>
-                <a:latin typeface="Courier New" panose="02070309020205020404" pitchFamily="49" charset="0"/>
-                <a:cs typeface="Courier New" panose="02070309020205020404" pitchFamily="49" charset="0"/>
-              </a:rPr>
-            </a:br>
-            <a:r>
-              <a:rPr lang="en-US" altLang="en-US" sz="1100" dirty="0">
-                <a:solidFill>
-                  <a:srgbClr val="000000"/>
-                </a:solidFill>
-                <a:latin typeface="Courier New" panose="02070309020205020404" pitchFamily="49" charset="0"/>
-                <a:cs typeface="Courier New" panose="02070309020205020404" pitchFamily="49" charset="0"/>
-              </a:rPr>
-              <a:t>            </a:t>
-            </a:r>
-            <a:r>
-              <a:rPr lang="en-US" altLang="en-US" sz="1100" dirty="0" err="1">
-                <a:solidFill>
-                  <a:srgbClr val="000000"/>
-                </a:solidFill>
-                <a:latin typeface="Courier New" panose="02070309020205020404" pitchFamily="49" charset="0"/>
-                <a:cs typeface="Courier New" panose="02070309020205020404" pitchFamily="49" charset="0"/>
-              </a:rPr>
-              <a:t>el.</a:t>
-            </a:r>
-            <a:r>
-              <a:rPr lang="en-US" altLang="en-US" sz="1100" dirty="0" err="1">
-                <a:solidFill>
-                  <a:srgbClr val="7A7A43"/>
-                </a:solidFill>
-                <a:latin typeface="Courier New" panose="02070309020205020404" pitchFamily="49" charset="0"/>
-                <a:cs typeface="Courier New" panose="02070309020205020404" pitchFamily="49" charset="0"/>
-              </a:rPr>
-              <a:t>append</a:t>
-            </a:r>
-            <a:r>
-              <a:rPr lang="en-US" altLang="en-US" sz="1100" dirty="0">
-                <a:solidFill>
-                  <a:srgbClr val="000000"/>
-                </a:solidFill>
-                <a:latin typeface="Courier New" panose="02070309020205020404" pitchFamily="49" charset="0"/>
-                <a:cs typeface="Courier New" panose="02070309020205020404" pitchFamily="49" charset="0"/>
-              </a:rPr>
-              <a:t>(</a:t>
-            </a:r>
-            <a:r>
-              <a:rPr lang="en-US" altLang="en-US" sz="1100" b="1" dirty="0">
-                <a:solidFill>
-                  <a:srgbClr val="008000"/>
-                </a:solidFill>
-                <a:latin typeface="Courier New" panose="02070309020205020404" pitchFamily="49" charset="0"/>
-                <a:cs typeface="Courier New" panose="02070309020205020404" pitchFamily="49" charset="0"/>
-              </a:rPr>
-              <a:t>"{{ name }} {{ 1+ 2}}"</a:t>
-            </a:r>
-            <a:r>
-              <a:rPr lang="en-US" altLang="en-US" sz="1100" dirty="0">
-                <a:solidFill>
-                  <a:srgbClr val="000000"/>
-                </a:solidFill>
-                <a:latin typeface="Courier New" panose="02070309020205020404" pitchFamily="49" charset="0"/>
-                <a:cs typeface="Courier New" panose="02070309020205020404" pitchFamily="49" charset="0"/>
-              </a:rPr>
-              <a:t>);</a:t>
-            </a:r>
-            <a:br>
-              <a:rPr lang="en-US" altLang="en-US" sz="1100" dirty="0">
-                <a:solidFill>
-                  <a:srgbClr val="000000"/>
-                </a:solidFill>
-                <a:latin typeface="Courier New" panose="02070309020205020404" pitchFamily="49" charset="0"/>
-                <a:cs typeface="Courier New" panose="02070309020205020404" pitchFamily="49" charset="0"/>
-              </a:rPr>
-            </a:br>
-            <a:r>
-              <a:rPr lang="en-US" altLang="en-US" sz="1100" dirty="0">
-                <a:solidFill>
-                  <a:srgbClr val="000000"/>
-                </a:solidFill>
-                <a:latin typeface="Courier New" panose="02070309020205020404" pitchFamily="49" charset="0"/>
-                <a:cs typeface="Courier New" panose="02070309020205020404" pitchFamily="49" charset="0"/>
-              </a:rPr>
-              <a:t>            </a:t>
-            </a:r>
-            <a:r>
-              <a:rPr lang="en-US" altLang="en-US" sz="1100" b="1" dirty="0">
-                <a:solidFill>
-                  <a:srgbClr val="000080"/>
-                </a:solidFill>
-                <a:latin typeface="Courier New" panose="02070309020205020404" pitchFamily="49" charset="0"/>
-                <a:cs typeface="Courier New" panose="02070309020205020404" pitchFamily="49" charset="0"/>
-              </a:rPr>
-              <a:t>return </a:t>
-            </a:r>
-            <a:r>
-              <a:rPr lang="en-US" altLang="en-US" sz="1100" dirty="0">
-                <a:solidFill>
-                  <a:srgbClr val="000000"/>
-                </a:solidFill>
-                <a:latin typeface="Courier New" panose="02070309020205020404" pitchFamily="49" charset="0"/>
-                <a:cs typeface="Courier New" panose="02070309020205020404" pitchFamily="49" charset="0"/>
-              </a:rPr>
-              <a:t>{</a:t>
-            </a:r>
-            <a:br>
-              <a:rPr lang="en-US" altLang="en-US" sz="1100" dirty="0">
-                <a:solidFill>
-                  <a:srgbClr val="000000"/>
-                </a:solidFill>
-                <a:latin typeface="Courier New" panose="02070309020205020404" pitchFamily="49" charset="0"/>
-                <a:cs typeface="Courier New" panose="02070309020205020404" pitchFamily="49" charset="0"/>
-              </a:rPr>
-            </a:br>
-            <a:r>
-              <a:rPr lang="en-US" altLang="en-US" sz="1100" dirty="0">
-                <a:solidFill>
-                  <a:srgbClr val="000000"/>
-                </a:solidFill>
-                <a:latin typeface="Courier New" panose="02070309020205020404" pitchFamily="49" charset="0"/>
-                <a:cs typeface="Courier New" panose="02070309020205020404" pitchFamily="49" charset="0"/>
-              </a:rPr>
-              <a:t>                </a:t>
-            </a:r>
-            <a:r>
-              <a:rPr lang="en-US" altLang="en-US" sz="1100" dirty="0">
-                <a:solidFill>
-                  <a:srgbClr val="7A7A43"/>
-                </a:solidFill>
-                <a:latin typeface="Courier New" panose="02070309020205020404" pitchFamily="49" charset="0"/>
-                <a:cs typeface="Courier New" panose="02070309020205020404" pitchFamily="49" charset="0"/>
-              </a:rPr>
-              <a:t>post</a:t>
-            </a:r>
-            <a:r>
-              <a:rPr lang="en-US" altLang="en-US" sz="1100" dirty="0">
-                <a:solidFill>
-                  <a:srgbClr val="000000"/>
-                </a:solidFill>
-                <a:latin typeface="Courier New" panose="02070309020205020404" pitchFamily="49" charset="0"/>
-                <a:cs typeface="Courier New" panose="02070309020205020404" pitchFamily="49" charset="0"/>
-              </a:rPr>
-              <a:t>: </a:t>
-            </a:r>
-            <a:r>
-              <a:rPr lang="en-US" altLang="en-US" sz="1100" b="1" dirty="0">
-                <a:solidFill>
-                  <a:srgbClr val="000080"/>
-                </a:solidFill>
-                <a:latin typeface="Courier New" panose="02070309020205020404" pitchFamily="49" charset="0"/>
-                <a:cs typeface="Courier New" panose="02070309020205020404" pitchFamily="49" charset="0"/>
-              </a:rPr>
-              <a:t>function</a:t>
-            </a:r>
-            <a:r>
-              <a:rPr lang="en-US" altLang="en-US" sz="1100" dirty="0">
-                <a:solidFill>
-                  <a:srgbClr val="000000"/>
-                </a:solidFill>
-                <a:latin typeface="Courier New" panose="02070309020205020404" pitchFamily="49" charset="0"/>
-                <a:cs typeface="Courier New" panose="02070309020205020404" pitchFamily="49" charset="0"/>
-              </a:rPr>
-              <a:t>(scope, el, </a:t>
-            </a:r>
-            <a:r>
-              <a:rPr lang="en-US" altLang="en-US" sz="1100" dirty="0" err="1">
-                <a:solidFill>
-                  <a:srgbClr val="000000"/>
-                </a:solidFill>
-                <a:latin typeface="Courier New" panose="02070309020205020404" pitchFamily="49" charset="0"/>
-                <a:cs typeface="Courier New" panose="02070309020205020404" pitchFamily="49" charset="0"/>
-              </a:rPr>
-              <a:t>attrs</a:t>
-            </a:r>
-            <a:r>
-              <a:rPr lang="en-US" altLang="en-US" sz="1100" dirty="0">
-                <a:solidFill>
-                  <a:srgbClr val="000000"/>
-                </a:solidFill>
-                <a:latin typeface="Courier New" panose="02070309020205020404" pitchFamily="49" charset="0"/>
-                <a:cs typeface="Courier New" panose="02070309020205020404" pitchFamily="49" charset="0"/>
-              </a:rPr>
-              <a:t>) {</a:t>
-            </a:r>
-            <a:br>
-              <a:rPr lang="en-US" altLang="en-US" sz="1100" dirty="0">
-                <a:solidFill>
-                  <a:srgbClr val="000000"/>
-                </a:solidFill>
-                <a:latin typeface="Courier New" panose="02070309020205020404" pitchFamily="49" charset="0"/>
-                <a:cs typeface="Courier New" panose="02070309020205020404" pitchFamily="49" charset="0"/>
-              </a:rPr>
-            </a:br>
-            <a:r>
-              <a:rPr lang="en-US" altLang="en-US" sz="1100" dirty="0">
-                <a:solidFill>
-                  <a:srgbClr val="000000"/>
-                </a:solidFill>
-                <a:latin typeface="Courier New" panose="02070309020205020404" pitchFamily="49" charset="0"/>
-                <a:cs typeface="Courier New" panose="02070309020205020404" pitchFamily="49" charset="0"/>
-              </a:rPr>
-              <a:t>                    </a:t>
-            </a:r>
-            <a:r>
-              <a:rPr lang="en-US" altLang="en-US" sz="1100" dirty="0" err="1">
-                <a:solidFill>
-                  <a:srgbClr val="000000"/>
-                </a:solidFill>
-                <a:latin typeface="Courier New" panose="02070309020205020404" pitchFamily="49" charset="0"/>
-                <a:cs typeface="Courier New" panose="02070309020205020404" pitchFamily="49" charset="0"/>
-              </a:rPr>
-              <a:t>el.</a:t>
-            </a:r>
-            <a:r>
-              <a:rPr lang="en-US" altLang="en-US" sz="1100" dirty="0" err="1">
-                <a:solidFill>
-                  <a:srgbClr val="7A7A43"/>
-                </a:solidFill>
-                <a:latin typeface="Courier New" panose="02070309020205020404" pitchFamily="49" charset="0"/>
-                <a:cs typeface="Courier New" panose="02070309020205020404" pitchFamily="49" charset="0"/>
-              </a:rPr>
-              <a:t>append</a:t>
-            </a:r>
-            <a:r>
-              <a:rPr lang="en-US" altLang="en-US" sz="1100" dirty="0">
-                <a:solidFill>
-                  <a:srgbClr val="000000"/>
-                </a:solidFill>
-                <a:latin typeface="Courier New" panose="02070309020205020404" pitchFamily="49" charset="0"/>
-                <a:cs typeface="Courier New" panose="02070309020205020404" pitchFamily="49" charset="0"/>
-              </a:rPr>
-              <a:t>(</a:t>
-            </a:r>
-            <a:r>
-              <a:rPr lang="en-US" altLang="en-US" sz="1100" b="1" dirty="0">
-                <a:solidFill>
-                  <a:srgbClr val="008000"/>
-                </a:solidFill>
-                <a:latin typeface="Courier New" panose="02070309020205020404" pitchFamily="49" charset="0"/>
-                <a:cs typeface="Courier New" panose="02070309020205020404" pitchFamily="49" charset="0"/>
-              </a:rPr>
-              <a:t>"&lt;</a:t>
-            </a:r>
-            <a:r>
-              <a:rPr lang="en-US" altLang="en-US" sz="1100" b="1" dirty="0" err="1">
-                <a:solidFill>
-                  <a:srgbClr val="008000"/>
-                </a:solidFill>
-                <a:latin typeface="Courier New" panose="02070309020205020404" pitchFamily="49" charset="0"/>
-                <a:cs typeface="Courier New" panose="02070309020205020404" pitchFamily="49" charset="0"/>
-              </a:rPr>
-              <a:t>br</a:t>
-            </a:r>
-            <a:r>
-              <a:rPr lang="en-US" altLang="en-US" sz="1100" b="1" dirty="0">
-                <a:solidFill>
-                  <a:srgbClr val="008000"/>
-                </a:solidFill>
-                <a:latin typeface="Courier New" panose="02070309020205020404" pitchFamily="49" charset="0"/>
-                <a:cs typeface="Courier New" panose="02070309020205020404" pitchFamily="49" charset="0"/>
-              </a:rPr>
-              <a:t>&gt;&lt;</a:t>
-            </a:r>
-            <a:r>
-              <a:rPr lang="en-US" altLang="en-US" sz="1100" b="1" dirty="0" err="1">
-                <a:solidFill>
-                  <a:srgbClr val="008000"/>
-                </a:solidFill>
-                <a:latin typeface="Courier New" panose="02070309020205020404" pitchFamily="49" charset="0"/>
-                <a:cs typeface="Courier New" panose="02070309020205020404" pitchFamily="49" charset="0"/>
-              </a:rPr>
-              <a:t>i</a:t>
-            </a:r>
-            <a:r>
-              <a:rPr lang="en-US" altLang="en-US" sz="1100" b="1" dirty="0">
-                <a:solidFill>
-                  <a:srgbClr val="008000"/>
-                </a:solidFill>
-                <a:latin typeface="Courier New" panose="02070309020205020404" pitchFamily="49" charset="0"/>
-                <a:cs typeface="Courier New" panose="02070309020205020404" pitchFamily="49" charset="0"/>
-              </a:rPr>
-              <a:t>&gt;{{ name }}&lt;/</a:t>
-            </a:r>
-            <a:r>
-              <a:rPr lang="en-US" altLang="en-US" sz="1100" b="1" dirty="0" err="1">
-                <a:solidFill>
-                  <a:srgbClr val="008000"/>
-                </a:solidFill>
-                <a:latin typeface="Courier New" panose="02070309020205020404" pitchFamily="49" charset="0"/>
-                <a:cs typeface="Courier New" panose="02070309020205020404" pitchFamily="49" charset="0"/>
-              </a:rPr>
-              <a:t>i</a:t>
-            </a:r>
-            <a:r>
-              <a:rPr lang="en-US" altLang="en-US" sz="1100" b="1" dirty="0">
-                <a:solidFill>
-                  <a:srgbClr val="008000"/>
-                </a:solidFill>
-                <a:latin typeface="Courier New" panose="02070309020205020404" pitchFamily="49" charset="0"/>
-                <a:cs typeface="Courier New" panose="02070309020205020404" pitchFamily="49" charset="0"/>
-              </a:rPr>
-              <a:t>&gt;"</a:t>
-            </a:r>
-            <a:r>
-              <a:rPr lang="en-US" altLang="en-US" sz="1100" dirty="0">
-                <a:solidFill>
-                  <a:srgbClr val="000000"/>
-                </a:solidFill>
-                <a:latin typeface="Courier New" panose="02070309020205020404" pitchFamily="49" charset="0"/>
-                <a:cs typeface="Courier New" panose="02070309020205020404" pitchFamily="49" charset="0"/>
-              </a:rPr>
-              <a:t>)</a:t>
-            </a:r>
-            <a:br>
-              <a:rPr lang="en-US" altLang="en-US" sz="1100" dirty="0">
-                <a:solidFill>
-                  <a:srgbClr val="000000"/>
-                </a:solidFill>
-                <a:latin typeface="Courier New" panose="02070309020205020404" pitchFamily="49" charset="0"/>
-                <a:cs typeface="Courier New" panose="02070309020205020404" pitchFamily="49" charset="0"/>
-              </a:rPr>
-            </a:br>
-            <a:r>
-              <a:rPr lang="en-US" altLang="en-US" sz="1100" dirty="0">
-                <a:solidFill>
-                  <a:srgbClr val="000000"/>
-                </a:solidFill>
-                <a:latin typeface="Courier New" panose="02070309020205020404" pitchFamily="49" charset="0"/>
-                <a:cs typeface="Courier New" panose="02070309020205020404" pitchFamily="49" charset="0"/>
-              </a:rPr>
-              <a:t>                }</a:t>
-            </a:r>
-            <a:br>
-              <a:rPr lang="en-US" altLang="en-US" sz="1100" dirty="0">
-                <a:solidFill>
-                  <a:srgbClr val="000000"/>
-                </a:solidFill>
-                <a:latin typeface="Courier New" panose="02070309020205020404" pitchFamily="49" charset="0"/>
-                <a:cs typeface="Courier New" panose="02070309020205020404" pitchFamily="49" charset="0"/>
-              </a:rPr>
-            </a:br>
-            <a:r>
-              <a:rPr lang="en-US" altLang="en-US" sz="1100" dirty="0">
-                <a:solidFill>
-                  <a:srgbClr val="000000"/>
-                </a:solidFill>
-                <a:latin typeface="Courier New" panose="02070309020205020404" pitchFamily="49" charset="0"/>
-                <a:cs typeface="Courier New" panose="02070309020205020404" pitchFamily="49" charset="0"/>
-              </a:rPr>
-              <a:t>            }</a:t>
-            </a:r>
-            <a:br>
-              <a:rPr lang="en-US" altLang="en-US" sz="1100" dirty="0">
-                <a:solidFill>
-                  <a:srgbClr val="000000"/>
-                </a:solidFill>
-                <a:latin typeface="Courier New" panose="02070309020205020404" pitchFamily="49" charset="0"/>
-                <a:cs typeface="Courier New" panose="02070309020205020404" pitchFamily="49" charset="0"/>
-              </a:rPr>
-            </a:br>
-            <a:r>
-              <a:rPr lang="en-US" altLang="en-US" sz="1100" dirty="0">
-                <a:solidFill>
-                  <a:srgbClr val="000000"/>
-                </a:solidFill>
-                <a:latin typeface="Courier New" panose="02070309020205020404" pitchFamily="49" charset="0"/>
-                <a:cs typeface="Courier New" panose="02070309020205020404" pitchFamily="49" charset="0"/>
-              </a:rPr>
-              <a:t>        },</a:t>
-            </a:r>
-            <a:br>
-              <a:rPr lang="en-US" altLang="en-US" sz="1100" dirty="0">
-                <a:solidFill>
-                  <a:srgbClr val="000000"/>
-                </a:solidFill>
-                <a:latin typeface="Courier New" panose="02070309020205020404" pitchFamily="49" charset="0"/>
-                <a:cs typeface="Courier New" panose="02070309020205020404" pitchFamily="49" charset="0"/>
-              </a:rPr>
-            </a:br>
-            <a:r>
-              <a:rPr lang="en-US" altLang="en-US" sz="1100" dirty="0">
-                <a:solidFill>
-                  <a:srgbClr val="000000"/>
-                </a:solidFill>
-                <a:latin typeface="Courier New" panose="02070309020205020404" pitchFamily="49" charset="0"/>
-                <a:cs typeface="Courier New" panose="02070309020205020404" pitchFamily="49" charset="0"/>
-              </a:rPr>
-              <a:t>    }</a:t>
-            </a:r>
-            <a:br>
-              <a:rPr lang="en-US" altLang="en-US" sz="1100" dirty="0">
-                <a:solidFill>
-                  <a:srgbClr val="000000"/>
-                </a:solidFill>
-                <a:latin typeface="Courier New" panose="02070309020205020404" pitchFamily="49" charset="0"/>
-                <a:cs typeface="Courier New" panose="02070309020205020404" pitchFamily="49" charset="0"/>
-              </a:rPr>
-            </a:br>
-            <a:r>
-              <a:rPr lang="en-US" altLang="en-US" sz="1100" dirty="0">
-                <a:solidFill>
-                  <a:srgbClr val="000000"/>
-                </a:solidFill>
-                <a:latin typeface="Courier New" panose="02070309020205020404" pitchFamily="49" charset="0"/>
-                <a:cs typeface="Courier New" panose="02070309020205020404" pitchFamily="49" charset="0"/>
-              </a:rPr>
-              <a:t>});</a:t>
-            </a:r>
-            <a:endParaRPr lang="en-US" altLang="en-US" sz="2400" dirty="0">
-              <a:latin typeface="Arial" panose="020B0604020202020204" pitchFamily="34" charset="0"/>
-            </a:endParaRPr>
-          </a:p>
-        </p:txBody>
-      </p:sp>
-      <p:sp>
-        <p:nvSpPr>
-          <p:cNvPr id="8" name="Rectangle 7"/>
-          <p:cNvSpPr/>
-          <p:nvPr/>
-        </p:nvSpPr>
-        <p:spPr>
-          <a:xfrm>
-            <a:off x="1369520" y="5134368"/>
-            <a:ext cx="6404959" cy="369332"/>
-          </a:xfrm>
-          <a:prstGeom prst="rect">
-            <a:avLst/>
-          </a:prstGeom>
-        </p:spPr>
-        <p:txBody>
-          <a:bodyPr wrap="none">
-            <a:spAutoFit/>
-          </a:bodyPr>
-          <a:lstStyle/>
-          <a:p>
-            <a:r>
-              <a:rPr lang="en-US" dirty="0" smtClean="0"/>
-              <a:t>but during link phase the {{ name }} wont be interpolated anymore</a:t>
-            </a:r>
-            <a:endParaRPr lang="ru-RU" dirty="0"/>
-          </a:p>
-        </p:txBody>
-      </p:sp>
-    </p:spTree>
-    <p:extLst>
-      <p:ext uri="{BB962C8B-B14F-4D97-AF65-F5344CB8AC3E}">
-        <p14:creationId xmlns:p14="http://schemas.microsoft.com/office/powerpoint/2010/main" val="1504820890"/>
-      </p:ext>
-    </p:extLst>
-  </p:cSld>
-  <p:clrMapOvr>
-    <a:masterClrMapping/>
-  </p:clrMapOvr>
-  <mc:AlternateContent xmlns:mc="http://schemas.openxmlformats.org/markup-compatibility/2006">
-    <mc:Choice xmlns:p14="http://schemas.microsoft.com/office/powerpoint/2010/main" Requires="p14">
-      <p:transition spd="slow" p14:dur="2000"/>
-    </mc:Choice>
-    <mc:Fallback>
-      <p:transition spd="slow"/>
-    </mc:Fallback>
-  </mc:AlternateContent>
-  <p:timing>
-    <p:tnLst>
-      <p:par>
-        <p:cTn id="1" dur="indefinite" restart="never" nodeType="tmRoot">
-          <p:childTnLst>
-            <p:seq concurrent="1" nextAc="seek">
-              <p:cTn id="2" dur="indefinite" nodeType="mainSeq">
-                <p:childTnLst>
                   <p:par>
-                    <p:cTn id="3" fill="hold">
+                    <p:cTn id="7" fill="hold">
                       <p:stCondLst>
                         <p:cond delay="indefinite"/>
                       </p:stCondLst>
                       <p:childTnLst>
                         <p:par>
-                          <p:cTn id="4" fill="hold">
+                          <p:cTn id="8" fill="hold">
                             <p:stCondLst>
                               <p:cond delay="0"/>
                             </p:stCondLst>
                             <p:childTnLst>
                               <p:par>
-                                <p:cTn id="5" presetID="1" presetClass="entr" presetSubtype="0" fill="hold" grpId="0" nodeType="clickEffect">
+                                <p:cTn id="9" presetID="1" presetClass="entr" presetSubtype="0" fill="hold" grpId="0" nodeType="clickEffect">
                                   <p:stCondLst>
                                     <p:cond delay="0"/>
                                   </p:stCondLst>
                                   <p:childTnLst>
                                     <p:set>
                                       <p:cBhvr>
-                                        <p:cTn id="6" dur="1" fill="hold">
+                                        <p:cTn id="10" dur="1" fill="hold">
                                           <p:stCondLst>
                                             <p:cond delay="0"/>
                                           </p:stCondLst>
                                         </p:cTn>
                                         <p:tgtEl>
-                                          <p:spTgt spid="6"/>
+                                          <p:spTgt spid="17"/>
+                                        </p:tgtEl>
+                                        <p:attrNameLst>
+                                          <p:attrName>style.visibility</p:attrName>
+                                        </p:attrNameLst>
+                                      </p:cBhvr>
+                                      <p:to>
+                                        <p:strVal val="visible"/>
+                                      </p:to>
+                                    </p:set>
+                                  </p:childTnLst>
+                                </p:cTn>
+                              </p:par>
+                            </p:childTnLst>
+                          </p:cTn>
+                        </p:par>
+                      </p:childTnLst>
+                    </p:cTn>
+                  </p:par>
+                  <p:par>
+                    <p:cTn id="11" fill="hold">
+                      <p:stCondLst>
+                        <p:cond delay="indefinite"/>
+                      </p:stCondLst>
+                      <p:childTnLst>
+                        <p:par>
+                          <p:cTn id="12" fill="hold">
+                            <p:stCondLst>
+                              <p:cond delay="0"/>
+                            </p:stCondLst>
+                            <p:childTnLst>
+                              <p:par>
+                                <p:cTn id="13" presetID="1" presetClass="entr" presetSubtype="0" fill="hold" grpId="0" nodeType="clickEffect">
+                                  <p:stCondLst>
+                                    <p:cond delay="0"/>
+                                  </p:stCondLst>
+                                  <p:childTnLst>
+                                    <p:set>
+                                      <p:cBhvr>
+                                        <p:cTn id="14" dur="1" fill="hold">
+                                          <p:stCondLst>
+                                            <p:cond delay="0"/>
+                                          </p:stCondLst>
+                                        </p:cTn>
+                                        <p:tgtEl>
+                                          <p:spTgt spid="9"/>
+                                        </p:tgtEl>
+                                        <p:attrNameLst>
+                                          <p:attrName>style.visibility</p:attrName>
+                                        </p:attrNameLst>
+                                      </p:cBhvr>
+                                      <p:to>
+                                        <p:strVal val="visible"/>
+                                      </p:to>
+                                    </p:set>
+                                  </p:childTnLst>
+                                </p:cTn>
+                              </p:par>
+                              <p:par>
+                                <p:cTn id="15" presetID="1" presetClass="entr" presetSubtype="0" fill="hold" grpId="0" nodeType="withEffect">
+                                  <p:stCondLst>
+                                    <p:cond delay="0"/>
+                                  </p:stCondLst>
+                                  <p:childTnLst>
+                                    <p:set>
+                                      <p:cBhvr>
+                                        <p:cTn id="16" dur="1" fill="hold">
+                                          <p:stCondLst>
+                                            <p:cond delay="0"/>
+                                          </p:stCondLst>
+                                        </p:cTn>
+                                        <p:tgtEl>
+                                          <p:spTgt spid="18"/>
+                                        </p:tgtEl>
+                                        <p:attrNameLst>
+                                          <p:attrName>style.visibility</p:attrName>
+                                        </p:attrNameLst>
+                                      </p:cBhvr>
+                                      <p:to>
+                                        <p:strVal val="visible"/>
+                                      </p:to>
+                                    </p:set>
+                                  </p:childTnLst>
+                                </p:cTn>
+                              </p:par>
+                              <p:par>
+                                <p:cTn id="17" presetID="1" presetClass="entr" presetSubtype="0" fill="hold" grpId="0" nodeType="withEffect">
+                                  <p:stCondLst>
+                                    <p:cond delay="0"/>
+                                  </p:stCondLst>
+                                  <p:childTnLst>
+                                    <p:set>
+                                      <p:cBhvr>
+                                        <p:cTn id="18" dur="1" fill="hold">
+                                          <p:stCondLst>
+                                            <p:cond delay="0"/>
+                                          </p:stCondLst>
+                                        </p:cTn>
+                                        <p:tgtEl>
+                                          <p:spTgt spid="19"/>
+                                        </p:tgtEl>
+                                        <p:attrNameLst>
+                                          <p:attrName>style.visibility</p:attrName>
+                                        </p:attrNameLst>
+                                      </p:cBhvr>
+                                      <p:to>
+                                        <p:strVal val="visible"/>
+                                      </p:to>
+                                    </p:set>
+                                  </p:childTnLst>
+                                </p:cTn>
+                              </p:par>
+                              <p:par>
+                                <p:cTn id="19" presetID="1" presetClass="entr" presetSubtype="0" fill="hold" grpId="0" nodeType="withEffect">
+                                  <p:stCondLst>
+                                    <p:cond delay="0"/>
+                                  </p:stCondLst>
+                                  <p:childTnLst>
+                                    <p:set>
+                                      <p:cBhvr>
+                                        <p:cTn id="20" dur="1" fill="hold">
+                                          <p:stCondLst>
+                                            <p:cond delay="0"/>
+                                          </p:stCondLst>
+                                        </p:cTn>
+                                        <p:tgtEl>
+                                          <p:spTgt spid="20"/>
+                                        </p:tgtEl>
+                                        <p:attrNameLst>
+                                          <p:attrName>style.visibility</p:attrName>
+                                        </p:attrNameLst>
+                                      </p:cBhvr>
+                                      <p:to>
+                                        <p:strVal val="visible"/>
+                                      </p:to>
+                                    </p:set>
+                                  </p:childTnLst>
+                                </p:cTn>
+                              </p:par>
+                            </p:childTnLst>
+                          </p:cTn>
+                        </p:par>
+                      </p:childTnLst>
+                    </p:cTn>
+                  </p:par>
+                  <p:par>
+                    <p:cTn id="21" fill="hold">
+                      <p:stCondLst>
+                        <p:cond delay="indefinite"/>
+                      </p:stCondLst>
+                      <p:childTnLst>
+                        <p:par>
+                          <p:cTn id="22" fill="hold">
+                            <p:stCondLst>
+                              <p:cond delay="0"/>
+                            </p:stCondLst>
+                            <p:childTnLst>
+                              <p:par>
+                                <p:cTn id="23" presetID="1" presetClass="entr" presetSubtype="0" fill="hold" grpId="0" nodeType="clickEffect">
+                                  <p:stCondLst>
+                                    <p:cond delay="0"/>
+                                  </p:stCondLst>
+                                  <p:childTnLst>
+                                    <p:set>
+                                      <p:cBhvr>
+                                        <p:cTn id="24" dur="1" fill="hold">
+                                          <p:stCondLst>
+                                            <p:cond delay="0"/>
+                                          </p:stCondLst>
+                                        </p:cTn>
+                                        <p:tgtEl>
+                                          <p:spTgt spid="14"/>
+                                        </p:tgtEl>
+                                        <p:attrNameLst>
+                                          <p:attrName>style.visibility</p:attrName>
+                                        </p:attrNameLst>
+                                      </p:cBhvr>
+                                      <p:to>
+                                        <p:strVal val="visible"/>
+                                      </p:to>
+                                    </p:set>
+                                  </p:childTnLst>
+                                </p:cTn>
+                              </p:par>
+                            </p:childTnLst>
+                          </p:cTn>
+                        </p:par>
+                      </p:childTnLst>
+                    </p:cTn>
+                  </p:par>
+                  <p:par>
+                    <p:cTn id="25" fill="hold">
+                      <p:stCondLst>
+                        <p:cond delay="indefinite"/>
+                      </p:stCondLst>
+                      <p:childTnLst>
+                        <p:par>
+                          <p:cTn id="26" fill="hold">
+                            <p:stCondLst>
+                              <p:cond delay="0"/>
+                            </p:stCondLst>
+                            <p:childTnLst>
+                              <p:par>
+                                <p:cTn id="27" presetID="1" presetClass="entr" presetSubtype="0" fill="hold" grpId="0" nodeType="clickEffect">
+                                  <p:stCondLst>
+                                    <p:cond delay="0"/>
+                                  </p:stCondLst>
+                                  <p:childTnLst>
+                                    <p:set>
+                                      <p:cBhvr>
+                                        <p:cTn id="28" dur="1" fill="hold">
+                                          <p:stCondLst>
+                                            <p:cond delay="0"/>
+                                          </p:stCondLst>
+                                        </p:cTn>
+                                        <p:tgtEl>
+                                          <p:spTgt spid="21"/>
+                                        </p:tgtEl>
+                                        <p:attrNameLst>
+                                          <p:attrName>style.visibility</p:attrName>
+                                        </p:attrNameLst>
+                                      </p:cBhvr>
+                                      <p:to>
+                                        <p:strVal val="visible"/>
+                                      </p:to>
+                                    </p:set>
+                                  </p:childTnLst>
+                                </p:cTn>
+                              </p:par>
+                              <p:par>
+                                <p:cTn id="29" presetID="1" presetClass="entr" presetSubtype="0" fill="hold" nodeType="withEffect">
+                                  <p:stCondLst>
+                                    <p:cond delay="0"/>
+                                  </p:stCondLst>
+                                  <p:childTnLst>
+                                    <p:set>
+                                      <p:cBhvr>
+                                        <p:cTn id="30" dur="1" fill="hold">
+                                          <p:stCondLst>
+                                            <p:cond delay="0"/>
+                                          </p:stCondLst>
+                                        </p:cTn>
+                                        <p:tgtEl>
+                                          <p:spTgt spid="10243"/>
+                                        </p:tgtEl>
+                                        <p:attrNameLst>
+                                          <p:attrName>style.visibility</p:attrName>
+                                        </p:attrNameLst>
+                                      </p:cBhvr>
+                                      <p:to>
+                                        <p:strVal val="visible"/>
+                                      </p:to>
+                                    </p:set>
+                                  </p:childTnLst>
+                                </p:cTn>
+                              </p:par>
+                            </p:childTnLst>
+                          </p:cTn>
+                        </p:par>
+                      </p:childTnLst>
+                    </p:cTn>
+                  </p:par>
+                  <p:par>
+                    <p:cTn id="31" fill="hold">
+                      <p:stCondLst>
+                        <p:cond delay="indefinite"/>
+                      </p:stCondLst>
+                      <p:childTnLst>
+                        <p:par>
+                          <p:cTn id="32" fill="hold">
+                            <p:stCondLst>
+                              <p:cond delay="0"/>
+                            </p:stCondLst>
+                            <p:childTnLst>
+                              <p:par>
+                                <p:cTn id="33" presetID="1" presetClass="entr" presetSubtype="0" fill="hold" grpId="0" nodeType="clickEffect">
+                                  <p:stCondLst>
+                                    <p:cond delay="0"/>
+                                  </p:stCondLst>
+                                  <p:childTnLst>
+                                    <p:set>
+                                      <p:cBhvr>
+                                        <p:cTn id="34" dur="1" fill="hold">
+                                          <p:stCondLst>
+                                            <p:cond delay="0"/>
+                                          </p:stCondLst>
+                                        </p:cTn>
+                                        <p:tgtEl>
+                                          <p:spTgt spid="22"/>
                                         </p:tgtEl>
                                         <p:attrNameLst>
                                           <p:attrName>style.visibility</p:attrName>
@@ -6989,7 +6100,1484 @@
       </p:par>
     </p:tnLst>
     <p:bldLst>
+      <p:bldP spid="14" grpId="0"/>
+      <p:bldP spid="16" grpId="0" animBg="1"/>
+      <p:bldP spid="17" grpId="0"/>
+      <p:bldP spid="9" grpId="0" animBg="1"/>
+      <p:bldP spid="18" grpId="0" animBg="1"/>
+      <p:bldP spid="19" grpId="0"/>
+      <p:bldP spid="20" grpId="0"/>
+      <p:bldP spid="21" grpId="0"/>
+      <p:bldP spid="22" grpId="0"/>
+    </p:bldLst>
+  </p:timing>
+</p:sld>
+</file>
+
+<file path=ppt/slides/slide11.xml><?xml version="1.0" encoding="utf-8"?>
+<p:sld xmlns:a="http://schemas.openxmlformats.org/drawingml/2006/main" xmlns:r="http://schemas.openxmlformats.org/officeDocument/2006/relationships" xmlns:p="http://schemas.openxmlformats.org/presentationml/2006/main">
+  <p:cSld>
+    <p:spTree>
+      <p:nvGrpSpPr>
+        <p:cNvPr id="1" name=""/>
+        <p:cNvGrpSpPr/>
+        <p:nvPr/>
+      </p:nvGrpSpPr>
+      <p:grpSpPr>
+        <a:xfrm>
+          <a:off x="0" y="0"/>
+          <a:ext cx="0" cy="0"/>
+          <a:chOff x="0" y="0"/>
+          <a:chExt cx="0" cy="0"/>
+        </a:xfrm>
+      </p:grpSpPr>
+      <p:sp>
+        <p:nvSpPr>
+          <p:cNvPr id="13" name="Rectangle 12"/>
+          <p:cNvSpPr/>
+          <p:nvPr/>
+        </p:nvSpPr>
+        <p:spPr>
+          <a:xfrm>
+            <a:off x="381001" y="452846"/>
+            <a:ext cx="3657600" cy="2677656"/>
+          </a:xfrm>
+          <a:prstGeom prst="rect">
+            <a:avLst/>
+          </a:prstGeom>
+        </p:spPr>
+        <p:txBody>
+          <a:bodyPr wrap="square">
+            <a:spAutoFit/>
+          </a:bodyPr>
+          <a:lstStyle/>
+          <a:p>
+            <a:pPr marL="457200" indent="-457200">
+              <a:buFont typeface="+mj-lt"/>
+              <a:buAutoNum type="arabicPeriod"/>
+            </a:pPr>
+            <a:r>
+              <a:rPr lang="en-US" sz="2400" dirty="0" smtClean="0"/>
+              <a:t>compile parent and all children</a:t>
+            </a:r>
+          </a:p>
+          <a:p>
+            <a:pPr marL="457200" indent="-457200">
+              <a:buFont typeface="+mj-lt"/>
+              <a:buAutoNum type="arabicPeriod"/>
+            </a:pPr>
+            <a:r>
+              <a:rPr lang="en-US" sz="2400" dirty="0" smtClean="0"/>
+              <a:t>controller </a:t>
+            </a:r>
+            <a:r>
+              <a:rPr lang="en-US" sz="2400" dirty="0" err="1" smtClean="0"/>
+              <a:t>fn</a:t>
+            </a:r>
+            <a:r>
+              <a:rPr lang="en-US" sz="2400" dirty="0" smtClean="0"/>
+              <a:t> + pre-link for parent and down to children</a:t>
+            </a:r>
+          </a:p>
+          <a:p>
+            <a:pPr marL="457200" indent="-457200">
+              <a:buFont typeface="+mj-lt"/>
+              <a:buAutoNum type="arabicPeriod"/>
+            </a:pPr>
+            <a:r>
+              <a:rPr lang="en-US" sz="2400" dirty="0" smtClean="0"/>
+              <a:t>post-link from children up to parent</a:t>
+            </a:r>
+            <a:endParaRPr lang="en-US" sz="2400" dirty="0"/>
+          </a:p>
+        </p:txBody>
+      </p:sp>
+      <p:pic>
+        <p:nvPicPr>
+          <p:cNvPr id="2052" name="Picture 4" descr="https://assets.toptal.io/uploads/blog/image/611/toptal-blog-image-1412667594404.png"/>
+          <p:cNvPicPr>
+            <a:picLocks noChangeAspect="1" noChangeArrowheads="1"/>
+          </p:cNvPicPr>
+          <p:nvPr/>
+        </p:nvPicPr>
+        <p:blipFill>
+          <a:blip r:embed="rId3">
+            <a:extLst>
+              <a:ext uri="{28A0092B-C50C-407E-A947-70E740481C1C}">
+                <a14:useLocalDpi xmlns:a14="http://schemas.microsoft.com/office/drawing/2010/main" val="0"/>
+              </a:ext>
+            </a:extLst>
+          </a:blip>
+          <a:srcRect/>
+          <a:stretch>
+            <a:fillRect/>
+          </a:stretch>
+        </p:blipFill>
+        <p:spPr bwMode="auto">
+          <a:xfrm>
+            <a:off x="4191000" y="452846"/>
+            <a:ext cx="4609750" cy="5948065"/>
+          </a:xfrm>
+          <a:prstGeom prst="rect">
+            <a:avLst/>
+          </a:prstGeom>
+          <a:noFill/>
+          <a:extLst>
+            <a:ext uri="{909E8E84-426E-40DD-AFC4-6F175D3DCCD1}">
+              <a14:hiddenFill xmlns:a14="http://schemas.microsoft.com/office/drawing/2010/main">
+                <a:solidFill>
+                  <a:srgbClr val="FFFFFF"/>
+                </a:solidFill>
+              </a14:hiddenFill>
+            </a:ext>
+          </a:extLst>
+        </p:spPr>
+      </p:pic>
+      <p:sp>
+        <p:nvSpPr>
+          <p:cNvPr id="4" name="Rectangle 12"/>
+          <p:cNvSpPr/>
+          <p:nvPr/>
+        </p:nvSpPr>
+        <p:spPr>
+          <a:xfrm>
+            <a:off x="556733" y="3810000"/>
+            <a:ext cx="3306135" cy="1200329"/>
+          </a:xfrm>
+          <a:prstGeom prst="rect">
+            <a:avLst/>
+          </a:prstGeom>
+        </p:spPr>
+        <p:style>
+          <a:lnRef idx="2">
+            <a:schemeClr val="accent1"/>
+          </a:lnRef>
+          <a:fillRef idx="1">
+            <a:schemeClr val="lt1"/>
+          </a:fillRef>
+          <a:effectRef idx="0">
+            <a:schemeClr val="accent1"/>
+          </a:effectRef>
+          <a:fontRef idx="minor">
+            <a:schemeClr val="dk1"/>
+          </a:fontRef>
+        </p:style>
+        <p:txBody>
+          <a:bodyPr wrap="square">
+            <a:spAutoFit/>
+          </a:bodyPr>
+          <a:lstStyle/>
+          <a:p>
+            <a:r>
+              <a:rPr lang="en-US" sz="2400" dirty="0" smtClean="0"/>
+              <a:t>after all post link the digest cycle will run and resolve the expressions</a:t>
+            </a:r>
+            <a:endParaRPr lang="en-US" sz="2400" dirty="0">
+              <a:solidFill>
+                <a:srgbClr val="C00000"/>
+              </a:solidFill>
+            </a:endParaRPr>
+          </a:p>
+        </p:txBody>
+      </p:sp>
+      <p:sp>
+        <p:nvSpPr>
+          <p:cNvPr id="5" name="Rectangle 4"/>
+          <p:cNvSpPr/>
+          <p:nvPr/>
+        </p:nvSpPr>
+        <p:spPr>
+          <a:xfrm>
+            <a:off x="985716" y="5154447"/>
+            <a:ext cx="2444261" cy="523220"/>
+          </a:xfrm>
+          <a:prstGeom prst="rect">
+            <a:avLst/>
+          </a:prstGeom>
+        </p:spPr>
+        <p:txBody>
+          <a:bodyPr wrap="square">
+            <a:spAutoFit/>
+          </a:bodyPr>
+          <a:lstStyle/>
+          <a:p>
+            <a:r>
+              <a:rPr lang="en-US" sz="2800" b="1" dirty="0" smtClean="0"/>
+              <a:t>{{ expression }}</a:t>
+            </a:r>
+            <a:endParaRPr lang="ru-RU" sz="2800" b="1" dirty="0"/>
+          </a:p>
+        </p:txBody>
+      </p:sp>
+      <p:cxnSp>
+        <p:nvCxnSpPr>
+          <p:cNvPr id="3" name="Straight Arrow Connector 2"/>
+          <p:cNvCxnSpPr/>
+          <p:nvPr/>
+        </p:nvCxnSpPr>
+        <p:spPr>
+          <a:xfrm>
+            <a:off x="2209801" y="5677667"/>
+            <a:ext cx="0" cy="342133"/>
+          </a:xfrm>
+          <a:prstGeom prst="straightConnector1">
+            <a:avLst/>
+          </a:prstGeom>
+          <a:ln>
+            <a:tailEnd type="arrow"/>
+          </a:ln>
+        </p:spPr>
+        <p:style>
+          <a:lnRef idx="2">
+            <a:schemeClr val="dk1"/>
+          </a:lnRef>
+          <a:fillRef idx="0">
+            <a:schemeClr val="dk1"/>
+          </a:fillRef>
+          <a:effectRef idx="1">
+            <a:schemeClr val="dk1"/>
+          </a:effectRef>
+          <a:fontRef idx="minor">
+            <a:schemeClr val="tx1"/>
+          </a:fontRef>
+        </p:style>
+      </p:cxnSp>
+      <p:sp>
+        <p:nvSpPr>
+          <p:cNvPr id="8" name="Rectangle 7"/>
+          <p:cNvSpPr/>
+          <p:nvPr/>
+        </p:nvSpPr>
+        <p:spPr>
+          <a:xfrm>
+            <a:off x="1828801" y="6019800"/>
+            <a:ext cx="811334" cy="523220"/>
+          </a:xfrm>
+          <a:prstGeom prst="rect">
+            <a:avLst/>
+          </a:prstGeom>
+        </p:spPr>
+        <p:txBody>
+          <a:bodyPr wrap="square">
+            <a:spAutoFit/>
+          </a:bodyPr>
+          <a:lstStyle/>
+          <a:p>
+            <a:r>
+              <a:rPr lang="en-US" sz="2800" b="1" dirty="0" smtClean="0"/>
+              <a:t>yay!</a:t>
+            </a:r>
+            <a:endParaRPr lang="ru-RU" sz="2800" b="1" dirty="0"/>
+          </a:p>
+        </p:txBody>
+      </p:sp>
+    </p:spTree>
+    <p:extLst>
+      <p:ext uri="{BB962C8B-B14F-4D97-AF65-F5344CB8AC3E}">
+        <p14:creationId xmlns:p14="http://schemas.microsoft.com/office/powerpoint/2010/main" val="1626224951"/>
+      </p:ext>
+    </p:extLst>
+  </p:cSld>
+  <p:clrMapOvr>
+    <a:masterClrMapping/>
+  </p:clrMapOvr>
+  <mc:AlternateContent xmlns:mc="http://schemas.openxmlformats.org/markup-compatibility/2006" xmlns:p14="http://schemas.microsoft.com/office/powerpoint/2010/main">
+    <mc:Choice Requires="p14">
+      <p:transition spd="slow" p14:dur="2000"/>
+    </mc:Choice>
+    <mc:Fallback xmlns="">
+      <p:transition spd="slow"/>
+    </mc:Fallback>
+  </mc:AlternateContent>
+  <p:timing>
+    <p:tnLst>
+      <p:par>
+        <p:cTn id="1" dur="indefinite" restart="never" nodeType="tmRoot">
+          <p:childTnLst>
+            <p:seq concurrent="1" nextAc="seek">
+              <p:cTn id="2" dur="indefinite" nodeType="mainSeq">
+                <p:childTnLst>
+                  <p:par>
+                    <p:cTn id="3" fill="hold">
+                      <p:stCondLst>
+                        <p:cond delay="indefinite"/>
+                      </p:stCondLst>
+                      <p:childTnLst>
+                        <p:par>
+                          <p:cTn id="4" fill="hold">
+                            <p:stCondLst>
+                              <p:cond delay="0"/>
+                            </p:stCondLst>
+                            <p:childTnLst>
+                              <p:par>
+                                <p:cTn id="5" presetID="1" presetClass="entr" presetSubtype="0" fill="hold" grpId="0" nodeType="clickEffect">
+                                  <p:stCondLst>
+                                    <p:cond delay="0"/>
+                                  </p:stCondLst>
+                                  <p:childTnLst>
+                                    <p:set>
+                                      <p:cBhvr>
+                                        <p:cTn id="6" dur="1" fill="hold">
+                                          <p:stCondLst>
+                                            <p:cond delay="0"/>
+                                          </p:stCondLst>
+                                        </p:cTn>
+                                        <p:tgtEl>
+                                          <p:spTgt spid="4"/>
+                                        </p:tgtEl>
+                                        <p:attrNameLst>
+                                          <p:attrName>style.visibility</p:attrName>
+                                        </p:attrNameLst>
+                                      </p:cBhvr>
+                                      <p:to>
+                                        <p:strVal val="visible"/>
+                                      </p:to>
+                                    </p:set>
+                                  </p:childTnLst>
+                                </p:cTn>
+                              </p:par>
+                              <p:par>
+                                <p:cTn id="7" presetID="1" presetClass="entr" presetSubtype="0" fill="hold" grpId="0" nodeType="withEffect">
+                                  <p:stCondLst>
+                                    <p:cond delay="0"/>
+                                  </p:stCondLst>
+                                  <p:childTnLst>
+                                    <p:set>
+                                      <p:cBhvr>
+                                        <p:cTn id="8" dur="1" fill="hold">
+                                          <p:stCondLst>
+                                            <p:cond delay="0"/>
+                                          </p:stCondLst>
+                                        </p:cTn>
+                                        <p:tgtEl>
+                                          <p:spTgt spid="5"/>
+                                        </p:tgtEl>
+                                        <p:attrNameLst>
+                                          <p:attrName>style.visibility</p:attrName>
+                                        </p:attrNameLst>
+                                      </p:cBhvr>
+                                      <p:to>
+                                        <p:strVal val="visible"/>
+                                      </p:to>
+                                    </p:set>
+                                  </p:childTnLst>
+                                </p:cTn>
+                              </p:par>
+                              <p:par>
+                                <p:cTn id="9" presetID="1" presetClass="entr" presetSubtype="0" fill="hold" nodeType="withEffect">
+                                  <p:stCondLst>
+                                    <p:cond delay="0"/>
+                                  </p:stCondLst>
+                                  <p:childTnLst>
+                                    <p:set>
+                                      <p:cBhvr>
+                                        <p:cTn id="10" dur="1" fill="hold">
+                                          <p:stCondLst>
+                                            <p:cond delay="0"/>
+                                          </p:stCondLst>
+                                        </p:cTn>
+                                        <p:tgtEl>
+                                          <p:spTgt spid="3"/>
+                                        </p:tgtEl>
+                                        <p:attrNameLst>
+                                          <p:attrName>style.visibility</p:attrName>
+                                        </p:attrNameLst>
+                                      </p:cBhvr>
+                                      <p:to>
+                                        <p:strVal val="visible"/>
+                                      </p:to>
+                                    </p:set>
+                                  </p:childTnLst>
+                                </p:cTn>
+                              </p:par>
+                              <p:par>
+                                <p:cTn id="11" presetID="1" presetClass="entr" presetSubtype="0" fill="hold" grpId="0" nodeType="withEffect">
+                                  <p:stCondLst>
+                                    <p:cond delay="0"/>
+                                  </p:stCondLst>
+                                  <p:childTnLst>
+                                    <p:set>
+                                      <p:cBhvr>
+                                        <p:cTn id="12" dur="1" fill="hold">
+                                          <p:stCondLst>
+                                            <p:cond delay="0"/>
+                                          </p:stCondLst>
+                                        </p:cTn>
+                                        <p:tgtEl>
+                                          <p:spTgt spid="8"/>
+                                        </p:tgtEl>
+                                        <p:attrNameLst>
+                                          <p:attrName>style.visibility</p:attrName>
+                                        </p:attrNameLst>
+                                      </p:cBhvr>
+                                      <p:to>
+                                        <p:strVal val="visible"/>
+                                      </p:to>
+                                    </p:set>
+                                  </p:childTnLst>
+                                </p:cTn>
+                              </p:par>
+                            </p:childTnLst>
+                          </p:cTn>
+                        </p:par>
+                      </p:childTnLst>
+                    </p:cTn>
+                  </p:par>
+                </p:childTnLst>
+              </p:cTn>
+              <p:prevCondLst>
+                <p:cond evt="onPrev" delay="0">
+                  <p:tgtEl>
+                    <p:sldTgt/>
+                  </p:tgtEl>
+                </p:cond>
+              </p:prevCondLst>
+              <p:nextCondLst>
+                <p:cond evt="onNext" delay="0">
+                  <p:tgtEl>
+                    <p:sldTgt/>
+                  </p:tgtEl>
+                </p:cond>
+              </p:nextCondLst>
+            </p:seq>
+          </p:childTnLst>
+        </p:cTn>
+      </p:par>
+    </p:tnLst>
+    <p:bldLst>
+      <p:bldP spid="4" grpId="0" animBg="1"/>
+      <p:bldP spid="5" grpId="0"/>
+      <p:bldP spid="8" grpId="0"/>
+    </p:bldLst>
+  </p:timing>
+</p:sld>
+</file>
+
+<file path=ppt/slides/slide12.xml><?xml version="1.0" encoding="utf-8"?>
+<p:sld xmlns:a="http://schemas.openxmlformats.org/drawingml/2006/main" xmlns:r="http://schemas.openxmlformats.org/officeDocument/2006/relationships" xmlns:p="http://schemas.openxmlformats.org/presentationml/2006/main">
+  <p:cSld>
+    <p:spTree>
+      <p:nvGrpSpPr>
+        <p:cNvPr id="1" name=""/>
+        <p:cNvGrpSpPr/>
+        <p:nvPr/>
+      </p:nvGrpSpPr>
+      <p:grpSpPr>
+        <a:xfrm>
+          <a:off x="0" y="0"/>
+          <a:ext cx="0" cy="0"/>
+          <a:chOff x="0" y="0"/>
+          <a:chExt cx="0" cy="0"/>
+        </a:xfrm>
+      </p:grpSpPr>
+      <p:sp>
+        <p:nvSpPr>
+          <p:cNvPr id="11" name="Title 1"/>
+          <p:cNvSpPr>
+            <a:spLocks noGrp="1"/>
+          </p:cNvSpPr>
+          <p:nvPr>
+            <p:ph type="title"/>
+          </p:nvPr>
+        </p:nvSpPr>
+        <p:spPr>
+          <a:xfrm>
+            <a:off x="457200" y="274638"/>
+            <a:ext cx="8229600" cy="1143000"/>
+          </a:xfrm>
+        </p:spPr>
+        <p:txBody>
+          <a:bodyPr>
+            <a:normAutofit/>
+          </a:bodyPr>
+          <a:lstStyle/>
+          <a:p>
+            <a:r>
+              <a:rPr lang="en-US" dirty="0" smtClean="0">
+                <a:latin typeface="Rockwell" panose="02060603020205020403" pitchFamily="18" charset="0"/>
+                <a:cs typeface="Courier New" panose="02070309020205020404" pitchFamily="49" charset="0"/>
+              </a:rPr>
+              <a:t>Compile</a:t>
+            </a:r>
+            <a:endParaRPr lang="ru-RU" dirty="0">
+              <a:latin typeface="Courier New" panose="02070309020205020404" pitchFamily="49" charset="0"/>
+              <a:cs typeface="Courier New" panose="02070309020205020404" pitchFamily="49" charset="0"/>
+            </a:endParaRPr>
+          </a:p>
+        </p:txBody>
+      </p:sp>
+      <p:sp>
+        <p:nvSpPr>
+          <p:cNvPr id="4" name="Rectangle 3"/>
+          <p:cNvSpPr/>
+          <p:nvPr/>
+        </p:nvSpPr>
+        <p:spPr>
+          <a:xfrm>
+            <a:off x="810206" y="1143000"/>
+            <a:ext cx="7523599" cy="369332"/>
+          </a:xfrm>
+          <a:prstGeom prst="rect">
+            <a:avLst/>
+          </a:prstGeom>
+        </p:spPr>
+        <p:txBody>
+          <a:bodyPr wrap="none">
+            <a:spAutoFit/>
+          </a:bodyPr>
+          <a:lstStyle/>
+          <a:p>
+            <a:pPr algn="ctr"/>
+            <a:r>
+              <a:rPr lang="en-US" dirty="0" smtClean="0"/>
+              <a:t>the process of analyzing all directives in template and attaching them to HTML</a:t>
+            </a:r>
+            <a:endParaRPr lang="ru-RU" dirty="0"/>
+          </a:p>
+        </p:txBody>
+      </p:sp>
+      <p:sp>
+        <p:nvSpPr>
+          <p:cNvPr id="5" name="Rectangle 4"/>
+          <p:cNvSpPr/>
+          <p:nvPr/>
+        </p:nvSpPr>
+        <p:spPr>
+          <a:xfrm>
+            <a:off x="467409" y="1676400"/>
+            <a:ext cx="8143191" cy="369332"/>
+          </a:xfrm>
+          <a:prstGeom prst="rect">
+            <a:avLst/>
+          </a:prstGeom>
+        </p:spPr>
+        <p:txBody>
+          <a:bodyPr wrap="none">
+            <a:spAutoFit/>
+          </a:bodyPr>
+          <a:lstStyle/>
+          <a:p>
+            <a:r>
+              <a:rPr lang="en-US" dirty="0" smtClean="0"/>
+              <a:t>it’s possible to add directives / expressions dynamically during the compilation phase</a:t>
+            </a:r>
+            <a:endParaRPr lang="ru-RU" dirty="0"/>
+          </a:p>
+        </p:txBody>
+      </p:sp>
+      <p:sp>
+        <p:nvSpPr>
+          <p:cNvPr id="6" name="Rectangle 5"/>
+          <p:cNvSpPr>
+            <a:spLocks noChangeArrowheads="1"/>
+          </p:cNvSpPr>
+          <p:nvPr/>
+        </p:nvSpPr>
+        <p:spPr bwMode="auto">
+          <a:xfrm>
+            <a:off x="2209800" y="2380694"/>
+            <a:ext cx="5257800" cy="2418712"/>
+          </a:xfrm>
+          <a:prstGeom prst="rect">
+            <a:avLst/>
+          </a:prstGeom>
+          <a:solidFill>
+            <a:srgbClr val="F5F2F0"/>
+          </a:solidFill>
+          <a:ln>
+            <a:noFill/>
+          </a:ln>
+          <a:effectLst/>
+          <a:extLst>
+            <a:ext uri="{91240B29-F687-4F45-9708-019B960494DF}">
+              <a14:hiddenLine xmlns:a14="http://schemas.microsoft.com/office/drawing/2010/main" w="9525">
+                <a:solidFill>
+                  <a:schemeClr val="tx1"/>
+                </a:solidFill>
+                <a:miter lim="800000"/>
+                <a:headEnd/>
+                <a:tailEnd/>
+              </a14:hiddenLine>
+            </a:ext>
+            <a:ext uri="{AF507438-7753-43E0-B8FC-AC1667EBCBE1}">
+              <a14:hiddenEffects xmlns:a14="http://schemas.microsoft.com/office/drawing/2010/main">
+                <a:effectLst>
+                  <a:outerShdw dist="35921" dir="2700000" algn="ctr" rotWithShape="0">
+                    <a:schemeClr val="bg2"/>
+                  </a:outerShdw>
+                </a:effectLst>
+              </a14:hiddenEffects>
+            </a:ext>
+          </a:extLst>
+        </p:spPr>
+        <p:txBody>
+          <a:bodyPr vert="horz" wrap="square" lIns="108000" tIns="108000" rIns="108000" bIns="108000" numCol="1" anchor="ctr" anchorCtr="0" compatLnSpc="1">
+            <a:prstTxWarp prst="textNoShape">
+              <a:avLst/>
+            </a:prstTxWarp>
+            <a:spAutoFit/>
+          </a:bodyPr>
+          <a:lstStyle/>
+          <a:p>
+            <a:pPr lvl="0" eaLnBrk="0" fontAlgn="base" hangingPunct="0">
+              <a:spcBef>
+                <a:spcPct val="0"/>
+              </a:spcBef>
+              <a:spcAft>
+                <a:spcPct val="0"/>
+              </a:spcAft>
+            </a:pPr>
+            <a:r>
+              <a:rPr lang="en-US" altLang="en-US" sz="1100" b="1" i="1" dirty="0" err="1">
+                <a:solidFill>
+                  <a:srgbClr val="660E7A"/>
+                </a:solidFill>
+                <a:latin typeface="Courier New" panose="02070309020205020404" pitchFamily="49" charset="0"/>
+                <a:cs typeface="Courier New" panose="02070309020205020404" pitchFamily="49" charset="0"/>
+              </a:rPr>
+              <a:t>App</a:t>
+            </a:r>
+            <a:r>
+              <a:rPr lang="en-US" altLang="en-US" sz="1100" dirty="0" err="1">
+                <a:solidFill>
+                  <a:srgbClr val="000000"/>
+                </a:solidFill>
+                <a:latin typeface="Courier New" panose="02070309020205020404" pitchFamily="49" charset="0"/>
+                <a:cs typeface="Courier New" panose="02070309020205020404" pitchFamily="49" charset="0"/>
+              </a:rPr>
+              <a:t>.</a:t>
+            </a:r>
+            <a:r>
+              <a:rPr lang="en-US" altLang="en-US" sz="1100" b="1" dirty="0" err="1">
+                <a:solidFill>
+                  <a:srgbClr val="660E7A"/>
+                </a:solidFill>
+                <a:latin typeface="Courier New" panose="02070309020205020404" pitchFamily="49" charset="0"/>
+                <a:cs typeface="Courier New" panose="02070309020205020404" pitchFamily="49" charset="0"/>
+              </a:rPr>
+              <a:t>directive</a:t>
+            </a:r>
+            <a:r>
+              <a:rPr lang="en-US" altLang="en-US" sz="1100" dirty="0">
+                <a:solidFill>
+                  <a:srgbClr val="000000"/>
+                </a:solidFill>
+                <a:latin typeface="Courier New" panose="02070309020205020404" pitchFamily="49" charset="0"/>
+                <a:cs typeface="Courier New" panose="02070309020205020404" pitchFamily="49" charset="0"/>
+              </a:rPr>
+              <a:t>(</a:t>
+            </a:r>
+            <a:r>
+              <a:rPr lang="en-US" altLang="en-US" sz="1100" b="1" dirty="0">
+                <a:solidFill>
+                  <a:srgbClr val="008000"/>
+                </a:solidFill>
+                <a:latin typeface="Courier New" panose="02070309020205020404" pitchFamily="49" charset="0"/>
+                <a:cs typeface="Courier New" panose="02070309020205020404" pitchFamily="49" charset="0"/>
+              </a:rPr>
+              <a:t>'</a:t>
+            </a:r>
+            <a:r>
+              <a:rPr lang="en-US" altLang="en-US" sz="1100" b="1" dirty="0" err="1">
+                <a:solidFill>
+                  <a:srgbClr val="008000"/>
+                </a:solidFill>
+                <a:latin typeface="Courier New" panose="02070309020205020404" pitchFamily="49" charset="0"/>
+                <a:cs typeface="Courier New" panose="02070309020205020404" pitchFamily="49" charset="0"/>
+              </a:rPr>
+              <a:t>compileTest</a:t>
+            </a:r>
+            <a:r>
+              <a:rPr lang="en-US" altLang="en-US" sz="1100" b="1" dirty="0">
+                <a:solidFill>
+                  <a:srgbClr val="008000"/>
+                </a:solidFill>
+                <a:latin typeface="Courier New" panose="02070309020205020404" pitchFamily="49" charset="0"/>
+                <a:cs typeface="Courier New" panose="02070309020205020404" pitchFamily="49" charset="0"/>
+              </a:rPr>
+              <a:t>'</a:t>
+            </a:r>
+            <a:r>
+              <a:rPr lang="en-US" altLang="en-US" sz="1100" dirty="0">
+                <a:solidFill>
+                  <a:srgbClr val="000000"/>
+                </a:solidFill>
+                <a:latin typeface="Courier New" panose="02070309020205020404" pitchFamily="49" charset="0"/>
+                <a:cs typeface="Courier New" panose="02070309020205020404" pitchFamily="49" charset="0"/>
+              </a:rPr>
+              <a:t>, </a:t>
+            </a:r>
+            <a:r>
+              <a:rPr lang="en-US" altLang="en-US" sz="1100" b="1" dirty="0">
+                <a:solidFill>
+                  <a:srgbClr val="000080"/>
+                </a:solidFill>
+                <a:latin typeface="Courier New" panose="02070309020205020404" pitchFamily="49" charset="0"/>
+                <a:cs typeface="Courier New" panose="02070309020205020404" pitchFamily="49" charset="0"/>
+              </a:rPr>
+              <a:t>function</a:t>
+            </a:r>
+            <a:r>
+              <a:rPr lang="en-US" altLang="en-US" sz="1100" dirty="0">
+                <a:solidFill>
+                  <a:srgbClr val="000000"/>
+                </a:solidFill>
+                <a:latin typeface="Courier New" panose="02070309020205020404" pitchFamily="49" charset="0"/>
+                <a:cs typeface="Courier New" panose="02070309020205020404" pitchFamily="49" charset="0"/>
+              </a:rPr>
+              <a:t>() {</a:t>
+            </a:r>
+            <a:br>
+              <a:rPr lang="en-US" altLang="en-US" sz="1100" dirty="0">
+                <a:solidFill>
+                  <a:srgbClr val="000000"/>
+                </a:solidFill>
+                <a:latin typeface="Courier New" panose="02070309020205020404" pitchFamily="49" charset="0"/>
+                <a:cs typeface="Courier New" panose="02070309020205020404" pitchFamily="49" charset="0"/>
+              </a:rPr>
+            </a:br>
+            <a:r>
+              <a:rPr lang="en-US" altLang="en-US" sz="1100" dirty="0">
+                <a:solidFill>
+                  <a:srgbClr val="000000"/>
+                </a:solidFill>
+                <a:latin typeface="Courier New" panose="02070309020205020404" pitchFamily="49" charset="0"/>
+                <a:cs typeface="Courier New" panose="02070309020205020404" pitchFamily="49" charset="0"/>
+              </a:rPr>
+              <a:t>    </a:t>
+            </a:r>
+            <a:r>
+              <a:rPr lang="en-US" altLang="en-US" sz="1100" b="1" dirty="0">
+                <a:solidFill>
+                  <a:srgbClr val="000080"/>
+                </a:solidFill>
+                <a:latin typeface="Courier New" panose="02070309020205020404" pitchFamily="49" charset="0"/>
+                <a:cs typeface="Courier New" panose="02070309020205020404" pitchFamily="49" charset="0"/>
+              </a:rPr>
+              <a:t>return </a:t>
+            </a:r>
+            <a:r>
+              <a:rPr lang="en-US" altLang="en-US" sz="1100" dirty="0">
+                <a:solidFill>
+                  <a:srgbClr val="000000"/>
+                </a:solidFill>
+                <a:latin typeface="Courier New" panose="02070309020205020404" pitchFamily="49" charset="0"/>
+                <a:cs typeface="Courier New" panose="02070309020205020404" pitchFamily="49" charset="0"/>
+              </a:rPr>
+              <a:t>{</a:t>
+            </a:r>
+            <a:br>
+              <a:rPr lang="en-US" altLang="en-US" sz="1100" dirty="0">
+                <a:solidFill>
+                  <a:srgbClr val="000000"/>
+                </a:solidFill>
+                <a:latin typeface="Courier New" panose="02070309020205020404" pitchFamily="49" charset="0"/>
+                <a:cs typeface="Courier New" panose="02070309020205020404" pitchFamily="49" charset="0"/>
+              </a:rPr>
+            </a:br>
+            <a:r>
+              <a:rPr lang="en-US" altLang="en-US" sz="1100" dirty="0">
+                <a:solidFill>
+                  <a:srgbClr val="000000"/>
+                </a:solidFill>
+                <a:latin typeface="Courier New" panose="02070309020205020404" pitchFamily="49" charset="0"/>
+                <a:cs typeface="Courier New" panose="02070309020205020404" pitchFamily="49" charset="0"/>
+              </a:rPr>
+              <a:t>        </a:t>
+            </a:r>
+            <a:r>
+              <a:rPr lang="en-US" altLang="en-US" sz="1100" b="1" dirty="0">
+                <a:solidFill>
+                  <a:srgbClr val="660E7A"/>
+                </a:solidFill>
+                <a:latin typeface="Courier New" panose="02070309020205020404" pitchFamily="49" charset="0"/>
+                <a:cs typeface="Courier New" panose="02070309020205020404" pitchFamily="49" charset="0"/>
+              </a:rPr>
+              <a:t>scope</a:t>
+            </a:r>
+            <a:r>
+              <a:rPr lang="en-US" altLang="en-US" sz="1100" dirty="0">
+                <a:solidFill>
+                  <a:srgbClr val="000000"/>
+                </a:solidFill>
+                <a:latin typeface="Courier New" panose="02070309020205020404" pitchFamily="49" charset="0"/>
+                <a:cs typeface="Courier New" panose="02070309020205020404" pitchFamily="49" charset="0"/>
+              </a:rPr>
+              <a:t>: {},</a:t>
+            </a:r>
+            <a:br>
+              <a:rPr lang="en-US" altLang="en-US" sz="1100" dirty="0">
+                <a:solidFill>
+                  <a:srgbClr val="000000"/>
+                </a:solidFill>
+                <a:latin typeface="Courier New" panose="02070309020205020404" pitchFamily="49" charset="0"/>
+                <a:cs typeface="Courier New" panose="02070309020205020404" pitchFamily="49" charset="0"/>
+              </a:rPr>
+            </a:br>
+            <a:r>
+              <a:rPr lang="en-US" altLang="en-US" sz="1100" dirty="0">
+                <a:solidFill>
+                  <a:srgbClr val="000000"/>
+                </a:solidFill>
+                <a:latin typeface="Courier New" panose="02070309020205020404" pitchFamily="49" charset="0"/>
+                <a:cs typeface="Courier New" panose="02070309020205020404" pitchFamily="49" charset="0"/>
+              </a:rPr>
+              <a:t>        compile: </a:t>
+            </a:r>
+            <a:r>
+              <a:rPr lang="en-US" altLang="en-US" sz="1100" b="1" dirty="0">
+                <a:solidFill>
+                  <a:srgbClr val="000080"/>
+                </a:solidFill>
+                <a:latin typeface="Courier New" panose="02070309020205020404" pitchFamily="49" charset="0"/>
+                <a:cs typeface="Courier New" panose="02070309020205020404" pitchFamily="49" charset="0"/>
+              </a:rPr>
+              <a:t>function</a:t>
+            </a:r>
+            <a:r>
+              <a:rPr lang="en-US" altLang="en-US" sz="1100" dirty="0">
+                <a:solidFill>
+                  <a:srgbClr val="000000"/>
+                </a:solidFill>
+                <a:latin typeface="Courier New" panose="02070309020205020404" pitchFamily="49" charset="0"/>
+                <a:cs typeface="Courier New" panose="02070309020205020404" pitchFamily="49" charset="0"/>
+              </a:rPr>
+              <a:t>(el, </a:t>
+            </a:r>
+            <a:r>
+              <a:rPr lang="en-US" altLang="en-US" sz="1100" dirty="0" err="1">
+                <a:solidFill>
+                  <a:srgbClr val="000000"/>
+                </a:solidFill>
+                <a:latin typeface="Courier New" panose="02070309020205020404" pitchFamily="49" charset="0"/>
+                <a:cs typeface="Courier New" panose="02070309020205020404" pitchFamily="49" charset="0"/>
+              </a:rPr>
+              <a:t>attrs</a:t>
+            </a:r>
+            <a:r>
+              <a:rPr lang="en-US" altLang="en-US" sz="1100" dirty="0">
+                <a:solidFill>
+                  <a:srgbClr val="000000"/>
+                </a:solidFill>
+                <a:latin typeface="Courier New" panose="02070309020205020404" pitchFamily="49" charset="0"/>
+                <a:cs typeface="Courier New" panose="02070309020205020404" pitchFamily="49" charset="0"/>
+              </a:rPr>
+              <a:t>) {</a:t>
+            </a:r>
+            <a:br>
+              <a:rPr lang="en-US" altLang="en-US" sz="1100" dirty="0">
+                <a:solidFill>
+                  <a:srgbClr val="000000"/>
+                </a:solidFill>
+                <a:latin typeface="Courier New" panose="02070309020205020404" pitchFamily="49" charset="0"/>
+                <a:cs typeface="Courier New" panose="02070309020205020404" pitchFamily="49" charset="0"/>
+              </a:rPr>
+            </a:br>
+            <a:r>
+              <a:rPr lang="en-US" altLang="en-US" sz="1100" dirty="0">
+                <a:solidFill>
+                  <a:srgbClr val="000000"/>
+                </a:solidFill>
+                <a:latin typeface="Courier New" panose="02070309020205020404" pitchFamily="49" charset="0"/>
+                <a:cs typeface="Courier New" panose="02070309020205020404" pitchFamily="49" charset="0"/>
+              </a:rPr>
+              <a:t>            </a:t>
+            </a:r>
+            <a:r>
+              <a:rPr lang="en-US" altLang="en-US" sz="1100" dirty="0" err="1">
+                <a:solidFill>
+                  <a:srgbClr val="000000"/>
+                </a:solidFill>
+                <a:latin typeface="Courier New" panose="02070309020205020404" pitchFamily="49" charset="0"/>
+                <a:cs typeface="Courier New" panose="02070309020205020404" pitchFamily="49" charset="0"/>
+              </a:rPr>
+              <a:t>el.</a:t>
+            </a:r>
+            <a:r>
+              <a:rPr lang="en-US" altLang="en-US" sz="1100" dirty="0" err="1">
+                <a:solidFill>
+                  <a:srgbClr val="7A7A43"/>
+                </a:solidFill>
+                <a:latin typeface="Courier New" panose="02070309020205020404" pitchFamily="49" charset="0"/>
+                <a:cs typeface="Courier New" panose="02070309020205020404" pitchFamily="49" charset="0"/>
+              </a:rPr>
+              <a:t>append</a:t>
+            </a:r>
+            <a:r>
+              <a:rPr lang="en-US" altLang="en-US" sz="1100" dirty="0">
+                <a:solidFill>
+                  <a:srgbClr val="000000"/>
+                </a:solidFill>
+                <a:latin typeface="Courier New" panose="02070309020205020404" pitchFamily="49" charset="0"/>
+                <a:cs typeface="Courier New" panose="02070309020205020404" pitchFamily="49" charset="0"/>
+              </a:rPr>
+              <a:t>(</a:t>
+            </a:r>
+            <a:r>
+              <a:rPr lang="en-US" altLang="en-US" sz="1100" b="1" dirty="0">
+                <a:solidFill>
+                  <a:srgbClr val="008000"/>
+                </a:solidFill>
+                <a:latin typeface="Courier New" panose="02070309020205020404" pitchFamily="49" charset="0"/>
+                <a:cs typeface="Courier New" panose="02070309020205020404" pitchFamily="49" charset="0"/>
+              </a:rPr>
+              <a:t>"{{ name }} {{ 1+ 2}}"</a:t>
+            </a:r>
+            <a:r>
+              <a:rPr lang="en-US" altLang="en-US" sz="1100" dirty="0">
+                <a:solidFill>
+                  <a:srgbClr val="000000"/>
+                </a:solidFill>
+                <a:latin typeface="Courier New" panose="02070309020205020404" pitchFamily="49" charset="0"/>
+                <a:cs typeface="Courier New" panose="02070309020205020404" pitchFamily="49" charset="0"/>
+              </a:rPr>
+              <a:t>);</a:t>
+            </a:r>
+            <a:br>
+              <a:rPr lang="en-US" altLang="en-US" sz="1100" dirty="0">
+                <a:solidFill>
+                  <a:srgbClr val="000000"/>
+                </a:solidFill>
+                <a:latin typeface="Courier New" panose="02070309020205020404" pitchFamily="49" charset="0"/>
+                <a:cs typeface="Courier New" panose="02070309020205020404" pitchFamily="49" charset="0"/>
+              </a:rPr>
+            </a:br>
+            <a:r>
+              <a:rPr lang="en-US" altLang="en-US" sz="1100" dirty="0">
+                <a:solidFill>
+                  <a:srgbClr val="000000"/>
+                </a:solidFill>
+                <a:latin typeface="Courier New" panose="02070309020205020404" pitchFamily="49" charset="0"/>
+                <a:cs typeface="Courier New" panose="02070309020205020404" pitchFamily="49" charset="0"/>
+              </a:rPr>
+              <a:t>            </a:t>
+            </a:r>
+            <a:r>
+              <a:rPr lang="en-US" altLang="en-US" sz="1100" b="1" dirty="0">
+                <a:solidFill>
+                  <a:srgbClr val="000080"/>
+                </a:solidFill>
+                <a:latin typeface="Courier New" panose="02070309020205020404" pitchFamily="49" charset="0"/>
+                <a:cs typeface="Courier New" panose="02070309020205020404" pitchFamily="49" charset="0"/>
+              </a:rPr>
+              <a:t>return </a:t>
+            </a:r>
+            <a:r>
+              <a:rPr lang="en-US" altLang="en-US" sz="1100" dirty="0">
+                <a:solidFill>
+                  <a:srgbClr val="000000"/>
+                </a:solidFill>
+                <a:latin typeface="Courier New" panose="02070309020205020404" pitchFamily="49" charset="0"/>
+                <a:cs typeface="Courier New" panose="02070309020205020404" pitchFamily="49" charset="0"/>
+              </a:rPr>
+              <a:t>{</a:t>
+            </a:r>
+            <a:br>
+              <a:rPr lang="en-US" altLang="en-US" sz="1100" dirty="0">
+                <a:solidFill>
+                  <a:srgbClr val="000000"/>
+                </a:solidFill>
+                <a:latin typeface="Courier New" panose="02070309020205020404" pitchFamily="49" charset="0"/>
+                <a:cs typeface="Courier New" panose="02070309020205020404" pitchFamily="49" charset="0"/>
+              </a:rPr>
+            </a:br>
+            <a:r>
+              <a:rPr lang="en-US" altLang="en-US" sz="1100" dirty="0">
+                <a:solidFill>
+                  <a:srgbClr val="000000"/>
+                </a:solidFill>
+                <a:latin typeface="Courier New" panose="02070309020205020404" pitchFamily="49" charset="0"/>
+                <a:cs typeface="Courier New" panose="02070309020205020404" pitchFamily="49" charset="0"/>
+              </a:rPr>
+              <a:t>                </a:t>
+            </a:r>
+            <a:r>
+              <a:rPr lang="en-US" altLang="en-US" sz="1100" dirty="0">
+                <a:solidFill>
+                  <a:srgbClr val="7A7A43"/>
+                </a:solidFill>
+                <a:latin typeface="Courier New" panose="02070309020205020404" pitchFamily="49" charset="0"/>
+                <a:cs typeface="Courier New" panose="02070309020205020404" pitchFamily="49" charset="0"/>
+              </a:rPr>
+              <a:t>post</a:t>
+            </a:r>
+            <a:r>
+              <a:rPr lang="en-US" altLang="en-US" sz="1100" dirty="0">
+                <a:solidFill>
+                  <a:srgbClr val="000000"/>
+                </a:solidFill>
+                <a:latin typeface="Courier New" panose="02070309020205020404" pitchFamily="49" charset="0"/>
+                <a:cs typeface="Courier New" panose="02070309020205020404" pitchFamily="49" charset="0"/>
+              </a:rPr>
+              <a:t>: </a:t>
+            </a:r>
+            <a:r>
+              <a:rPr lang="en-US" altLang="en-US" sz="1100" b="1" dirty="0">
+                <a:solidFill>
+                  <a:srgbClr val="000080"/>
+                </a:solidFill>
+                <a:latin typeface="Courier New" panose="02070309020205020404" pitchFamily="49" charset="0"/>
+                <a:cs typeface="Courier New" panose="02070309020205020404" pitchFamily="49" charset="0"/>
+              </a:rPr>
+              <a:t>function</a:t>
+            </a:r>
+            <a:r>
+              <a:rPr lang="en-US" altLang="en-US" sz="1100" dirty="0">
+                <a:solidFill>
+                  <a:srgbClr val="000000"/>
+                </a:solidFill>
+                <a:latin typeface="Courier New" panose="02070309020205020404" pitchFamily="49" charset="0"/>
+                <a:cs typeface="Courier New" panose="02070309020205020404" pitchFamily="49" charset="0"/>
+              </a:rPr>
+              <a:t>(scope, el, </a:t>
+            </a:r>
+            <a:r>
+              <a:rPr lang="en-US" altLang="en-US" sz="1100" dirty="0" err="1">
+                <a:solidFill>
+                  <a:srgbClr val="000000"/>
+                </a:solidFill>
+                <a:latin typeface="Courier New" panose="02070309020205020404" pitchFamily="49" charset="0"/>
+                <a:cs typeface="Courier New" panose="02070309020205020404" pitchFamily="49" charset="0"/>
+              </a:rPr>
+              <a:t>attrs</a:t>
+            </a:r>
+            <a:r>
+              <a:rPr lang="en-US" altLang="en-US" sz="1100" dirty="0">
+                <a:solidFill>
+                  <a:srgbClr val="000000"/>
+                </a:solidFill>
+                <a:latin typeface="Courier New" panose="02070309020205020404" pitchFamily="49" charset="0"/>
+                <a:cs typeface="Courier New" panose="02070309020205020404" pitchFamily="49" charset="0"/>
+              </a:rPr>
+              <a:t>) {</a:t>
+            </a:r>
+            <a:br>
+              <a:rPr lang="en-US" altLang="en-US" sz="1100" dirty="0">
+                <a:solidFill>
+                  <a:srgbClr val="000000"/>
+                </a:solidFill>
+                <a:latin typeface="Courier New" panose="02070309020205020404" pitchFamily="49" charset="0"/>
+                <a:cs typeface="Courier New" panose="02070309020205020404" pitchFamily="49" charset="0"/>
+              </a:rPr>
+            </a:br>
+            <a:r>
+              <a:rPr lang="en-US" altLang="en-US" sz="1100" dirty="0">
+                <a:solidFill>
+                  <a:srgbClr val="000000"/>
+                </a:solidFill>
+                <a:latin typeface="Courier New" panose="02070309020205020404" pitchFamily="49" charset="0"/>
+                <a:cs typeface="Courier New" panose="02070309020205020404" pitchFamily="49" charset="0"/>
+              </a:rPr>
+              <a:t>                    </a:t>
+            </a:r>
+            <a:r>
+              <a:rPr lang="en-US" altLang="en-US" sz="1100" dirty="0" err="1">
+                <a:solidFill>
+                  <a:srgbClr val="000000"/>
+                </a:solidFill>
+                <a:latin typeface="Courier New" panose="02070309020205020404" pitchFamily="49" charset="0"/>
+                <a:cs typeface="Courier New" panose="02070309020205020404" pitchFamily="49" charset="0"/>
+              </a:rPr>
+              <a:t>el.</a:t>
+            </a:r>
+            <a:r>
+              <a:rPr lang="en-US" altLang="en-US" sz="1100" dirty="0" err="1">
+                <a:solidFill>
+                  <a:srgbClr val="7A7A43"/>
+                </a:solidFill>
+                <a:latin typeface="Courier New" panose="02070309020205020404" pitchFamily="49" charset="0"/>
+                <a:cs typeface="Courier New" panose="02070309020205020404" pitchFamily="49" charset="0"/>
+              </a:rPr>
+              <a:t>append</a:t>
+            </a:r>
+            <a:r>
+              <a:rPr lang="en-US" altLang="en-US" sz="1100" dirty="0">
+                <a:solidFill>
+                  <a:srgbClr val="000000"/>
+                </a:solidFill>
+                <a:latin typeface="Courier New" panose="02070309020205020404" pitchFamily="49" charset="0"/>
+                <a:cs typeface="Courier New" panose="02070309020205020404" pitchFamily="49" charset="0"/>
+              </a:rPr>
+              <a:t>(</a:t>
+            </a:r>
+            <a:r>
+              <a:rPr lang="en-US" altLang="en-US" sz="1100" b="1" dirty="0">
+                <a:solidFill>
+                  <a:srgbClr val="008000"/>
+                </a:solidFill>
+                <a:latin typeface="Courier New" panose="02070309020205020404" pitchFamily="49" charset="0"/>
+                <a:cs typeface="Courier New" panose="02070309020205020404" pitchFamily="49" charset="0"/>
+              </a:rPr>
+              <a:t>"&lt;</a:t>
+            </a:r>
+            <a:r>
+              <a:rPr lang="en-US" altLang="en-US" sz="1100" b="1" dirty="0" err="1">
+                <a:solidFill>
+                  <a:srgbClr val="008000"/>
+                </a:solidFill>
+                <a:latin typeface="Courier New" panose="02070309020205020404" pitchFamily="49" charset="0"/>
+                <a:cs typeface="Courier New" panose="02070309020205020404" pitchFamily="49" charset="0"/>
+              </a:rPr>
+              <a:t>br</a:t>
+            </a:r>
+            <a:r>
+              <a:rPr lang="en-US" altLang="en-US" sz="1100" b="1" dirty="0">
+                <a:solidFill>
+                  <a:srgbClr val="008000"/>
+                </a:solidFill>
+                <a:latin typeface="Courier New" panose="02070309020205020404" pitchFamily="49" charset="0"/>
+                <a:cs typeface="Courier New" panose="02070309020205020404" pitchFamily="49" charset="0"/>
+              </a:rPr>
+              <a:t>&gt;&lt;</a:t>
+            </a:r>
+            <a:r>
+              <a:rPr lang="en-US" altLang="en-US" sz="1100" b="1" dirty="0" err="1">
+                <a:solidFill>
+                  <a:srgbClr val="008000"/>
+                </a:solidFill>
+                <a:latin typeface="Courier New" panose="02070309020205020404" pitchFamily="49" charset="0"/>
+                <a:cs typeface="Courier New" panose="02070309020205020404" pitchFamily="49" charset="0"/>
+              </a:rPr>
+              <a:t>i</a:t>
+            </a:r>
+            <a:r>
+              <a:rPr lang="en-US" altLang="en-US" sz="1100" b="1" dirty="0">
+                <a:solidFill>
+                  <a:srgbClr val="008000"/>
+                </a:solidFill>
+                <a:latin typeface="Courier New" panose="02070309020205020404" pitchFamily="49" charset="0"/>
+                <a:cs typeface="Courier New" panose="02070309020205020404" pitchFamily="49" charset="0"/>
+              </a:rPr>
+              <a:t>&gt;{{ name }}&lt;/</a:t>
+            </a:r>
+            <a:r>
+              <a:rPr lang="en-US" altLang="en-US" sz="1100" b="1" dirty="0" err="1">
+                <a:solidFill>
+                  <a:srgbClr val="008000"/>
+                </a:solidFill>
+                <a:latin typeface="Courier New" panose="02070309020205020404" pitchFamily="49" charset="0"/>
+                <a:cs typeface="Courier New" panose="02070309020205020404" pitchFamily="49" charset="0"/>
+              </a:rPr>
+              <a:t>i</a:t>
+            </a:r>
+            <a:r>
+              <a:rPr lang="en-US" altLang="en-US" sz="1100" b="1" dirty="0">
+                <a:solidFill>
+                  <a:srgbClr val="008000"/>
+                </a:solidFill>
+                <a:latin typeface="Courier New" panose="02070309020205020404" pitchFamily="49" charset="0"/>
+                <a:cs typeface="Courier New" panose="02070309020205020404" pitchFamily="49" charset="0"/>
+              </a:rPr>
+              <a:t>&gt;"</a:t>
+            </a:r>
+            <a:r>
+              <a:rPr lang="en-US" altLang="en-US" sz="1100" dirty="0">
+                <a:solidFill>
+                  <a:srgbClr val="000000"/>
+                </a:solidFill>
+                <a:latin typeface="Courier New" panose="02070309020205020404" pitchFamily="49" charset="0"/>
+                <a:cs typeface="Courier New" panose="02070309020205020404" pitchFamily="49" charset="0"/>
+              </a:rPr>
+              <a:t>)</a:t>
+            </a:r>
+            <a:br>
+              <a:rPr lang="en-US" altLang="en-US" sz="1100" dirty="0">
+                <a:solidFill>
+                  <a:srgbClr val="000000"/>
+                </a:solidFill>
+                <a:latin typeface="Courier New" panose="02070309020205020404" pitchFamily="49" charset="0"/>
+                <a:cs typeface="Courier New" panose="02070309020205020404" pitchFamily="49" charset="0"/>
+              </a:rPr>
+            </a:br>
+            <a:r>
+              <a:rPr lang="en-US" altLang="en-US" sz="1100" dirty="0">
+                <a:solidFill>
+                  <a:srgbClr val="000000"/>
+                </a:solidFill>
+                <a:latin typeface="Courier New" panose="02070309020205020404" pitchFamily="49" charset="0"/>
+                <a:cs typeface="Courier New" panose="02070309020205020404" pitchFamily="49" charset="0"/>
+              </a:rPr>
+              <a:t>                }</a:t>
+            </a:r>
+            <a:br>
+              <a:rPr lang="en-US" altLang="en-US" sz="1100" dirty="0">
+                <a:solidFill>
+                  <a:srgbClr val="000000"/>
+                </a:solidFill>
+                <a:latin typeface="Courier New" panose="02070309020205020404" pitchFamily="49" charset="0"/>
+                <a:cs typeface="Courier New" panose="02070309020205020404" pitchFamily="49" charset="0"/>
+              </a:rPr>
+            </a:br>
+            <a:r>
+              <a:rPr lang="en-US" altLang="en-US" sz="1100" dirty="0">
+                <a:solidFill>
+                  <a:srgbClr val="000000"/>
+                </a:solidFill>
+                <a:latin typeface="Courier New" panose="02070309020205020404" pitchFamily="49" charset="0"/>
+                <a:cs typeface="Courier New" panose="02070309020205020404" pitchFamily="49" charset="0"/>
+              </a:rPr>
+              <a:t>            }</a:t>
+            </a:r>
+            <a:br>
+              <a:rPr lang="en-US" altLang="en-US" sz="1100" dirty="0">
+                <a:solidFill>
+                  <a:srgbClr val="000000"/>
+                </a:solidFill>
+                <a:latin typeface="Courier New" panose="02070309020205020404" pitchFamily="49" charset="0"/>
+                <a:cs typeface="Courier New" panose="02070309020205020404" pitchFamily="49" charset="0"/>
+              </a:rPr>
+            </a:br>
+            <a:r>
+              <a:rPr lang="en-US" altLang="en-US" sz="1100" dirty="0">
+                <a:solidFill>
+                  <a:srgbClr val="000000"/>
+                </a:solidFill>
+                <a:latin typeface="Courier New" panose="02070309020205020404" pitchFamily="49" charset="0"/>
+                <a:cs typeface="Courier New" panose="02070309020205020404" pitchFamily="49" charset="0"/>
+              </a:rPr>
+              <a:t>        },</a:t>
+            </a:r>
+            <a:br>
+              <a:rPr lang="en-US" altLang="en-US" sz="1100" dirty="0">
+                <a:solidFill>
+                  <a:srgbClr val="000000"/>
+                </a:solidFill>
+                <a:latin typeface="Courier New" panose="02070309020205020404" pitchFamily="49" charset="0"/>
+                <a:cs typeface="Courier New" panose="02070309020205020404" pitchFamily="49" charset="0"/>
+              </a:rPr>
+            </a:br>
+            <a:r>
+              <a:rPr lang="en-US" altLang="en-US" sz="1100" dirty="0">
+                <a:solidFill>
+                  <a:srgbClr val="000000"/>
+                </a:solidFill>
+                <a:latin typeface="Courier New" panose="02070309020205020404" pitchFamily="49" charset="0"/>
+                <a:cs typeface="Courier New" panose="02070309020205020404" pitchFamily="49" charset="0"/>
+              </a:rPr>
+              <a:t>    }</a:t>
+            </a:r>
+            <a:br>
+              <a:rPr lang="en-US" altLang="en-US" sz="1100" dirty="0">
+                <a:solidFill>
+                  <a:srgbClr val="000000"/>
+                </a:solidFill>
+                <a:latin typeface="Courier New" panose="02070309020205020404" pitchFamily="49" charset="0"/>
+                <a:cs typeface="Courier New" panose="02070309020205020404" pitchFamily="49" charset="0"/>
+              </a:rPr>
+            </a:br>
+            <a:r>
+              <a:rPr lang="en-US" altLang="en-US" sz="1100" dirty="0">
+                <a:solidFill>
+                  <a:srgbClr val="000000"/>
+                </a:solidFill>
+                <a:latin typeface="Courier New" panose="02070309020205020404" pitchFamily="49" charset="0"/>
+                <a:cs typeface="Courier New" panose="02070309020205020404" pitchFamily="49" charset="0"/>
+              </a:rPr>
+              <a:t>});</a:t>
+            </a:r>
+            <a:endParaRPr lang="en-US" altLang="en-US" sz="2400" dirty="0">
+              <a:latin typeface="Arial" panose="020B0604020202020204" pitchFamily="34" charset="0"/>
+            </a:endParaRPr>
+          </a:p>
+        </p:txBody>
+      </p:sp>
+      <p:sp>
+        <p:nvSpPr>
+          <p:cNvPr id="8" name="Rectangle 7"/>
+          <p:cNvSpPr/>
+          <p:nvPr/>
+        </p:nvSpPr>
+        <p:spPr>
+          <a:xfrm>
+            <a:off x="1369520" y="5134368"/>
+            <a:ext cx="6404959" cy="369332"/>
+          </a:xfrm>
+          <a:prstGeom prst="rect">
+            <a:avLst/>
+          </a:prstGeom>
+        </p:spPr>
+        <p:txBody>
+          <a:bodyPr wrap="none">
+            <a:spAutoFit/>
+          </a:bodyPr>
+          <a:lstStyle/>
+          <a:p>
+            <a:r>
+              <a:rPr lang="en-US" dirty="0" smtClean="0"/>
+              <a:t>but during link phase the {{ name }} wont be interpolated anymore</a:t>
+            </a:r>
+            <a:endParaRPr lang="ru-RU" dirty="0"/>
+          </a:p>
+        </p:txBody>
+      </p:sp>
+    </p:spTree>
+    <p:extLst>
+      <p:ext uri="{BB962C8B-B14F-4D97-AF65-F5344CB8AC3E}">
+        <p14:creationId xmlns:p14="http://schemas.microsoft.com/office/powerpoint/2010/main" val="1504820890"/>
+      </p:ext>
+    </p:extLst>
+  </p:cSld>
+  <p:clrMapOvr>
+    <a:masterClrMapping/>
+  </p:clrMapOvr>
+  <mc:AlternateContent xmlns:mc="http://schemas.openxmlformats.org/markup-compatibility/2006" xmlns:p14="http://schemas.microsoft.com/office/powerpoint/2010/main">
+    <mc:Choice Requires="p14">
+      <p:transition spd="slow" p14:dur="2000"/>
+    </mc:Choice>
+    <mc:Fallback xmlns="">
+      <p:transition spd="slow"/>
+    </mc:Fallback>
+  </mc:AlternateContent>
+  <p:timing>
+    <p:tnLst>
+      <p:par>
+        <p:cTn id="1" dur="indefinite" restart="never" nodeType="tmRoot">
+          <p:childTnLst>
+            <p:seq concurrent="1" nextAc="seek">
+              <p:cTn id="2" dur="indefinite" nodeType="mainSeq">
+                <p:childTnLst>
+                  <p:par>
+                    <p:cTn id="3" fill="hold">
+                      <p:stCondLst>
+                        <p:cond delay="indefinite"/>
+                      </p:stCondLst>
+                      <p:childTnLst>
+                        <p:par>
+                          <p:cTn id="4" fill="hold">
+                            <p:stCondLst>
+                              <p:cond delay="0"/>
+                            </p:stCondLst>
+                            <p:childTnLst>
+                              <p:par>
+                                <p:cTn id="5" presetID="1" presetClass="entr" presetSubtype="0" fill="hold" grpId="0" nodeType="clickEffect">
+                                  <p:stCondLst>
+                                    <p:cond delay="0"/>
+                                  </p:stCondLst>
+                                  <p:childTnLst>
+                                    <p:set>
+                                      <p:cBhvr>
+                                        <p:cTn id="6" dur="1" fill="hold">
+                                          <p:stCondLst>
+                                            <p:cond delay="0"/>
+                                          </p:stCondLst>
+                                        </p:cTn>
+                                        <p:tgtEl>
+                                          <p:spTgt spid="5"/>
+                                        </p:tgtEl>
+                                        <p:attrNameLst>
+                                          <p:attrName>style.visibility</p:attrName>
+                                        </p:attrNameLst>
+                                      </p:cBhvr>
+                                      <p:to>
+                                        <p:strVal val="visible"/>
+                                      </p:to>
+                                    </p:set>
+                                  </p:childTnLst>
+                                </p:cTn>
+                              </p:par>
+                              <p:par>
+                                <p:cTn id="7" presetID="1" presetClass="entr" presetSubtype="0" fill="hold" grpId="0" nodeType="withEffect">
+                                  <p:stCondLst>
+                                    <p:cond delay="0"/>
+                                  </p:stCondLst>
+                                  <p:childTnLst>
+                                    <p:set>
+                                      <p:cBhvr>
+                                        <p:cTn id="8" dur="1" fill="hold">
+                                          <p:stCondLst>
+                                            <p:cond delay="0"/>
+                                          </p:stCondLst>
+                                        </p:cTn>
+                                        <p:tgtEl>
+                                          <p:spTgt spid="6"/>
+                                        </p:tgtEl>
+                                        <p:attrNameLst>
+                                          <p:attrName>style.visibility</p:attrName>
+                                        </p:attrNameLst>
+                                      </p:cBhvr>
+                                      <p:to>
+                                        <p:strVal val="visible"/>
+                                      </p:to>
+                                    </p:set>
+                                  </p:childTnLst>
+                                </p:cTn>
+                              </p:par>
+                            </p:childTnLst>
+                          </p:cTn>
+                        </p:par>
+                      </p:childTnLst>
+                    </p:cTn>
+                  </p:par>
+                  <p:par>
+                    <p:cTn id="9" fill="hold">
+                      <p:stCondLst>
+                        <p:cond delay="indefinite"/>
+                      </p:stCondLst>
+                      <p:childTnLst>
+                        <p:par>
+                          <p:cTn id="10" fill="hold">
+                            <p:stCondLst>
+                              <p:cond delay="0"/>
+                            </p:stCondLst>
+                            <p:childTnLst>
+                              <p:par>
+                                <p:cTn id="11" presetID="1" presetClass="entr" presetSubtype="0" fill="hold" grpId="0" nodeType="clickEffect">
+                                  <p:stCondLst>
+                                    <p:cond delay="0"/>
+                                  </p:stCondLst>
+                                  <p:childTnLst>
+                                    <p:set>
+                                      <p:cBhvr>
+                                        <p:cTn id="12" dur="1" fill="hold">
+                                          <p:stCondLst>
+                                            <p:cond delay="0"/>
+                                          </p:stCondLst>
+                                        </p:cTn>
+                                        <p:tgtEl>
+                                          <p:spTgt spid="8"/>
+                                        </p:tgtEl>
+                                        <p:attrNameLst>
+                                          <p:attrName>style.visibility</p:attrName>
+                                        </p:attrNameLst>
+                                      </p:cBhvr>
+                                      <p:to>
+                                        <p:strVal val="visible"/>
+                                      </p:to>
+                                    </p:set>
+                                  </p:childTnLst>
+                                </p:cTn>
+                              </p:par>
+                            </p:childTnLst>
+                          </p:cTn>
+                        </p:par>
+                      </p:childTnLst>
+                    </p:cTn>
+                  </p:par>
+                </p:childTnLst>
+              </p:cTn>
+              <p:prevCondLst>
+                <p:cond evt="onPrev" delay="0">
+                  <p:tgtEl>
+                    <p:sldTgt/>
+                  </p:tgtEl>
+                </p:cond>
+              </p:prevCondLst>
+              <p:nextCondLst>
+                <p:cond evt="onNext" delay="0">
+                  <p:tgtEl>
+                    <p:sldTgt/>
+                  </p:tgtEl>
+                </p:cond>
+              </p:nextCondLst>
+            </p:seq>
+          </p:childTnLst>
+        </p:cTn>
+      </p:par>
+    </p:tnLst>
+    <p:bldLst>
+      <p:bldP spid="5" grpId="0"/>
       <p:bldP spid="6" grpId="0" animBg="1"/>
+      <p:bldP spid="8" grpId="0"/>
     </p:bldLst>
   </p:timing>
 </p:sld>
@@ -8659,7 +9247,7 @@
                             </p:stCondLst>
                             <p:childTnLst>
                               <p:par>
-                                <p:cTn id="5" presetID="1" presetClass="entr" presetSubtype="0" fill="hold" nodeType="clickEffect">
+                                <p:cTn id="5" presetID="1" presetClass="entr" presetSubtype="0" fill="hold" grpId="0" nodeType="clickEffect">
                                   <p:stCondLst>
                                     <p:cond delay="0"/>
                                   </p:stCondLst>
@@ -8672,7 +9260,7 @@
                                           </p:stCondLst>
                                         </p:cTn>
                                         <p:tgtEl>
-                                          <p:spTgt spid="2050"/>
+                                          <p:spTgt spid="8"/>
                                         </p:tgtEl>
                                         <p:attrNameLst>
                                           <p:attrName>style.visibility</p:attrName>
@@ -8685,26 +9273,35 @@
                                   </p:childTnLst>
                                 </p:cTn>
                               </p:par>
-                            </p:childTnLst>
-                          </p:cTn>
-                        </p:par>
-                      </p:childTnLst>
-                    </p:cTn>
-                  </p:par>
-                  <p:par>
-                    <p:cTn id="7" fill="hold">
-                      <p:stCondLst>
-                        <p:cond delay="indefinite"/>
-                      </p:stCondLst>
-                      <p:childTnLst>
-                        <p:par>
-                          <p:cTn id="8" fill="hold">
-                            <p:stCondLst>
-                              <p:cond delay="0"/>
-                            </p:stCondLst>
-                            <p:childTnLst>
                               <p:par>
-                                <p:cTn id="9" presetID="1" presetClass="entr" presetSubtype="0" fill="hold" grpId="0" nodeType="clickEffect">
+                                <p:cTn id="7" presetID="1" presetClass="entr" presetSubtype="0" fill="hold" nodeType="withEffect">
+                                  <p:stCondLst>
+                                    <p:cond delay="0"/>
+                                  </p:stCondLst>
+                                  <p:childTnLst>
+                                    <p:set>
+                                      <p:cBhvr>
+                                        <p:cTn id="8" dur="1" fill="hold">
+                                          <p:stCondLst>
+                                            <p:cond delay="0"/>
+                                          </p:stCondLst>
+                                        </p:cTn>
+                                        <p:tgtEl>
+                                          <p:spTgt spid="10"/>
+                                        </p:tgtEl>
+                                        <p:attrNameLst>
+                                          <p:attrName>style.visibility</p:attrName>
+                                        </p:attrNameLst>
+                                      </p:cBhvr>
+                                      <p:to>
+                                        <p:strVal val="visible"/>
+                                      </p:to>
+                                    </p:set>
+                                  </p:childTnLst>
+                                </p:cTn>
+                              </p:par>
+                              <p:par>
+                                <p:cTn id="9" presetID="1" presetClass="entr" presetSubtype="0" fill="hold" grpId="0" nodeType="withEffect">
                                   <p:stCondLst>
                                     <p:cond delay="0"/>
                                   </p:stCondLst>
@@ -8749,7 +9346,7 @@
                             </p:stCondLst>
                             <p:childTnLst>
                               <p:par>
-                                <p:cTn id="13" presetID="1" presetClass="entr" presetSubtype="0" fill="hold" grpId="0" nodeType="clickEffect">
+                                <p:cTn id="13" presetID="1" presetClass="entr" presetSubtype="0" fill="hold" nodeType="clickEffect">
                                   <p:stCondLst>
                                     <p:cond delay="0"/>
                                   </p:stCondLst>
@@ -8762,7 +9359,178 @@
                                           </p:stCondLst>
                                         </p:cTn>
                                         <p:tgtEl>
-                                          <p:spTgt spid="8"/>
+                                          <p:spTgt spid="2050"/>
+                                        </p:tgtEl>
+                                        <p:attrNameLst>
+                                          <p:attrName>style.visibility</p:attrName>
+                                        </p:attrNameLst>
+                                      </p:cBhvr>
+                                      <p:to>
+                                        <p:strVal val="visible"/>
+                                      </p:to>
+                                    </p:set>
+                                  </p:childTnLst>
+                                </p:cTn>
+                              </p:par>
+                            </p:childTnLst>
+                          </p:cTn>
+                        </p:par>
+                      </p:childTnLst>
+                    </p:cTn>
+                  </p:par>
+                  <p:par>
+                    <p:cTn id="15" fill="hold">
+                      <p:stCondLst>
+                        <p:cond delay="indefinite"/>
+                      </p:stCondLst>
+                      <p:childTnLst>
+                        <p:par>
+                          <p:cTn id="16" fill="hold">
+                            <p:stCondLst>
+                              <p:cond delay="0"/>
+                            </p:stCondLst>
+                            <p:childTnLst>
+                              <p:par>
+                                <p:cTn id="17" presetID="1" presetClass="entr" presetSubtype="0" fill="hold" grpId="0" nodeType="clickEffect">
+                                  <p:stCondLst>
+                                    <p:cond delay="0"/>
+                                  </p:stCondLst>
+                                  <p:childTnLst>
+                                    <p:set>
+                                      <p:cBhvr>
+                                        <p:cTn id="18" dur="1" fill="hold">
+                                          <p:stCondLst>
+                                            <p:cond delay="0"/>
+                                          </p:stCondLst>
+                                        </p:cTn>
+                                        <p:tgtEl>
+                                          <p:spTgt spid="15"/>
+                                        </p:tgtEl>
+                                        <p:attrNameLst>
+                                          <p:attrName>style.visibility</p:attrName>
+                                        </p:attrNameLst>
+                                      </p:cBhvr>
+                                      <p:to>
+                                        <p:strVal val="visible"/>
+                                      </p:to>
+                                    </p:set>
+                                  </p:childTnLst>
+                                </p:cTn>
+                              </p:par>
+                              <p:par>
+                                <p:cTn id="19" presetID="1" presetClass="entr" presetSubtype="0" fill="hold" grpId="0" nodeType="withEffect">
+                                  <p:stCondLst>
+                                    <p:cond delay="0"/>
+                                  </p:stCondLst>
+                                  <p:childTnLst>
+                                    <p:set>
+                                      <p:cBhvr>
+                                        <p:cTn id="20" dur="1" fill="hold">
+                                          <p:stCondLst>
+                                            <p:cond delay="0"/>
+                                          </p:stCondLst>
+                                        </p:cTn>
+                                        <p:tgtEl>
+                                          <p:spTgt spid="16"/>
+                                        </p:tgtEl>
+                                        <p:attrNameLst>
+                                          <p:attrName>style.visibility</p:attrName>
+                                        </p:attrNameLst>
+                                      </p:cBhvr>
+                                      <p:to>
+                                        <p:strVal val="visible"/>
+                                      </p:to>
+                                    </p:set>
+                                  </p:childTnLst>
+                                </p:cTn>
+                              </p:par>
+                            </p:childTnLst>
+                          </p:cTn>
+                        </p:par>
+                      </p:childTnLst>
+                    </p:cTn>
+                  </p:par>
+                  <p:par>
+                    <p:cTn id="21" fill="hold">
+                      <p:stCondLst>
+                        <p:cond delay="indefinite"/>
+                      </p:stCondLst>
+                      <p:childTnLst>
+                        <p:par>
+                          <p:cTn id="22" fill="hold">
+                            <p:stCondLst>
+                              <p:cond delay="0"/>
+                            </p:stCondLst>
+                            <p:childTnLst>
+                              <p:par>
+                                <p:cTn id="23" presetID="1" presetClass="entr" presetSubtype="0" fill="hold" grpId="0" nodeType="clickEffect">
+                                  <p:stCondLst>
+                                    <p:cond delay="0"/>
+                                  </p:stCondLst>
+                                  <p:childTnLst>
+                                    <p:set>
+                                      <p:cBhvr>
+                                        <p:cTn id="24" dur="1" fill="hold">
+                                          <p:stCondLst>
+                                            <p:cond delay="0"/>
+                                          </p:stCondLst>
+                                        </p:cTn>
+                                        <p:tgtEl>
+                                          <p:spTgt spid="14"/>
+                                        </p:tgtEl>
+                                        <p:attrNameLst>
+                                          <p:attrName>style.visibility</p:attrName>
+                                        </p:attrNameLst>
+                                      </p:cBhvr>
+                                      <p:to>
+                                        <p:strVal val="visible"/>
+                                      </p:to>
+                                    </p:set>
+                                  </p:childTnLst>
+                                </p:cTn>
+                              </p:par>
+                              <p:par>
+                                <p:cTn id="25" presetID="1" presetClass="entr" presetSubtype="0" fill="hold" grpId="0" nodeType="withEffect">
+                                  <p:stCondLst>
+                                    <p:cond delay="0"/>
+                                  </p:stCondLst>
+                                  <p:childTnLst>
+                                    <p:set>
+                                      <p:cBhvr>
+                                        <p:cTn id="26" dur="1" fill="hold">
+                                          <p:stCondLst>
+                                            <p:cond delay="0"/>
+                                          </p:stCondLst>
+                                        </p:cTn>
+                                        <p:tgtEl>
+                                          <p:spTgt spid="18"/>
+                                        </p:tgtEl>
+                                        <p:attrNameLst>
+                                          <p:attrName>style.visibility</p:attrName>
+                                        </p:attrNameLst>
+                                      </p:cBhvr>
+                                      <p:to>
+                                        <p:strVal val="visible"/>
+                                      </p:to>
+                                    </p:set>
+                                  </p:childTnLst>
+                                </p:cTn>
+                              </p:par>
+                              <p:par>
+                                <p:cTn id="27" presetID="1" presetClass="entr" presetSubtype="0" fill="hold" nodeType="withEffect">
+                                  <p:stCondLst>
+                                    <p:cond delay="0"/>
+                                  </p:stCondLst>
+                                  <p:childTnLst>
+                                    <p:set>
+                                      <p:cBhvr>
+                                        <p:cTn id="28" dur="1" fill="hold">
+                                          <p:stCondLst>
+                                            <p:cond delay="0"/>
+                                          </p:stCondLst>
+                                        </p:cTn>
+                                        <p:tgtEl>
+                                          <p:spTgt spid="21"/>
                                         </p:tgtEl>
                                         <p:attrNameLst>
                                           <p:attrName>style.visibility</p:attrName>
@@ -8805,6 +9573,10 @@
     <p:bldLst>
       <p:bldP spid="7" grpId="0" animBg="1"/>
       <p:bldP spid="8" grpId="0" animBg="1"/>
+      <p:bldP spid="14" grpId="0"/>
+      <p:bldP spid="15" grpId="0"/>
+      <p:bldP spid="16" grpId="0" animBg="1"/>
+      <p:bldP spid="18" grpId="0"/>
     </p:bldLst>
   </p:timing>
 </p:sld>
@@ -10085,7 +10857,6 @@
               <a:rPr lang="en-US" dirty="0" smtClean="0"/>
               <a:t>to add custom behavior to element</a:t>
             </a:r>
-            <a:endParaRPr lang="en-US" dirty="0" smtClean="0"/>
           </a:p>
         </p:txBody>
       </p:sp>
@@ -10614,7 +11385,7 @@
                                           </p:stCondLst>
                                         </p:cTn>
                                         <p:tgtEl>
-                                          <p:spTgt spid="8"/>
+                                          <p:spTgt spid="16"/>
                                         </p:tgtEl>
                                         <p:attrNameLst>
                                           <p:attrName>style.visibility</p:attrName>
@@ -10659,6 +11430,33 @@
                                           </p:stCondLst>
                                         </p:cTn>
                                         <p:tgtEl>
+                                          <p:spTgt spid="8"/>
+                                        </p:tgtEl>
+                                        <p:attrNameLst>
+                                          <p:attrName>style.visibility</p:attrName>
+                                        </p:attrNameLst>
+                                      </p:cBhvr>
+                                      <p:to>
+                                        <p:strVal val="visible"/>
+                                      </p:to>
+                                    </p:set>
+                                  </p:childTnLst>
+                                </p:cTn>
+                              </p:par>
+                              <p:par>
+                                <p:cTn id="11" presetID="1" presetClass="entr" presetSubtype="0" fill="hold" grpId="0" nodeType="withEffect">
+                                  <p:stCondLst>
+                                    <p:cond delay="0"/>
+                                  </p:stCondLst>
+                                  <p:childTnLst>
+                                    <p:set>
+                                      <p:cBhvr>
+                                        <p:cTn id="12" dur="1" fill="hold">
+                                          <p:stCondLst>
+                                            <p:cond delay="0"/>
+                                          </p:stCondLst>
+                                        </p:cTn>
+                                        <p:tgtEl>
                                           <p:spTgt spid="9"/>
                                         </p:tgtEl>
                                         <p:attrNameLst>
@@ -10672,26 +11470,8 @@
                                   </p:childTnLst>
                                 </p:cTn>
                               </p:par>
-                            </p:childTnLst>
-                          </p:cTn>
-                        </p:par>
-                      </p:childTnLst>
-                    </p:cTn>
-                  </p:par>
-                  <p:par>
-                    <p:cTn id="11" fill="hold">
-                      <p:stCondLst>
-                        <p:cond delay="indefinite"/>
-                      </p:stCondLst>
-                      <p:childTnLst>
-                        <p:par>
-                          <p:cTn id="12" fill="hold">
-                            <p:stCondLst>
-                              <p:cond delay="0"/>
-                            </p:stCondLst>
-                            <p:childTnLst>
                               <p:par>
-                                <p:cTn id="13" presetID="1" presetClass="entr" presetSubtype="0" fill="hold" grpId="0" nodeType="clickEffect">
+                                <p:cTn id="13" presetID="1" presetClass="entr" presetSubtype="0" fill="hold" grpId="0" nodeType="withEffect">
                                   <p:stCondLst>
                                     <p:cond delay="0"/>
                                   </p:stCondLst>
@@ -10704,7 +11484,7 @@
                                           </p:stCondLst>
                                         </p:cTn>
                                         <p:tgtEl>
-                                          <p:spTgt spid="12"/>
+                                          <p:spTgt spid="17"/>
                                         </p:tgtEl>
                                         <p:attrNameLst>
                                           <p:attrName>style.visibility</p:attrName>
@@ -10749,7 +11529,7 @@
                                           </p:stCondLst>
                                         </p:cTn>
                                         <p:tgtEl>
-                                          <p:spTgt spid="13"/>
+                                          <p:spTgt spid="20"/>
                                         </p:tgtEl>
                                         <p:attrNameLst>
                                           <p:attrName>style.visibility</p:attrName>
@@ -10794,7 +11574,34 @@
                                           </p:stCondLst>
                                         </p:cTn>
                                         <p:tgtEl>
-                                          <p:spTgt spid="20"/>
+                                          <p:spTgt spid="22"/>
+                                        </p:tgtEl>
+                                        <p:attrNameLst>
+                                          <p:attrName>style.visibility</p:attrName>
+                                        </p:attrNameLst>
+                                      </p:cBhvr>
+                                      <p:to>
+                                        <p:strVal val="visible"/>
+                                      </p:to>
+                                    </p:set>
+                                  </p:childTnLst>
+                                </p:cTn>
+                              </p:par>
+                              <p:par>
+                                <p:cTn id="23" presetID="1" presetClass="entr" presetSubtype="0" fill="hold" nodeType="withEffect">
+                                  <p:stCondLst>
+                                    <p:cond delay="0"/>
+                                  </p:stCondLst>
+                                  <p:childTnLst>
+                                    <p:set>
+                                      <p:cBhvr>
+                                        <p:cTn id="24" dur="1" fill="hold">
+                                          <p:stCondLst>
+                                            <p:cond delay="0"/>
+                                          </p:stCondLst>
+                                        </p:cTn>
+                                        <p:tgtEl>
+                                          <p:spTgt spid="24"/>
                                         </p:tgtEl>
                                         <p:attrNameLst>
                                           <p:attrName>style.visibility</p:attrName>
@@ -10814,32 +11621,203 @@
                     </p:cTn>
                   </p:par>
                   <p:par>
-                    <p:cTn id="23" fill="hold">
+                    <p:cTn id="25" fill="hold">
                       <p:stCondLst>
                         <p:cond delay="indefinite"/>
                       </p:stCondLst>
                       <p:childTnLst>
                         <p:par>
-                          <p:cTn id="24" fill="hold">
+                          <p:cTn id="26" fill="hold">
                             <p:stCondLst>
                               <p:cond delay="0"/>
                             </p:stCondLst>
                             <p:childTnLst>
                               <p:par>
-                                <p:cTn id="25" presetID="1" presetClass="entr" presetSubtype="0" fill="hold" grpId="0" nodeType="clickEffect">
+                                <p:cTn id="27" presetID="1" presetClass="entr" presetSubtype="0" fill="hold" grpId="0" nodeType="clickEffect">
                                   <p:stCondLst>
                                     <p:cond delay="0"/>
                                   </p:stCondLst>
                                   <p:childTnLst>
                                     <p:set>
                                       <p:cBhvr>
-                                        <p:cTn id="26" dur="1" fill="hold">
+                                        <p:cTn id="28" dur="1" fill="hold">
                                           <p:stCondLst>
                                             <p:cond delay="0"/>
                                           </p:stCondLst>
                                         </p:cTn>
                                         <p:tgtEl>
                                           <p:spTgt spid="25"/>
+                                        </p:tgtEl>
+                                        <p:attrNameLst>
+                                          <p:attrName>style.visibility</p:attrName>
+                                        </p:attrNameLst>
+                                      </p:cBhvr>
+                                      <p:to>
+                                        <p:strVal val="visible"/>
+                                      </p:to>
+                                    </p:set>
+                                  </p:childTnLst>
+                                </p:cTn>
+                              </p:par>
+                              <p:par>
+                                <p:cTn id="29" presetID="1" presetClass="entr" presetSubtype="0" fill="hold" grpId="0" nodeType="withEffect">
+                                  <p:stCondLst>
+                                    <p:cond delay="0"/>
+                                  </p:stCondLst>
+                                  <p:childTnLst>
+                                    <p:set>
+                                      <p:cBhvr>
+                                        <p:cTn id="30" dur="1" fill="hold">
+                                          <p:stCondLst>
+                                            <p:cond delay="0"/>
+                                          </p:stCondLst>
+                                        </p:cTn>
+                                        <p:tgtEl>
+                                          <p:spTgt spid="27"/>
+                                        </p:tgtEl>
+                                        <p:attrNameLst>
+                                          <p:attrName>style.visibility</p:attrName>
+                                        </p:attrNameLst>
+                                      </p:cBhvr>
+                                      <p:to>
+                                        <p:strVal val="visible"/>
+                                      </p:to>
+                                    </p:set>
+                                  </p:childTnLst>
+                                </p:cTn>
+                              </p:par>
+                              <p:par>
+                                <p:cTn id="31" presetID="1" presetClass="entr" presetSubtype="0" fill="hold" nodeType="withEffect">
+                                  <p:stCondLst>
+                                    <p:cond delay="0"/>
+                                  </p:stCondLst>
+                                  <p:childTnLst>
+                                    <p:set>
+                                      <p:cBhvr>
+                                        <p:cTn id="32" dur="1" fill="hold">
+                                          <p:stCondLst>
+                                            <p:cond delay="0"/>
+                                          </p:stCondLst>
+                                        </p:cTn>
+                                        <p:tgtEl>
+                                          <p:spTgt spid="28"/>
+                                        </p:tgtEl>
+                                        <p:attrNameLst>
+                                          <p:attrName>style.visibility</p:attrName>
+                                        </p:attrNameLst>
+                                      </p:cBhvr>
+                                      <p:to>
+                                        <p:strVal val="visible"/>
+                                      </p:to>
+                                    </p:set>
+                                  </p:childTnLst>
+                                </p:cTn>
+                              </p:par>
+                            </p:childTnLst>
+                          </p:cTn>
+                        </p:par>
+                      </p:childTnLst>
+                    </p:cTn>
+                  </p:par>
+                  <p:par>
+                    <p:cTn id="33" fill="hold">
+                      <p:stCondLst>
+                        <p:cond delay="indefinite"/>
+                      </p:stCondLst>
+                      <p:childTnLst>
+                        <p:par>
+                          <p:cTn id="34" fill="hold">
+                            <p:stCondLst>
+                              <p:cond delay="0"/>
+                            </p:stCondLst>
+                            <p:childTnLst>
+                              <p:par>
+                                <p:cTn id="35" presetID="1" presetClass="entr" presetSubtype="0" fill="hold" grpId="0" nodeType="clickEffect">
+                                  <p:stCondLst>
+                                    <p:cond delay="0"/>
+                                  </p:stCondLst>
+                                  <p:childTnLst>
+                                    <p:set>
+                                      <p:cBhvr>
+                                        <p:cTn id="36" dur="1" fill="hold">
+                                          <p:stCondLst>
+                                            <p:cond delay="0"/>
+                                          </p:stCondLst>
+                                        </p:cTn>
+                                        <p:tgtEl>
+                                          <p:spTgt spid="12"/>
+                                        </p:tgtEl>
+                                        <p:attrNameLst>
+                                          <p:attrName>style.visibility</p:attrName>
+                                        </p:attrNameLst>
+                                      </p:cBhvr>
+                                      <p:to>
+                                        <p:strVal val="visible"/>
+                                      </p:to>
+                                    </p:set>
+                                  </p:childTnLst>
+                                </p:cTn>
+                              </p:par>
+                              <p:par>
+                                <p:cTn id="37" presetID="1" presetClass="entr" presetSubtype="0" fill="hold" grpId="0" nodeType="withEffect">
+                                  <p:stCondLst>
+                                    <p:cond delay="0"/>
+                                  </p:stCondLst>
+                                  <p:childTnLst>
+                                    <p:set>
+                                      <p:cBhvr>
+                                        <p:cTn id="38" dur="1" fill="hold">
+                                          <p:stCondLst>
+                                            <p:cond delay="0"/>
+                                          </p:stCondLst>
+                                        </p:cTn>
+                                        <p:tgtEl>
+                                          <p:spTgt spid="18"/>
+                                        </p:tgtEl>
+                                        <p:attrNameLst>
+                                          <p:attrName>style.visibility</p:attrName>
+                                        </p:attrNameLst>
+                                      </p:cBhvr>
+                                      <p:to>
+                                        <p:strVal val="visible"/>
+                                      </p:to>
+                                    </p:set>
+                                  </p:childTnLst>
+                                </p:cTn>
+                              </p:par>
+                            </p:childTnLst>
+                          </p:cTn>
+                        </p:par>
+                      </p:childTnLst>
+                    </p:cTn>
+                  </p:par>
+                  <p:par>
+                    <p:cTn id="39" fill="hold">
+                      <p:stCondLst>
+                        <p:cond delay="indefinite"/>
+                      </p:stCondLst>
+                      <p:childTnLst>
+                        <p:par>
+                          <p:cTn id="40" fill="hold">
+                            <p:stCondLst>
+                              <p:cond delay="0"/>
+                            </p:stCondLst>
+                            <p:childTnLst>
+                              <p:par>
+                                <p:cTn id="41" presetID="1" presetClass="entr" presetSubtype="0" fill="hold" grpId="0" nodeType="clickEffect">
+                                  <p:stCondLst>
+                                    <p:cond delay="0"/>
+                                  </p:stCondLst>
+                                  <p:childTnLst>
+                                    <p:set>
+                                      <p:cBhvr>
+                                        <p:cTn id="42" dur="1" fill="hold">
+                                          <p:stCondLst>
+                                            <p:cond delay="0"/>
+                                          </p:stCondLst>
+                                        </p:cTn>
+                                        <p:tgtEl>
+                                          <p:spTgt spid="13"/>
                                         </p:tgtEl>
                                         <p:attrNameLst>
                                           <p:attrName>style.visibility</p:attrName>
@@ -10884,8 +11862,13 @@
       <p:bldP spid="9" grpId="0" animBg="1"/>
       <p:bldP spid="12" grpId="0" animBg="1"/>
       <p:bldP spid="13" grpId="0" animBg="1"/>
+      <p:bldP spid="16" grpId="0"/>
+      <p:bldP spid="17" grpId="0"/>
+      <p:bldP spid="18" grpId="0"/>
       <p:bldP spid="20" grpId="0" animBg="1"/>
+      <p:bldP spid="22" grpId="0" animBg="1"/>
       <p:bldP spid="25" grpId="0" animBg="1"/>
+      <p:bldP spid="27" grpId="0" animBg="1"/>
     </p:bldLst>
   </p:timing>
 </p:sld>
@@ -11297,9 +12280,410 @@
   <p:timing>
     <p:tnLst>
       <p:par>
-        <p:cTn id="1" dur="indefinite" restart="never" nodeType="tmRoot"/>
+        <p:cTn id="1" dur="indefinite" restart="never" nodeType="tmRoot">
+          <p:childTnLst>
+            <p:seq concurrent="1" nextAc="seek">
+              <p:cTn id="2" dur="indefinite" nodeType="mainSeq">
+                <p:childTnLst>
+                  <p:par>
+                    <p:cTn id="3" fill="hold">
+                      <p:stCondLst>
+                        <p:cond delay="indefinite"/>
+                      </p:stCondLst>
+                      <p:childTnLst>
+                        <p:par>
+                          <p:cTn id="4" fill="hold">
+                            <p:stCondLst>
+                              <p:cond delay="0"/>
+                            </p:stCondLst>
+                            <p:childTnLst>
+                              <p:par>
+                                <p:cTn id="5" presetID="1" presetClass="entr" presetSubtype="0" fill="hold" grpId="0" nodeType="clickEffect">
+                                  <p:stCondLst>
+                                    <p:cond delay="0"/>
+                                  </p:stCondLst>
+                                  <p:childTnLst>
+                                    <p:set>
+                                      <p:cBhvr>
+                                        <p:cTn id="6" dur="1" fill="hold">
+                                          <p:stCondLst>
+                                            <p:cond delay="0"/>
+                                          </p:stCondLst>
+                                        </p:cTn>
+                                        <p:tgtEl>
+                                          <p:spTgt spid="9"/>
+                                        </p:tgtEl>
+                                        <p:attrNameLst>
+                                          <p:attrName>style.visibility</p:attrName>
+                                        </p:attrNameLst>
+                                      </p:cBhvr>
+                                      <p:to>
+                                        <p:strVal val="visible"/>
+                                      </p:to>
+                                    </p:set>
+                                  </p:childTnLst>
+                                </p:cTn>
+                              </p:par>
+                            </p:childTnLst>
+                          </p:cTn>
+                        </p:par>
+                      </p:childTnLst>
+                    </p:cTn>
+                  </p:par>
+                  <p:par>
+                    <p:cTn id="7" fill="hold">
+                      <p:stCondLst>
+                        <p:cond delay="indefinite"/>
+                      </p:stCondLst>
+                      <p:childTnLst>
+                        <p:par>
+                          <p:cTn id="8" fill="hold">
+                            <p:stCondLst>
+                              <p:cond delay="0"/>
+                            </p:stCondLst>
+                            <p:childTnLst>
+                              <p:par>
+                                <p:cTn id="9" presetID="1" presetClass="entr" presetSubtype="0" fill="hold" grpId="0" nodeType="clickEffect">
+                                  <p:stCondLst>
+                                    <p:cond delay="0"/>
+                                  </p:stCondLst>
+                                  <p:childTnLst>
+                                    <p:set>
+                                      <p:cBhvr>
+                                        <p:cTn id="10" dur="1" fill="hold">
+                                          <p:stCondLst>
+                                            <p:cond delay="0"/>
+                                          </p:stCondLst>
+                                        </p:cTn>
+                                        <p:tgtEl>
+                                          <p:spTgt spid="6"/>
+                                        </p:tgtEl>
+                                        <p:attrNameLst>
+                                          <p:attrName>style.visibility</p:attrName>
+                                        </p:attrNameLst>
+                                      </p:cBhvr>
+                                      <p:to>
+                                        <p:strVal val="visible"/>
+                                      </p:to>
+                                    </p:set>
+                                  </p:childTnLst>
+                                </p:cTn>
+                              </p:par>
+                            </p:childTnLst>
+                          </p:cTn>
+                        </p:par>
+                      </p:childTnLst>
+                    </p:cTn>
+                  </p:par>
+                  <p:par>
+                    <p:cTn id="11" fill="hold">
+                      <p:stCondLst>
+                        <p:cond delay="indefinite"/>
+                      </p:stCondLst>
+                      <p:childTnLst>
+                        <p:par>
+                          <p:cTn id="12" fill="hold">
+                            <p:stCondLst>
+                              <p:cond delay="0"/>
+                            </p:stCondLst>
+                            <p:childTnLst>
+                              <p:par>
+                                <p:cTn id="13" presetID="1" presetClass="entr" presetSubtype="0" fill="hold" grpId="0" nodeType="clickEffect">
+                                  <p:stCondLst>
+                                    <p:cond delay="0"/>
+                                  </p:stCondLst>
+                                  <p:childTnLst>
+                                    <p:set>
+                                      <p:cBhvr>
+                                        <p:cTn id="14" dur="1" fill="hold">
+                                          <p:stCondLst>
+                                            <p:cond delay="0"/>
+                                          </p:stCondLst>
+                                        </p:cTn>
+                                        <p:tgtEl>
+                                          <p:spTgt spid="8"/>
+                                        </p:tgtEl>
+                                        <p:attrNameLst>
+                                          <p:attrName>style.visibility</p:attrName>
+                                        </p:attrNameLst>
+                                      </p:cBhvr>
+                                      <p:to>
+                                        <p:strVal val="visible"/>
+                                      </p:to>
+                                    </p:set>
+                                  </p:childTnLst>
+                                </p:cTn>
+                              </p:par>
+                            </p:childTnLst>
+                          </p:cTn>
+                        </p:par>
+                      </p:childTnLst>
+                    </p:cTn>
+                  </p:par>
+                  <p:par>
+                    <p:cTn id="15" fill="hold">
+                      <p:stCondLst>
+                        <p:cond delay="indefinite"/>
+                      </p:stCondLst>
+                      <p:childTnLst>
+                        <p:par>
+                          <p:cTn id="16" fill="hold">
+                            <p:stCondLst>
+                              <p:cond delay="0"/>
+                            </p:stCondLst>
+                            <p:childTnLst>
+                              <p:par>
+                                <p:cTn id="17" presetID="1" presetClass="entr" presetSubtype="0" fill="hold" grpId="0" nodeType="clickEffect">
+                                  <p:stCondLst>
+                                    <p:cond delay="0"/>
+                                  </p:stCondLst>
+                                  <p:childTnLst>
+                                    <p:set>
+                                      <p:cBhvr>
+                                        <p:cTn id="18" dur="1" fill="hold">
+                                          <p:stCondLst>
+                                            <p:cond delay="0"/>
+                                          </p:stCondLst>
+                                        </p:cTn>
+                                        <p:tgtEl>
+                                          <p:spTgt spid="11"/>
+                                        </p:tgtEl>
+                                        <p:attrNameLst>
+                                          <p:attrName>style.visibility</p:attrName>
+                                        </p:attrNameLst>
+                                      </p:cBhvr>
+                                      <p:to>
+                                        <p:strVal val="visible"/>
+                                      </p:to>
+                                    </p:set>
+                                  </p:childTnLst>
+                                </p:cTn>
+                              </p:par>
+                              <p:par>
+                                <p:cTn id="19" presetID="1" presetClass="entr" presetSubtype="0" fill="hold" nodeType="withEffect">
+                                  <p:stCondLst>
+                                    <p:cond delay="0"/>
+                                  </p:stCondLst>
+                                  <p:childTnLst>
+                                    <p:set>
+                                      <p:cBhvr>
+                                        <p:cTn id="20" dur="1" fill="hold">
+                                          <p:stCondLst>
+                                            <p:cond delay="0"/>
+                                          </p:stCondLst>
+                                        </p:cTn>
+                                        <p:tgtEl>
+                                          <p:spTgt spid="13"/>
+                                        </p:tgtEl>
+                                        <p:attrNameLst>
+                                          <p:attrName>style.visibility</p:attrName>
+                                        </p:attrNameLst>
+                                      </p:cBhvr>
+                                      <p:to>
+                                        <p:strVal val="visible"/>
+                                      </p:to>
+                                    </p:set>
+                                  </p:childTnLst>
+                                </p:cTn>
+                              </p:par>
+                            </p:childTnLst>
+                          </p:cTn>
+                        </p:par>
+                      </p:childTnLst>
+                    </p:cTn>
+                  </p:par>
+                  <p:par>
+                    <p:cTn id="21" fill="hold">
+                      <p:stCondLst>
+                        <p:cond delay="indefinite"/>
+                      </p:stCondLst>
+                      <p:childTnLst>
+                        <p:par>
+                          <p:cTn id="22" fill="hold">
+                            <p:stCondLst>
+                              <p:cond delay="0"/>
+                            </p:stCondLst>
+                            <p:childTnLst>
+                              <p:par>
+                                <p:cTn id="23" presetID="1" presetClass="entr" presetSubtype="0" fill="hold" grpId="0" nodeType="clickEffect">
+                                  <p:stCondLst>
+                                    <p:cond delay="0"/>
+                                  </p:stCondLst>
+                                  <p:childTnLst>
+                                    <p:set>
+                                      <p:cBhvr>
+                                        <p:cTn id="24" dur="1" fill="hold">
+                                          <p:stCondLst>
+                                            <p:cond delay="0"/>
+                                          </p:stCondLst>
+                                        </p:cTn>
+                                        <p:tgtEl>
+                                          <p:spTgt spid="12"/>
+                                        </p:tgtEl>
+                                        <p:attrNameLst>
+                                          <p:attrName>style.visibility</p:attrName>
+                                        </p:attrNameLst>
+                                      </p:cBhvr>
+                                      <p:to>
+                                        <p:strVal val="visible"/>
+                                      </p:to>
+                                    </p:set>
+                                  </p:childTnLst>
+                                </p:cTn>
+                              </p:par>
+                              <p:par>
+                                <p:cTn id="25" presetID="1" presetClass="entr" presetSubtype="0" fill="hold" nodeType="withEffect">
+                                  <p:stCondLst>
+                                    <p:cond delay="0"/>
+                                  </p:stCondLst>
+                                  <p:childTnLst>
+                                    <p:set>
+                                      <p:cBhvr>
+                                        <p:cTn id="26" dur="1" fill="hold">
+                                          <p:stCondLst>
+                                            <p:cond delay="0"/>
+                                          </p:stCondLst>
+                                        </p:cTn>
+                                        <p:tgtEl>
+                                          <p:spTgt spid="14"/>
+                                        </p:tgtEl>
+                                        <p:attrNameLst>
+                                          <p:attrName>style.visibility</p:attrName>
+                                        </p:attrNameLst>
+                                      </p:cBhvr>
+                                      <p:to>
+                                        <p:strVal val="visible"/>
+                                      </p:to>
+                                    </p:set>
+                                  </p:childTnLst>
+                                </p:cTn>
+                              </p:par>
+                            </p:childTnLst>
+                          </p:cTn>
+                        </p:par>
+                      </p:childTnLst>
+                    </p:cTn>
+                  </p:par>
+                  <p:par>
+                    <p:cTn id="27" fill="hold">
+                      <p:stCondLst>
+                        <p:cond delay="indefinite"/>
+                      </p:stCondLst>
+                      <p:childTnLst>
+                        <p:par>
+                          <p:cTn id="28" fill="hold">
+                            <p:stCondLst>
+                              <p:cond delay="0"/>
+                            </p:stCondLst>
+                            <p:childTnLst>
+                              <p:par>
+                                <p:cTn id="29" presetID="1" presetClass="entr" presetSubtype="0" fill="hold" grpId="0" nodeType="clickEffect">
+                                  <p:stCondLst>
+                                    <p:cond delay="0"/>
+                                  </p:stCondLst>
+                                  <p:childTnLst>
+                                    <p:set>
+                                      <p:cBhvr>
+                                        <p:cTn id="30" dur="1" fill="hold">
+                                          <p:stCondLst>
+                                            <p:cond delay="0"/>
+                                          </p:stCondLst>
+                                        </p:cTn>
+                                        <p:tgtEl>
+                                          <p:spTgt spid="3"/>
+                                        </p:tgtEl>
+                                        <p:attrNameLst>
+                                          <p:attrName>style.visibility</p:attrName>
+                                        </p:attrNameLst>
+                                      </p:cBhvr>
+                                      <p:to>
+                                        <p:strVal val="visible"/>
+                                      </p:to>
+                                    </p:set>
+                                  </p:childTnLst>
+                                </p:cTn>
+                              </p:par>
+                            </p:childTnLst>
+                          </p:cTn>
+                        </p:par>
+                      </p:childTnLst>
+                    </p:cTn>
+                  </p:par>
+                  <p:par>
+                    <p:cTn id="31" fill="hold">
+                      <p:stCondLst>
+                        <p:cond delay="indefinite"/>
+                      </p:stCondLst>
+                      <p:childTnLst>
+                        <p:par>
+                          <p:cTn id="32" fill="hold">
+                            <p:stCondLst>
+                              <p:cond delay="0"/>
+                            </p:stCondLst>
+                            <p:childTnLst>
+                              <p:par>
+                                <p:cTn id="33" presetID="1" presetClass="entr" presetSubtype="0" fill="hold" grpId="0" nodeType="clickEffect">
+                                  <p:stCondLst>
+                                    <p:cond delay="0"/>
+                                  </p:stCondLst>
+                                  <p:childTnLst>
+                                    <p:set>
+                                      <p:cBhvr>
+                                        <p:cTn id="34" dur="1" fill="hold">
+                                          <p:stCondLst>
+                                            <p:cond delay="0"/>
+                                          </p:stCondLst>
+                                        </p:cTn>
+                                        <p:tgtEl>
+                                          <p:spTgt spid="19"/>
+                                        </p:tgtEl>
+                                        <p:attrNameLst>
+                                          <p:attrName>style.visibility</p:attrName>
+                                        </p:attrNameLst>
+                                      </p:cBhvr>
+                                      <p:to>
+                                        <p:strVal val="visible"/>
+                                      </p:to>
+                                    </p:set>
+                                  </p:childTnLst>
+                                </p:cTn>
+                              </p:par>
+                            </p:childTnLst>
+                          </p:cTn>
+                        </p:par>
+                      </p:childTnLst>
+                    </p:cTn>
+                  </p:par>
+                </p:childTnLst>
+              </p:cTn>
+              <p:prevCondLst>
+                <p:cond evt="onPrev" delay="0">
+                  <p:tgtEl>
+                    <p:sldTgt/>
+                  </p:tgtEl>
+                </p:cond>
+              </p:prevCondLst>
+              <p:nextCondLst>
+                <p:cond evt="onNext" delay="0">
+                  <p:tgtEl>
+                    <p:sldTgt/>
+                  </p:tgtEl>
+                </p:cond>
+              </p:nextCondLst>
+            </p:seq>
+          </p:childTnLst>
+        </p:cTn>
       </p:par>
     </p:tnLst>
+    <p:bldLst>
+      <p:bldP spid="6" grpId="0"/>
+      <p:bldP spid="8" grpId="0" animBg="1"/>
+      <p:bldP spid="9" grpId="0"/>
+      <p:bldP spid="3" grpId="0"/>
+      <p:bldP spid="11" grpId="0"/>
+      <p:bldP spid="12" grpId="0"/>
+      <p:bldP spid="19" grpId="0"/>
+    </p:bldLst>
   </p:timing>
 </p:sld>
 </file>
@@ -12559,7 +13943,7 @@
                                           </p:stCondLst>
                                         </p:cTn>
                                         <p:tgtEl>
-                                          <p:spTgt spid="5"/>
+                                          <p:spTgt spid="4"/>
                                         </p:tgtEl>
                                         <p:attrNameLst>
                                           <p:attrName>style.visibility</p:attrName>
@@ -12604,7 +13988,688 @@
                                           </p:stCondLst>
                                         </p:cTn>
                                         <p:tgtEl>
+                                          <p:spTgt spid="10"/>
+                                        </p:tgtEl>
+                                        <p:attrNameLst>
+                                          <p:attrName>style.visibility</p:attrName>
+                                        </p:attrNameLst>
+                                      </p:cBhvr>
+                                      <p:to>
+                                        <p:strVal val="visible"/>
+                                      </p:to>
+                                    </p:set>
+                                  </p:childTnLst>
+                                </p:cTn>
+                              </p:par>
+                              <p:par>
+                                <p:cTn id="11" presetID="1" presetClass="entr" presetSubtype="0" fill="hold" nodeType="withEffect">
+                                  <p:stCondLst>
+                                    <p:cond delay="0"/>
+                                  </p:stCondLst>
+                                  <p:childTnLst>
+                                    <p:set>
+                                      <p:cBhvr>
+                                        <p:cTn id="12" dur="1" fill="hold">
+                                          <p:stCondLst>
+                                            <p:cond delay="0"/>
+                                          </p:stCondLst>
+                                        </p:cTn>
+                                        <p:tgtEl>
+                                          <p:spTgt spid="19"/>
+                                        </p:tgtEl>
+                                        <p:attrNameLst>
+                                          <p:attrName>style.visibility</p:attrName>
+                                        </p:attrNameLst>
+                                      </p:cBhvr>
+                                      <p:to>
+                                        <p:strVal val="visible"/>
+                                      </p:to>
+                                    </p:set>
+                                  </p:childTnLst>
+                                </p:cTn>
+                              </p:par>
+                            </p:childTnLst>
+                          </p:cTn>
+                        </p:par>
+                      </p:childTnLst>
+                    </p:cTn>
+                  </p:par>
+                  <p:par>
+                    <p:cTn id="13" fill="hold">
+                      <p:stCondLst>
+                        <p:cond delay="indefinite"/>
+                      </p:stCondLst>
+                      <p:childTnLst>
+                        <p:par>
+                          <p:cTn id="14" fill="hold">
+                            <p:stCondLst>
+                              <p:cond delay="0"/>
+                            </p:stCondLst>
+                            <p:childTnLst>
+                              <p:par>
+                                <p:cTn id="15" presetID="1" presetClass="entr" presetSubtype="0" fill="hold" grpId="0" nodeType="clickEffect">
+                                  <p:stCondLst>
+                                    <p:cond delay="0"/>
+                                  </p:stCondLst>
+                                  <p:childTnLst>
+                                    <p:set>
+                                      <p:cBhvr>
+                                        <p:cTn id="16" dur="1" fill="hold">
+                                          <p:stCondLst>
+                                            <p:cond delay="0"/>
+                                          </p:stCondLst>
+                                        </p:cTn>
+                                        <p:tgtEl>
+                                          <p:spTgt spid="5"/>
+                                        </p:tgtEl>
+                                        <p:attrNameLst>
+                                          <p:attrName>style.visibility</p:attrName>
+                                        </p:attrNameLst>
+                                      </p:cBhvr>
+                                      <p:to>
+                                        <p:strVal val="visible"/>
+                                      </p:to>
+                                    </p:set>
+                                  </p:childTnLst>
+                                </p:cTn>
+                              </p:par>
+                              <p:par>
+                                <p:cTn id="17" presetID="1" presetClass="entr" presetSubtype="0" fill="hold" grpId="0" nodeType="withEffect">
+                                  <p:stCondLst>
+                                    <p:cond delay="0"/>
+                                  </p:stCondLst>
+                                  <p:childTnLst>
+                                    <p:set>
+                                      <p:cBhvr>
+                                        <p:cTn id="18" dur="1" fill="hold">
+                                          <p:stCondLst>
+                                            <p:cond delay="0"/>
+                                          </p:stCondLst>
+                                        </p:cTn>
+                                        <p:tgtEl>
+                                          <p:spTgt spid="20"/>
+                                        </p:tgtEl>
+                                        <p:attrNameLst>
+                                          <p:attrName>style.visibility</p:attrName>
+                                        </p:attrNameLst>
+                                      </p:cBhvr>
+                                      <p:to>
+                                        <p:strVal val="visible"/>
+                                      </p:to>
+                                    </p:set>
+                                  </p:childTnLst>
+                                </p:cTn>
+                              </p:par>
+                              <p:par>
+                                <p:cTn id="19" presetID="1" presetClass="entr" presetSubtype="0" fill="hold" grpId="0" nodeType="withEffect">
+                                  <p:stCondLst>
+                                    <p:cond delay="0"/>
+                                  </p:stCondLst>
+                                  <p:childTnLst>
+                                    <p:set>
+                                      <p:cBhvr>
+                                        <p:cTn id="20" dur="1" fill="hold">
+                                          <p:stCondLst>
+                                            <p:cond delay="0"/>
+                                          </p:stCondLst>
+                                        </p:cTn>
+                                        <p:tgtEl>
                                           <p:spTgt spid="23"/>
+                                        </p:tgtEl>
+                                        <p:attrNameLst>
+                                          <p:attrName>style.visibility</p:attrName>
+                                        </p:attrNameLst>
+                                      </p:cBhvr>
+                                      <p:to>
+                                        <p:strVal val="visible"/>
+                                      </p:to>
+                                    </p:set>
+                                  </p:childTnLst>
+                                </p:cTn>
+                              </p:par>
+                            </p:childTnLst>
+                          </p:cTn>
+                        </p:par>
+                      </p:childTnLst>
+                    </p:cTn>
+                  </p:par>
+                  <p:par>
+                    <p:cTn id="21" fill="hold">
+                      <p:stCondLst>
+                        <p:cond delay="indefinite"/>
+                      </p:stCondLst>
+                      <p:childTnLst>
+                        <p:par>
+                          <p:cTn id="22" fill="hold">
+                            <p:stCondLst>
+                              <p:cond delay="0"/>
+                            </p:stCondLst>
+                            <p:childTnLst>
+                              <p:par>
+                                <p:cTn id="23" presetID="1" presetClass="entr" presetSubtype="0" fill="hold" grpId="0" nodeType="clickEffect">
+                                  <p:stCondLst>
+                                    <p:cond delay="0"/>
+                                  </p:stCondLst>
+                                  <p:childTnLst>
+                                    <p:set>
+                                      <p:cBhvr>
+                                        <p:cTn id="24" dur="1" fill="hold">
+                                          <p:stCondLst>
+                                            <p:cond delay="0"/>
+                                          </p:stCondLst>
+                                        </p:cTn>
+                                        <p:tgtEl>
+                                          <p:spTgt spid="29"/>
+                                        </p:tgtEl>
+                                        <p:attrNameLst>
+                                          <p:attrName>style.visibility</p:attrName>
+                                        </p:attrNameLst>
+                                      </p:cBhvr>
+                                      <p:to>
+                                        <p:strVal val="visible"/>
+                                      </p:to>
+                                    </p:set>
+                                  </p:childTnLst>
+                                </p:cTn>
+                              </p:par>
+                              <p:par>
+                                <p:cTn id="25" presetID="1" presetClass="entr" presetSubtype="0" fill="hold" grpId="0" nodeType="withEffect">
+                                  <p:stCondLst>
+                                    <p:cond delay="0"/>
+                                  </p:stCondLst>
+                                  <p:childTnLst>
+                                    <p:set>
+                                      <p:cBhvr>
+                                        <p:cTn id="26" dur="1" fill="hold">
+                                          <p:stCondLst>
+                                            <p:cond delay="0"/>
+                                          </p:stCondLst>
+                                        </p:cTn>
+                                        <p:tgtEl>
+                                          <p:spTgt spid="30"/>
+                                        </p:tgtEl>
+                                        <p:attrNameLst>
+                                          <p:attrName>style.visibility</p:attrName>
+                                        </p:attrNameLst>
+                                      </p:cBhvr>
+                                      <p:to>
+                                        <p:strVal val="visible"/>
+                                      </p:to>
+                                    </p:set>
+                                  </p:childTnLst>
+                                </p:cTn>
+                              </p:par>
+                            </p:childTnLst>
+                          </p:cTn>
+                        </p:par>
+                      </p:childTnLst>
+                    </p:cTn>
+                  </p:par>
+                  <p:par>
+                    <p:cTn id="27" fill="hold">
+                      <p:stCondLst>
+                        <p:cond delay="indefinite"/>
+                      </p:stCondLst>
+                      <p:childTnLst>
+                        <p:par>
+                          <p:cTn id="28" fill="hold">
+                            <p:stCondLst>
+                              <p:cond delay="0"/>
+                            </p:stCondLst>
+                            <p:childTnLst>
+                              <p:par>
+                                <p:cTn id="29" presetID="1" presetClass="entr" presetSubtype="0" fill="hold" grpId="0" nodeType="clickEffect">
+                                  <p:stCondLst>
+                                    <p:cond delay="0"/>
+                                  </p:stCondLst>
+                                  <p:childTnLst>
+                                    <p:set>
+                                      <p:cBhvr>
+                                        <p:cTn id="30" dur="1" fill="hold">
+                                          <p:stCondLst>
+                                            <p:cond delay="0"/>
+                                          </p:stCondLst>
+                                        </p:cTn>
+                                        <p:tgtEl>
+                                          <p:spTgt spid="32"/>
+                                        </p:tgtEl>
+                                        <p:attrNameLst>
+                                          <p:attrName>style.visibility</p:attrName>
+                                        </p:attrNameLst>
+                                      </p:cBhvr>
+                                      <p:to>
+                                        <p:strVal val="visible"/>
+                                      </p:to>
+                                    </p:set>
+                                  </p:childTnLst>
+                                </p:cTn>
+                              </p:par>
+                              <p:par>
+                                <p:cTn id="31" presetID="1" presetClass="entr" presetSubtype="0" fill="hold" grpId="0" nodeType="withEffect">
+                                  <p:stCondLst>
+                                    <p:cond delay="0"/>
+                                  </p:stCondLst>
+                                  <p:childTnLst>
+                                    <p:set>
+                                      <p:cBhvr>
+                                        <p:cTn id="32" dur="1" fill="hold">
+                                          <p:stCondLst>
+                                            <p:cond delay="0"/>
+                                          </p:stCondLst>
+                                        </p:cTn>
+                                        <p:tgtEl>
+                                          <p:spTgt spid="34"/>
+                                        </p:tgtEl>
+                                        <p:attrNameLst>
+                                          <p:attrName>style.visibility</p:attrName>
+                                        </p:attrNameLst>
+                                      </p:cBhvr>
+                                      <p:to>
+                                        <p:strVal val="visible"/>
+                                      </p:to>
+                                    </p:set>
+                                  </p:childTnLst>
+                                </p:cTn>
+                              </p:par>
+                            </p:childTnLst>
+                          </p:cTn>
+                        </p:par>
+                      </p:childTnLst>
+                    </p:cTn>
+                  </p:par>
+                  <p:par>
+                    <p:cTn id="33" fill="hold">
+                      <p:stCondLst>
+                        <p:cond delay="indefinite"/>
+                      </p:stCondLst>
+                      <p:childTnLst>
+                        <p:par>
+                          <p:cTn id="34" fill="hold">
+                            <p:stCondLst>
+                              <p:cond delay="0"/>
+                            </p:stCondLst>
+                            <p:childTnLst>
+                              <p:par>
+                                <p:cTn id="35" presetID="1" presetClass="entr" presetSubtype="0" fill="hold" grpId="0" nodeType="clickEffect">
+                                  <p:stCondLst>
+                                    <p:cond delay="0"/>
+                                  </p:stCondLst>
+                                  <p:childTnLst>
+                                    <p:set>
+                                      <p:cBhvr>
+                                        <p:cTn id="36" dur="1" fill="hold">
+                                          <p:stCondLst>
+                                            <p:cond delay="0"/>
+                                          </p:stCondLst>
+                                        </p:cTn>
+                                        <p:tgtEl>
+                                          <p:spTgt spid="35"/>
+                                        </p:tgtEl>
+                                        <p:attrNameLst>
+                                          <p:attrName>style.visibility</p:attrName>
+                                        </p:attrNameLst>
+                                      </p:cBhvr>
+                                      <p:to>
+                                        <p:strVal val="visible"/>
+                                      </p:to>
+                                    </p:set>
+                                  </p:childTnLst>
+                                </p:cTn>
+                              </p:par>
+                              <p:par>
+                                <p:cTn id="37" presetID="1" presetClass="entr" presetSubtype="0" fill="hold" nodeType="withEffect">
+                                  <p:stCondLst>
+                                    <p:cond delay="0"/>
+                                  </p:stCondLst>
+                                  <p:childTnLst>
+                                    <p:set>
+                                      <p:cBhvr>
+                                        <p:cTn id="38" dur="1" fill="hold">
+                                          <p:stCondLst>
+                                            <p:cond delay="0"/>
+                                          </p:stCondLst>
+                                        </p:cTn>
+                                        <p:tgtEl>
+                                          <p:spTgt spid="37"/>
+                                        </p:tgtEl>
+                                        <p:attrNameLst>
+                                          <p:attrName>style.visibility</p:attrName>
+                                        </p:attrNameLst>
+                                      </p:cBhvr>
+                                      <p:to>
+                                        <p:strVal val="visible"/>
+                                      </p:to>
+                                    </p:set>
+                                  </p:childTnLst>
+                                </p:cTn>
+                              </p:par>
+                            </p:childTnLst>
+                          </p:cTn>
+                        </p:par>
+                      </p:childTnLst>
+                    </p:cTn>
+                  </p:par>
+                </p:childTnLst>
+              </p:cTn>
+              <p:prevCondLst>
+                <p:cond evt="onPrev" delay="0">
+                  <p:tgtEl>
+                    <p:sldTgt/>
+                  </p:tgtEl>
+                </p:cond>
+              </p:prevCondLst>
+              <p:nextCondLst>
+                <p:cond evt="onNext" delay="0">
+                  <p:tgtEl>
+                    <p:sldTgt/>
+                  </p:tgtEl>
+                </p:cond>
+              </p:nextCondLst>
+            </p:seq>
+          </p:childTnLst>
+        </p:cTn>
+      </p:par>
+    </p:tnLst>
+    <p:bldLst>
+      <p:bldP spid="5" grpId="0" animBg="1"/>
+      <p:bldP spid="4" grpId="0" animBg="1"/>
+      <p:bldP spid="10" grpId="0"/>
+      <p:bldP spid="20" grpId="0"/>
+      <p:bldP spid="23" grpId="0" animBg="1"/>
+      <p:bldP spid="29" grpId="0"/>
+      <p:bldP spid="30" grpId="0" animBg="1"/>
+      <p:bldP spid="32" grpId="0"/>
+      <p:bldP spid="34" grpId="0" animBg="1"/>
+      <p:bldP spid="35" grpId="0" animBg="1"/>
+    </p:bldLst>
+  </p:timing>
+</p:sld>
+</file>
+
+<file path=ppt/slides/slide6.xml><?xml version="1.0" encoding="utf-8"?>
+<p:sld xmlns:a="http://schemas.openxmlformats.org/drawingml/2006/main" xmlns:r="http://schemas.openxmlformats.org/officeDocument/2006/relationships" xmlns:p="http://schemas.openxmlformats.org/presentationml/2006/main">
+  <p:cSld>
+    <p:spTree>
+      <p:nvGrpSpPr>
+        <p:cNvPr id="1" name=""/>
+        <p:cNvGrpSpPr/>
+        <p:nvPr/>
+      </p:nvGrpSpPr>
+      <p:grpSpPr>
+        <a:xfrm>
+          <a:off x="0" y="0"/>
+          <a:ext cx="0" cy="0"/>
+          <a:chOff x="0" y="0"/>
+          <a:chExt cx="0" cy="0"/>
+        </a:xfrm>
+      </p:grpSpPr>
+      <p:sp>
+        <p:nvSpPr>
+          <p:cNvPr id="10" name="Rectangle 9"/>
+          <p:cNvSpPr/>
+          <p:nvPr/>
+        </p:nvSpPr>
+        <p:spPr>
+          <a:xfrm>
+            <a:off x="938630" y="392668"/>
+            <a:ext cx="4177619" cy="369332"/>
+          </a:xfrm>
+          <a:prstGeom prst="rect">
+            <a:avLst/>
+          </a:prstGeom>
+        </p:spPr>
+        <p:txBody>
+          <a:bodyPr wrap="none">
+            <a:spAutoFit/>
+          </a:bodyPr>
+          <a:lstStyle/>
+          <a:p>
+            <a:pPr algn="ctr"/>
+            <a:r>
+              <a:rPr lang="en-US" dirty="0" smtClean="0"/>
+              <a:t>directives inherit the scope from container</a:t>
+            </a:r>
+            <a:endParaRPr lang="ru-RU" dirty="0"/>
+          </a:p>
+        </p:txBody>
+      </p:sp>
+      <p:sp>
+        <p:nvSpPr>
+          <p:cNvPr id="24" name="Rectangle 23"/>
+          <p:cNvSpPr/>
+          <p:nvPr/>
+        </p:nvSpPr>
+        <p:spPr>
+          <a:xfrm>
+            <a:off x="1010613" y="4495800"/>
+            <a:ext cx="6944530" cy="461665"/>
+          </a:xfrm>
+          <a:prstGeom prst="rect">
+            <a:avLst/>
+          </a:prstGeom>
+        </p:spPr>
+        <p:txBody>
+          <a:bodyPr wrap="none">
+            <a:spAutoFit/>
+          </a:bodyPr>
+          <a:lstStyle/>
+          <a:p>
+            <a:pPr algn="ctr"/>
+            <a:r>
+              <a:rPr lang="en-US" sz="2400" dirty="0" smtClean="0"/>
+              <a:t>isolated scope has $parent which is NOT it’s prototype</a:t>
+            </a:r>
+            <a:endParaRPr lang="ru-RU" sz="2400" dirty="0"/>
+          </a:p>
+        </p:txBody>
+      </p:sp>
+      <p:sp>
+        <p:nvSpPr>
+          <p:cNvPr id="17" name="Rectangle 16"/>
+          <p:cNvSpPr/>
+          <p:nvPr/>
+        </p:nvSpPr>
+        <p:spPr>
+          <a:xfrm>
+            <a:off x="5192449" y="392668"/>
+            <a:ext cx="2732351" cy="369332"/>
+          </a:xfrm>
+          <a:prstGeom prst="rect">
+            <a:avLst/>
+          </a:prstGeom>
+        </p:spPr>
+        <p:txBody>
+          <a:bodyPr wrap="none">
+            <a:spAutoFit/>
+          </a:bodyPr>
+          <a:lstStyle/>
+          <a:p>
+            <a:pPr algn="ctr"/>
+            <a:r>
+              <a:rPr lang="en-US" dirty="0" smtClean="0"/>
+              <a:t>…until we </a:t>
+            </a:r>
+            <a:r>
+              <a:rPr lang="en-US" b="1" dirty="0" smtClean="0"/>
+              <a:t>isolate</a:t>
+            </a:r>
+            <a:r>
+              <a:rPr lang="en-US" dirty="0" smtClean="0"/>
+              <a:t> the scope</a:t>
+            </a:r>
+            <a:endParaRPr lang="ru-RU" dirty="0"/>
+          </a:p>
+        </p:txBody>
+      </p:sp>
+      <p:pic>
+        <p:nvPicPr>
+          <p:cNvPr id="4098" name="Picture 2" descr="https://www.webpt.com/sites/default/files/images/resources/201602_blog_whyyoushouldnttrackoutcomesinisolation_1.png"/>
+          <p:cNvPicPr>
+            <a:picLocks noChangeAspect="1" noChangeArrowheads="1"/>
+          </p:cNvPicPr>
+          <p:nvPr/>
+        </p:nvPicPr>
+        <p:blipFill>
+          <a:blip r:embed="rId3" cstate="print">
+            <a:extLst>
+              <a:ext uri="{28A0092B-C50C-407E-A947-70E740481C1C}">
+                <a14:useLocalDpi xmlns:a14="http://schemas.microsoft.com/office/drawing/2010/main" val="0"/>
+              </a:ext>
+            </a:extLst>
+          </a:blip>
+          <a:srcRect/>
+          <a:stretch>
+            <a:fillRect/>
+          </a:stretch>
+        </p:blipFill>
+        <p:spPr bwMode="auto">
+          <a:xfrm>
+            <a:off x="1196304" y="990600"/>
+            <a:ext cx="6656099" cy="3186430"/>
+          </a:xfrm>
+          <a:prstGeom prst="rect">
+            <a:avLst/>
+          </a:prstGeom>
+          <a:noFill/>
+          <a:extLst>
+            <a:ext uri="{909E8E84-426E-40DD-AFC4-6F175D3DCCD1}">
+              <a14:hiddenFill xmlns:a14="http://schemas.microsoft.com/office/drawing/2010/main">
+                <a:solidFill>
+                  <a:srgbClr val="FFFFFF"/>
+                </a:solidFill>
+              </a14:hiddenFill>
+            </a:ext>
+          </a:extLst>
+        </p:spPr>
+      </p:pic>
+      <p:sp>
+        <p:nvSpPr>
+          <p:cNvPr id="21" name="Rectangle 20"/>
+          <p:cNvSpPr/>
+          <p:nvPr/>
+        </p:nvSpPr>
+        <p:spPr>
+          <a:xfrm>
+            <a:off x="2591815" y="5010307"/>
+            <a:ext cx="3782125" cy="307777"/>
+          </a:xfrm>
+          <a:prstGeom prst="rect">
+            <a:avLst/>
+          </a:prstGeom>
+        </p:spPr>
+        <p:txBody>
+          <a:bodyPr wrap="none">
+            <a:spAutoFit/>
+          </a:bodyPr>
+          <a:lstStyle/>
+          <a:p>
+            <a:pPr algn="ctr"/>
+            <a:r>
+              <a:rPr lang="en-US" sz="1400" dirty="0" smtClean="0"/>
+              <a:t>unless we say scope: true – in this case prototype</a:t>
+            </a:r>
+            <a:endParaRPr lang="ru-RU" sz="1400" dirty="0"/>
+          </a:p>
+        </p:txBody>
+      </p:sp>
+    </p:spTree>
+    <p:extLst>
+      <p:ext uri="{BB962C8B-B14F-4D97-AF65-F5344CB8AC3E}">
+        <p14:creationId xmlns:p14="http://schemas.microsoft.com/office/powerpoint/2010/main" val="3825005050"/>
+      </p:ext>
+    </p:extLst>
+  </p:cSld>
+  <p:clrMapOvr>
+    <a:masterClrMapping/>
+  </p:clrMapOvr>
+  <mc:AlternateContent xmlns:mc="http://schemas.openxmlformats.org/markup-compatibility/2006" xmlns:p14="http://schemas.microsoft.com/office/powerpoint/2010/main">
+    <mc:Choice Requires="p14">
+      <p:transition spd="slow" p14:dur="2000"/>
+    </mc:Choice>
+    <mc:Fallback xmlns="">
+      <p:transition spd="slow"/>
+    </mc:Fallback>
+  </mc:AlternateContent>
+  <p:timing>
+    <p:tnLst>
+      <p:par>
+        <p:cTn id="1" dur="indefinite" restart="never" nodeType="tmRoot">
+          <p:childTnLst>
+            <p:seq concurrent="1" nextAc="seek">
+              <p:cTn id="2" dur="indefinite" nodeType="mainSeq">
+                <p:childTnLst>
+                  <p:par>
+                    <p:cTn id="3" fill="hold">
+                      <p:stCondLst>
+                        <p:cond delay="indefinite"/>
+                      </p:stCondLst>
+                      <p:childTnLst>
+                        <p:par>
+                          <p:cTn id="4" fill="hold">
+                            <p:stCondLst>
+                              <p:cond delay="0"/>
+                            </p:stCondLst>
+                            <p:childTnLst>
+                              <p:par>
+                                <p:cTn id="5" presetID="1" presetClass="entr" presetSubtype="0" fill="hold" grpId="0" nodeType="clickEffect">
+                                  <p:stCondLst>
+                                    <p:cond delay="0"/>
+                                  </p:stCondLst>
+                                  <p:childTnLst>
+                                    <p:set>
+                                      <p:cBhvr>
+                                        <p:cTn id="6" dur="1" fill="hold">
+                                          <p:stCondLst>
+                                            <p:cond delay="0"/>
+                                          </p:stCondLst>
+                                        </p:cTn>
+                                        <p:tgtEl>
+                                          <p:spTgt spid="17"/>
+                                        </p:tgtEl>
+                                        <p:attrNameLst>
+                                          <p:attrName>style.visibility</p:attrName>
+                                        </p:attrNameLst>
+                                      </p:cBhvr>
+                                      <p:to>
+                                        <p:strVal val="visible"/>
+                                      </p:to>
+                                    </p:set>
+                                  </p:childTnLst>
+                                </p:cTn>
+                              </p:par>
+                            </p:childTnLst>
+                          </p:cTn>
+                        </p:par>
+                      </p:childTnLst>
+                    </p:cTn>
+                  </p:par>
+                  <p:par>
+                    <p:cTn id="7" fill="hold">
+                      <p:stCondLst>
+                        <p:cond delay="indefinite"/>
+                      </p:stCondLst>
+                      <p:childTnLst>
+                        <p:par>
+                          <p:cTn id="8" fill="hold">
+                            <p:stCondLst>
+                              <p:cond delay="0"/>
+                            </p:stCondLst>
+                            <p:childTnLst>
+                              <p:par>
+                                <p:cTn id="9" presetID="1" presetClass="entr" presetSubtype="0" fill="hold" nodeType="clickEffect">
+                                  <p:stCondLst>
+                                    <p:cond delay="0"/>
+                                  </p:stCondLst>
+                                  <p:childTnLst>
+                                    <p:set>
+                                      <p:cBhvr>
+                                        <p:cTn id="10" dur="1" fill="hold">
+                                          <p:stCondLst>
+                                            <p:cond delay="0"/>
+                                          </p:stCondLst>
+                                        </p:cTn>
+                                        <p:tgtEl>
+                                          <p:spTgt spid="4098"/>
                                         </p:tgtEl>
                                         <p:attrNameLst>
                                           <p:attrName>style.visibility</p:attrName>
@@ -12649,7 +14714,7 @@
                                           </p:stCondLst>
                                         </p:cTn>
                                         <p:tgtEl>
-                                          <p:spTgt spid="30"/>
+                                          <p:spTgt spid="24"/>
                                         </p:tgtEl>
                                         <p:attrNameLst>
                                           <p:attrName>style.visibility</p:attrName>
@@ -12694,7 +14759,7 @@
                                           </p:stCondLst>
                                         </p:cTn>
                                         <p:tgtEl>
-                                          <p:spTgt spid="34"/>
+                                          <p:spTgt spid="21"/>
                                         </p:tgtEl>
                                         <p:attrNameLst>
                                           <p:attrName>style.visibility</p:attrName>
@@ -12735,225 +14800,10 @@
       </p:par>
     </p:tnLst>
     <p:bldLst>
-      <p:bldP spid="5" grpId="0" animBg="1"/>
-      <p:bldP spid="23" grpId="0" animBg="1"/>
-      <p:bldP spid="30" grpId="0" animBg="1"/>
-      <p:bldP spid="34" grpId="0" animBg="1"/>
+      <p:bldP spid="24" grpId="0"/>
+      <p:bldP spid="17" grpId="0"/>
+      <p:bldP spid="21" grpId="0"/>
     </p:bldLst>
-  </p:timing>
-</p:sld>
-</file>
-
-<file path=ppt/slides/slide6.xml><?xml version="1.0" encoding="utf-8"?>
-<p:sld xmlns:a="http://schemas.openxmlformats.org/drawingml/2006/main" xmlns:r="http://schemas.openxmlformats.org/officeDocument/2006/relationships" xmlns:p="http://schemas.openxmlformats.org/presentationml/2006/main">
-  <p:cSld>
-    <p:spTree>
-      <p:nvGrpSpPr>
-        <p:cNvPr id="1" name=""/>
-        <p:cNvGrpSpPr/>
-        <p:nvPr/>
-      </p:nvGrpSpPr>
-      <p:grpSpPr>
-        <a:xfrm>
-          <a:off x="0" y="0"/>
-          <a:ext cx="0" cy="0"/>
-          <a:chOff x="0" y="0"/>
-          <a:chExt cx="0" cy="0"/>
-        </a:xfrm>
-      </p:grpSpPr>
-      <p:sp>
-        <p:nvSpPr>
-          <p:cNvPr id="10" name="Rectangle 9"/>
-          <p:cNvSpPr/>
-          <p:nvPr/>
-        </p:nvSpPr>
-        <p:spPr>
-          <a:xfrm>
-            <a:off x="938630" y="392668"/>
-            <a:ext cx="4177619" cy="369332"/>
-          </a:xfrm>
-          <a:prstGeom prst="rect">
-            <a:avLst/>
-          </a:prstGeom>
-        </p:spPr>
-        <p:txBody>
-          <a:bodyPr wrap="none">
-            <a:spAutoFit/>
-          </a:bodyPr>
-          <a:lstStyle/>
-          <a:p>
-            <a:pPr algn="ctr"/>
-            <a:r>
-              <a:rPr lang="en-US" dirty="0" smtClean="0"/>
-              <a:t>directives inherit the scope from container</a:t>
-            </a:r>
-            <a:endParaRPr lang="ru-RU" dirty="0"/>
-          </a:p>
-        </p:txBody>
-      </p:sp>
-      <p:sp>
-        <p:nvSpPr>
-          <p:cNvPr id="24" name="Rectangle 23"/>
-          <p:cNvSpPr/>
-          <p:nvPr/>
-        </p:nvSpPr>
-        <p:spPr>
-          <a:xfrm>
-            <a:off x="1010613" y="4495800"/>
-            <a:ext cx="6944530" cy="461665"/>
-          </a:xfrm>
-          <a:prstGeom prst="rect">
-            <a:avLst/>
-          </a:prstGeom>
-        </p:spPr>
-        <p:txBody>
-          <a:bodyPr wrap="none">
-            <a:spAutoFit/>
-          </a:bodyPr>
-          <a:lstStyle/>
-          <a:p>
-            <a:pPr algn="ctr"/>
-            <a:r>
-              <a:rPr lang="en-US" sz="2400" dirty="0" smtClean="0"/>
-              <a:t>isolated scope has $parent which is NOT it’s prototype</a:t>
-            </a:r>
-            <a:endParaRPr lang="ru-RU" sz="2400" dirty="0"/>
-          </a:p>
-        </p:txBody>
-      </p:sp>
-      <p:sp>
-        <p:nvSpPr>
-          <p:cNvPr id="17" name="Rectangle 16"/>
-          <p:cNvSpPr/>
-          <p:nvPr/>
-        </p:nvSpPr>
-        <p:spPr>
-          <a:xfrm>
-            <a:off x="5192449" y="392668"/>
-            <a:ext cx="2732351" cy="369332"/>
-          </a:xfrm>
-          <a:prstGeom prst="rect">
-            <a:avLst/>
-          </a:prstGeom>
-        </p:spPr>
-        <p:txBody>
-          <a:bodyPr wrap="none">
-            <a:spAutoFit/>
-          </a:bodyPr>
-          <a:lstStyle/>
-          <a:p>
-            <a:pPr algn="ctr"/>
-            <a:r>
-              <a:rPr lang="en-US" dirty="0" smtClean="0"/>
-              <a:t>…until we </a:t>
-            </a:r>
-            <a:r>
-              <a:rPr lang="en-US" b="1" dirty="0" smtClean="0"/>
-              <a:t>isolate</a:t>
-            </a:r>
-            <a:r>
-              <a:rPr lang="en-US" dirty="0" smtClean="0"/>
-              <a:t> the scope</a:t>
-            </a:r>
-            <a:endParaRPr lang="ru-RU" dirty="0"/>
-          </a:p>
-        </p:txBody>
-      </p:sp>
-      <p:pic>
-        <p:nvPicPr>
-          <p:cNvPr id="4098" name="Picture 2" descr="https://www.webpt.com/sites/default/files/images/resources/201602_blog_whyyoushouldnttrackoutcomesinisolation_1.png"/>
-          <p:cNvPicPr>
-            <a:picLocks noChangeAspect="1" noChangeArrowheads="1"/>
-          </p:cNvPicPr>
-          <p:nvPr/>
-        </p:nvPicPr>
-        <p:blipFill>
-          <a:blip r:embed="rId3" cstate="print">
-            <a:extLst>
-              <a:ext uri="{28A0092B-C50C-407E-A947-70E740481C1C}">
-                <a14:useLocalDpi xmlns:a14="http://schemas.microsoft.com/office/drawing/2010/main" val="0"/>
-              </a:ext>
-            </a:extLst>
-          </a:blip>
-          <a:srcRect/>
-          <a:stretch>
-            <a:fillRect/>
-          </a:stretch>
-        </p:blipFill>
-        <p:spPr bwMode="auto">
-          <a:xfrm>
-            <a:off x="1196304" y="990600"/>
-            <a:ext cx="6656099" cy="3186430"/>
-          </a:xfrm>
-          <a:prstGeom prst="rect">
-            <a:avLst/>
-          </a:prstGeom>
-          <a:noFill/>
-          <a:extLst>
-            <a:ext uri="{909E8E84-426E-40DD-AFC4-6F175D3DCCD1}">
-              <a14:hiddenFill xmlns:a14="http://schemas.microsoft.com/office/drawing/2010/main">
-                <a:solidFill>
-                  <a:srgbClr val="FFFFFF"/>
-                </a:solidFill>
-              </a14:hiddenFill>
-            </a:ext>
-          </a:extLst>
-        </p:spPr>
-      </p:pic>
-      <p:sp>
-        <p:nvSpPr>
-          <p:cNvPr id="21" name="Rectangle 20"/>
-          <p:cNvSpPr/>
-          <p:nvPr/>
-        </p:nvSpPr>
-        <p:spPr>
-          <a:xfrm>
-            <a:off x="2591815" y="5010307"/>
-            <a:ext cx="3782125" cy="307777"/>
-          </a:xfrm>
-          <a:prstGeom prst="rect">
-            <a:avLst/>
-          </a:prstGeom>
-        </p:spPr>
-        <p:txBody>
-          <a:bodyPr wrap="none">
-            <a:spAutoFit/>
-          </a:bodyPr>
-          <a:lstStyle/>
-          <a:p>
-            <a:pPr algn="ctr"/>
-            <a:r>
-              <a:rPr lang="en-US" sz="1400" dirty="0" smtClean="0"/>
-              <a:t>unless we say scope: true – in this case prototype</a:t>
-            </a:r>
-            <a:endParaRPr lang="ru-RU" sz="1400" dirty="0"/>
-          </a:p>
-        </p:txBody>
-      </p:sp>
-    </p:spTree>
-    <p:extLst>
-      <p:ext uri="{BB962C8B-B14F-4D97-AF65-F5344CB8AC3E}">
-        <p14:creationId xmlns:p14="http://schemas.microsoft.com/office/powerpoint/2010/main" val="3825005050"/>
-      </p:ext>
-    </p:extLst>
-  </p:cSld>
-  <p:clrMapOvr>
-    <a:masterClrMapping/>
-  </p:clrMapOvr>
-  <mc:AlternateContent xmlns:mc="http://schemas.openxmlformats.org/markup-compatibility/2006" xmlns:p14="http://schemas.microsoft.com/office/powerpoint/2010/main">
-    <mc:Choice Requires="p14">
-      <p:transition spd="slow" p14:dur="2000"/>
-    </mc:Choice>
-    <mc:Fallback xmlns="">
-      <p:transition spd="slow"/>
-    </mc:Fallback>
-  </mc:AlternateContent>
-  <p:timing>
-    <p:tnLst>
-      <p:par>
-        <p:cTn id="1" dur="indefinite" restart="never" nodeType="tmRoot"/>
-      </p:par>
-    </p:tnLst>
   </p:timing>
 </p:sld>
 </file>
@@ -14322,7 +16172,7 @@
                                           </p:stCondLst>
                                         </p:cTn>
                                         <p:tgtEl>
-                                          <p:spTgt spid="12"/>
+                                          <p:spTgt spid="10"/>
                                         </p:tgtEl>
                                         <p:attrNameLst>
                                           <p:attrName>style.visibility</p:attrName>
@@ -14335,33 +16185,15 @@
                                   </p:childTnLst>
                                 </p:cTn>
                               </p:par>
-                            </p:childTnLst>
-                          </p:cTn>
-                        </p:par>
-                      </p:childTnLst>
-                    </p:cTn>
-                  </p:par>
-                  <p:par>
-                    <p:cTn id="7" fill="hold">
-                      <p:stCondLst>
-                        <p:cond delay="indefinite"/>
-                      </p:stCondLst>
-                      <p:childTnLst>
-                        <p:par>
-                          <p:cTn id="8" fill="hold">
-                            <p:stCondLst>
-                              <p:cond delay="0"/>
-                            </p:stCondLst>
-                            <p:childTnLst>
                               <p:par>
-                                <p:cTn id="9" presetID="1" presetClass="entr" presetSubtype="0" fill="hold" grpId="0" nodeType="clickEffect">
+                                <p:cTn id="7" presetID="1" presetClass="entr" presetSubtype="0" fill="hold" grpId="0" nodeType="withEffect">
                                   <p:stCondLst>
                                     <p:cond delay="0"/>
                                   </p:stCondLst>
                                   <p:childTnLst>
                                     <p:set>
                                       <p:cBhvr>
-                                        <p:cTn id="10" dur="1" fill="hold">
+                                        <p:cTn id="8" dur="1" fill="hold">
                                           <p:stCondLst>
                                             <p:cond delay="0"/>
                                           </p:stCondLst>
@@ -14387,32 +16219,32 @@
                     </p:cTn>
                   </p:par>
                   <p:par>
-                    <p:cTn id="11" fill="hold">
+                    <p:cTn id="9" fill="hold">
                       <p:stCondLst>
                         <p:cond delay="indefinite"/>
                       </p:stCondLst>
                       <p:childTnLst>
                         <p:par>
-                          <p:cTn id="12" fill="hold">
+                          <p:cTn id="10" fill="hold">
                             <p:stCondLst>
                               <p:cond delay="0"/>
                             </p:stCondLst>
                             <p:childTnLst>
                               <p:par>
-                                <p:cTn id="13" presetID="1" presetClass="entr" presetSubtype="0" fill="hold" grpId="0" nodeType="clickEffect">
+                                <p:cTn id="11" presetID="1" presetClass="entr" presetSubtype="0" fill="hold" grpId="0" nodeType="clickEffect">
                                   <p:stCondLst>
                                     <p:cond delay="0"/>
                                   </p:stCondLst>
                                   <p:childTnLst>
                                     <p:set>
                                       <p:cBhvr>
-                                        <p:cTn id="14" dur="1" fill="hold">
+                                        <p:cTn id="12" dur="1" fill="hold">
                                           <p:stCondLst>
                                             <p:cond delay="0"/>
                                           </p:stCondLst>
                                         </p:cTn>
                                         <p:tgtEl>
-                                          <p:spTgt spid="19"/>
+                                          <p:spTgt spid="16"/>
                                         </p:tgtEl>
                                         <p:attrNameLst>
                                           <p:attrName>style.visibility</p:attrName>
@@ -14432,19 +16264,46 @@
                     </p:cTn>
                   </p:par>
                   <p:par>
-                    <p:cTn id="15" fill="hold">
+                    <p:cTn id="13" fill="hold">
                       <p:stCondLst>
                         <p:cond delay="indefinite"/>
                       </p:stCondLst>
                       <p:childTnLst>
                         <p:par>
-                          <p:cTn id="16" fill="hold">
+                          <p:cTn id="14" fill="hold">
                             <p:stCondLst>
                               <p:cond delay="0"/>
                             </p:stCondLst>
                             <p:childTnLst>
                               <p:par>
-                                <p:cTn id="17" presetID="1" presetClass="entr" presetSubtype="0" fill="hold" grpId="0" nodeType="clickEffect">
+                                <p:cTn id="15" presetID="1" presetClass="entr" presetSubtype="0" fill="hold" grpId="0" nodeType="clickEffect">
+                                  <p:stCondLst>
+                                    <p:cond delay="0"/>
+                                  </p:stCondLst>
+                                  <p:childTnLst>
+                                    <p:set>
+                                      <p:cBhvr>
+                                        <p:cTn id="16" dur="1" fill="hold">
+                                          <p:stCondLst>
+                                            <p:cond delay="0"/>
+                                          </p:stCondLst>
+                                        </p:cTn>
+                                        <p:tgtEl>
+                                          <p:spTgt spid="17"/>
+                                        </p:tgtEl>
+                                        <p:attrNameLst>
+                                          <p:attrName>style.visibility</p:attrName>
+                                        </p:attrNameLst>
+                                      </p:cBhvr>
+                                      <p:to>
+                                        <p:strVal val="visible"/>
+                                      </p:to>
+                                    </p:set>
+                                  </p:childTnLst>
+                                </p:cTn>
+                              </p:par>
+                              <p:par>
+                                <p:cTn id="17" presetID="1" presetClass="entr" presetSubtype="0" fill="hold" grpId="0" nodeType="withEffect">
                                   <p:stCondLst>
                                     <p:cond delay="0"/>
                                   </p:stCondLst>
@@ -14457,7 +16316,7 @@
                                           </p:stCondLst>
                                         </p:cTn>
                                         <p:tgtEl>
-                                          <p:spTgt spid="22"/>
+                                          <p:spTgt spid="12"/>
                                         </p:tgtEl>
                                         <p:attrNameLst>
                                           <p:attrName>style.visibility</p:attrName>
@@ -14502,6 +16361,33 @@
                                           </p:stCondLst>
                                         </p:cTn>
                                         <p:tgtEl>
+                                          <p:spTgt spid="23"/>
+                                        </p:tgtEl>
+                                        <p:attrNameLst>
+                                          <p:attrName>style.visibility</p:attrName>
+                                        </p:attrNameLst>
+                                      </p:cBhvr>
+                                      <p:to>
+                                        <p:strVal val="visible"/>
+                                      </p:to>
+                                    </p:set>
+                                  </p:childTnLst>
+                                </p:cTn>
+                              </p:par>
+                              <p:par>
+                                <p:cTn id="23" presetID="1" presetClass="entr" presetSubtype="0" fill="hold" grpId="0" nodeType="withEffect">
+                                  <p:stCondLst>
+                                    <p:cond delay="0"/>
+                                  </p:stCondLst>
+                                  <p:childTnLst>
+                                    <p:set>
+                                      <p:cBhvr>
+                                        <p:cTn id="24" dur="1" fill="hold">
+                                          <p:stCondLst>
+                                            <p:cond delay="0"/>
+                                          </p:stCondLst>
+                                        </p:cTn>
+                                        <p:tgtEl>
                                           <p:spTgt spid="25"/>
                                         </p:tgtEl>
                                         <p:attrNameLst>
@@ -14522,32 +16408,248 @@
                     </p:cTn>
                   </p:par>
                   <p:par>
-                    <p:cTn id="23" fill="hold">
+                    <p:cTn id="25" fill="hold">
                       <p:stCondLst>
                         <p:cond delay="indefinite"/>
                       </p:stCondLst>
                       <p:childTnLst>
                         <p:par>
-                          <p:cTn id="24" fill="hold">
+                          <p:cTn id="26" fill="hold">
                             <p:stCondLst>
                               <p:cond delay="0"/>
                             </p:stCondLst>
                             <p:childTnLst>
                               <p:par>
-                                <p:cTn id="25" presetID="1" presetClass="entr" presetSubtype="0" fill="hold" grpId="0" nodeType="clickEffect">
+                                <p:cTn id="27" presetID="1" presetClass="entr" presetSubtype="0" fill="hold" grpId="0" nodeType="clickEffect">
                                   <p:stCondLst>
                                     <p:cond delay="0"/>
                                   </p:stCondLst>
                                   <p:childTnLst>
                                     <p:set>
                                       <p:cBhvr>
-                                        <p:cTn id="26" dur="1" fill="hold">
+                                        <p:cTn id="28" dur="1" fill="hold">
+                                          <p:stCondLst>
+                                            <p:cond delay="0"/>
+                                          </p:stCondLst>
+                                        </p:cTn>
+                                        <p:tgtEl>
+                                          <p:spTgt spid="18"/>
+                                        </p:tgtEl>
+                                        <p:attrNameLst>
+                                          <p:attrName>style.visibility</p:attrName>
+                                        </p:attrNameLst>
+                                      </p:cBhvr>
+                                      <p:to>
+                                        <p:strVal val="visible"/>
+                                      </p:to>
+                                    </p:set>
+                                  </p:childTnLst>
+                                </p:cTn>
+                              </p:par>
+                              <p:par>
+                                <p:cTn id="29" presetID="1" presetClass="entr" presetSubtype="0" fill="hold" grpId="0" nodeType="withEffect">
+                                  <p:stCondLst>
+                                    <p:cond delay="0"/>
+                                  </p:stCondLst>
+                                  <p:childTnLst>
+                                    <p:set>
+                                      <p:cBhvr>
+                                        <p:cTn id="30" dur="1" fill="hold">
+                                          <p:stCondLst>
+                                            <p:cond delay="0"/>
+                                          </p:stCondLst>
+                                        </p:cTn>
+                                        <p:tgtEl>
+                                          <p:spTgt spid="19"/>
+                                        </p:tgtEl>
+                                        <p:attrNameLst>
+                                          <p:attrName>style.visibility</p:attrName>
+                                        </p:attrNameLst>
+                                      </p:cBhvr>
+                                      <p:to>
+                                        <p:strVal val="visible"/>
+                                      </p:to>
+                                    </p:set>
+                                  </p:childTnLst>
+                                </p:cTn>
+                              </p:par>
+                            </p:childTnLst>
+                          </p:cTn>
+                        </p:par>
+                      </p:childTnLst>
+                    </p:cTn>
+                  </p:par>
+                  <p:par>
+                    <p:cTn id="31" fill="hold">
+                      <p:stCondLst>
+                        <p:cond delay="indefinite"/>
+                      </p:stCondLst>
+                      <p:childTnLst>
+                        <p:par>
+                          <p:cTn id="32" fill="hold">
+                            <p:stCondLst>
+                              <p:cond delay="0"/>
+                            </p:stCondLst>
+                            <p:childTnLst>
+                              <p:par>
+                                <p:cTn id="33" presetID="1" presetClass="entr" presetSubtype="0" fill="hold" grpId="0" nodeType="clickEffect">
+                                  <p:stCondLst>
+                                    <p:cond delay="0"/>
+                                  </p:stCondLst>
+                                  <p:childTnLst>
+                                    <p:set>
+                                      <p:cBhvr>
+                                        <p:cTn id="34" dur="1" fill="hold">
+                                          <p:stCondLst>
+                                            <p:cond delay="0"/>
+                                          </p:stCondLst>
+                                        </p:cTn>
+                                        <p:tgtEl>
+                                          <p:spTgt spid="26"/>
+                                        </p:tgtEl>
+                                        <p:attrNameLst>
+                                          <p:attrName>style.visibility</p:attrName>
+                                        </p:attrNameLst>
+                                      </p:cBhvr>
+                                      <p:to>
+                                        <p:strVal val="visible"/>
+                                      </p:to>
+                                    </p:set>
+                                  </p:childTnLst>
+                                </p:cTn>
+                              </p:par>
+                              <p:par>
+                                <p:cTn id="35" presetID="1" presetClass="entr" presetSubtype="0" fill="hold" grpId="0" nodeType="withEffect">
+                                  <p:stCondLst>
+                                    <p:cond delay="0"/>
+                                  </p:stCondLst>
+                                  <p:childTnLst>
+                                    <p:set>
+                                      <p:cBhvr>
+                                        <p:cTn id="36" dur="1" fill="hold">
                                           <p:stCondLst>
                                             <p:cond delay="0"/>
                                           </p:stCondLst>
                                         </p:cTn>
                                         <p:tgtEl>
                                           <p:spTgt spid="27"/>
+                                        </p:tgtEl>
+                                        <p:attrNameLst>
+                                          <p:attrName>style.visibility</p:attrName>
+                                        </p:attrNameLst>
+                                      </p:cBhvr>
+                                      <p:to>
+                                        <p:strVal val="visible"/>
+                                      </p:to>
+                                    </p:set>
+                                  </p:childTnLst>
+                                </p:cTn>
+                              </p:par>
+                            </p:childTnLst>
+                          </p:cTn>
+                        </p:par>
+                      </p:childTnLst>
+                    </p:cTn>
+                  </p:par>
+                  <p:par>
+                    <p:cTn id="37" fill="hold">
+                      <p:stCondLst>
+                        <p:cond delay="indefinite"/>
+                      </p:stCondLst>
+                      <p:childTnLst>
+                        <p:par>
+                          <p:cTn id="38" fill="hold">
+                            <p:stCondLst>
+                              <p:cond delay="0"/>
+                            </p:stCondLst>
+                            <p:childTnLst>
+                              <p:par>
+                                <p:cTn id="39" presetID="1" presetClass="entr" presetSubtype="0" fill="hold" grpId="0" nodeType="clickEffect">
+                                  <p:stCondLst>
+                                    <p:cond delay="0"/>
+                                  </p:stCondLst>
+                                  <p:childTnLst>
+                                    <p:set>
+                                      <p:cBhvr>
+                                        <p:cTn id="40" dur="1" fill="hold">
+                                          <p:stCondLst>
+                                            <p:cond delay="0"/>
+                                          </p:stCondLst>
+                                        </p:cTn>
+                                        <p:tgtEl>
+                                          <p:spTgt spid="21"/>
+                                        </p:tgtEl>
+                                        <p:attrNameLst>
+                                          <p:attrName>style.visibility</p:attrName>
+                                        </p:attrNameLst>
+                                      </p:cBhvr>
+                                      <p:to>
+                                        <p:strVal val="visible"/>
+                                      </p:to>
+                                    </p:set>
+                                  </p:childTnLst>
+                                </p:cTn>
+                              </p:par>
+                              <p:par>
+                                <p:cTn id="41" presetID="1" presetClass="entr" presetSubtype="0" fill="hold" grpId="0" nodeType="withEffect">
+                                  <p:stCondLst>
+                                    <p:cond delay="0"/>
+                                  </p:stCondLst>
+                                  <p:childTnLst>
+                                    <p:set>
+                                      <p:cBhvr>
+                                        <p:cTn id="42" dur="1" fill="hold">
+                                          <p:stCondLst>
+                                            <p:cond delay="0"/>
+                                          </p:stCondLst>
+                                        </p:cTn>
+                                        <p:tgtEl>
+                                          <p:spTgt spid="22"/>
+                                        </p:tgtEl>
+                                        <p:attrNameLst>
+                                          <p:attrName>style.visibility</p:attrName>
+                                        </p:attrNameLst>
+                                      </p:cBhvr>
+                                      <p:to>
+                                        <p:strVal val="visible"/>
+                                      </p:to>
+                                    </p:set>
+                                  </p:childTnLst>
+                                </p:cTn>
+                              </p:par>
+                            </p:childTnLst>
+                          </p:cTn>
+                        </p:par>
+                      </p:childTnLst>
+                    </p:cTn>
+                  </p:par>
+                  <p:par>
+                    <p:cTn id="43" fill="hold">
+                      <p:stCondLst>
+                        <p:cond delay="indefinite"/>
+                      </p:stCondLst>
+                      <p:childTnLst>
+                        <p:par>
+                          <p:cTn id="44" fill="hold">
+                            <p:stCondLst>
+                              <p:cond delay="0"/>
+                            </p:stCondLst>
+                            <p:childTnLst>
+                              <p:par>
+                                <p:cTn id="45" presetID="1" presetClass="entr" presetSubtype="0" fill="hold" grpId="0" nodeType="clickEffect">
+                                  <p:stCondLst>
+                                    <p:cond delay="0"/>
+                                  </p:stCondLst>
+                                  <p:childTnLst>
+                                    <p:set>
+                                      <p:cBhvr>
+                                        <p:cTn id="46" dur="1" fill="hold">
+                                          <p:stCondLst>
+                                            <p:cond delay="0"/>
+                                          </p:stCondLst>
+                                        </p:cTn>
+                                        <p:tgtEl>
+                                          <p:spTgt spid="20"/>
                                         </p:tgtEl>
                                         <p:attrNameLst>
                                           <p:attrName>style.visibility</p:attrName>
@@ -14588,11 +16690,19 @@
       </p:par>
     </p:tnLst>
     <p:bldLst>
+      <p:bldP spid="10" grpId="0"/>
+      <p:bldP spid="17" grpId="0"/>
       <p:bldP spid="12" grpId="0" animBg="1"/>
       <p:bldP spid="13" grpId="0" animBg="1"/>
+      <p:bldP spid="16" grpId="0"/>
+      <p:bldP spid="18" grpId="0"/>
       <p:bldP spid="19" grpId="0" animBg="1"/>
+      <p:bldP spid="20" grpId="0"/>
+      <p:bldP spid="21" grpId="0"/>
       <p:bldP spid="22" grpId="0" animBg="1"/>
+      <p:bldP spid="23" grpId="0"/>
       <p:bldP spid="25" grpId="0" animBg="1"/>
+      <p:bldP spid="26" grpId="0"/>
       <p:bldP spid="27" grpId="0" animBg="1"/>
     </p:bldLst>
   </p:timing>
@@ -15518,39 +17628,21 @@
                                   </p:childTnLst>
                                 </p:cTn>
                               </p:par>
-                            </p:childTnLst>
-                          </p:cTn>
-                        </p:par>
-                      </p:childTnLst>
-                    </p:cTn>
-                  </p:par>
-                  <p:par>
-                    <p:cTn id="7" fill="hold">
-                      <p:stCondLst>
-                        <p:cond delay="indefinite"/>
-                      </p:stCondLst>
-                      <p:childTnLst>
-                        <p:par>
-                          <p:cTn id="8" fill="hold">
-                            <p:stCondLst>
-                              <p:cond delay="0"/>
-                            </p:stCondLst>
-                            <p:childTnLst>
                               <p:par>
-                                <p:cTn id="9" presetID="1" presetClass="entr" presetSubtype="0" fill="hold" grpId="0" nodeType="clickEffect">
+                                <p:cTn id="7" presetID="1" presetClass="entr" presetSubtype="0" fill="hold" grpId="0" nodeType="withEffect">
                                   <p:stCondLst>
                                     <p:cond delay="0"/>
                                   </p:stCondLst>
                                   <p:childTnLst>
                                     <p:set>
                                       <p:cBhvr>
-                                        <p:cTn id="10" dur="1" fill="hold">
+                                        <p:cTn id="8" dur="1" fill="hold">
                                           <p:stCondLst>
                                             <p:cond delay="0"/>
                                           </p:stCondLst>
                                         </p:cTn>
                                         <p:tgtEl>
-                                          <p:spTgt spid="21"/>
+                                          <p:spTgt spid="22"/>
                                         </p:tgtEl>
                                         <p:attrNameLst>
                                           <p:attrName>style.visibility</p:attrName>
@@ -15570,19 +17662,46 @@
                     </p:cTn>
                   </p:par>
                   <p:par>
-                    <p:cTn id="11" fill="hold">
+                    <p:cTn id="9" fill="hold">
                       <p:stCondLst>
                         <p:cond delay="indefinite"/>
                       </p:stCondLst>
                       <p:childTnLst>
                         <p:par>
-                          <p:cTn id="12" fill="hold">
+                          <p:cTn id="10" fill="hold">
                             <p:stCondLst>
                               <p:cond delay="0"/>
                             </p:stCondLst>
                             <p:childTnLst>
                               <p:par>
-                                <p:cTn id="13" presetID="1" presetClass="entr" presetSubtype="0" fill="hold" grpId="0" nodeType="clickEffect">
+                                <p:cTn id="11" presetID="1" presetClass="entr" presetSubtype="0" fill="hold" nodeType="clickEffect">
+                                  <p:stCondLst>
+                                    <p:cond delay="0"/>
+                                  </p:stCondLst>
+                                  <p:childTnLst>
+                                    <p:set>
+                                      <p:cBhvr>
+                                        <p:cTn id="12" dur="1" fill="hold">
+                                          <p:stCondLst>
+                                            <p:cond delay="0"/>
+                                          </p:stCondLst>
+                                        </p:cTn>
+                                        <p:tgtEl>
+                                          <p:spTgt spid="11"/>
+                                        </p:tgtEl>
+                                        <p:attrNameLst>
+                                          <p:attrName>style.visibility</p:attrName>
+                                        </p:attrNameLst>
+                                      </p:cBhvr>
+                                      <p:to>
+                                        <p:strVal val="visible"/>
+                                      </p:to>
+                                    </p:set>
+                                  </p:childTnLst>
+                                </p:cTn>
+                              </p:par>
+                              <p:par>
+                                <p:cTn id="13" presetID="1" presetClass="entr" presetSubtype="0" fill="hold" grpId="0" nodeType="withEffect">
                                   <p:stCondLst>
                                     <p:cond delay="0"/>
                                   </p:stCondLst>
@@ -15608,6 +17727,33 @@
                                   </p:childTnLst>
                                 </p:cTn>
                               </p:par>
+                              <p:par>
+                                <p:cTn id="15" presetID="1" presetClass="entr" presetSubtype="0" fill="hold" grpId="0" nodeType="withEffect">
+                                  <p:stCondLst>
+                                    <p:cond delay="0"/>
+                                  </p:stCondLst>
+                                  <p:childTnLst>
+                                    <p:set>
+                                      <p:cBhvr>
+                                        <p:cTn id="16" dur="1" fill="hold">
+                                          <p:stCondLst>
+                                            <p:cond delay="0"/>
+                                          </p:stCondLst>
+                                        </p:cTn>
+                                        <p:tgtEl>
+                                          <p:spTgt spid="26"/>
+                                        </p:tgtEl>
+                                        <p:attrNameLst>
+                                          <p:attrName>style.visibility</p:attrName>
+                                        </p:attrNameLst>
+                                      </p:cBhvr>
+                                      <p:to>
+                                        <p:strVal val="visible"/>
+                                      </p:to>
+                                    </p:set>
+                                  </p:childTnLst>
+                                </p:cTn>
+                              </p:par>
                             </p:childTnLst>
                           </p:cTn>
                         </p:par>
@@ -15615,32 +17761,149 @@
                     </p:cTn>
                   </p:par>
                   <p:par>
-                    <p:cTn id="15" fill="hold">
+                    <p:cTn id="17" fill="hold">
                       <p:stCondLst>
                         <p:cond delay="indefinite"/>
                       </p:stCondLst>
                       <p:childTnLst>
                         <p:par>
-                          <p:cTn id="16" fill="hold">
+                          <p:cTn id="18" fill="hold">
                             <p:stCondLst>
                               <p:cond delay="0"/>
                             </p:stCondLst>
                             <p:childTnLst>
                               <p:par>
-                                <p:cTn id="17" presetID="1" presetClass="entr" presetSubtype="0" fill="hold" grpId="0" nodeType="clickEffect">
+                                <p:cTn id="19" presetID="1" presetClass="entr" presetSubtype="0" fill="hold" grpId="0" nodeType="clickEffect">
                                   <p:stCondLst>
                                     <p:cond delay="0"/>
                                   </p:stCondLst>
                                   <p:childTnLst>
                                     <p:set>
                                       <p:cBhvr>
-                                        <p:cTn id="18" dur="1" fill="hold">
+                                        <p:cTn id="20" dur="1" fill="hold">
+                                          <p:stCondLst>
+                                            <p:cond delay="0"/>
+                                          </p:stCondLst>
+                                        </p:cTn>
+                                        <p:tgtEl>
+                                          <p:spTgt spid="31"/>
+                                        </p:tgtEl>
+                                        <p:attrNameLst>
+                                          <p:attrName>style.visibility</p:attrName>
+                                        </p:attrNameLst>
+                                      </p:cBhvr>
+                                      <p:to>
+                                        <p:strVal val="visible"/>
+                                      </p:to>
+                                    </p:set>
+                                  </p:childTnLst>
+                                </p:cTn>
+                              </p:par>
+                              <p:par>
+                                <p:cTn id="21" presetID="1" presetClass="entr" presetSubtype="0" fill="hold" grpId="0" nodeType="withEffect">
+                                  <p:stCondLst>
+                                    <p:cond delay="0"/>
+                                  </p:stCondLst>
+                                  <p:childTnLst>
+                                    <p:set>
+                                      <p:cBhvr>
+                                        <p:cTn id="22" dur="1" fill="hold">
                                           <p:stCondLst>
                                             <p:cond delay="0"/>
                                           </p:stCondLst>
                                         </p:cTn>
                                         <p:tgtEl>
                                           <p:spTgt spid="33"/>
+                                        </p:tgtEl>
+                                        <p:attrNameLst>
+                                          <p:attrName>style.visibility</p:attrName>
+                                        </p:attrNameLst>
+                                      </p:cBhvr>
+                                      <p:to>
+                                        <p:strVal val="visible"/>
+                                      </p:to>
+                                    </p:set>
+                                  </p:childTnLst>
+                                </p:cTn>
+                              </p:par>
+                            </p:childTnLst>
+                          </p:cTn>
+                        </p:par>
+                      </p:childTnLst>
+                    </p:cTn>
+                  </p:par>
+                  <p:par>
+                    <p:cTn id="23" fill="hold">
+                      <p:stCondLst>
+                        <p:cond delay="indefinite"/>
+                      </p:stCondLst>
+                      <p:childTnLst>
+                        <p:par>
+                          <p:cTn id="24" fill="hold">
+                            <p:stCondLst>
+                              <p:cond delay="0"/>
+                            </p:stCondLst>
+                            <p:childTnLst>
+                              <p:par>
+                                <p:cTn id="25" presetID="1" presetClass="entr" presetSubtype="0" fill="hold" grpId="0" nodeType="clickEffect">
+                                  <p:stCondLst>
+                                    <p:cond delay="0"/>
+                                  </p:stCondLst>
+                                  <p:childTnLst>
+                                    <p:set>
+                                      <p:cBhvr>
+                                        <p:cTn id="26" dur="1" fill="hold">
+                                          <p:stCondLst>
+                                            <p:cond delay="0"/>
+                                          </p:stCondLst>
+                                        </p:cTn>
+                                        <p:tgtEl>
+                                          <p:spTgt spid="38"/>
+                                        </p:tgtEl>
+                                        <p:attrNameLst>
+                                          <p:attrName>style.visibility</p:attrName>
+                                        </p:attrNameLst>
+                                      </p:cBhvr>
+                                      <p:to>
+                                        <p:strVal val="visible"/>
+                                      </p:to>
+                                    </p:set>
+                                  </p:childTnLst>
+                                </p:cTn>
+                              </p:par>
+                            </p:childTnLst>
+                          </p:cTn>
+                        </p:par>
+                      </p:childTnLst>
+                    </p:cTn>
+                  </p:par>
+                  <p:par>
+                    <p:cTn id="27" fill="hold">
+                      <p:stCondLst>
+                        <p:cond delay="indefinite"/>
+                      </p:stCondLst>
+                      <p:childTnLst>
+                        <p:par>
+                          <p:cTn id="28" fill="hold">
+                            <p:stCondLst>
+                              <p:cond delay="0"/>
+                            </p:stCondLst>
+                            <p:childTnLst>
+                              <p:par>
+                                <p:cTn id="29" presetID="1" presetClass="entr" presetSubtype="0" fill="hold" grpId="0" nodeType="clickEffect">
+                                  <p:stCondLst>
+                                    <p:cond delay="0"/>
+                                  </p:stCondLst>
+                                  <p:childTnLst>
+                                    <p:set>
+                                      <p:cBhvr>
+                                        <p:cTn id="30" dur="1" fill="hold">
+                                          <p:stCondLst>
+                                            <p:cond delay="0"/>
+                                          </p:stCondLst>
+                                        </p:cTn>
+                                        <p:tgtEl>
+                                          <p:spTgt spid="36"/>
                                         </p:tgtEl>
                                         <p:attrNameLst>
                                           <p:attrName>style.visibility</p:attrName>
@@ -15682,9 +17945,13 @@
     </p:tnLst>
     <p:bldLst>
       <p:bldP spid="18" grpId="0" animBg="1"/>
-      <p:bldP spid="21" grpId="0" animBg="1"/>
+      <p:bldP spid="22" grpId="0"/>
+      <p:bldP spid="26" grpId="0"/>
       <p:bldP spid="27" grpId="0" animBg="1"/>
+      <p:bldP spid="31" grpId="0"/>
       <p:bldP spid="33" grpId="0" animBg="1"/>
+      <p:bldP spid="36" grpId="0"/>
+      <p:bldP spid="38" grpId="0"/>
     </p:bldLst>
   </p:timing>
 </p:sld>
@@ -15808,11 +18075,7 @@
             <a:pPr algn="ctr"/>
             <a:r>
               <a:rPr lang="en-US" dirty="0" smtClean="0"/>
-              <a:t>writing wrapping </a:t>
-            </a:r>
-            <a:r>
-              <a:rPr lang="en-US" dirty="0" smtClean="0"/>
-              <a:t>templates</a:t>
+              <a:t>writing wrapping templates</a:t>
             </a:r>
             <a:endParaRPr lang="ru-RU" dirty="0"/>
           </a:p>
@@ -15839,7 +18102,75 @@
   <p:timing>
     <p:tnLst>
       <p:par>
-        <p:cTn id="1" dur="indefinite" restart="never" nodeType="tmRoot"/>
+        <p:cTn id="1" dur="indefinite" restart="never" nodeType="tmRoot">
+          <p:childTnLst>
+            <p:seq concurrent="1" nextAc="seek">
+              <p:cTn id="2" dur="indefinite" nodeType="mainSeq">
+                <p:childTnLst>
+                  <p:par>
+                    <p:cTn id="3" fill="hold">
+                      <p:stCondLst>
+                        <p:cond delay="indefinite"/>
+                      </p:stCondLst>
+                      <p:childTnLst>
+                        <p:par>
+                          <p:cTn id="4" fill="hold">
+                            <p:stCondLst>
+                              <p:cond delay="0"/>
+                            </p:stCondLst>
+                            <p:childTnLst>
+                              <p:par>
+                                <p:cTn id="5" presetID="1" presetClass="entr" presetSubtype="0" fill="hold" nodeType="clickEffect">
+                                  <p:stCondLst>
+                                    <p:cond delay="0"/>
+                                  </p:stCondLst>
+                                  <p:childTnLst>
+                                    <p:set>
+                                      <p:cBhvr>
+                                        <p:cTn id="6" dur="1" fill="hold">
+                                          <p:stCondLst>
+                                            <p:cond delay="0"/>
+                                          </p:stCondLst>
+                                        </p:cTn>
+                                        <p:tgtEl>
+                                          <p:spTgt spid="9218"/>
+                                        </p:tgtEl>
+                                        <p:attrNameLst>
+                                          <p:attrName>style.visibility</p:attrName>
+                                        </p:attrNameLst>
+                                      </p:cBhvr>
+                                      <p:to>
+                                        <p:strVal val="visible"/>
+                                      </p:to>
+                                    </p:set>
+                                  </p:childTnLst>
+                                </p:cTn>
+                              </p:par>
+                            </p:childTnLst>
+                          </p:cTn>
+                        </p:par>
+                      </p:childTnLst>
+                    </p:cTn>
+                  </p:par>
+                </p:childTnLst>
+              </p:cTn>
+              <p:prevCondLst>
+                <p:cond evt="onPrev" delay="0">
+                  <p:tgtEl>
+                    <p:sldTgt/>
+                  </p:tgtEl>
+                </p:cond>
+              </p:prevCondLst>
+              <p:nextCondLst>
+                <p:cond evt="onNext" delay="0">
+                  <p:tgtEl>
+                    <p:sldTgt/>
+                  </p:tgtEl>
+                </p:cond>
+              </p:nextCondLst>
+            </p:seq>
+          </p:childTnLst>
+        </p:cTn>
       </p:par>
     </p:tnLst>
   </p:timing>
